--- a/final/基於分散式網路架構訓練階層式分類模型.pptx
+++ b/final/基於分散式網路架構訓練階層式分類模型.pptx
@@ -3769,15 +3769,7 @@
             </a:r>
             <a:r>
               <a:rPr lang="zh-TW" altLang="en-US" dirty="0" smtClean="0"/>
-              <a:t>階層</a:t>
-            </a:r>
-            <a:r>
-              <a:rPr lang="zh-TW" altLang="en-US" dirty="0" smtClean="0"/>
-              <a:t>式</a:t>
-            </a:r>
-            <a:r>
-              <a:rPr lang="zh-TW" altLang="en-US" dirty="0" smtClean="0"/>
-              <a:t>分類模型</a:t>
+              <a:t>階層式分類模型</a:t>
             </a:r>
             <a:endParaRPr lang="zh-TW" altLang="en-US" sz="4000" b="0" dirty="0"/>
           </a:p>
@@ -3905,12 +3897,36 @@
               <a:t>準確率</a:t>
             </a:r>
             <a:r>
-              <a:rPr lang="en-US" altLang="zh-TW" sz="2400" dirty="0" smtClean="0"/>
+              <a:rPr lang="en-US" altLang="zh-TW" sz="2400" dirty="0" smtClean="0">
+                <a:solidFill>
+                  <a:srgbClr val="FF0000"/>
+                </a:solidFill>
+              </a:rPr>
               <a:t>90%</a:t>
             </a:r>
             <a:r>
               <a:rPr lang="zh-TW" altLang="en-US" sz="2400" dirty="0" smtClean="0"/>
               <a:t>以上</a:t>
+            </a:r>
+            <a:endParaRPr lang="en-US" altLang="zh-TW" sz="2400" dirty="0" smtClean="0"/>
+          </a:p>
+          <a:p>
+            <a:pPr lvl="1"/>
+            <a:r>
+              <a:rPr lang="zh-TW" altLang="en-US" sz="2400" dirty="0" smtClean="0"/>
+              <a:t>分散式訓練時間</a:t>
+            </a:r>
+            <a:r>
+              <a:rPr lang="zh-TW" altLang="en-US" sz="2400" dirty="0" smtClean="0">
+                <a:solidFill>
+                  <a:srgbClr val="FF0000"/>
+                </a:solidFill>
+              </a:rPr>
+              <a:t>低於</a:t>
+            </a:r>
+            <a:r>
+              <a:rPr lang="zh-TW" altLang="en-US" sz="2400" dirty="0" smtClean="0"/>
+              <a:t>訓練單一模型時間</a:t>
             </a:r>
             <a:endParaRPr lang="zh-TW" altLang="en-US" sz="2400" dirty="0"/>
           </a:p>
@@ -4191,11 +4207,7 @@
             <a:pPr lvl="1"/>
             <a:r>
               <a:rPr lang="zh-TW" altLang="en-US" sz="2400" dirty="0" smtClean="0"/>
-              <a:t>網路傳輸</a:t>
-            </a:r>
-            <a:r>
-              <a:rPr lang="zh-TW" altLang="en-US" sz="2400" dirty="0" smtClean="0"/>
-              <a:t>介面</a:t>
+              <a:t>網路傳輸介面</a:t>
             </a:r>
             <a:endParaRPr lang="en-US" altLang="zh-TW" sz="2400" dirty="0" smtClean="0"/>
           </a:p>
@@ -4416,15 +4428,7 @@
             </a:r>
             <a:r>
               <a:rPr lang="zh-TW" altLang="en-US" sz="2400" dirty="0" smtClean="0"/>
-              <a:t>、</a:t>
-            </a:r>
-            <a:r>
-              <a:rPr lang="zh-TW" altLang="en-US" sz="2400" dirty="0" smtClean="0"/>
-              <a:t>決策</a:t>
-            </a:r>
-            <a:r>
-              <a:rPr lang="zh-TW" altLang="en-US" sz="2400" dirty="0" smtClean="0"/>
-              <a:t>樹</a:t>
+              <a:t>、決策樹</a:t>
             </a:r>
             <a:endParaRPr lang="en-US" altLang="zh-TW" sz="2400" dirty="0" smtClean="0"/>
           </a:p>

--- a/final/基於分散式網路架構訓練階層式分類模型.pptx
+++ b/final/基於分散式網路架構訓練階層式分類模型.pptx
@@ -5,10 +5,10 @@
     <p:sldMasterId id="2147483648" r:id="rId1"/>
   </p:sldMasterIdLst>
   <p:notesMasterIdLst>
-    <p:notesMasterId r:id="rId8"/>
+    <p:notesMasterId r:id="rId14"/>
   </p:notesMasterIdLst>
   <p:handoutMasterIdLst>
-    <p:handoutMasterId r:id="rId9"/>
+    <p:handoutMasterId r:id="rId15"/>
   </p:handoutMasterIdLst>
   <p:sldIdLst>
     <p:sldId id="259" r:id="rId2"/>
@@ -17,6 +17,12 @@
     <p:sldId id="261" r:id="rId5"/>
     <p:sldId id="263" r:id="rId6"/>
     <p:sldId id="265" r:id="rId7"/>
+    <p:sldId id="266" r:id="rId8"/>
+    <p:sldId id="272" r:id="rId9"/>
+    <p:sldId id="267" r:id="rId10"/>
+    <p:sldId id="270" r:id="rId11"/>
+    <p:sldId id="268" r:id="rId12"/>
+    <p:sldId id="271" r:id="rId13"/>
   </p:sldIdLst>
   <p:sldSz cx="12192000" cy="6858000"/>
   <p:notesSz cx="6858000" cy="9144000"/>
@@ -208,7 +214,7 @@
           <a:p>
             <a:fld id="{7829F8E0-05F2-4742-BB97-D2E4F51035C8}" type="datetimeFigureOut">
               <a:rPr lang="zh-TW" altLang="en-US" smtClean="0"/>
-              <a:t>2020/5/27</a:t>
+              <a:t>2020/6/3</a:t>
             </a:fld>
             <a:endParaRPr lang="zh-TW" altLang="en-US"/>
           </a:p>
@@ -373,7 +379,7 @@
           <a:p>
             <a:fld id="{2CB905C5-9D54-40E2-B40C-7996280CAB02}" type="datetimeFigureOut">
               <a:rPr lang="zh-TW" altLang="en-US" smtClean="0"/>
-              <a:t>2020/5/27</a:t>
+              <a:t>2020/6/3</a:t>
             </a:fld>
             <a:endParaRPr lang="zh-TW" altLang="en-US"/>
           </a:p>
@@ -724,6 +730,90 @@
 </p:notes>
 </file>
 
+<file path=ppt/notesSlides/notesSlide2.xml><?xml version="1.0" encoding="utf-8"?>
+<p:notes xmlns:a="http://schemas.openxmlformats.org/drawingml/2006/main" xmlns:r="http://schemas.openxmlformats.org/officeDocument/2006/relationships" xmlns:p="http://schemas.openxmlformats.org/presentationml/2006/main">
+  <p:cSld>
+    <p:spTree>
+      <p:nvGrpSpPr>
+        <p:cNvPr id="1" name=""/>
+        <p:cNvGrpSpPr/>
+        <p:nvPr/>
+      </p:nvGrpSpPr>
+      <p:grpSpPr>
+        <a:xfrm>
+          <a:off x="0" y="0"/>
+          <a:ext cx="0" cy="0"/>
+          <a:chOff x="0" y="0"/>
+          <a:chExt cx="0" cy="0"/>
+        </a:xfrm>
+      </p:grpSpPr>
+      <p:sp>
+        <p:nvSpPr>
+          <p:cNvPr id="2" name="投影片圖像版面配置區 1"/>
+          <p:cNvSpPr>
+            <a:spLocks noGrp="1" noRot="1" noChangeAspect="1"/>
+          </p:cNvSpPr>
+          <p:nvPr>
+            <p:ph type="sldImg"/>
+          </p:nvPr>
+        </p:nvSpPr>
+        <p:spPr/>
+      </p:sp>
+      <p:sp>
+        <p:nvSpPr>
+          <p:cNvPr id="3" name="備忘稿版面配置區 2"/>
+          <p:cNvSpPr>
+            <a:spLocks noGrp="1"/>
+          </p:cNvSpPr>
+          <p:nvPr>
+            <p:ph type="body" idx="1"/>
+          </p:nvPr>
+        </p:nvSpPr>
+        <p:spPr/>
+        <p:txBody>
+          <a:bodyPr/>
+          <a:lstStyle/>
+          <a:p>
+            <a:endParaRPr lang="zh-TW" altLang="en-US" dirty="0"/>
+          </a:p>
+        </p:txBody>
+      </p:sp>
+      <p:sp>
+        <p:nvSpPr>
+          <p:cNvPr id="4" name="投影片編號版面配置區 3"/>
+          <p:cNvSpPr>
+            <a:spLocks noGrp="1"/>
+          </p:cNvSpPr>
+          <p:nvPr>
+            <p:ph type="sldNum" sz="quarter" idx="10"/>
+          </p:nvPr>
+        </p:nvSpPr>
+        <p:spPr/>
+        <p:txBody>
+          <a:bodyPr/>
+          <a:lstStyle/>
+          <a:p>
+            <a:fld id="{EF8A6B0B-A5FB-4629-B823-69B1A9EB3A43}" type="slidenum">
+              <a:rPr lang="zh-TW" altLang="en-US" smtClean="0"/>
+              <a:t>11</a:t>
+            </a:fld>
+            <a:endParaRPr lang="zh-TW" altLang="en-US"/>
+          </a:p>
+        </p:txBody>
+      </p:sp>
+    </p:spTree>
+    <p:extLst>
+      <p:ext uri="{BB962C8B-B14F-4D97-AF65-F5344CB8AC3E}">
+        <p14:creationId xmlns:p14="http://schemas.microsoft.com/office/powerpoint/2010/main" val="4070137412"/>
+      </p:ext>
+    </p:extLst>
+  </p:cSld>
+  <p:clrMapOvr>
+    <a:masterClrMapping/>
+  </p:clrMapOvr>
+</p:notes>
+</file>
+
 <file path=ppt/slideLayouts/slideLayout1.xml><?xml version="1.0" encoding="utf-8"?>
 <p:sldLayout xmlns:a="http://schemas.openxmlformats.org/drawingml/2006/main" xmlns:r="http://schemas.openxmlformats.org/officeDocument/2006/relationships" xmlns:p="http://schemas.openxmlformats.org/presentationml/2006/main" type="title" preserve="1">
   <p:cSld name="標題投影片">
@@ -858,7 +948,7 @@
           <a:p>
             <a:fld id="{0C0CC965-A63A-473D-BEFB-C8F9714D5269}" type="datetimeFigureOut">
               <a:rPr lang="zh-TW" altLang="en-US" smtClean="0"/>
-              <a:t>2020/5/27</a:t>
+              <a:t>2020/6/3</a:t>
             </a:fld>
             <a:endParaRPr lang="zh-TW" altLang="en-US"/>
           </a:p>
@@ -1026,7 +1116,7 @@
           <a:p>
             <a:fld id="{0C0CC965-A63A-473D-BEFB-C8F9714D5269}" type="datetimeFigureOut">
               <a:rPr lang="zh-TW" altLang="en-US" smtClean="0"/>
-              <a:t>2020/5/27</a:t>
+              <a:t>2020/6/3</a:t>
             </a:fld>
             <a:endParaRPr lang="zh-TW" altLang="en-US"/>
           </a:p>
@@ -1204,7 +1294,7 @@
           <a:p>
             <a:fld id="{0C0CC965-A63A-473D-BEFB-C8F9714D5269}" type="datetimeFigureOut">
               <a:rPr lang="zh-TW" altLang="en-US" smtClean="0"/>
-              <a:t>2020/5/27</a:t>
+              <a:t>2020/6/3</a:t>
             </a:fld>
             <a:endParaRPr lang="zh-TW" altLang="en-US"/>
           </a:p>
@@ -1399,7 +1489,7 @@
           <a:p>
             <a:fld id="{0C0CC965-A63A-473D-BEFB-C8F9714D5269}" type="datetimeFigureOut">
               <a:rPr lang="zh-TW" altLang="en-US" smtClean="0"/>
-              <a:t>2020/5/27</a:t>
+              <a:t>2020/6/3</a:t>
             </a:fld>
             <a:endParaRPr lang="zh-TW" altLang="en-US"/>
           </a:p>
@@ -1644,7 +1734,7 @@
           <a:p>
             <a:fld id="{0C0CC965-A63A-473D-BEFB-C8F9714D5269}" type="datetimeFigureOut">
               <a:rPr lang="zh-TW" altLang="en-US" smtClean="0"/>
-              <a:t>2020/5/27</a:t>
+              <a:t>2020/6/3</a:t>
             </a:fld>
             <a:endParaRPr lang="zh-TW" altLang="en-US"/>
           </a:p>
@@ -1873,7 +1963,7 @@
           <a:p>
             <a:fld id="{0C0CC965-A63A-473D-BEFB-C8F9714D5269}" type="datetimeFigureOut">
               <a:rPr lang="zh-TW" altLang="en-US" smtClean="0"/>
-              <a:t>2020/5/27</a:t>
+              <a:t>2020/6/3</a:t>
             </a:fld>
             <a:endParaRPr lang="zh-TW" altLang="en-US"/>
           </a:p>
@@ -2237,7 +2327,7 @@
           <a:p>
             <a:fld id="{0C0CC965-A63A-473D-BEFB-C8F9714D5269}" type="datetimeFigureOut">
               <a:rPr lang="zh-TW" altLang="en-US" smtClean="0"/>
-              <a:t>2020/5/27</a:t>
+              <a:t>2020/6/3</a:t>
             </a:fld>
             <a:endParaRPr lang="zh-TW" altLang="en-US"/>
           </a:p>
@@ -2354,7 +2444,7 @@
           <a:p>
             <a:fld id="{0C0CC965-A63A-473D-BEFB-C8F9714D5269}" type="datetimeFigureOut">
               <a:rPr lang="zh-TW" altLang="en-US" smtClean="0"/>
-              <a:t>2020/5/27</a:t>
+              <a:t>2020/6/3</a:t>
             </a:fld>
             <a:endParaRPr lang="zh-TW" altLang="en-US"/>
           </a:p>
@@ -2449,7 +2539,7 @@
           <a:p>
             <a:fld id="{0C0CC965-A63A-473D-BEFB-C8F9714D5269}" type="datetimeFigureOut">
               <a:rPr lang="zh-TW" altLang="en-US" smtClean="0"/>
-              <a:t>2020/5/27</a:t>
+              <a:t>2020/6/3</a:t>
             </a:fld>
             <a:endParaRPr lang="zh-TW" altLang="en-US"/>
           </a:p>
@@ -2724,7 +2814,7 @@
           <a:p>
             <a:fld id="{0C0CC965-A63A-473D-BEFB-C8F9714D5269}" type="datetimeFigureOut">
               <a:rPr lang="zh-TW" altLang="en-US" smtClean="0"/>
-              <a:t>2020/5/27</a:t>
+              <a:t>2020/6/3</a:t>
             </a:fld>
             <a:endParaRPr lang="zh-TW" altLang="en-US"/>
           </a:p>
@@ -2976,7 +3066,7 @@
           <a:p>
             <a:fld id="{0C0CC965-A63A-473D-BEFB-C8F9714D5269}" type="datetimeFigureOut">
               <a:rPr lang="zh-TW" altLang="en-US" smtClean="0"/>
-              <a:t>2020/5/27</a:t>
+              <a:t>2020/6/3</a:t>
             </a:fld>
             <a:endParaRPr lang="zh-TW" altLang="en-US"/>
           </a:p>
@@ -3190,7 +3280,7 @@
             <a:fld id="{0C0CC965-A63A-473D-BEFB-C8F9714D5269}" type="datetimeFigureOut">
               <a:rPr lang="zh-TW" altLang="en-US" smtClean="0"/>
               <a:pPr/>
-              <a:t>2020/5/27</a:t>
+              <a:t>2020/6/3</a:t>
             </a:fld>
             <a:endParaRPr lang="zh-TW" altLang="en-US"/>
           </a:p>
@@ -3830,6 +3920,609 @@
 </p:sld>
 </file>
 
+<file path=ppt/slides/slide10.xml><?xml version="1.0" encoding="utf-8"?>
+<p:sld xmlns:a="http://schemas.openxmlformats.org/drawingml/2006/main" xmlns:r="http://schemas.openxmlformats.org/officeDocument/2006/relationships" xmlns:p="http://schemas.openxmlformats.org/presentationml/2006/main">
+  <p:cSld>
+    <p:spTree>
+      <p:nvGrpSpPr>
+        <p:cNvPr id="1" name=""/>
+        <p:cNvGrpSpPr/>
+        <p:nvPr/>
+      </p:nvGrpSpPr>
+      <p:grpSpPr>
+        <a:xfrm>
+          <a:off x="0" y="0"/>
+          <a:ext cx="0" cy="0"/>
+          <a:chOff x="0" y="0"/>
+          <a:chExt cx="0" cy="0"/>
+        </a:xfrm>
+      </p:grpSpPr>
+      <p:sp>
+        <p:nvSpPr>
+          <p:cNvPr id="3" name="標題 2"/>
+          <p:cNvSpPr>
+            <a:spLocks noGrp="1"/>
+          </p:cNvSpPr>
+          <p:nvPr>
+            <p:ph type="title"/>
+          </p:nvPr>
+        </p:nvSpPr>
+        <p:spPr/>
+        <p:txBody>
+          <a:bodyPr/>
+          <a:lstStyle/>
+          <a:p>
+            <a:r>
+              <a:rPr lang="zh-TW" altLang="en-US" dirty="0" smtClean="0"/>
+              <a:t>設計 </a:t>
+            </a:r>
+            <a:r>
+              <a:rPr lang="en-US" altLang="zh-TW" dirty="0" smtClean="0"/>
+              <a:t>–</a:t>
+            </a:r>
+            <a:r>
+              <a:rPr lang="zh-TW" altLang="en-US" dirty="0" smtClean="0"/>
+              <a:t> </a:t>
+            </a:r>
+            <a:r>
+              <a:rPr lang="zh-TW" altLang="en-US" dirty="0" smtClean="0"/>
+              <a:t>階層設計</a:t>
+            </a:r>
+            <a:endParaRPr lang="zh-TW" altLang="en-US" dirty="0"/>
+          </a:p>
+        </p:txBody>
+      </p:sp>
+      <p:pic>
+        <p:nvPicPr>
+          <p:cNvPr id="2" name="圖片 1"/>
+          <p:cNvPicPr>
+            <a:picLocks noChangeAspect="1"/>
+          </p:cNvPicPr>
+          <p:nvPr/>
+        </p:nvPicPr>
+        <p:blipFill>
+          <a:blip r:embed="rId2"/>
+          <a:stretch>
+            <a:fillRect/>
+          </a:stretch>
+        </p:blipFill>
+        <p:spPr>
+          <a:xfrm>
+            <a:off x="9116008" y="1243576"/>
+            <a:ext cx="2237792" cy="5000980"/>
+          </a:xfrm>
+          <a:prstGeom prst="rect">
+            <a:avLst/>
+          </a:prstGeom>
+        </p:spPr>
+      </p:pic>
+      <p:pic>
+        <p:nvPicPr>
+          <p:cNvPr id="6" name="圖片 5"/>
+          <p:cNvPicPr>
+            <a:picLocks noChangeAspect="1"/>
+          </p:cNvPicPr>
+          <p:nvPr/>
+        </p:nvPicPr>
+        <p:blipFill>
+          <a:blip r:embed="rId3"/>
+          <a:stretch>
+            <a:fillRect/>
+          </a:stretch>
+        </p:blipFill>
+        <p:spPr>
+          <a:xfrm>
+            <a:off x="914400" y="3155900"/>
+            <a:ext cx="8199120" cy="2015204"/>
+          </a:xfrm>
+          <a:prstGeom prst="rect">
+            <a:avLst/>
+          </a:prstGeom>
+        </p:spPr>
+      </p:pic>
+      <p:pic>
+        <p:nvPicPr>
+          <p:cNvPr id="7" name="圖片 6"/>
+          <p:cNvPicPr>
+            <a:picLocks noChangeAspect="1"/>
+          </p:cNvPicPr>
+          <p:nvPr/>
+        </p:nvPicPr>
+        <p:blipFill>
+          <a:blip r:embed="rId4"/>
+          <a:stretch>
+            <a:fillRect/>
+          </a:stretch>
+        </p:blipFill>
+        <p:spPr>
+          <a:xfrm>
+            <a:off x="914400" y="1745194"/>
+            <a:ext cx="1264920" cy="446662"/>
+          </a:xfrm>
+          <a:prstGeom prst="rect">
+            <a:avLst/>
+          </a:prstGeom>
+        </p:spPr>
+      </p:pic>
+      <p:pic>
+        <p:nvPicPr>
+          <p:cNvPr id="8" name="圖片 7"/>
+          <p:cNvPicPr>
+            <a:picLocks noChangeAspect="1"/>
+          </p:cNvPicPr>
+          <p:nvPr/>
+        </p:nvPicPr>
+        <p:blipFill>
+          <a:blip r:embed="rId5"/>
+          <a:stretch>
+            <a:fillRect/>
+          </a:stretch>
+        </p:blipFill>
+        <p:spPr>
+          <a:xfrm>
+            <a:off x="3444240" y="1744563"/>
+            <a:ext cx="1264920" cy="446662"/>
+          </a:xfrm>
+          <a:prstGeom prst="rect">
+            <a:avLst/>
+          </a:prstGeom>
+        </p:spPr>
+      </p:pic>
+      <p:pic>
+        <p:nvPicPr>
+          <p:cNvPr id="9" name="圖片 8"/>
+          <p:cNvPicPr>
+            <a:picLocks noChangeAspect="1"/>
+          </p:cNvPicPr>
+          <p:nvPr/>
+        </p:nvPicPr>
+        <p:blipFill>
+          <a:blip r:embed="rId6"/>
+          <a:stretch>
+            <a:fillRect/>
+          </a:stretch>
+        </p:blipFill>
+        <p:spPr>
+          <a:xfrm>
+            <a:off x="2179320" y="1744563"/>
+            <a:ext cx="1264920" cy="444796"/>
+          </a:xfrm>
+          <a:prstGeom prst="rect">
+            <a:avLst/>
+          </a:prstGeom>
+        </p:spPr>
+      </p:pic>
+      <p:pic>
+        <p:nvPicPr>
+          <p:cNvPr id="10" name="圖片 9"/>
+          <p:cNvPicPr>
+            <a:picLocks noChangeAspect="1"/>
+          </p:cNvPicPr>
+          <p:nvPr/>
+        </p:nvPicPr>
+        <p:blipFill>
+          <a:blip r:embed="rId7"/>
+          <a:stretch>
+            <a:fillRect/>
+          </a:stretch>
+        </p:blipFill>
+        <p:spPr>
+          <a:xfrm>
+            <a:off x="4709160" y="1744563"/>
+            <a:ext cx="1264920" cy="444796"/>
+          </a:xfrm>
+          <a:prstGeom prst="rect">
+            <a:avLst/>
+          </a:prstGeom>
+        </p:spPr>
+      </p:pic>
+      <p:pic>
+        <p:nvPicPr>
+          <p:cNvPr id="11" name="圖片 10"/>
+          <p:cNvPicPr>
+            <a:picLocks noChangeAspect="1"/>
+          </p:cNvPicPr>
+          <p:nvPr/>
+        </p:nvPicPr>
+        <p:blipFill>
+          <a:blip r:embed="rId8"/>
+          <a:stretch>
+            <a:fillRect/>
+          </a:stretch>
+        </p:blipFill>
+        <p:spPr>
+          <a:xfrm>
+            <a:off x="5974080" y="1744563"/>
+            <a:ext cx="1264920" cy="444796"/>
+          </a:xfrm>
+          <a:prstGeom prst="rect">
+            <a:avLst/>
+          </a:prstGeom>
+        </p:spPr>
+      </p:pic>
+      <p:sp>
+        <p:nvSpPr>
+          <p:cNvPr id="12" name="文字方塊 11"/>
+          <p:cNvSpPr txBox="1"/>
+          <p:nvPr/>
+        </p:nvSpPr>
+        <p:spPr>
+          <a:xfrm>
+            <a:off x="2560320" y="1287233"/>
+            <a:ext cx="502920" cy="461665"/>
+          </a:xfrm>
+          <a:prstGeom prst="rect">
+            <a:avLst/>
+          </a:prstGeom>
+          <a:noFill/>
+        </p:spPr>
+        <p:txBody>
+          <a:bodyPr wrap="square" rtlCol="0">
+            <a:spAutoFit/>
+          </a:bodyPr>
+          <a:lstStyle/>
+          <a:p>
+            <a:r>
+              <a:rPr lang="en-US" altLang="zh-TW" sz="2400" dirty="0" smtClean="0">
+                <a:latin typeface="Times New Roman" panose="02020603050405020304" pitchFamily="18" charset="0"/>
+                <a:cs typeface="Times New Roman" panose="02020603050405020304" pitchFamily="18" charset="0"/>
+              </a:rPr>
+              <a:t>21</a:t>
+            </a:r>
+            <a:endParaRPr lang="zh-TW" altLang="en-US" sz="2400" dirty="0">
+              <a:latin typeface="Times New Roman" panose="02020603050405020304" pitchFamily="18" charset="0"/>
+              <a:cs typeface="Times New Roman" panose="02020603050405020304" pitchFamily="18" charset="0"/>
+            </a:endParaRPr>
+          </a:p>
+        </p:txBody>
+      </p:sp>
+      <p:sp>
+        <p:nvSpPr>
+          <p:cNvPr id="13" name="文字方塊 12"/>
+          <p:cNvSpPr txBox="1"/>
+          <p:nvPr/>
+        </p:nvSpPr>
+        <p:spPr>
+          <a:xfrm>
+            <a:off x="1295400" y="1282768"/>
+            <a:ext cx="502920" cy="461665"/>
+          </a:xfrm>
+          <a:prstGeom prst="rect">
+            <a:avLst/>
+          </a:prstGeom>
+          <a:noFill/>
+        </p:spPr>
+        <p:txBody>
+          <a:bodyPr wrap="square" rtlCol="0">
+            <a:spAutoFit/>
+          </a:bodyPr>
+          <a:lstStyle/>
+          <a:p>
+            <a:r>
+              <a:rPr lang="en-US" altLang="zh-TW" sz="2400" dirty="0" smtClean="0">
+                <a:latin typeface="Times New Roman" panose="02020603050405020304" pitchFamily="18" charset="0"/>
+                <a:cs typeface="Times New Roman" panose="02020603050405020304" pitchFamily="18" charset="0"/>
+              </a:rPr>
+              <a:t>11</a:t>
+            </a:r>
+            <a:endParaRPr lang="zh-TW" altLang="en-US" sz="2400" dirty="0">
+              <a:latin typeface="Times New Roman" panose="02020603050405020304" pitchFamily="18" charset="0"/>
+              <a:cs typeface="Times New Roman" panose="02020603050405020304" pitchFamily="18" charset="0"/>
+            </a:endParaRPr>
+          </a:p>
+        </p:txBody>
+      </p:sp>
+      <p:sp>
+        <p:nvSpPr>
+          <p:cNvPr id="14" name="文字方塊 13"/>
+          <p:cNvSpPr txBox="1"/>
+          <p:nvPr/>
+        </p:nvSpPr>
+        <p:spPr>
+          <a:xfrm>
+            <a:off x="6282690" y="1282767"/>
+            <a:ext cx="647700" cy="461665"/>
+          </a:xfrm>
+          <a:prstGeom prst="rect">
+            <a:avLst/>
+          </a:prstGeom>
+          <a:noFill/>
+        </p:spPr>
+        <p:txBody>
+          <a:bodyPr wrap="square" rtlCol="0">
+            <a:spAutoFit/>
+          </a:bodyPr>
+          <a:lstStyle/>
+          <a:p>
+            <a:r>
+              <a:rPr lang="en-US" altLang="zh-TW" sz="2400" dirty="0" smtClean="0">
+                <a:latin typeface="Times New Roman" panose="02020603050405020304" pitchFamily="18" charset="0"/>
+                <a:cs typeface="Times New Roman" panose="02020603050405020304" pitchFamily="18" charset="0"/>
+              </a:rPr>
+              <a:t>999</a:t>
+            </a:r>
+            <a:endParaRPr lang="zh-TW" altLang="en-US" sz="2400" dirty="0">
+              <a:latin typeface="Times New Roman" panose="02020603050405020304" pitchFamily="18" charset="0"/>
+              <a:cs typeface="Times New Roman" panose="02020603050405020304" pitchFamily="18" charset="0"/>
+            </a:endParaRPr>
+          </a:p>
+        </p:txBody>
+      </p:sp>
+      <p:sp>
+        <p:nvSpPr>
+          <p:cNvPr id="15" name="文字方塊 14"/>
+          <p:cNvSpPr txBox="1"/>
+          <p:nvPr/>
+        </p:nvSpPr>
+        <p:spPr>
+          <a:xfrm>
+            <a:off x="5090160" y="1282767"/>
+            <a:ext cx="502920" cy="461665"/>
+          </a:xfrm>
+          <a:prstGeom prst="rect">
+            <a:avLst/>
+          </a:prstGeom>
+          <a:noFill/>
+        </p:spPr>
+        <p:txBody>
+          <a:bodyPr wrap="square" rtlCol="0">
+            <a:spAutoFit/>
+          </a:bodyPr>
+          <a:lstStyle/>
+          <a:p>
+            <a:r>
+              <a:rPr lang="en-US" altLang="zh-TW" sz="2400" dirty="0" smtClean="0">
+                <a:latin typeface="Times New Roman" panose="02020603050405020304" pitchFamily="18" charset="0"/>
+                <a:cs typeface="Times New Roman" panose="02020603050405020304" pitchFamily="18" charset="0"/>
+              </a:rPr>
+              <a:t>59</a:t>
+            </a:r>
+            <a:endParaRPr lang="zh-TW" altLang="en-US" sz="2400" dirty="0">
+              <a:latin typeface="Times New Roman" panose="02020603050405020304" pitchFamily="18" charset="0"/>
+              <a:cs typeface="Times New Roman" panose="02020603050405020304" pitchFamily="18" charset="0"/>
+            </a:endParaRPr>
+          </a:p>
+        </p:txBody>
+      </p:sp>
+      <p:sp>
+        <p:nvSpPr>
+          <p:cNvPr id="16" name="文字方塊 15"/>
+          <p:cNvSpPr txBox="1"/>
+          <p:nvPr/>
+        </p:nvSpPr>
+        <p:spPr>
+          <a:xfrm>
+            <a:off x="3825240" y="1282767"/>
+            <a:ext cx="502920" cy="461665"/>
+          </a:xfrm>
+          <a:prstGeom prst="rect">
+            <a:avLst/>
+          </a:prstGeom>
+          <a:noFill/>
+        </p:spPr>
+        <p:txBody>
+          <a:bodyPr wrap="square" rtlCol="0">
+            <a:spAutoFit/>
+          </a:bodyPr>
+          <a:lstStyle/>
+          <a:p>
+            <a:r>
+              <a:rPr lang="en-US" altLang="zh-TW" sz="2400" dirty="0" smtClean="0">
+                <a:latin typeface="Times New Roman" panose="02020603050405020304" pitchFamily="18" charset="0"/>
+                <a:cs typeface="Times New Roman" panose="02020603050405020304" pitchFamily="18" charset="0"/>
+              </a:rPr>
+              <a:t>31</a:t>
+            </a:r>
+            <a:endParaRPr lang="zh-TW" altLang="en-US" sz="2400" dirty="0">
+              <a:latin typeface="Times New Roman" panose="02020603050405020304" pitchFamily="18" charset="0"/>
+              <a:cs typeface="Times New Roman" panose="02020603050405020304" pitchFamily="18" charset="0"/>
+            </a:endParaRPr>
+          </a:p>
+        </p:txBody>
+      </p:sp>
+    </p:spTree>
+    <p:extLst>
+      <p:ext uri="{BB962C8B-B14F-4D97-AF65-F5344CB8AC3E}">
+        <p14:creationId xmlns:p14="http://schemas.microsoft.com/office/powerpoint/2010/main" val="2118927208"/>
+      </p:ext>
+    </p:extLst>
+  </p:cSld>
+  <p:clrMapOvr>
+    <a:masterClrMapping/>
+  </p:clrMapOvr>
+</p:sld>
+</file>
+
+<file path=ppt/slides/slide11.xml><?xml version="1.0" encoding="utf-8"?>
+<p:sld xmlns:a="http://schemas.openxmlformats.org/drawingml/2006/main" xmlns:r="http://schemas.openxmlformats.org/officeDocument/2006/relationships" xmlns:p="http://schemas.openxmlformats.org/presentationml/2006/main">
+  <p:cSld>
+    <p:spTree>
+      <p:nvGrpSpPr>
+        <p:cNvPr id="1" name=""/>
+        <p:cNvGrpSpPr/>
+        <p:nvPr/>
+      </p:nvGrpSpPr>
+      <p:grpSpPr>
+        <a:xfrm>
+          <a:off x="0" y="0"/>
+          <a:ext cx="0" cy="0"/>
+          <a:chOff x="0" y="0"/>
+          <a:chExt cx="0" cy="0"/>
+        </a:xfrm>
+      </p:grpSpPr>
+      <p:sp>
+        <p:nvSpPr>
+          <p:cNvPr id="3" name="標題 2"/>
+          <p:cNvSpPr>
+            <a:spLocks noGrp="1"/>
+          </p:cNvSpPr>
+          <p:nvPr>
+            <p:ph type="title"/>
+          </p:nvPr>
+        </p:nvSpPr>
+        <p:spPr/>
+        <p:txBody>
+          <a:bodyPr/>
+          <a:lstStyle/>
+          <a:p>
+            <a:r>
+              <a:rPr lang="zh-TW" altLang="en-US" dirty="0" smtClean="0"/>
+              <a:t>設計 </a:t>
+            </a:r>
+            <a:r>
+              <a:rPr lang="en-US" altLang="zh-TW" dirty="0" smtClean="0"/>
+              <a:t>–</a:t>
+            </a:r>
+            <a:r>
+              <a:rPr lang="zh-TW" altLang="en-US" dirty="0" smtClean="0"/>
+              <a:t> 架構圖</a:t>
+            </a:r>
+            <a:endParaRPr lang="zh-TW" altLang="en-US" dirty="0"/>
+          </a:p>
+        </p:txBody>
+      </p:sp>
+      <p:pic>
+        <p:nvPicPr>
+          <p:cNvPr id="5" name="圖片 4"/>
+          <p:cNvPicPr>
+            <a:picLocks noChangeAspect="1"/>
+          </p:cNvPicPr>
+          <p:nvPr/>
+        </p:nvPicPr>
+        <p:blipFill>
+          <a:blip r:embed="rId3"/>
+          <a:stretch>
+            <a:fillRect/>
+          </a:stretch>
+        </p:blipFill>
+        <p:spPr>
+          <a:xfrm>
+            <a:off x="0" y="1495589"/>
+            <a:ext cx="12158370" cy="4610810"/>
+          </a:xfrm>
+          <a:prstGeom prst="rect">
+            <a:avLst/>
+          </a:prstGeom>
+        </p:spPr>
+      </p:pic>
+    </p:spTree>
+    <p:extLst>
+      <p:ext uri="{BB962C8B-B14F-4D97-AF65-F5344CB8AC3E}">
+        <p14:creationId xmlns:p14="http://schemas.microsoft.com/office/powerpoint/2010/main" val="1928102239"/>
+      </p:ext>
+    </p:extLst>
+  </p:cSld>
+  <p:clrMapOvr>
+    <a:masterClrMapping/>
+  </p:clrMapOvr>
+  <p:timing>
+    <p:tnLst>
+      <p:par>
+        <p:cTn id="1" dur="indefinite" restart="never" nodeType="tmRoot"/>
+      </p:par>
+    </p:tnLst>
+  </p:timing>
+</p:sld>
+</file>
+
+<file path=ppt/slides/slide12.xml><?xml version="1.0" encoding="utf-8"?>
+<p:sld xmlns:a="http://schemas.openxmlformats.org/drawingml/2006/main" xmlns:r="http://schemas.openxmlformats.org/officeDocument/2006/relationships" xmlns:p="http://schemas.openxmlformats.org/presentationml/2006/main">
+  <p:cSld>
+    <p:spTree>
+      <p:nvGrpSpPr>
+        <p:cNvPr id="1" name=""/>
+        <p:cNvGrpSpPr/>
+        <p:nvPr/>
+      </p:nvGrpSpPr>
+      <p:grpSpPr>
+        <a:xfrm>
+          <a:off x="0" y="0"/>
+          <a:ext cx="0" cy="0"/>
+          <a:chOff x="0" y="0"/>
+          <a:chExt cx="0" cy="0"/>
+        </a:xfrm>
+      </p:grpSpPr>
+      <p:sp>
+        <p:nvSpPr>
+          <p:cNvPr id="3" name="標題 2"/>
+          <p:cNvSpPr>
+            <a:spLocks noGrp="1"/>
+          </p:cNvSpPr>
+          <p:nvPr>
+            <p:ph type="title"/>
+          </p:nvPr>
+        </p:nvSpPr>
+        <p:spPr/>
+        <p:txBody>
+          <a:bodyPr/>
+          <a:lstStyle/>
+          <a:p>
+            <a:r>
+              <a:rPr lang="zh-TW" altLang="en-US" dirty="0"/>
+              <a:t>設計 </a:t>
+            </a:r>
+            <a:r>
+              <a:rPr lang="en-US" altLang="zh-TW" dirty="0"/>
+              <a:t>–</a:t>
+            </a:r>
+            <a:r>
+              <a:rPr lang="zh-TW" altLang="en-US" dirty="0"/>
+              <a:t> </a:t>
+            </a:r>
+            <a:r>
+              <a:rPr lang="zh-TW" altLang="en-US" dirty="0" smtClean="0"/>
+              <a:t>拓樸圖</a:t>
+            </a:r>
+            <a:endParaRPr lang="zh-TW" altLang="en-US" dirty="0"/>
+          </a:p>
+        </p:txBody>
+      </p:sp>
+      <p:pic>
+        <p:nvPicPr>
+          <p:cNvPr id="6" name="內容版面配置區 5"/>
+          <p:cNvPicPr>
+            <a:picLocks noGrp="1" noChangeAspect="1"/>
+          </p:cNvPicPr>
+          <p:nvPr>
+            <p:ph idx="1"/>
+          </p:nvPr>
+        </p:nvPicPr>
+        <p:blipFill>
+          <a:blip r:embed="rId2"/>
+          <a:stretch>
+            <a:fillRect/>
+          </a:stretch>
+        </p:blipFill>
+        <p:spPr>
+          <a:xfrm>
+            <a:off x="1996415" y="1201738"/>
+            <a:ext cx="8199169" cy="5037137"/>
+          </a:xfrm>
+          <a:prstGeom prst="rect">
+            <a:avLst/>
+          </a:prstGeom>
+        </p:spPr>
+      </p:pic>
+    </p:spTree>
+    <p:extLst>
+      <p:ext uri="{BB962C8B-B14F-4D97-AF65-F5344CB8AC3E}">
+        <p14:creationId xmlns:p14="http://schemas.microsoft.com/office/powerpoint/2010/main" val="177264965"/>
+      </p:ext>
+    </p:extLst>
+  </p:cSld>
+  <p:clrMapOvr>
+    <a:masterClrMapping/>
+  </p:clrMapOvr>
+  <p:timing>
+    <p:tnLst>
+      <p:par>
+        <p:cTn id="1" dur="indefinite" restart="never" nodeType="tmRoot"/>
+      </p:par>
+    </p:tnLst>
+  </p:timing>
+</p:sld>
+</file>
+
 <file path=ppt/slides/slide2.xml><?xml version="1.0" encoding="utf-8"?>
 <p:sld xmlns:a="http://schemas.openxmlformats.org/drawingml/2006/main" xmlns:r="http://schemas.openxmlformats.org/officeDocument/2006/relationships" xmlns:p="http://schemas.openxmlformats.org/presentationml/2006/main">
   <p:cSld>
@@ -4004,11 +4697,19 @@
           <a:p>
             <a:r>
               <a:rPr lang="zh-TW" altLang="en-US" sz="2400" dirty="0" smtClean="0"/>
-              <a:t>硬體</a:t>
+              <a:t>硬體需求：</a:t>
+            </a:r>
+            <a:endParaRPr lang="en-US" altLang="zh-TW" sz="2400" dirty="0" smtClean="0"/>
+          </a:p>
+          <a:p>
+            <a:pPr lvl="1"/>
+            <a:r>
+              <a:rPr lang="zh-TW" altLang="en-US" sz="2400" dirty="0" smtClean="0"/>
+              <a:t>數</a:t>
             </a:r>
             <a:r>
               <a:rPr lang="zh-TW" altLang="en-US" sz="2400" dirty="0"/>
-              <a:t>需求：數台樹莓派</a:t>
+              <a:t>台樹莓派</a:t>
             </a:r>
             <a:r>
               <a:rPr lang="en-US" altLang="zh-TW" sz="2400" dirty="0"/>
@@ -4024,12 +4725,35 @@
             </a:r>
           </a:p>
           <a:p>
+            <a:pPr lvl="1"/>
+            <a:endParaRPr lang="en-US" altLang="zh-TW" sz="2400" dirty="0"/>
+          </a:p>
+          <a:p>
+            <a:r>
+              <a:rPr lang="zh-TW" altLang="en-US" sz="2400" dirty="0" smtClean="0"/>
+              <a:t>介面需求</a:t>
+            </a:r>
+            <a:r>
+              <a:rPr lang="zh-TW" altLang="en-US" sz="2400" dirty="0"/>
+              <a:t>：</a:t>
+            </a:r>
             <a:endParaRPr lang="en-US" altLang="zh-TW" sz="2400" dirty="0" smtClean="0"/>
           </a:p>
           <a:p>
+            <a:pPr lvl="1"/>
+            <a:r>
+              <a:rPr lang="en-US" altLang="zh-TW" sz="2400" dirty="0" smtClean="0"/>
+              <a:t>Ubuntu 18.04</a:t>
+            </a:r>
+          </a:p>
+          <a:p>
+            <a:pPr lvl="1"/>
+            <a:endParaRPr lang="en-US" altLang="zh-TW" sz="2400" dirty="0" smtClean="0"/>
+          </a:p>
+          <a:p>
             <a:r>
               <a:rPr lang="zh-TW" altLang="en-US" sz="2400" dirty="0" smtClean="0"/>
-              <a:t>軟體需求：</a:t>
+              <a:t>限制需求：</a:t>
             </a:r>
             <a:endParaRPr lang="en-US" altLang="zh-TW" sz="2400" dirty="0" smtClean="0"/>
           </a:p>
@@ -4037,7 +4761,11 @@
             <a:pPr lvl="1"/>
             <a:r>
               <a:rPr lang="zh-TW" altLang="en-US" sz="2400" dirty="0" smtClean="0"/>
-              <a:t>語言：</a:t>
+              <a:t>語言</a:t>
+            </a:r>
+            <a:r>
+              <a:rPr lang="zh-TW" altLang="en-US" sz="2400" dirty="0" smtClean="0"/>
+              <a:t>：</a:t>
             </a:r>
             <a:endParaRPr lang="en-US" altLang="zh-TW" sz="2400" dirty="0" smtClean="0"/>
           </a:p>
@@ -4063,7 +4791,19 @@
             <a:pPr lvl="1"/>
             <a:r>
               <a:rPr lang="zh-TW" altLang="en-US" sz="2400" dirty="0" smtClean="0"/>
-              <a:t>套件：</a:t>
+              <a:t>外</a:t>
+            </a:r>
+            <a:r>
+              <a:rPr lang="zh-TW" altLang="en-US" sz="2400" dirty="0"/>
+              <a:t>部</a:t>
+            </a:r>
+            <a:r>
+              <a:rPr lang="zh-TW" altLang="en-US" sz="2400" dirty="0" smtClean="0"/>
+              <a:t>套件</a:t>
+            </a:r>
+            <a:r>
+              <a:rPr lang="zh-TW" altLang="en-US" sz="2400" dirty="0" smtClean="0"/>
+              <a:t>：</a:t>
             </a:r>
             <a:endParaRPr lang="en-US" altLang="zh-TW" sz="2400" dirty="0" smtClean="0"/>
           </a:p>
@@ -4633,6 +5373,1675 @@
     <p:extLst>
       <p:ext uri="{BB962C8B-B14F-4D97-AF65-F5344CB8AC3E}">
         <p14:creationId xmlns:p14="http://schemas.microsoft.com/office/powerpoint/2010/main" val="2220255791"/>
+      </p:ext>
+    </p:extLst>
+  </p:cSld>
+  <p:clrMapOvr>
+    <a:masterClrMapping/>
+  </p:clrMapOvr>
+</p:sld>
+</file>
+
+<file path=ppt/slides/slide7.xml><?xml version="1.0" encoding="utf-8"?>
+<p:sld xmlns:a="http://schemas.openxmlformats.org/drawingml/2006/main" xmlns:r="http://schemas.openxmlformats.org/officeDocument/2006/relationships" xmlns:p="http://schemas.openxmlformats.org/presentationml/2006/main">
+  <p:cSld>
+    <p:spTree>
+      <p:nvGrpSpPr>
+        <p:cNvPr id="1" name=""/>
+        <p:cNvGrpSpPr/>
+        <p:nvPr/>
+      </p:nvGrpSpPr>
+      <p:grpSpPr>
+        <a:xfrm>
+          <a:off x="0" y="0"/>
+          <a:ext cx="0" cy="0"/>
+          <a:chOff x="0" y="0"/>
+          <a:chExt cx="0" cy="0"/>
+        </a:xfrm>
+      </p:grpSpPr>
+      <p:sp>
+        <p:nvSpPr>
+          <p:cNvPr id="3" name="標題 2"/>
+          <p:cNvSpPr>
+            <a:spLocks noGrp="1"/>
+          </p:cNvSpPr>
+          <p:nvPr>
+            <p:ph type="title"/>
+          </p:nvPr>
+        </p:nvSpPr>
+        <p:spPr/>
+        <p:txBody>
+          <a:bodyPr/>
+          <a:lstStyle/>
+          <a:p>
+            <a:r>
+              <a:rPr lang="zh-TW" altLang="en-US" dirty="0"/>
+              <a:t>分析</a:t>
+            </a:r>
+          </a:p>
+        </p:txBody>
+      </p:sp>
+      <p:sp>
+        <p:nvSpPr>
+          <p:cNvPr id="4" name="圓角矩形 3"/>
+          <p:cNvSpPr/>
+          <p:nvPr/>
+        </p:nvSpPr>
+        <p:spPr>
+          <a:xfrm>
+            <a:off x="4584440" y="1464906"/>
+            <a:ext cx="3023119" cy="709127"/>
+          </a:xfrm>
+          <a:prstGeom prst="roundRect">
+            <a:avLst/>
+          </a:prstGeom>
+        </p:spPr>
+        <p:style>
+          <a:lnRef idx="2">
+            <a:schemeClr val="accent1">
+              <a:shade val="50000"/>
+            </a:schemeClr>
+          </a:lnRef>
+          <a:fillRef idx="1">
+            <a:schemeClr val="accent1"/>
+          </a:fillRef>
+          <a:effectRef idx="0">
+            <a:schemeClr val="accent1"/>
+          </a:effectRef>
+          <a:fontRef idx="minor">
+            <a:schemeClr val="lt1"/>
+          </a:fontRef>
+        </p:style>
+        <p:txBody>
+          <a:bodyPr rtlCol="0" anchor="ctr"/>
+          <a:lstStyle/>
+          <a:p>
+            <a:pPr algn="ctr"/>
+            <a:r>
+              <a:rPr lang="zh-TW" altLang="en-US" dirty="0">
+                <a:latin typeface="標楷體" panose="03000509000000000000" pitchFamily="65" charset="-120"/>
+                <a:ea typeface="標楷體" panose="03000509000000000000" pitchFamily="65" charset="-120"/>
+              </a:rPr>
+              <a:t>基於分散式網路架構</a:t>
+            </a:r>
+            <a:r>
+              <a:rPr lang="en-US" altLang="zh-TW" dirty="0">
+                <a:latin typeface="標楷體" panose="03000509000000000000" pitchFamily="65" charset="-120"/>
+                <a:ea typeface="標楷體" panose="03000509000000000000" pitchFamily="65" charset="-120"/>
+              </a:rPr>
+              <a:t/>
+            </a:r>
+            <a:br>
+              <a:rPr lang="en-US" altLang="zh-TW" dirty="0">
+                <a:latin typeface="標楷體" panose="03000509000000000000" pitchFamily="65" charset="-120"/>
+                <a:ea typeface="標楷體" panose="03000509000000000000" pitchFamily="65" charset="-120"/>
+              </a:rPr>
+            </a:br>
+            <a:r>
+              <a:rPr lang="zh-TW" altLang="en-US" dirty="0">
+                <a:latin typeface="標楷體" panose="03000509000000000000" pitchFamily="65" charset="-120"/>
+                <a:ea typeface="標楷體" panose="03000509000000000000" pitchFamily="65" charset="-120"/>
+              </a:rPr>
+              <a:t>訓練階層式分類模型</a:t>
+            </a:r>
+          </a:p>
+        </p:txBody>
+      </p:sp>
+      <p:sp>
+        <p:nvSpPr>
+          <p:cNvPr id="5" name="圓角矩形 4"/>
+          <p:cNvSpPr/>
+          <p:nvPr/>
+        </p:nvSpPr>
+        <p:spPr>
+          <a:xfrm>
+            <a:off x="838200" y="3001346"/>
+            <a:ext cx="2139822" cy="709127"/>
+          </a:xfrm>
+          <a:prstGeom prst="roundRect">
+            <a:avLst/>
+          </a:prstGeom>
+        </p:spPr>
+        <p:style>
+          <a:lnRef idx="2">
+            <a:schemeClr val="accent1">
+              <a:shade val="50000"/>
+            </a:schemeClr>
+          </a:lnRef>
+          <a:fillRef idx="1">
+            <a:schemeClr val="accent1"/>
+          </a:fillRef>
+          <a:effectRef idx="0">
+            <a:schemeClr val="accent1"/>
+          </a:effectRef>
+          <a:fontRef idx="minor">
+            <a:schemeClr val="lt1"/>
+          </a:fontRef>
+        </p:style>
+        <p:txBody>
+          <a:bodyPr rtlCol="0" anchor="ctr"/>
+          <a:lstStyle/>
+          <a:p>
+            <a:pPr algn="ctr"/>
+            <a:r>
+              <a:rPr lang="zh-TW" altLang="en-US" dirty="0" smtClean="0">
+                <a:latin typeface="標楷體" panose="03000509000000000000" pitchFamily="65" charset="-120"/>
+                <a:ea typeface="標楷體" panose="03000509000000000000" pitchFamily="65" charset="-120"/>
+              </a:rPr>
+              <a:t>快速大量收集資料</a:t>
+            </a:r>
+            <a:endParaRPr lang="zh-TW" altLang="en-US" dirty="0">
+              <a:latin typeface="標楷體" panose="03000509000000000000" pitchFamily="65" charset="-120"/>
+              <a:ea typeface="標楷體" panose="03000509000000000000" pitchFamily="65" charset="-120"/>
+            </a:endParaRPr>
+          </a:p>
+        </p:txBody>
+      </p:sp>
+      <p:sp>
+        <p:nvSpPr>
+          <p:cNvPr id="6" name="圓角矩形 5"/>
+          <p:cNvSpPr/>
+          <p:nvPr/>
+        </p:nvSpPr>
+        <p:spPr>
+          <a:xfrm>
+            <a:off x="3514529" y="3001344"/>
+            <a:ext cx="2139822" cy="709127"/>
+          </a:xfrm>
+          <a:prstGeom prst="roundRect">
+            <a:avLst/>
+          </a:prstGeom>
+        </p:spPr>
+        <p:style>
+          <a:lnRef idx="2">
+            <a:schemeClr val="accent1">
+              <a:shade val="50000"/>
+            </a:schemeClr>
+          </a:lnRef>
+          <a:fillRef idx="1">
+            <a:schemeClr val="accent1"/>
+          </a:fillRef>
+          <a:effectRef idx="0">
+            <a:schemeClr val="accent1"/>
+          </a:effectRef>
+          <a:fontRef idx="minor">
+            <a:schemeClr val="lt1"/>
+          </a:fontRef>
+        </p:style>
+        <p:txBody>
+          <a:bodyPr rtlCol="0" anchor="ctr"/>
+          <a:lstStyle/>
+          <a:p>
+            <a:pPr algn="ctr"/>
+            <a:r>
+              <a:rPr lang="zh-TW" altLang="en-US" dirty="0">
+                <a:latin typeface="標楷體" panose="03000509000000000000" pitchFamily="65" charset="-120"/>
+                <a:ea typeface="標楷體" panose="03000509000000000000" pitchFamily="65" charset="-120"/>
+              </a:rPr>
+              <a:t>影像特徵擷取</a:t>
+            </a:r>
+          </a:p>
+        </p:txBody>
+      </p:sp>
+      <p:sp>
+        <p:nvSpPr>
+          <p:cNvPr id="7" name="圓角矩形 6"/>
+          <p:cNvSpPr/>
+          <p:nvPr/>
+        </p:nvSpPr>
+        <p:spPr>
+          <a:xfrm>
+            <a:off x="9213978" y="3001345"/>
+            <a:ext cx="2139822" cy="709127"/>
+          </a:xfrm>
+          <a:prstGeom prst="roundRect">
+            <a:avLst/>
+          </a:prstGeom>
+        </p:spPr>
+        <p:style>
+          <a:lnRef idx="2">
+            <a:schemeClr val="accent1">
+              <a:shade val="50000"/>
+            </a:schemeClr>
+          </a:lnRef>
+          <a:fillRef idx="1">
+            <a:schemeClr val="accent1"/>
+          </a:fillRef>
+          <a:effectRef idx="0">
+            <a:schemeClr val="accent1"/>
+          </a:effectRef>
+          <a:fontRef idx="minor">
+            <a:schemeClr val="lt1"/>
+          </a:fontRef>
+        </p:style>
+        <p:txBody>
+          <a:bodyPr rtlCol="0" anchor="ctr"/>
+          <a:lstStyle/>
+          <a:p>
+            <a:pPr algn="ctr"/>
+            <a:r>
+              <a:rPr lang="zh-TW" altLang="en-US" dirty="0">
+                <a:latin typeface="標楷體" panose="03000509000000000000" pitchFamily="65" charset="-120"/>
+                <a:ea typeface="標楷體" panose="03000509000000000000" pitchFamily="65" charset="-120"/>
+              </a:rPr>
+              <a:t>網路傳輸介面</a:t>
+            </a:r>
+          </a:p>
+        </p:txBody>
+      </p:sp>
+      <p:sp>
+        <p:nvSpPr>
+          <p:cNvPr id="8" name="圓角矩形 7"/>
+          <p:cNvSpPr/>
+          <p:nvPr/>
+        </p:nvSpPr>
+        <p:spPr>
+          <a:xfrm>
+            <a:off x="6537648" y="3001344"/>
+            <a:ext cx="2139822" cy="709127"/>
+          </a:xfrm>
+          <a:prstGeom prst="roundRect">
+            <a:avLst/>
+          </a:prstGeom>
+        </p:spPr>
+        <p:style>
+          <a:lnRef idx="2">
+            <a:schemeClr val="accent1">
+              <a:shade val="50000"/>
+            </a:schemeClr>
+          </a:lnRef>
+          <a:fillRef idx="1">
+            <a:schemeClr val="accent1"/>
+          </a:fillRef>
+          <a:effectRef idx="0">
+            <a:schemeClr val="accent1"/>
+          </a:effectRef>
+          <a:fontRef idx="minor">
+            <a:schemeClr val="lt1"/>
+          </a:fontRef>
+        </p:style>
+        <p:txBody>
+          <a:bodyPr rtlCol="0" anchor="ctr"/>
+          <a:lstStyle/>
+          <a:p>
+            <a:pPr algn="ctr"/>
+            <a:r>
+              <a:rPr lang="zh-TW" altLang="en-US" dirty="0" smtClean="0">
+                <a:latin typeface="標楷體" panose="03000509000000000000" pitchFamily="65" charset="-120"/>
+                <a:ea typeface="標楷體" panose="03000509000000000000" pitchFamily="65" charset="-120"/>
+              </a:rPr>
+              <a:t>分類</a:t>
+            </a:r>
+            <a:r>
+              <a:rPr lang="zh-TW" altLang="en-US" dirty="0">
+                <a:latin typeface="標楷體" panose="03000509000000000000" pitchFamily="65" charset="-120"/>
+                <a:ea typeface="標楷體" panose="03000509000000000000" pitchFamily="65" charset="-120"/>
+              </a:rPr>
+              <a:t>器</a:t>
+            </a:r>
+          </a:p>
+        </p:txBody>
+      </p:sp>
+      <p:cxnSp>
+        <p:nvCxnSpPr>
+          <p:cNvPr id="13" name="肘形接點 12"/>
+          <p:cNvCxnSpPr>
+            <a:stCxn id="4" idx="2"/>
+            <a:endCxn id="5" idx="0"/>
+          </p:cNvCxnSpPr>
+          <p:nvPr/>
+        </p:nvCxnSpPr>
+        <p:spPr>
+          <a:xfrm rot="5400000">
+            <a:off x="3588400" y="493745"/>
+            <a:ext cx="827313" cy="4187889"/>
+          </a:xfrm>
+          <a:prstGeom prst="bentConnector3">
+            <a:avLst/>
+          </a:prstGeom>
+        </p:spPr>
+        <p:style>
+          <a:lnRef idx="1">
+            <a:schemeClr val="accent1"/>
+          </a:lnRef>
+          <a:fillRef idx="0">
+            <a:schemeClr val="accent1"/>
+          </a:fillRef>
+          <a:effectRef idx="0">
+            <a:schemeClr val="accent1"/>
+          </a:effectRef>
+          <a:fontRef idx="minor">
+            <a:schemeClr val="tx1"/>
+          </a:fontRef>
+        </p:style>
+      </p:cxnSp>
+      <p:cxnSp>
+        <p:nvCxnSpPr>
+          <p:cNvPr id="15" name="肘形接點 14"/>
+          <p:cNvCxnSpPr>
+            <a:stCxn id="4" idx="2"/>
+            <a:endCxn id="6" idx="0"/>
+          </p:cNvCxnSpPr>
+          <p:nvPr/>
+        </p:nvCxnSpPr>
+        <p:spPr>
+          <a:xfrm rot="5400000">
+            <a:off x="4926565" y="1831908"/>
+            <a:ext cx="827311" cy="1511560"/>
+          </a:xfrm>
+          <a:prstGeom prst="bentConnector3">
+            <a:avLst/>
+          </a:prstGeom>
+        </p:spPr>
+        <p:style>
+          <a:lnRef idx="1">
+            <a:schemeClr val="accent1"/>
+          </a:lnRef>
+          <a:fillRef idx="0">
+            <a:schemeClr val="accent1"/>
+          </a:fillRef>
+          <a:effectRef idx="0">
+            <a:schemeClr val="accent1"/>
+          </a:effectRef>
+          <a:fontRef idx="minor">
+            <a:schemeClr val="tx1"/>
+          </a:fontRef>
+        </p:style>
+      </p:cxnSp>
+      <p:cxnSp>
+        <p:nvCxnSpPr>
+          <p:cNvPr id="16" name="肘形接點 15"/>
+          <p:cNvCxnSpPr>
+            <a:stCxn id="4" idx="2"/>
+            <a:endCxn id="8" idx="0"/>
+          </p:cNvCxnSpPr>
+          <p:nvPr/>
+        </p:nvCxnSpPr>
+        <p:spPr>
+          <a:xfrm rot="16200000" flipH="1">
+            <a:off x="6438124" y="1831908"/>
+            <a:ext cx="827311" cy="1511559"/>
+          </a:xfrm>
+          <a:prstGeom prst="bentConnector3">
+            <a:avLst>
+              <a:gd name="adj1" fmla="val 50000"/>
+            </a:avLst>
+          </a:prstGeom>
+        </p:spPr>
+        <p:style>
+          <a:lnRef idx="1">
+            <a:schemeClr val="accent1"/>
+          </a:lnRef>
+          <a:fillRef idx="0">
+            <a:schemeClr val="accent1"/>
+          </a:fillRef>
+          <a:effectRef idx="0">
+            <a:schemeClr val="accent1"/>
+          </a:effectRef>
+          <a:fontRef idx="minor">
+            <a:schemeClr val="tx1"/>
+          </a:fontRef>
+        </p:style>
+      </p:cxnSp>
+      <p:cxnSp>
+        <p:nvCxnSpPr>
+          <p:cNvPr id="17" name="肘形接點 16"/>
+          <p:cNvCxnSpPr>
+            <a:stCxn id="4" idx="2"/>
+            <a:endCxn id="7" idx="0"/>
+          </p:cNvCxnSpPr>
+          <p:nvPr/>
+        </p:nvCxnSpPr>
+        <p:spPr>
+          <a:xfrm rot="16200000" flipH="1">
+            <a:off x="7776288" y="493744"/>
+            <a:ext cx="827312" cy="4187889"/>
+          </a:xfrm>
+          <a:prstGeom prst="bentConnector3">
+            <a:avLst>
+              <a:gd name="adj1" fmla="val 50000"/>
+            </a:avLst>
+          </a:prstGeom>
+        </p:spPr>
+        <p:style>
+          <a:lnRef idx="1">
+            <a:schemeClr val="accent1"/>
+          </a:lnRef>
+          <a:fillRef idx="0">
+            <a:schemeClr val="accent1"/>
+          </a:fillRef>
+          <a:effectRef idx="0">
+            <a:schemeClr val="accent1"/>
+          </a:effectRef>
+          <a:fontRef idx="minor">
+            <a:schemeClr val="tx1"/>
+          </a:fontRef>
+        </p:style>
+      </p:cxnSp>
+      <p:sp>
+        <p:nvSpPr>
+          <p:cNvPr id="22" name="圓角矩形 21"/>
+          <p:cNvSpPr/>
+          <p:nvPr/>
+        </p:nvSpPr>
+        <p:spPr>
+          <a:xfrm>
+            <a:off x="1196340" y="3835967"/>
+            <a:ext cx="1781682" cy="709127"/>
+          </a:xfrm>
+          <a:prstGeom prst="roundRect">
+            <a:avLst/>
+          </a:prstGeom>
+        </p:spPr>
+        <p:style>
+          <a:lnRef idx="2">
+            <a:schemeClr val="accent1">
+              <a:shade val="50000"/>
+            </a:schemeClr>
+          </a:lnRef>
+          <a:fillRef idx="1">
+            <a:schemeClr val="accent1"/>
+          </a:fillRef>
+          <a:effectRef idx="0">
+            <a:schemeClr val="accent1"/>
+          </a:effectRef>
+          <a:fontRef idx="minor">
+            <a:schemeClr val="lt1"/>
+          </a:fontRef>
+        </p:style>
+        <p:txBody>
+          <a:bodyPr rtlCol="0" anchor="ctr"/>
+          <a:lstStyle/>
+          <a:p>
+            <a:pPr algn="ctr"/>
+            <a:r>
+              <a:rPr lang="zh-TW" altLang="en-US" dirty="0" smtClean="0">
+                <a:latin typeface="標楷體" panose="03000509000000000000" pitchFamily="65" charset="-120"/>
+                <a:ea typeface="標楷體" panose="03000509000000000000" pitchFamily="65" charset="-120"/>
+              </a:rPr>
+              <a:t>影像背景模型</a:t>
+            </a:r>
+            <a:endParaRPr lang="zh-TW" altLang="en-US" dirty="0">
+              <a:latin typeface="標楷體" panose="03000509000000000000" pitchFamily="65" charset="-120"/>
+              <a:ea typeface="標楷體" panose="03000509000000000000" pitchFamily="65" charset="-120"/>
+            </a:endParaRPr>
+          </a:p>
+        </p:txBody>
+      </p:sp>
+      <p:cxnSp>
+        <p:nvCxnSpPr>
+          <p:cNvPr id="23" name="肘形接點 22"/>
+          <p:cNvCxnSpPr>
+            <a:endCxn id="22" idx="1"/>
+          </p:cNvCxnSpPr>
+          <p:nvPr/>
+        </p:nvCxnSpPr>
+        <p:spPr>
+          <a:xfrm rot="16200000" flipH="1">
+            <a:off x="752967" y="3747157"/>
+            <a:ext cx="734347" cy="152400"/>
+          </a:xfrm>
+          <a:prstGeom prst="bentConnector2">
+            <a:avLst/>
+          </a:prstGeom>
+        </p:spPr>
+        <p:style>
+          <a:lnRef idx="1">
+            <a:schemeClr val="accent1"/>
+          </a:lnRef>
+          <a:fillRef idx="0">
+            <a:schemeClr val="accent1"/>
+          </a:fillRef>
+          <a:effectRef idx="0">
+            <a:schemeClr val="accent1"/>
+          </a:effectRef>
+          <a:fontRef idx="minor">
+            <a:schemeClr val="tx1"/>
+          </a:fontRef>
+        </p:style>
+      </p:cxnSp>
+      <p:sp>
+        <p:nvSpPr>
+          <p:cNvPr id="27" name="圓角矩形 26"/>
+          <p:cNvSpPr/>
+          <p:nvPr/>
+        </p:nvSpPr>
+        <p:spPr>
+          <a:xfrm>
+            <a:off x="3872669" y="4090252"/>
+            <a:ext cx="1781682" cy="709127"/>
+          </a:xfrm>
+          <a:prstGeom prst="roundRect">
+            <a:avLst/>
+          </a:prstGeom>
+        </p:spPr>
+        <p:style>
+          <a:lnRef idx="2">
+            <a:schemeClr val="accent1">
+              <a:shade val="50000"/>
+            </a:schemeClr>
+          </a:lnRef>
+          <a:fillRef idx="1">
+            <a:schemeClr val="accent1"/>
+          </a:fillRef>
+          <a:effectRef idx="0">
+            <a:schemeClr val="accent1"/>
+          </a:effectRef>
+          <a:fontRef idx="minor">
+            <a:schemeClr val="lt1"/>
+          </a:fontRef>
+        </p:style>
+        <p:txBody>
+          <a:bodyPr rtlCol="0" anchor="ctr"/>
+          <a:lstStyle/>
+          <a:p>
+            <a:pPr algn="ctr"/>
+            <a:r>
+              <a:rPr lang="en-US" altLang="zh-TW" dirty="0" smtClean="0">
+                <a:latin typeface="標楷體" panose="03000509000000000000" pitchFamily="65" charset="-120"/>
+                <a:ea typeface="標楷體" panose="03000509000000000000" pitchFamily="65" charset="-120"/>
+              </a:rPr>
+              <a:t>HOG</a:t>
+            </a:r>
+            <a:r>
+              <a:rPr lang="zh-TW" altLang="en-US" dirty="0" smtClean="0">
+                <a:latin typeface="標楷體" panose="03000509000000000000" pitchFamily="65" charset="-120"/>
+                <a:ea typeface="標楷體" panose="03000509000000000000" pitchFamily="65" charset="-120"/>
+              </a:rPr>
+              <a:t>特徵</a:t>
+            </a:r>
+            <a:endParaRPr lang="zh-TW" altLang="en-US" dirty="0">
+              <a:latin typeface="標楷體" panose="03000509000000000000" pitchFamily="65" charset="-120"/>
+              <a:ea typeface="標楷體" panose="03000509000000000000" pitchFamily="65" charset="-120"/>
+            </a:endParaRPr>
+          </a:p>
+        </p:txBody>
+      </p:sp>
+      <p:cxnSp>
+        <p:nvCxnSpPr>
+          <p:cNvPr id="28" name="肘形接點 27"/>
+          <p:cNvCxnSpPr>
+            <a:endCxn id="27" idx="1"/>
+          </p:cNvCxnSpPr>
+          <p:nvPr/>
+        </p:nvCxnSpPr>
+        <p:spPr>
+          <a:xfrm rot="16200000" flipH="1">
+            <a:off x="3429296" y="4001442"/>
+            <a:ext cx="734347" cy="152400"/>
+          </a:xfrm>
+          <a:prstGeom prst="bentConnector2">
+            <a:avLst/>
+          </a:prstGeom>
+        </p:spPr>
+        <p:style>
+          <a:lnRef idx="1">
+            <a:schemeClr val="accent1"/>
+          </a:lnRef>
+          <a:fillRef idx="0">
+            <a:schemeClr val="accent1"/>
+          </a:fillRef>
+          <a:effectRef idx="0">
+            <a:schemeClr val="accent1"/>
+          </a:effectRef>
+          <a:fontRef idx="minor">
+            <a:schemeClr val="tx1"/>
+          </a:fontRef>
+        </p:style>
+      </p:cxnSp>
+      <p:sp>
+        <p:nvSpPr>
+          <p:cNvPr id="29" name="圓角矩形 28"/>
+          <p:cNvSpPr/>
+          <p:nvPr/>
+        </p:nvSpPr>
+        <p:spPr>
+          <a:xfrm>
+            <a:off x="6895788" y="4090250"/>
+            <a:ext cx="1781682" cy="709127"/>
+          </a:xfrm>
+          <a:prstGeom prst="roundRect">
+            <a:avLst/>
+          </a:prstGeom>
+        </p:spPr>
+        <p:style>
+          <a:lnRef idx="2">
+            <a:schemeClr val="accent1">
+              <a:shade val="50000"/>
+            </a:schemeClr>
+          </a:lnRef>
+          <a:fillRef idx="1">
+            <a:schemeClr val="accent1"/>
+          </a:fillRef>
+          <a:effectRef idx="0">
+            <a:schemeClr val="accent1"/>
+          </a:effectRef>
+          <a:fontRef idx="minor">
+            <a:schemeClr val="lt1"/>
+          </a:fontRef>
+        </p:style>
+        <p:txBody>
+          <a:bodyPr rtlCol="0" anchor="ctr"/>
+          <a:lstStyle/>
+          <a:p>
+            <a:pPr algn="ctr"/>
+            <a:r>
+              <a:rPr lang="en-US" altLang="zh-TW" dirty="0" smtClean="0">
+                <a:latin typeface="標楷體" panose="03000509000000000000" pitchFamily="65" charset="-120"/>
+                <a:ea typeface="標楷體" panose="03000509000000000000" pitchFamily="65" charset="-120"/>
+              </a:rPr>
+              <a:t>SVM</a:t>
+            </a:r>
+            <a:r>
+              <a:rPr lang="zh-TW" altLang="en-US" dirty="0" smtClean="0">
+                <a:latin typeface="標楷體" panose="03000509000000000000" pitchFamily="65" charset="-120"/>
+                <a:ea typeface="標楷體" panose="03000509000000000000" pitchFamily="65" charset="-120"/>
+              </a:rPr>
+              <a:t>分類</a:t>
+            </a:r>
+            <a:endParaRPr lang="zh-TW" altLang="en-US" dirty="0">
+              <a:latin typeface="標楷體" panose="03000509000000000000" pitchFamily="65" charset="-120"/>
+              <a:ea typeface="標楷體" panose="03000509000000000000" pitchFamily="65" charset="-120"/>
+            </a:endParaRPr>
+          </a:p>
+        </p:txBody>
+      </p:sp>
+      <p:cxnSp>
+        <p:nvCxnSpPr>
+          <p:cNvPr id="30" name="肘形接點 29"/>
+          <p:cNvCxnSpPr>
+            <a:endCxn id="29" idx="1"/>
+          </p:cNvCxnSpPr>
+          <p:nvPr/>
+        </p:nvCxnSpPr>
+        <p:spPr>
+          <a:xfrm rot="16200000" flipH="1">
+            <a:off x="6452415" y="4001440"/>
+            <a:ext cx="734347" cy="152400"/>
+          </a:xfrm>
+          <a:prstGeom prst="bentConnector2">
+            <a:avLst/>
+          </a:prstGeom>
+        </p:spPr>
+        <p:style>
+          <a:lnRef idx="1">
+            <a:schemeClr val="accent1"/>
+          </a:lnRef>
+          <a:fillRef idx="0">
+            <a:schemeClr val="accent1"/>
+          </a:fillRef>
+          <a:effectRef idx="0">
+            <a:schemeClr val="accent1"/>
+          </a:effectRef>
+          <a:fontRef idx="minor">
+            <a:schemeClr val="tx1"/>
+          </a:fontRef>
+        </p:style>
+      </p:cxnSp>
+      <p:sp>
+        <p:nvSpPr>
+          <p:cNvPr id="31" name="圓角矩形 30"/>
+          <p:cNvSpPr/>
+          <p:nvPr/>
+        </p:nvSpPr>
+        <p:spPr>
+          <a:xfrm>
+            <a:off x="9572118" y="4090250"/>
+            <a:ext cx="1781682" cy="709127"/>
+          </a:xfrm>
+          <a:prstGeom prst="roundRect">
+            <a:avLst/>
+          </a:prstGeom>
+        </p:spPr>
+        <p:style>
+          <a:lnRef idx="2">
+            <a:schemeClr val="accent1">
+              <a:shade val="50000"/>
+            </a:schemeClr>
+          </a:lnRef>
+          <a:fillRef idx="1">
+            <a:schemeClr val="accent1"/>
+          </a:fillRef>
+          <a:effectRef idx="0">
+            <a:schemeClr val="accent1"/>
+          </a:effectRef>
+          <a:fontRef idx="minor">
+            <a:schemeClr val="lt1"/>
+          </a:fontRef>
+        </p:style>
+        <p:txBody>
+          <a:bodyPr rtlCol="0" anchor="ctr"/>
+          <a:lstStyle/>
+          <a:p>
+            <a:pPr algn="ctr"/>
+            <a:r>
+              <a:rPr lang="en-US" altLang="zh-TW" dirty="0" smtClean="0">
+                <a:latin typeface="標楷體" panose="03000509000000000000" pitchFamily="65" charset="-120"/>
+                <a:ea typeface="標楷體" panose="03000509000000000000" pitchFamily="65" charset="-120"/>
+              </a:rPr>
+              <a:t>Socket</a:t>
+            </a:r>
+            <a:r>
+              <a:rPr lang="zh-TW" altLang="en-US" dirty="0" smtClean="0">
+                <a:latin typeface="標楷體" panose="03000509000000000000" pitchFamily="65" charset="-120"/>
+                <a:ea typeface="標楷體" panose="03000509000000000000" pitchFamily="65" charset="-120"/>
+              </a:rPr>
+              <a:t>介面</a:t>
+            </a:r>
+            <a:endParaRPr lang="zh-TW" altLang="en-US" dirty="0">
+              <a:latin typeface="標楷體" panose="03000509000000000000" pitchFamily="65" charset="-120"/>
+              <a:ea typeface="標楷體" panose="03000509000000000000" pitchFamily="65" charset="-120"/>
+            </a:endParaRPr>
+          </a:p>
+        </p:txBody>
+      </p:sp>
+      <p:cxnSp>
+        <p:nvCxnSpPr>
+          <p:cNvPr id="32" name="肘形接點 31"/>
+          <p:cNvCxnSpPr>
+            <a:endCxn id="31" idx="1"/>
+          </p:cNvCxnSpPr>
+          <p:nvPr/>
+        </p:nvCxnSpPr>
+        <p:spPr>
+          <a:xfrm rot="16200000" flipH="1">
+            <a:off x="9128745" y="4001440"/>
+            <a:ext cx="734347" cy="152400"/>
+          </a:xfrm>
+          <a:prstGeom prst="bentConnector2">
+            <a:avLst/>
+          </a:prstGeom>
+        </p:spPr>
+        <p:style>
+          <a:lnRef idx="1">
+            <a:schemeClr val="accent1"/>
+          </a:lnRef>
+          <a:fillRef idx="0">
+            <a:schemeClr val="accent1"/>
+          </a:fillRef>
+          <a:effectRef idx="0">
+            <a:schemeClr val="accent1"/>
+          </a:effectRef>
+          <a:fontRef idx="minor">
+            <a:schemeClr val="tx1"/>
+          </a:fontRef>
+        </p:style>
+      </p:cxnSp>
+      <p:sp>
+        <p:nvSpPr>
+          <p:cNvPr id="34" name="圓角矩形 33"/>
+          <p:cNvSpPr/>
+          <p:nvPr/>
+        </p:nvSpPr>
+        <p:spPr>
+          <a:xfrm>
+            <a:off x="9572118" y="5050370"/>
+            <a:ext cx="1781682" cy="709127"/>
+          </a:xfrm>
+          <a:prstGeom prst="roundRect">
+            <a:avLst/>
+          </a:prstGeom>
+        </p:spPr>
+        <p:style>
+          <a:lnRef idx="2">
+            <a:schemeClr val="accent1">
+              <a:shade val="50000"/>
+            </a:schemeClr>
+          </a:lnRef>
+          <a:fillRef idx="1">
+            <a:schemeClr val="accent1"/>
+          </a:fillRef>
+          <a:effectRef idx="0">
+            <a:schemeClr val="accent1"/>
+          </a:effectRef>
+          <a:fontRef idx="minor">
+            <a:schemeClr val="lt1"/>
+          </a:fontRef>
+        </p:style>
+        <p:txBody>
+          <a:bodyPr rtlCol="0" anchor="ctr"/>
+          <a:lstStyle/>
+          <a:p>
+            <a:pPr algn="ctr"/>
+            <a:r>
+              <a:rPr lang="zh-TW" altLang="en-US" dirty="0" smtClean="0">
+                <a:latin typeface="標楷體" panose="03000509000000000000" pitchFamily="65" charset="-120"/>
+                <a:ea typeface="標楷體" panose="03000509000000000000" pitchFamily="65" charset="-120"/>
+              </a:rPr>
+              <a:t>訓練工作派工</a:t>
+            </a:r>
+            <a:endParaRPr lang="zh-TW" altLang="en-US" dirty="0">
+              <a:latin typeface="標楷體" panose="03000509000000000000" pitchFamily="65" charset="-120"/>
+              <a:ea typeface="標楷體" panose="03000509000000000000" pitchFamily="65" charset="-120"/>
+            </a:endParaRPr>
+          </a:p>
+        </p:txBody>
+      </p:sp>
+      <p:cxnSp>
+        <p:nvCxnSpPr>
+          <p:cNvPr id="35" name="肘形接點 34"/>
+          <p:cNvCxnSpPr>
+            <a:endCxn id="34" idx="1"/>
+          </p:cNvCxnSpPr>
+          <p:nvPr/>
+        </p:nvCxnSpPr>
+        <p:spPr>
+          <a:xfrm rot="16200000" flipH="1">
+            <a:off x="8983662" y="4816478"/>
+            <a:ext cx="1024514" cy="152398"/>
+          </a:xfrm>
+          <a:prstGeom prst="bentConnector2">
+            <a:avLst/>
+          </a:prstGeom>
+        </p:spPr>
+        <p:style>
+          <a:lnRef idx="1">
+            <a:schemeClr val="accent1"/>
+          </a:lnRef>
+          <a:fillRef idx="0">
+            <a:schemeClr val="accent1"/>
+          </a:fillRef>
+          <a:effectRef idx="0">
+            <a:schemeClr val="accent1"/>
+          </a:effectRef>
+          <a:fontRef idx="minor">
+            <a:schemeClr val="tx1"/>
+          </a:fontRef>
+        </p:style>
+      </p:cxnSp>
+      <p:sp>
+        <p:nvSpPr>
+          <p:cNvPr id="37" name="圓角矩形 36"/>
+          <p:cNvSpPr/>
+          <p:nvPr/>
+        </p:nvSpPr>
+        <p:spPr>
+          <a:xfrm>
+            <a:off x="1196340" y="4687148"/>
+            <a:ext cx="1781682" cy="709127"/>
+          </a:xfrm>
+          <a:prstGeom prst="roundRect">
+            <a:avLst/>
+          </a:prstGeom>
+        </p:spPr>
+        <p:style>
+          <a:lnRef idx="2">
+            <a:schemeClr val="accent1">
+              <a:shade val="50000"/>
+            </a:schemeClr>
+          </a:lnRef>
+          <a:fillRef idx="1">
+            <a:schemeClr val="accent1"/>
+          </a:fillRef>
+          <a:effectRef idx="0">
+            <a:schemeClr val="accent1"/>
+          </a:effectRef>
+          <a:fontRef idx="minor">
+            <a:schemeClr val="lt1"/>
+          </a:fontRef>
+        </p:style>
+        <p:txBody>
+          <a:bodyPr rtlCol="0" anchor="ctr"/>
+          <a:lstStyle/>
+          <a:p>
+            <a:pPr algn="ctr"/>
+            <a:r>
+              <a:rPr lang="zh-TW" altLang="en-US" dirty="0" smtClean="0">
+                <a:latin typeface="標楷體" panose="03000509000000000000" pitchFamily="65" charset="-120"/>
+                <a:ea typeface="標楷體" panose="03000509000000000000" pitchFamily="65" charset="-120"/>
+              </a:rPr>
+              <a:t>切割</a:t>
+            </a:r>
+            <a:r>
+              <a:rPr lang="en-US" altLang="zh-TW" dirty="0" smtClean="0">
+                <a:latin typeface="標楷體" panose="03000509000000000000" pitchFamily="65" charset="-120"/>
+                <a:ea typeface="標楷體" panose="03000509000000000000" pitchFamily="65" charset="-120"/>
+              </a:rPr>
+              <a:t>ROI</a:t>
+            </a:r>
+            <a:r>
+              <a:rPr lang="zh-TW" altLang="en-US" dirty="0" smtClean="0">
+                <a:latin typeface="標楷體" panose="03000509000000000000" pitchFamily="65" charset="-120"/>
+                <a:ea typeface="標楷體" panose="03000509000000000000" pitchFamily="65" charset="-120"/>
+              </a:rPr>
+              <a:t>圖像</a:t>
+            </a:r>
+            <a:endParaRPr lang="zh-TW" altLang="en-US" dirty="0">
+              <a:latin typeface="標楷體" panose="03000509000000000000" pitchFamily="65" charset="-120"/>
+              <a:ea typeface="標楷體" panose="03000509000000000000" pitchFamily="65" charset="-120"/>
+            </a:endParaRPr>
+          </a:p>
+        </p:txBody>
+      </p:sp>
+      <p:cxnSp>
+        <p:nvCxnSpPr>
+          <p:cNvPr id="38" name="肘形接點 37"/>
+          <p:cNvCxnSpPr>
+            <a:endCxn id="37" idx="1"/>
+          </p:cNvCxnSpPr>
+          <p:nvPr/>
+        </p:nvCxnSpPr>
+        <p:spPr>
+          <a:xfrm rot="16200000" flipH="1">
+            <a:off x="607885" y="4453256"/>
+            <a:ext cx="1024511" cy="152400"/>
+          </a:xfrm>
+          <a:prstGeom prst="bentConnector2">
+            <a:avLst/>
+          </a:prstGeom>
+        </p:spPr>
+        <p:style>
+          <a:lnRef idx="1">
+            <a:schemeClr val="accent1"/>
+          </a:lnRef>
+          <a:fillRef idx="0">
+            <a:schemeClr val="accent1"/>
+          </a:fillRef>
+          <a:effectRef idx="0">
+            <a:schemeClr val="accent1"/>
+          </a:effectRef>
+          <a:fontRef idx="minor">
+            <a:schemeClr val="tx1"/>
+          </a:fontRef>
+        </p:style>
+      </p:cxnSp>
+      <p:sp>
+        <p:nvSpPr>
+          <p:cNvPr id="25" name="圓角矩形 24"/>
+          <p:cNvSpPr/>
+          <p:nvPr/>
+        </p:nvSpPr>
+        <p:spPr>
+          <a:xfrm>
+            <a:off x="1196340" y="5521768"/>
+            <a:ext cx="1781682" cy="709127"/>
+          </a:xfrm>
+          <a:prstGeom prst="roundRect">
+            <a:avLst/>
+          </a:prstGeom>
+        </p:spPr>
+        <p:style>
+          <a:lnRef idx="2">
+            <a:schemeClr val="accent1">
+              <a:shade val="50000"/>
+            </a:schemeClr>
+          </a:lnRef>
+          <a:fillRef idx="1">
+            <a:schemeClr val="accent1"/>
+          </a:fillRef>
+          <a:effectRef idx="0">
+            <a:schemeClr val="accent1"/>
+          </a:effectRef>
+          <a:fontRef idx="minor">
+            <a:schemeClr val="lt1"/>
+          </a:fontRef>
+        </p:style>
+        <p:txBody>
+          <a:bodyPr rtlCol="0" anchor="ctr"/>
+          <a:lstStyle/>
+          <a:p>
+            <a:pPr algn="ctr"/>
+            <a:r>
+              <a:rPr lang="zh-TW" altLang="en-US" dirty="0" smtClean="0">
+                <a:latin typeface="標楷體" panose="03000509000000000000" pitchFamily="65" charset="-120"/>
+                <a:ea typeface="標楷體" panose="03000509000000000000" pitchFamily="65" charset="-120"/>
+              </a:rPr>
+              <a:t>圖像分類</a:t>
+            </a:r>
+            <a:endParaRPr lang="zh-TW" altLang="en-US" dirty="0">
+              <a:latin typeface="標楷體" panose="03000509000000000000" pitchFamily="65" charset="-120"/>
+              <a:ea typeface="標楷體" panose="03000509000000000000" pitchFamily="65" charset="-120"/>
+            </a:endParaRPr>
+          </a:p>
+        </p:txBody>
+      </p:sp>
+      <p:cxnSp>
+        <p:nvCxnSpPr>
+          <p:cNvPr id="26" name="肘形接點 25"/>
+          <p:cNvCxnSpPr>
+            <a:endCxn id="25" idx="1"/>
+          </p:cNvCxnSpPr>
+          <p:nvPr/>
+        </p:nvCxnSpPr>
+        <p:spPr>
+          <a:xfrm rot="16200000" flipH="1">
+            <a:off x="607885" y="5287876"/>
+            <a:ext cx="1024511" cy="152400"/>
+          </a:xfrm>
+          <a:prstGeom prst="bentConnector2">
+            <a:avLst/>
+          </a:prstGeom>
+        </p:spPr>
+        <p:style>
+          <a:lnRef idx="1">
+            <a:schemeClr val="accent1"/>
+          </a:lnRef>
+          <a:fillRef idx="0">
+            <a:schemeClr val="accent1"/>
+          </a:fillRef>
+          <a:effectRef idx="0">
+            <a:schemeClr val="accent1"/>
+          </a:effectRef>
+          <a:fontRef idx="minor">
+            <a:schemeClr val="tx1"/>
+          </a:fontRef>
+        </p:style>
+      </p:cxnSp>
+    </p:spTree>
+    <p:extLst>
+      <p:ext uri="{BB962C8B-B14F-4D97-AF65-F5344CB8AC3E}">
+        <p14:creationId xmlns:p14="http://schemas.microsoft.com/office/powerpoint/2010/main" val="72388198"/>
+      </p:ext>
+    </p:extLst>
+  </p:cSld>
+  <p:clrMapOvr>
+    <a:masterClrMapping/>
+  </p:clrMapOvr>
+</p:sld>
+</file>
+
+<file path=ppt/slides/slide8.xml><?xml version="1.0" encoding="utf-8"?>
+<p:sld xmlns:a="http://schemas.openxmlformats.org/drawingml/2006/main" xmlns:r="http://schemas.openxmlformats.org/officeDocument/2006/relationships" xmlns:p="http://schemas.openxmlformats.org/presentationml/2006/main">
+  <p:cSld>
+    <p:spTree>
+      <p:nvGrpSpPr>
+        <p:cNvPr id="1" name=""/>
+        <p:cNvGrpSpPr/>
+        <p:nvPr/>
+      </p:nvGrpSpPr>
+      <p:grpSpPr>
+        <a:xfrm>
+          <a:off x="0" y="0"/>
+          <a:ext cx="0" cy="0"/>
+          <a:chOff x="0" y="0"/>
+          <a:chExt cx="0" cy="0"/>
+        </a:xfrm>
+      </p:grpSpPr>
+      <p:pic>
+        <p:nvPicPr>
+          <p:cNvPr id="4" name="內容版面配置區 3"/>
+          <p:cNvPicPr>
+            <a:picLocks noGrp="1" noChangeAspect="1"/>
+          </p:cNvPicPr>
+          <p:nvPr>
+            <p:ph idx="1"/>
+          </p:nvPr>
+        </p:nvPicPr>
+        <p:blipFill>
+          <a:blip r:embed="rId2"/>
+          <a:stretch>
+            <a:fillRect/>
+          </a:stretch>
+        </p:blipFill>
+        <p:spPr>
+          <a:xfrm>
+            <a:off x="838200" y="1390624"/>
+            <a:ext cx="10515600" cy="4659364"/>
+          </a:xfrm>
+          <a:prstGeom prst="rect">
+            <a:avLst/>
+          </a:prstGeom>
+        </p:spPr>
+      </p:pic>
+      <p:sp>
+        <p:nvSpPr>
+          <p:cNvPr id="3" name="標題 2"/>
+          <p:cNvSpPr>
+            <a:spLocks noGrp="1"/>
+          </p:cNvSpPr>
+          <p:nvPr>
+            <p:ph type="title"/>
+          </p:nvPr>
+        </p:nvSpPr>
+        <p:spPr/>
+        <p:txBody>
+          <a:bodyPr/>
+          <a:lstStyle/>
+          <a:p>
+            <a:r>
+              <a:rPr lang="zh-TW" altLang="en-US" dirty="0"/>
+              <a:t>設計 </a:t>
+            </a:r>
+            <a:r>
+              <a:rPr lang="en-US" altLang="zh-TW" dirty="0"/>
+              <a:t>–</a:t>
+            </a:r>
+            <a:r>
+              <a:rPr lang="zh-TW" altLang="en-US" dirty="0"/>
+              <a:t> 階層設計</a:t>
+            </a:r>
+          </a:p>
+        </p:txBody>
+      </p:sp>
+    </p:spTree>
+    <p:extLst>
+      <p:ext uri="{BB962C8B-B14F-4D97-AF65-F5344CB8AC3E}">
+        <p14:creationId xmlns:p14="http://schemas.microsoft.com/office/powerpoint/2010/main" val="316944457"/>
+      </p:ext>
+    </p:extLst>
+  </p:cSld>
+  <p:clrMapOvr>
+    <a:masterClrMapping/>
+  </p:clrMapOvr>
+</p:sld>
+</file>
+
+<file path=ppt/slides/slide9.xml><?xml version="1.0" encoding="utf-8"?>
+<p:sld xmlns:a="http://schemas.openxmlformats.org/drawingml/2006/main" xmlns:r="http://schemas.openxmlformats.org/officeDocument/2006/relationships" xmlns:p="http://schemas.openxmlformats.org/presentationml/2006/main">
+  <p:cSld>
+    <p:spTree>
+      <p:nvGrpSpPr>
+        <p:cNvPr id="1" name=""/>
+        <p:cNvGrpSpPr/>
+        <p:nvPr/>
+      </p:nvGrpSpPr>
+      <p:grpSpPr>
+        <a:xfrm>
+          <a:off x="0" y="0"/>
+          <a:ext cx="0" cy="0"/>
+          <a:chOff x="0" y="0"/>
+          <a:chExt cx="0" cy="0"/>
+        </a:xfrm>
+      </p:grpSpPr>
+      <p:sp>
+        <p:nvSpPr>
+          <p:cNvPr id="3" name="標題 2"/>
+          <p:cNvSpPr>
+            <a:spLocks noGrp="1"/>
+          </p:cNvSpPr>
+          <p:nvPr>
+            <p:ph type="title"/>
+          </p:nvPr>
+        </p:nvSpPr>
+        <p:spPr/>
+        <p:txBody>
+          <a:bodyPr/>
+          <a:lstStyle/>
+          <a:p>
+            <a:r>
+              <a:rPr lang="zh-TW" altLang="en-US" dirty="0" smtClean="0"/>
+              <a:t>設計 </a:t>
+            </a:r>
+            <a:r>
+              <a:rPr lang="en-US" altLang="zh-TW" dirty="0" smtClean="0"/>
+              <a:t>–</a:t>
+            </a:r>
+            <a:r>
+              <a:rPr lang="zh-TW" altLang="en-US" dirty="0" smtClean="0"/>
+              <a:t> </a:t>
+            </a:r>
+            <a:r>
+              <a:rPr lang="zh-TW" altLang="en-US" dirty="0" smtClean="0"/>
+              <a:t>階層設計</a:t>
+            </a:r>
+            <a:endParaRPr lang="zh-TW" altLang="en-US" dirty="0"/>
+          </a:p>
+        </p:txBody>
+      </p:sp>
+      <p:graphicFrame>
+        <p:nvGraphicFramePr>
+          <p:cNvPr id="6" name="表格 5"/>
+          <p:cNvGraphicFramePr>
+            <a:graphicFrameLocks noGrp="1"/>
+          </p:cNvGraphicFramePr>
+          <p:nvPr>
+            <p:extLst>
+              <p:ext uri="{D42A27DB-BD31-4B8C-83A1-F6EECF244321}">
+                <p14:modId xmlns:p14="http://schemas.microsoft.com/office/powerpoint/2010/main" val="1110040198"/>
+              </p:ext>
+            </p:extLst>
+          </p:nvPr>
+        </p:nvGraphicFramePr>
+        <p:xfrm>
+          <a:off x="1416620" y="1882449"/>
+          <a:ext cx="9358760" cy="3640692"/>
+        </p:xfrm>
+        <a:graphic>
+          <a:graphicData uri="http://schemas.openxmlformats.org/drawingml/2006/table">
+            <a:tbl>
+              <a:tblPr firstRow="1" bandRow="1">
+                <a:tableStyleId>{5C22544A-7EE6-4342-B048-85BDC9FD1C3A}</a:tableStyleId>
+              </a:tblPr>
+              <a:tblGrid>
+                <a:gridCol w="2339690">
+                  <a:extLst>
+                    <a:ext uri="{9D8B030D-6E8A-4147-A177-3AD203B41FA5}">
+                      <a16:colId xmlns:a16="http://schemas.microsoft.com/office/drawing/2014/main" val="3941426172"/>
+                    </a:ext>
+                  </a:extLst>
+                </a:gridCol>
+                <a:gridCol w="2339690">
+                  <a:extLst>
+                    <a:ext uri="{9D8B030D-6E8A-4147-A177-3AD203B41FA5}">
+                      <a16:colId xmlns:a16="http://schemas.microsoft.com/office/drawing/2014/main" val="2689621076"/>
+                    </a:ext>
+                  </a:extLst>
+                </a:gridCol>
+                <a:gridCol w="2339690">
+                  <a:extLst>
+                    <a:ext uri="{9D8B030D-6E8A-4147-A177-3AD203B41FA5}">
+                      <a16:colId xmlns:a16="http://schemas.microsoft.com/office/drawing/2014/main" val="80297829"/>
+                    </a:ext>
+                  </a:extLst>
+                </a:gridCol>
+                <a:gridCol w="2339690">
+                  <a:extLst>
+                    <a:ext uri="{9D8B030D-6E8A-4147-A177-3AD203B41FA5}">
+                      <a16:colId xmlns:a16="http://schemas.microsoft.com/office/drawing/2014/main" val="2047026164"/>
+                    </a:ext>
+                  </a:extLst>
+                </a:gridCol>
+              </a:tblGrid>
+              <a:tr h="664809">
+                <a:tc>
+                  <a:txBody>
+                    <a:bodyPr/>
+                    <a:lstStyle/>
+                    <a:p>
+                      <a:pPr algn="ctr"/>
+                      <a:r>
+                        <a:rPr lang="en-US" altLang="zh-TW" sz="1800" dirty="0" smtClean="0">
+                          <a:latin typeface="Times New Roman" panose="02020603050405020304" pitchFamily="18" charset="0"/>
+                          <a:cs typeface="Times New Roman" panose="02020603050405020304" pitchFamily="18" charset="0"/>
+                        </a:rPr>
+                        <a:t>Class name</a:t>
+                      </a:r>
+                      <a:endParaRPr lang="zh-TW" altLang="en-US" dirty="0">
+                        <a:latin typeface="Times New Roman" panose="02020603050405020304" pitchFamily="18" charset="0"/>
+                        <a:ea typeface="標楷體" panose="03000509000000000000" pitchFamily="65" charset="-120"/>
+                        <a:cs typeface="Times New Roman" panose="02020603050405020304" pitchFamily="18" charset="0"/>
+                      </a:endParaRPr>
+                    </a:p>
+                  </a:txBody>
+                  <a:tcPr anchor="ctr"/>
+                </a:tc>
+                <a:tc>
+                  <a:txBody>
+                    <a:bodyPr/>
+                    <a:lstStyle/>
+                    <a:p>
+                      <a:pPr algn="ctr"/>
+                      <a:r>
+                        <a:rPr lang="en-US" altLang="zh-TW" dirty="0" smtClean="0">
+                          <a:latin typeface="Times New Roman" panose="02020603050405020304" pitchFamily="18" charset="0"/>
+                          <a:ea typeface="標楷體" panose="03000509000000000000" pitchFamily="65" charset="-120"/>
+                          <a:cs typeface="Times New Roman" panose="02020603050405020304" pitchFamily="18" charset="0"/>
+                        </a:rPr>
+                        <a:t>Key</a:t>
+                      </a:r>
+                      <a:endParaRPr lang="zh-TW" altLang="en-US" dirty="0">
+                        <a:latin typeface="Times New Roman" panose="02020603050405020304" pitchFamily="18" charset="0"/>
+                        <a:ea typeface="標楷體" panose="03000509000000000000" pitchFamily="65" charset="-120"/>
+                        <a:cs typeface="Times New Roman" panose="02020603050405020304" pitchFamily="18" charset="0"/>
+                      </a:endParaRPr>
+                    </a:p>
+                  </a:txBody>
+                  <a:tcPr anchor="ctr"/>
+                </a:tc>
+                <a:tc>
+                  <a:txBody>
+                    <a:bodyPr/>
+                    <a:lstStyle/>
+                    <a:p>
+                      <a:pPr algn="ctr"/>
+                      <a:r>
+                        <a:rPr lang="zh-TW" altLang="en-US" dirty="0" smtClean="0">
+                          <a:latin typeface="標楷體" panose="03000509000000000000" pitchFamily="65" charset="-120"/>
+                          <a:ea typeface="標楷體" panose="03000509000000000000" pitchFamily="65" charset="-120"/>
+                        </a:rPr>
+                        <a:t>資料形態</a:t>
+                      </a:r>
+                      <a:endParaRPr lang="zh-TW" altLang="en-US" dirty="0">
+                        <a:latin typeface="標楷體" panose="03000509000000000000" pitchFamily="65" charset="-120"/>
+                        <a:ea typeface="標楷體" panose="03000509000000000000" pitchFamily="65" charset="-120"/>
+                      </a:endParaRPr>
+                    </a:p>
+                  </a:txBody>
+                  <a:tcPr anchor="ctr"/>
+                </a:tc>
+                <a:tc>
+                  <a:txBody>
+                    <a:bodyPr/>
+                    <a:lstStyle/>
+                    <a:p>
+                      <a:pPr algn="ctr"/>
+                      <a:r>
+                        <a:rPr lang="zh-TW" altLang="en-US" dirty="0" smtClean="0">
+                          <a:latin typeface="標楷體" panose="03000509000000000000" pitchFamily="65" charset="-120"/>
+                          <a:ea typeface="標楷體" panose="03000509000000000000" pitchFamily="65" charset="-120"/>
+                        </a:rPr>
+                        <a:t>定義</a:t>
+                      </a:r>
+                      <a:endParaRPr lang="zh-TW" altLang="en-US" dirty="0">
+                        <a:latin typeface="標楷體" panose="03000509000000000000" pitchFamily="65" charset="-120"/>
+                        <a:ea typeface="標楷體" panose="03000509000000000000" pitchFamily="65" charset="-120"/>
+                      </a:endParaRPr>
+                    </a:p>
+                  </a:txBody>
+                  <a:tcPr anchor="ctr"/>
+                </a:tc>
+                <a:extLst>
+                  <a:ext uri="{0D108BD9-81ED-4DB2-BD59-A6C34878D82A}">
+                    <a16:rowId xmlns:a16="http://schemas.microsoft.com/office/drawing/2014/main" val="2866886741"/>
+                  </a:ext>
+                </a:extLst>
+              </a:tr>
+              <a:tr h="991961">
+                <a:tc rowSpan="3">
+                  <a:txBody>
+                    <a:bodyPr/>
+                    <a:lstStyle/>
+                    <a:p>
+                      <a:pPr algn="ctr"/>
+                      <a:r>
+                        <a:rPr lang="en-US" altLang="zh-TW" dirty="0" smtClean="0">
+                          <a:latin typeface="Times New Roman" panose="02020603050405020304" pitchFamily="18" charset="0"/>
+                          <a:ea typeface="標楷體" panose="03000509000000000000" pitchFamily="65" charset="-120"/>
+                          <a:cs typeface="Times New Roman" panose="02020603050405020304" pitchFamily="18" charset="0"/>
+                        </a:rPr>
+                        <a:t>Layer</a:t>
+                      </a:r>
+                      <a:endParaRPr lang="zh-TW" altLang="en-US" dirty="0">
+                        <a:latin typeface="Times New Roman" panose="02020603050405020304" pitchFamily="18" charset="0"/>
+                        <a:ea typeface="標楷體" panose="03000509000000000000" pitchFamily="65" charset="-120"/>
+                        <a:cs typeface="Times New Roman" panose="02020603050405020304" pitchFamily="18" charset="0"/>
+                      </a:endParaRPr>
+                    </a:p>
+                  </a:txBody>
+                  <a:tcPr anchor="ctr"/>
+                </a:tc>
+                <a:tc>
+                  <a:txBody>
+                    <a:bodyPr/>
+                    <a:lstStyle/>
+                    <a:p>
+                      <a:pPr algn="ctr"/>
+                      <a:r>
+                        <a:rPr lang="en-US" altLang="zh-TW" dirty="0" smtClean="0">
+                          <a:latin typeface="Times New Roman" panose="02020603050405020304" pitchFamily="18" charset="0"/>
+                          <a:ea typeface="標楷體" panose="03000509000000000000" pitchFamily="65" charset="-120"/>
+                          <a:cs typeface="Times New Roman" panose="02020603050405020304" pitchFamily="18" charset="0"/>
+                        </a:rPr>
+                        <a:t>Label</a:t>
+                      </a:r>
+                      <a:endParaRPr lang="zh-TW" altLang="en-US" dirty="0">
+                        <a:latin typeface="Times New Roman" panose="02020603050405020304" pitchFamily="18" charset="0"/>
+                        <a:ea typeface="標楷體" panose="03000509000000000000" pitchFamily="65" charset="-120"/>
+                        <a:cs typeface="Times New Roman" panose="02020603050405020304" pitchFamily="18" charset="0"/>
+                      </a:endParaRPr>
+                    </a:p>
+                  </a:txBody>
+                  <a:tcPr anchor="ctr"/>
+                </a:tc>
+                <a:tc>
+                  <a:txBody>
+                    <a:bodyPr/>
+                    <a:lstStyle/>
+                    <a:p>
+                      <a:pPr algn="ctr"/>
+                      <a:r>
+                        <a:rPr lang="en-US" altLang="zh-TW" dirty="0" smtClean="0">
+                          <a:latin typeface="Times New Roman" panose="02020603050405020304" pitchFamily="18" charset="0"/>
+                          <a:ea typeface="標楷體" panose="03000509000000000000" pitchFamily="65" charset="-120"/>
+                          <a:cs typeface="Times New Roman" panose="02020603050405020304" pitchFamily="18" charset="0"/>
+                        </a:rPr>
+                        <a:t>string</a:t>
+                      </a:r>
+                      <a:endParaRPr lang="zh-TW" altLang="en-US" dirty="0">
+                        <a:latin typeface="Times New Roman" panose="02020603050405020304" pitchFamily="18" charset="0"/>
+                        <a:ea typeface="標楷體" panose="03000509000000000000" pitchFamily="65" charset="-120"/>
+                        <a:cs typeface="Times New Roman" panose="02020603050405020304" pitchFamily="18" charset="0"/>
+                      </a:endParaRPr>
+                    </a:p>
+                  </a:txBody>
+                  <a:tcPr anchor="ctr"/>
+                </a:tc>
+                <a:tc>
+                  <a:txBody>
+                    <a:bodyPr/>
+                    <a:lstStyle/>
+                    <a:p>
+                      <a:pPr algn="ctr"/>
+                      <a:r>
+                        <a:rPr lang="zh-TW" altLang="en-US" dirty="0" smtClean="0">
+                          <a:latin typeface="Times New Roman" panose="02020603050405020304" pitchFamily="18" charset="0"/>
+                          <a:ea typeface="標楷體" panose="03000509000000000000" pitchFamily="65" charset="-120"/>
+                          <a:cs typeface="Times New Roman" panose="02020603050405020304" pitchFamily="18" charset="0"/>
+                        </a:rPr>
+                        <a:t>階層標籤</a:t>
+                      </a:r>
+                      <a:endParaRPr lang="en-US" altLang="zh-TW" dirty="0" smtClean="0">
+                        <a:latin typeface="Times New Roman" panose="02020603050405020304" pitchFamily="18" charset="0"/>
+                        <a:ea typeface="標楷體" panose="03000509000000000000" pitchFamily="65" charset="-120"/>
+                        <a:cs typeface="Times New Roman" panose="02020603050405020304" pitchFamily="18" charset="0"/>
+                      </a:endParaRPr>
+                    </a:p>
+                  </a:txBody>
+                  <a:tcPr anchor="ctr"/>
+                </a:tc>
+                <a:extLst>
+                  <a:ext uri="{0D108BD9-81ED-4DB2-BD59-A6C34878D82A}">
+                    <a16:rowId xmlns:a16="http://schemas.microsoft.com/office/drawing/2014/main" val="3881328464"/>
+                  </a:ext>
+                </a:extLst>
+              </a:tr>
+              <a:tr h="991961">
+                <a:tc vMerge="1">
+                  <a:txBody>
+                    <a:bodyPr/>
+                    <a:lstStyle/>
+                    <a:p>
+                      <a:pPr algn="ctr"/>
+                      <a:endParaRPr lang="zh-TW" altLang="en-US" dirty="0">
+                        <a:latin typeface="Times New Roman" panose="02020603050405020304" pitchFamily="18" charset="0"/>
+                        <a:ea typeface="標楷體" panose="03000509000000000000" pitchFamily="65" charset="-120"/>
+                        <a:cs typeface="Times New Roman" panose="02020603050405020304" pitchFamily="18" charset="0"/>
+                      </a:endParaRPr>
+                    </a:p>
+                  </a:txBody>
+                  <a:tcPr anchor="ctr"/>
+                </a:tc>
+                <a:tc>
+                  <a:txBody>
+                    <a:bodyPr/>
+                    <a:lstStyle/>
+                    <a:p>
+                      <a:pPr algn="ctr"/>
+                      <a:r>
+                        <a:rPr lang="en-US" altLang="zh-TW" dirty="0" smtClean="0">
+                          <a:latin typeface="Times New Roman" panose="02020603050405020304" pitchFamily="18" charset="0"/>
+                          <a:ea typeface="標楷體" panose="03000509000000000000" pitchFamily="65" charset="-120"/>
+                          <a:cs typeface="Times New Roman" panose="02020603050405020304" pitchFamily="18" charset="0"/>
+                        </a:rPr>
+                        <a:t>Value</a:t>
+                      </a:r>
+                      <a:endParaRPr lang="zh-TW" altLang="en-US" dirty="0">
+                        <a:latin typeface="Times New Roman" panose="02020603050405020304" pitchFamily="18" charset="0"/>
+                        <a:ea typeface="標楷體" panose="03000509000000000000" pitchFamily="65" charset="-120"/>
+                        <a:cs typeface="Times New Roman" panose="02020603050405020304" pitchFamily="18" charset="0"/>
+                      </a:endParaRPr>
+                    </a:p>
+                  </a:txBody>
+                  <a:tcPr anchor="ctr"/>
+                </a:tc>
+                <a:tc>
+                  <a:txBody>
+                    <a:bodyPr/>
+                    <a:lstStyle/>
+                    <a:p>
+                      <a:pPr algn="ctr"/>
+                      <a:r>
+                        <a:rPr lang="en-US" altLang="zh-TW" dirty="0" smtClean="0">
+                          <a:latin typeface="Times New Roman" panose="02020603050405020304" pitchFamily="18" charset="0"/>
+                          <a:ea typeface="標楷體" panose="03000509000000000000" pitchFamily="65" charset="-120"/>
+                          <a:cs typeface="Times New Roman" panose="02020603050405020304" pitchFamily="18" charset="0"/>
+                        </a:rPr>
+                        <a:t>Array&lt;string&gt;</a:t>
+                      </a:r>
+                      <a:endParaRPr lang="zh-TW" altLang="en-US" dirty="0">
+                        <a:latin typeface="Times New Roman" panose="02020603050405020304" pitchFamily="18" charset="0"/>
+                        <a:ea typeface="標楷體" panose="03000509000000000000" pitchFamily="65" charset="-120"/>
+                        <a:cs typeface="Times New Roman" panose="02020603050405020304" pitchFamily="18" charset="0"/>
+                      </a:endParaRPr>
+                    </a:p>
+                  </a:txBody>
+                  <a:tcPr anchor="ctr"/>
+                </a:tc>
+                <a:tc>
+                  <a:txBody>
+                    <a:bodyPr/>
+                    <a:lstStyle/>
+                    <a:p>
+                      <a:pPr algn="ctr"/>
+                      <a:r>
+                        <a:rPr lang="zh-TW" altLang="en-US" dirty="0" smtClean="0">
+                          <a:latin typeface="Times New Roman" panose="02020603050405020304" pitchFamily="18" charset="0"/>
+                          <a:ea typeface="標楷體" panose="03000509000000000000" pitchFamily="65" charset="-120"/>
+                          <a:cs typeface="Times New Roman" panose="02020603050405020304" pitchFamily="18" charset="0"/>
+                        </a:rPr>
+                        <a:t>階層所用類別資料夾</a:t>
+                      </a:r>
+                      <a:endParaRPr lang="en-US" altLang="zh-TW" dirty="0" smtClean="0">
+                        <a:latin typeface="Times New Roman" panose="02020603050405020304" pitchFamily="18" charset="0"/>
+                        <a:ea typeface="標楷體" panose="03000509000000000000" pitchFamily="65" charset="-120"/>
+                        <a:cs typeface="Times New Roman" panose="02020603050405020304" pitchFamily="18" charset="0"/>
+                      </a:endParaRPr>
+                    </a:p>
+                  </a:txBody>
+                  <a:tcPr anchor="ctr"/>
+                </a:tc>
+                <a:extLst>
+                  <a:ext uri="{0D108BD9-81ED-4DB2-BD59-A6C34878D82A}">
+                    <a16:rowId xmlns:a16="http://schemas.microsoft.com/office/drawing/2014/main" val="283575807"/>
+                  </a:ext>
+                </a:extLst>
+              </a:tr>
+              <a:tr h="991961">
+                <a:tc vMerge="1">
+                  <a:txBody>
+                    <a:bodyPr/>
+                    <a:lstStyle/>
+                    <a:p>
+                      <a:pPr algn="ctr"/>
+                      <a:endParaRPr lang="zh-TW" altLang="en-US" dirty="0">
+                        <a:latin typeface="Times New Roman" panose="02020603050405020304" pitchFamily="18" charset="0"/>
+                        <a:ea typeface="標楷體" panose="03000509000000000000" pitchFamily="65" charset="-120"/>
+                        <a:cs typeface="Times New Roman" panose="02020603050405020304" pitchFamily="18" charset="0"/>
+                      </a:endParaRPr>
+                    </a:p>
+                  </a:txBody>
+                  <a:tcPr anchor="ctr"/>
+                </a:tc>
+                <a:tc>
+                  <a:txBody>
+                    <a:bodyPr/>
+                    <a:lstStyle/>
+                    <a:p>
+                      <a:pPr algn="ctr"/>
+                      <a:r>
+                        <a:rPr lang="en-US" altLang="zh-TW" dirty="0" smtClean="0">
+                          <a:latin typeface="Times New Roman" panose="02020603050405020304" pitchFamily="18" charset="0"/>
+                          <a:ea typeface="標楷體" panose="03000509000000000000" pitchFamily="65" charset="-120"/>
+                          <a:cs typeface="Times New Roman" panose="02020603050405020304" pitchFamily="18" charset="0"/>
+                        </a:rPr>
+                        <a:t>Children</a:t>
+                      </a:r>
+                      <a:endParaRPr lang="zh-TW" altLang="en-US" dirty="0">
+                        <a:latin typeface="Times New Roman" panose="02020603050405020304" pitchFamily="18" charset="0"/>
+                        <a:ea typeface="標楷體" panose="03000509000000000000" pitchFamily="65" charset="-120"/>
+                        <a:cs typeface="Times New Roman" panose="02020603050405020304" pitchFamily="18" charset="0"/>
+                      </a:endParaRPr>
+                    </a:p>
+                  </a:txBody>
+                  <a:tcPr anchor="ctr"/>
+                </a:tc>
+                <a:tc>
+                  <a:txBody>
+                    <a:bodyPr/>
+                    <a:lstStyle/>
+                    <a:p>
+                      <a:pPr marL="0" marR="0" indent="0" algn="ctr" defTabSz="914400" rtl="0" eaLnBrk="1" fontAlgn="auto" latinLnBrk="0" hangingPunct="1">
+                        <a:lnSpc>
+                          <a:spcPct val="100000"/>
+                        </a:lnSpc>
+                        <a:spcBef>
+                          <a:spcPts val="0"/>
+                        </a:spcBef>
+                        <a:spcAft>
+                          <a:spcPts val="0"/>
+                        </a:spcAft>
+                        <a:buClrTx/>
+                        <a:buSzTx/>
+                        <a:buFontTx/>
+                        <a:buNone/>
+                        <a:tabLst/>
+                        <a:defRPr/>
+                      </a:pPr>
+                      <a:r>
+                        <a:rPr lang="en-US" altLang="zh-TW" dirty="0" smtClean="0">
+                          <a:latin typeface="Times New Roman" panose="02020603050405020304" pitchFamily="18" charset="0"/>
+                          <a:ea typeface="標楷體" panose="03000509000000000000" pitchFamily="65" charset="-120"/>
+                          <a:cs typeface="Times New Roman" panose="02020603050405020304" pitchFamily="18" charset="0"/>
+                        </a:rPr>
+                        <a:t>Array&lt;Layer&gt;</a:t>
+                      </a:r>
+                      <a:endParaRPr lang="zh-TW" altLang="en-US" dirty="0" smtClean="0">
+                        <a:latin typeface="Times New Roman" panose="02020603050405020304" pitchFamily="18" charset="0"/>
+                        <a:ea typeface="標楷體" panose="03000509000000000000" pitchFamily="65" charset="-120"/>
+                        <a:cs typeface="Times New Roman" panose="02020603050405020304" pitchFamily="18" charset="0"/>
+                      </a:endParaRPr>
+                    </a:p>
+                  </a:txBody>
+                  <a:tcPr anchor="ctr"/>
+                </a:tc>
+                <a:tc>
+                  <a:txBody>
+                    <a:bodyPr/>
+                    <a:lstStyle/>
+                    <a:p>
+                      <a:pPr marL="0" marR="0" indent="0" algn="ctr" defTabSz="914400" rtl="0" eaLnBrk="1" fontAlgn="auto" latinLnBrk="0" hangingPunct="1">
+                        <a:lnSpc>
+                          <a:spcPct val="100000"/>
+                        </a:lnSpc>
+                        <a:spcBef>
+                          <a:spcPts val="0"/>
+                        </a:spcBef>
+                        <a:spcAft>
+                          <a:spcPts val="0"/>
+                        </a:spcAft>
+                        <a:buClrTx/>
+                        <a:buSzTx/>
+                        <a:buFontTx/>
+                        <a:buNone/>
+                        <a:tabLst/>
+                        <a:defRPr/>
+                      </a:pPr>
+                      <a:r>
+                        <a:rPr lang="zh-TW" altLang="en-US" dirty="0" smtClean="0">
+                          <a:latin typeface="Times New Roman" panose="02020603050405020304" pitchFamily="18" charset="0"/>
+                          <a:ea typeface="標楷體" panose="03000509000000000000" pitchFamily="65" charset="-120"/>
+                          <a:cs typeface="Times New Roman" panose="02020603050405020304" pitchFamily="18" charset="0"/>
+                        </a:rPr>
+                        <a:t>子階層陣列</a:t>
+                      </a:r>
+                    </a:p>
+                  </a:txBody>
+                  <a:tcPr anchor="ctr"/>
+                </a:tc>
+                <a:extLst>
+                  <a:ext uri="{0D108BD9-81ED-4DB2-BD59-A6C34878D82A}">
+                    <a16:rowId xmlns:a16="http://schemas.microsoft.com/office/drawing/2014/main" val="2226979060"/>
+                  </a:ext>
+                </a:extLst>
+              </a:tr>
+            </a:tbl>
+          </a:graphicData>
+        </a:graphic>
+      </p:graphicFrame>
+    </p:spTree>
+    <p:extLst>
+      <p:ext uri="{BB962C8B-B14F-4D97-AF65-F5344CB8AC3E}">
+        <p14:creationId xmlns:p14="http://schemas.microsoft.com/office/powerpoint/2010/main" val="4249922421"/>
       </p:ext>
     </p:extLst>
   </p:cSld>

--- a/final/基於分散式網路架構訓練階層式分類模型.pptx
+++ b/final/基於分散式網路架構訓練階層式分類模型.pptx
@@ -3962,11 +3962,11 @@
             </a:r>
             <a:r>
               <a:rPr lang="zh-TW" altLang="en-US" dirty="0" smtClean="0"/>
-              <a:t> </a:t>
+              <a:t> 階層</a:t>
             </a:r>
             <a:r>
               <a:rPr lang="zh-TW" altLang="en-US" dirty="0" smtClean="0"/>
-              <a:t>階層設計</a:t>
+              <a:t>設計</a:t>
             </a:r>
             <a:endParaRPr lang="zh-TW" altLang="en-US" dirty="0"/>
           </a:p>
@@ -4012,8 +4012,8 @@
         </p:blipFill>
         <p:spPr>
           <a:xfrm>
-            <a:off x="914400" y="3155900"/>
-            <a:ext cx="8199120" cy="2015204"/>
+            <a:off x="941741" y="3612854"/>
+            <a:ext cx="8481849" cy="2084694"/>
           </a:xfrm>
           <a:prstGeom prst="rect">
             <a:avLst/>
@@ -4036,8 +4036,8 @@
         </p:blipFill>
         <p:spPr>
           <a:xfrm>
-            <a:off x="914400" y="1745194"/>
-            <a:ext cx="1264920" cy="446662"/>
+            <a:off x="673113" y="2362046"/>
+            <a:ext cx="1741960" cy="615112"/>
           </a:xfrm>
           <a:prstGeom prst="rect">
             <a:avLst/>
@@ -4060,8 +4060,8 @@
         </p:blipFill>
         <p:spPr>
           <a:xfrm>
-            <a:off x="3444240" y="1744563"/>
-            <a:ext cx="1264920" cy="446662"/>
+            <a:off x="4225627" y="2362046"/>
+            <a:ext cx="1741960" cy="615112"/>
           </a:xfrm>
           <a:prstGeom prst="rect">
             <a:avLst/>
@@ -4084,8 +4084,8 @@
         </p:blipFill>
         <p:spPr>
           <a:xfrm>
-            <a:off x="2179320" y="1744563"/>
-            <a:ext cx="1264920" cy="444796"/>
+            <a:off x="2450624" y="2364616"/>
+            <a:ext cx="1741960" cy="612542"/>
           </a:xfrm>
           <a:prstGeom prst="rect">
             <a:avLst/>
@@ -4108,8 +4108,8 @@
         </p:blipFill>
         <p:spPr>
           <a:xfrm>
-            <a:off x="4709160" y="1744563"/>
-            <a:ext cx="1264920" cy="444796"/>
+            <a:off x="5967587" y="2362046"/>
+            <a:ext cx="1741960" cy="612542"/>
           </a:xfrm>
           <a:prstGeom prst="rect">
             <a:avLst/>
@@ -4132,8 +4132,8 @@
         </p:blipFill>
         <p:spPr>
           <a:xfrm>
-            <a:off x="5974080" y="1744563"/>
-            <a:ext cx="1264920" cy="444796"/>
+            <a:off x="7681630" y="2362046"/>
+            <a:ext cx="1741960" cy="612542"/>
           </a:xfrm>
           <a:prstGeom prst="rect">
             <a:avLst/>
@@ -4148,7 +4148,7 @@
         </p:nvSpPr>
         <p:spPr>
           <a:xfrm>
-            <a:off x="2560320" y="1287233"/>
+            <a:off x="3070144" y="1851741"/>
             <a:ext cx="502920" cy="461665"/>
           </a:xfrm>
           <a:prstGeom prst="rect">
@@ -4184,7 +4184,7 @@
         </p:nvSpPr>
         <p:spPr>
           <a:xfrm>
-            <a:off x="1295400" y="1282768"/>
+            <a:off x="1292633" y="1851824"/>
             <a:ext cx="502920" cy="461665"/>
           </a:xfrm>
           <a:prstGeom prst="rect">
@@ -4220,7 +4220,7 @@
         </p:nvSpPr>
         <p:spPr>
           <a:xfrm>
-            <a:off x="6282690" y="1282767"/>
+            <a:off x="8228760" y="1851742"/>
             <a:ext cx="647700" cy="461665"/>
           </a:xfrm>
           <a:prstGeom prst="rect">
@@ -4256,7 +4256,7 @@
         </p:nvSpPr>
         <p:spPr>
           <a:xfrm>
-            <a:off x="5090160" y="1282767"/>
+            <a:off x="6587107" y="1851742"/>
             <a:ext cx="502920" cy="461665"/>
           </a:xfrm>
           <a:prstGeom prst="rect">
@@ -4292,7 +4292,7 @@
         </p:nvSpPr>
         <p:spPr>
           <a:xfrm>
-            <a:off x="3825240" y="1282767"/>
+            <a:off x="4845147" y="1851742"/>
             <a:ext cx="502920" cy="461665"/>
           </a:xfrm>
           <a:prstGeom prst="rect">
@@ -4317,6 +4317,38 @@
               <a:latin typeface="Times New Roman" panose="02020603050405020304" pitchFamily="18" charset="0"/>
               <a:cs typeface="Times New Roman" panose="02020603050405020304" pitchFamily="18" charset="0"/>
             </a:endParaRPr>
+          </a:p>
+        </p:txBody>
+      </p:sp>
+      <p:sp>
+        <p:nvSpPr>
+          <p:cNvPr id="4" name="文字方塊 3"/>
+          <p:cNvSpPr txBox="1"/>
+          <p:nvPr/>
+        </p:nvSpPr>
+        <p:spPr>
+          <a:xfrm>
+            <a:off x="799200" y="1141575"/>
+            <a:ext cx="1005403" cy="584775"/>
+          </a:xfrm>
+          <a:prstGeom prst="rect">
+            <a:avLst/>
+          </a:prstGeom>
+          <a:noFill/>
+        </p:spPr>
+        <p:txBody>
+          <a:bodyPr wrap="none" rtlCol="0">
+            <a:spAutoFit/>
+          </a:bodyPr>
+          <a:lstStyle/>
+          <a:p>
+            <a:r>
+              <a:rPr lang="zh-TW" altLang="en-US" sz="3200" dirty="0">
+                <a:latin typeface="標楷體" panose="03000509000000000000" pitchFamily="65" charset="-120"/>
+                <a:ea typeface="標楷體" panose="03000509000000000000" pitchFamily="65" charset="-120"/>
+              </a:rPr>
+              <a:t>範例</a:t>
+            </a:r>
           </a:p>
         </p:txBody>
       </p:sp>
@@ -4691,7 +4723,7 @@
         <p:spPr/>
         <p:txBody>
           <a:bodyPr>
-            <a:normAutofit/>
+            <a:normAutofit lnSpcReduction="10000"/>
           </a:bodyPr>
           <a:lstStyle/>
           <a:p>
@@ -4726,6 +4758,30 @@
           </a:p>
           <a:p>
             <a:pPr lvl="1"/>
+            <a:r>
+              <a:rPr lang="zh-TW" altLang="en-US" sz="2400" dirty="0" smtClean="0"/>
+              <a:t>手機</a:t>
+            </a:r>
+            <a:r>
+              <a:rPr lang="en-US" altLang="zh-TW" sz="2400" dirty="0" smtClean="0"/>
+              <a:t>4G</a:t>
+            </a:r>
+            <a:r>
+              <a:rPr lang="zh-TW" altLang="en-US" sz="2400" dirty="0" smtClean="0"/>
+              <a:t>、</a:t>
+            </a:r>
+            <a:r>
+              <a:rPr lang="en-US" altLang="zh-TW" sz="2400" dirty="0"/>
+              <a:t>R</a:t>
+            </a:r>
+            <a:r>
+              <a:rPr lang="en-US" altLang="zh-TW" sz="2400" dirty="0" smtClean="0"/>
+              <a:t>outer</a:t>
+            </a:r>
+            <a:endParaRPr lang="en-US" altLang="zh-TW" sz="2400" dirty="0" smtClean="0"/>
+          </a:p>
+          <a:p>
+            <a:pPr lvl="1"/>
             <a:endParaRPr lang="en-US" altLang="zh-TW" sz="2400" dirty="0"/>
           </a:p>
           <a:p>
@@ -4742,9 +4798,14 @@
           <a:p>
             <a:pPr lvl="1"/>
             <a:r>
-              <a:rPr lang="en-US" altLang="zh-TW" sz="2400" dirty="0" smtClean="0"/>
-              <a:t>Ubuntu 18.04</a:t>
-            </a:r>
+              <a:rPr lang="zh-TW" altLang="en-US" sz="2400" dirty="0" smtClean="0"/>
+              <a:t>作業系統：</a:t>
+            </a:r>
+            <a:r>
+              <a:rPr lang="en-US" altLang="zh-TW" sz="2400" dirty="0" err="1" smtClean="0"/>
+              <a:t>Raspbian</a:t>
+            </a:r>
+            <a:endParaRPr lang="en-US" altLang="zh-TW" sz="2400" dirty="0" smtClean="0"/>
           </a:p>
           <a:p>
             <a:pPr lvl="1"/>
@@ -4761,11 +4822,7 @@
             <a:pPr lvl="1"/>
             <a:r>
               <a:rPr lang="zh-TW" altLang="en-US" sz="2400" dirty="0" smtClean="0"/>
-              <a:t>語言</a:t>
-            </a:r>
-            <a:r>
-              <a:rPr lang="zh-TW" altLang="en-US" sz="2400" dirty="0" smtClean="0"/>
-              <a:t>：</a:t>
+              <a:t>語言：</a:t>
             </a:r>
             <a:endParaRPr lang="en-US" altLang="zh-TW" sz="2400" dirty="0" smtClean="0"/>
           </a:p>
@@ -4799,11 +4856,7 @@
             </a:r>
             <a:r>
               <a:rPr lang="zh-TW" altLang="en-US" sz="2400" dirty="0" smtClean="0"/>
-              <a:t>套件</a:t>
-            </a:r>
-            <a:r>
-              <a:rPr lang="zh-TW" altLang="en-US" sz="2400" dirty="0" smtClean="0"/>
-              <a:t>：</a:t>
+              <a:t>套件：</a:t>
             </a:r>
             <a:endParaRPr lang="en-US" altLang="zh-TW" sz="2400" dirty="0" smtClean="0"/>
           </a:p>
@@ -4822,9 +4875,6 @@
               <a:t>3</a:t>
             </a:r>
             <a:endParaRPr lang="en-US" altLang="zh-TW" sz="2400" dirty="0"/>
-          </a:p>
-          <a:p>
-            <a:endParaRPr lang="zh-TW" altLang="en-US" sz="2400" dirty="0"/>
           </a:p>
         </p:txBody>
       </p:sp>
@@ -5429,7 +5479,7 @@
         </p:nvSpPr>
         <p:spPr>
           <a:xfrm>
-            <a:off x="4584440" y="1464906"/>
+            <a:off x="4584440" y="1324941"/>
             <a:ext cx="3023119" cy="709127"/>
           </a:xfrm>
           <a:prstGeom prst="roundRect">
@@ -5495,7 +5545,7 @@
         </p:nvSpPr>
         <p:spPr>
           <a:xfrm>
-            <a:off x="838200" y="3001346"/>
+            <a:off x="838200" y="2861381"/>
             <a:ext cx="2139822" cy="709127"/>
           </a:xfrm>
           <a:prstGeom prst="roundRect">
@@ -5545,7 +5595,7 @@
         </p:nvSpPr>
         <p:spPr>
           <a:xfrm>
-            <a:off x="3514529" y="3001344"/>
+            <a:off x="3514529" y="2861379"/>
             <a:ext cx="2139822" cy="709127"/>
           </a:xfrm>
           <a:prstGeom prst="roundRect">
@@ -5591,7 +5641,7 @@
         </p:nvSpPr>
         <p:spPr>
           <a:xfrm>
-            <a:off x="9213978" y="3001345"/>
+            <a:off x="9213978" y="2861380"/>
             <a:ext cx="2139822" cy="709127"/>
           </a:xfrm>
           <a:prstGeom prst="roundRect">
@@ -5637,7 +5687,7 @@
         </p:nvSpPr>
         <p:spPr>
           <a:xfrm>
-            <a:off x="6537648" y="3001344"/>
+            <a:off x="6537648" y="2861379"/>
             <a:ext cx="2139822" cy="709127"/>
           </a:xfrm>
           <a:prstGeom prst="roundRect">
@@ -5693,7 +5743,7 @@
         </p:nvCxnSpPr>
         <p:spPr>
           <a:xfrm rot="5400000">
-            <a:off x="3588400" y="493745"/>
+            <a:off x="3588400" y="353780"/>
             <a:ext cx="827313" cy="4187889"/>
           </a:xfrm>
           <a:prstGeom prst="bentConnector3">
@@ -5726,7 +5776,7 @@
         </p:nvCxnSpPr>
         <p:spPr>
           <a:xfrm rot="5400000">
-            <a:off x="4926565" y="1831908"/>
+            <a:off x="4926565" y="1691943"/>
             <a:ext cx="827311" cy="1511560"/>
           </a:xfrm>
           <a:prstGeom prst="bentConnector3">
@@ -5759,7 +5809,7 @@
         </p:nvCxnSpPr>
         <p:spPr>
           <a:xfrm rot="16200000" flipH="1">
-            <a:off x="6438124" y="1831908"/>
+            <a:off x="6438124" y="1691943"/>
             <a:ext cx="827311" cy="1511559"/>
           </a:xfrm>
           <a:prstGeom prst="bentConnector3">
@@ -5794,7 +5844,7 @@
         </p:nvCxnSpPr>
         <p:spPr>
           <a:xfrm rot="16200000" flipH="1">
-            <a:off x="7776288" y="493744"/>
+            <a:off x="7776288" y="353779"/>
             <a:ext cx="827312" cy="4187889"/>
           </a:xfrm>
           <a:prstGeom prst="bentConnector3">
@@ -5826,7 +5876,7 @@
         </p:nvSpPr>
         <p:spPr>
           <a:xfrm>
-            <a:off x="1196340" y="3835967"/>
+            <a:off x="1196340" y="3696002"/>
             <a:ext cx="1781682" cy="709127"/>
           </a:xfrm>
           <a:prstGeom prst="roundRect">
@@ -5878,7 +5928,7 @@
         </p:nvCxnSpPr>
         <p:spPr>
           <a:xfrm rot="16200000" flipH="1">
-            <a:off x="752967" y="3747157"/>
+            <a:off x="752967" y="3607192"/>
             <a:ext cx="734347" cy="152400"/>
           </a:xfrm>
           <a:prstGeom prst="bentConnector2">
@@ -5908,7 +5958,7 @@
         </p:nvSpPr>
         <p:spPr>
           <a:xfrm>
-            <a:off x="3872669" y="4090252"/>
+            <a:off x="3872669" y="3950287"/>
             <a:ext cx="1781682" cy="709127"/>
           </a:xfrm>
           <a:prstGeom prst="roundRect">
@@ -5967,7 +6017,7 @@
         </p:nvCxnSpPr>
         <p:spPr>
           <a:xfrm rot="16200000" flipH="1">
-            <a:off x="3429296" y="4001442"/>
+            <a:off x="3429296" y="3861477"/>
             <a:ext cx="734347" cy="152400"/>
           </a:xfrm>
           <a:prstGeom prst="bentConnector2">
@@ -5997,7 +6047,7 @@
         </p:nvSpPr>
         <p:spPr>
           <a:xfrm>
-            <a:off x="6895788" y="4090250"/>
+            <a:off x="6895788" y="3950285"/>
             <a:ext cx="1781682" cy="709127"/>
           </a:xfrm>
           <a:prstGeom prst="roundRect">
@@ -6056,7 +6106,7 @@
         </p:nvCxnSpPr>
         <p:spPr>
           <a:xfrm rot="16200000" flipH="1">
-            <a:off x="6452415" y="4001440"/>
+            <a:off x="6452415" y="3861475"/>
             <a:ext cx="734347" cy="152400"/>
           </a:xfrm>
           <a:prstGeom prst="bentConnector2">
@@ -6086,7 +6136,7 @@
         </p:nvSpPr>
         <p:spPr>
           <a:xfrm>
-            <a:off x="9572118" y="4090250"/>
+            <a:off x="9572118" y="3950285"/>
             <a:ext cx="1781682" cy="709127"/>
           </a:xfrm>
           <a:prstGeom prst="roundRect">
@@ -6145,7 +6195,7 @@
         </p:nvCxnSpPr>
         <p:spPr>
           <a:xfrm rot="16200000" flipH="1">
-            <a:off x="9128745" y="4001440"/>
+            <a:off x="9128745" y="3861475"/>
             <a:ext cx="734347" cy="152400"/>
           </a:xfrm>
           <a:prstGeom prst="bentConnector2">
@@ -6175,7 +6225,7 @@
         </p:nvSpPr>
         <p:spPr>
           <a:xfrm>
-            <a:off x="9572118" y="5050370"/>
+            <a:off x="9572118" y="4974799"/>
             <a:ext cx="1781682" cy="709127"/>
           </a:xfrm>
           <a:prstGeom prst="roundRect">
@@ -6227,7 +6277,7 @@
         </p:nvCxnSpPr>
         <p:spPr>
           <a:xfrm rot="16200000" flipH="1">
-            <a:off x="8983662" y="4816478"/>
+            <a:off x="8983662" y="4740907"/>
             <a:ext cx="1024514" cy="152398"/>
           </a:xfrm>
           <a:prstGeom prst="bentConnector2">
@@ -6257,7 +6307,7 @@
         </p:nvSpPr>
         <p:spPr>
           <a:xfrm>
-            <a:off x="1196340" y="4687148"/>
+            <a:off x="1196340" y="4547183"/>
             <a:ext cx="1781682" cy="709127"/>
           </a:xfrm>
           <a:prstGeom prst="roundRect">
@@ -6323,7 +6373,7 @@
         </p:nvCxnSpPr>
         <p:spPr>
           <a:xfrm rot="16200000" flipH="1">
-            <a:off x="607885" y="4453256"/>
+            <a:off x="607885" y="4313291"/>
             <a:ext cx="1024511" cy="152400"/>
           </a:xfrm>
           <a:prstGeom prst="bentConnector2">
@@ -6353,7 +6403,7 @@
         </p:nvSpPr>
         <p:spPr>
           <a:xfrm>
-            <a:off x="1196340" y="5521768"/>
+            <a:off x="1196340" y="5381803"/>
             <a:ext cx="1781682" cy="709127"/>
           </a:xfrm>
           <a:prstGeom prst="roundRect">
@@ -6405,7 +6455,7 @@
         </p:nvCxnSpPr>
         <p:spPr>
           <a:xfrm rot="16200000" flipH="1">
-            <a:off x="607885" y="5287876"/>
+            <a:off x="607885" y="5147911"/>
             <a:ext cx="1024511" cy="152400"/>
           </a:xfrm>
           <a:prstGeom prst="bentConnector2">
@@ -6568,11 +6618,7 @@
             </a:r>
             <a:r>
               <a:rPr lang="zh-TW" altLang="en-US" dirty="0" smtClean="0"/>
-              <a:t> </a:t>
-            </a:r>
-            <a:r>
-              <a:rPr lang="zh-TW" altLang="en-US" dirty="0" smtClean="0"/>
-              <a:t>階層設計</a:t>
+              <a:t> 階層設計</a:t>
             </a:r>
             <a:endParaRPr lang="zh-TW" altLang="en-US" dirty="0"/>
           </a:p>

--- a/final/基於分散式網路架構訓練階層式分類模型.pptx
+++ b/final/基於分散式網路架構訓練階層式分類模型.pptx
@@ -5,10 +5,10 @@
     <p:sldMasterId id="2147483648" r:id="rId1"/>
   </p:sldMasterIdLst>
   <p:notesMasterIdLst>
-    <p:notesMasterId r:id="rId14"/>
+    <p:notesMasterId r:id="rId18"/>
   </p:notesMasterIdLst>
   <p:handoutMasterIdLst>
-    <p:handoutMasterId r:id="rId15"/>
+    <p:handoutMasterId r:id="rId19"/>
   </p:handoutMasterIdLst>
   <p:sldIdLst>
     <p:sldId id="259" r:id="rId2"/>
@@ -23,6 +23,10 @@
     <p:sldId id="270" r:id="rId11"/>
     <p:sldId id="268" r:id="rId12"/>
     <p:sldId id="271" r:id="rId13"/>
+    <p:sldId id="273" r:id="rId14"/>
+    <p:sldId id="274" r:id="rId15"/>
+    <p:sldId id="275" r:id="rId16"/>
+    <p:sldId id="276" r:id="rId17"/>
   </p:sldIdLst>
   <p:sldSz cx="12192000" cy="6858000"/>
   <p:notesSz cx="6858000" cy="9144000"/>
@@ -214,7 +218,7 @@
           <a:p>
             <a:fld id="{7829F8E0-05F2-4742-BB97-D2E4F51035C8}" type="datetimeFigureOut">
               <a:rPr lang="zh-TW" altLang="en-US" smtClean="0"/>
-              <a:t>2020/6/3</a:t>
+              <a:t>2020/6/17</a:t>
             </a:fld>
             <a:endParaRPr lang="zh-TW" altLang="en-US"/>
           </a:p>
@@ -379,7 +383,7 @@
           <a:p>
             <a:fld id="{2CB905C5-9D54-40E2-B40C-7996280CAB02}" type="datetimeFigureOut">
               <a:rPr lang="zh-TW" altLang="en-US" smtClean="0"/>
-              <a:t>2020/6/3</a:t>
+              <a:t>2020/6/17</a:t>
             </a:fld>
             <a:endParaRPr lang="zh-TW" altLang="en-US"/>
           </a:p>
@@ -814,6 +818,90 @@
 </p:notes>
 </file>
 
+<file path=ppt/notesSlides/notesSlide3.xml><?xml version="1.0" encoding="utf-8"?>
+<p:notes xmlns:a="http://schemas.openxmlformats.org/drawingml/2006/main" xmlns:r="http://schemas.openxmlformats.org/officeDocument/2006/relationships" xmlns:p="http://schemas.openxmlformats.org/presentationml/2006/main">
+  <p:cSld>
+    <p:spTree>
+      <p:nvGrpSpPr>
+        <p:cNvPr id="1" name=""/>
+        <p:cNvGrpSpPr/>
+        <p:nvPr/>
+      </p:nvGrpSpPr>
+      <p:grpSpPr>
+        <a:xfrm>
+          <a:off x="0" y="0"/>
+          <a:ext cx="0" cy="0"/>
+          <a:chOff x="0" y="0"/>
+          <a:chExt cx="0" cy="0"/>
+        </a:xfrm>
+      </p:grpSpPr>
+      <p:sp>
+        <p:nvSpPr>
+          <p:cNvPr id="2" name="投影片圖像版面配置區 1"/>
+          <p:cNvSpPr>
+            <a:spLocks noGrp="1" noRot="1" noChangeAspect="1"/>
+          </p:cNvSpPr>
+          <p:nvPr>
+            <p:ph type="sldImg"/>
+          </p:nvPr>
+        </p:nvSpPr>
+        <p:spPr/>
+      </p:sp>
+      <p:sp>
+        <p:nvSpPr>
+          <p:cNvPr id="3" name="備忘稿版面配置區 2"/>
+          <p:cNvSpPr>
+            <a:spLocks noGrp="1"/>
+          </p:cNvSpPr>
+          <p:nvPr>
+            <p:ph type="body" idx="1"/>
+          </p:nvPr>
+        </p:nvSpPr>
+        <p:spPr/>
+        <p:txBody>
+          <a:bodyPr/>
+          <a:lstStyle/>
+          <a:p>
+            <a:endParaRPr lang="zh-TW" altLang="en-US" dirty="0"/>
+          </a:p>
+        </p:txBody>
+      </p:sp>
+      <p:sp>
+        <p:nvSpPr>
+          <p:cNvPr id="4" name="投影片編號版面配置區 3"/>
+          <p:cNvSpPr>
+            <a:spLocks noGrp="1"/>
+          </p:cNvSpPr>
+          <p:nvPr>
+            <p:ph type="sldNum" sz="quarter" idx="10"/>
+          </p:nvPr>
+        </p:nvSpPr>
+        <p:spPr/>
+        <p:txBody>
+          <a:bodyPr/>
+          <a:lstStyle/>
+          <a:p>
+            <a:fld id="{EF8A6B0B-A5FB-4629-B823-69B1A9EB3A43}" type="slidenum">
+              <a:rPr lang="zh-TW" altLang="en-US" smtClean="0"/>
+              <a:t>15</a:t>
+            </a:fld>
+            <a:endParaRPr lang="zh-TW" altLang="en-US"/>
+          </a:p>
+        </p:txBody>
+      </p:sp>
+    </p:spTree>
+    <p:extLst>
+      <p:ext uri="{BB962C8B-B14F-4D97-AF65-F5344CB8AC3E}">
+        <p14:creationId xmlns:p14="http://schemas.microsoft.com/office/powerpoint/2010/main" val="646342735"/>
+      </p:ext>
+    </p:extLst>
+  </p:cSld>
+  <p:clrMapOvr>
+    <a:masterClrMapping/>
+  </p:clrMapOvr>
+</p:notes>
+</file>
+
 <file path=ppt/slideLayouts/slideLayout1.xml><?xml version="1.0" encoding="utf-8"?>
 <p:sldLayout xmlns:a="http://schemas.openxmlformats.org/drawingml/2006/main" xmlns:r="http://schemas.openxmlformats.org/officeDocument/2006/relationships" xmlns:p="http://schemas.openxmlformats.org/presentationml/2006/main" type="title" preserve="1">
   <p:cSld name="標題投影片">
@@ -948,7 +1036,7 @@
           <a:p>
             <a:fld id="{0C0CC965-A63A-473D-BEFB-C8F9714D5269}" type="datetimeFigureOut">
               <a:rPr lang="zh-TW" altLang="en-US" smtClean="0"/>
-              <a:t>2020/6/3</a:t>
+              <a:t>2020/6/17</a:t>
             </a:fld>
             <a:endParaRPr lang="zh-TW" altLang="en-US"/>
           </a:p>
@@ -1116,7 +1204,7 @@
           <a:p>
             <a:fld id="{0C0CC965-A63A-473D-BEFB-C8F9714D5269}" type="datetimeFigureOut">
               <a:rPr lang="zh-TW" altLang="en-US" smtClean="0"/>
-              <a:t>2020/6/3</a:t>
+              <a:t>2020/6/17</a:t>
             </a:fld>
             <a:endParaRPr lang="zh-TW" altLang="en-US"/>
           </a:p>
@@ -1294,7 +1382,7 @@
           <a:p>
             <a:fld id="{0C0CC965-A63A-473D-BEFB-C8F9714D5269}" type="datetimeFigureOut">
               <a:rPr lang="zh-TW" altLang="en-US" smtClean="0"/>
-              <a:t>2020/6/3</a:t>
+              <a:t>2020/6/17</a:t>
             </a:fld>
             <a:endParaRPr lang="zh-TW" altLang="en-US"/>
           </a:p>
@@ -1489,7 +1577,7 @@
           <a:p>
             <a:fld id="{0C0CC965-A63A-473D-BEFB-C8F9714D5269}" type="datetimeFigureOut">
               <a:rPr lang="zh-TW" altLang="en-US" smtClean="0"/>
-              <a:t>2020/6/3</a:t>
+              <a:t>2020/6/17</a:t>
             </a:fld>
             <a:endParaRPr lang="zh-TW" altLang="en-US"/>
           </a:p>
@@ -1734,7 +1822,7 @@
           <a:p>
             <a:fld id="{0C0CC965-A63A-473D-BEFB-C8F9714D5269}" type="datetimeFigureOut">
               <a:rPr lang="zh-TW" altLang="en-US" smtClean="0"/>
-              <a:t>2020/6/3</a:t>
+              <a:t>2020/6/17</a:t>
             </a:fld>
             <a:endParaRPr lang="zh-TW" altLang="en-US"/>
           </a:p>
@@ -1963,7 +2051,7 @@
           <a:p>
             <a:fld id="{0C0CC965-A63A-473D-BEFB-C8F9714D5269}" type="datetimeFigureOut">
               <a:rPr lang="zh-TW" altLang="en-US" smtClean="0"/>
-              <a:t>2020/6/3</a:t>
+              <a:t>2020/6/17</a:t>
             </a:fld>
             <a:endParaRPr lang="zh-TW" altLang="en-US"/>
           </a:p>
@@ -2327,7 +2415,7 @@
           <a:p>
             <a:fld id="{0C0CC965-A63A-473D-BEFB-C8F9714D5269}" type="datetimeFigureOut">
               <a:rPr lang="zh-TW" altLang="en-US" smtClean="0"/>
-              <a:t>2020/6/3</a:t>
+              <a:t>2020/6/17</a:t>
             </a:fld>
             <a:endParaRPr lang="zh-TW" altLang="en-US"/>
           </a:p>
@@ -2444,7 +2532,7 @@
           <a:p>
             <a:fld id="{0C0CC965-A63A-473D-BEFB-C8F9714D5269}" type="datetimeFigureOut">
               <a:rPr lang="zh-TW" altLang="en-US" smtClean="0"/>
-              <a:t>2020/6/3</a:t>
+              <a:t>2020/6/17</a:t>
             </a:fld>
             <a:endParaRPr lang="zh-TW" altLang="en-US"/>
           </a:p>
@@ -2539,7 +2627,7 @@
           <a:p>
             <a:fld id="{0C0CC965-A63A-473D-BEFB-C8F9714D5269}" type="datetimeFigureOut">
               <a:rPr lang="zh-TW" altLang="en-US" smtClean="0"/>
-              <a:t>2020/6/3</a:t>
+              <a:t>2020/6/17</a:t>
             </a:fld>
             <a:endParaRPr lang="zh-TW" altLang="en-US"/>
           </a:p>
@@ -2814,7 +2902,7 @@
           <a:p>
             <a:fld id="{0C0CC965-A63A-473D-BEFB-C8F9714D5269}" type="datetimeFigureOut">
               <a:rPr lang="zh-TW" altLang="en-US" smtClean="0"/>
-              <a:t>2020/6/3</a:t>
+              <a:t>2020/6/17</a:t>
             </a:fld>
             <a:endParaRPr lang="zh-TW" altLang="en-US"/>
           </a:p>
@@ -3066,7 +3154,7 @@
           <a:p>
             <a:fld id="{0C0CC965-A63A-473D-BEFB-C8F9714D5269}" type="datetimeFigureOut">
               <a:rPr lang="zh-TW" altLang="en-US" smtClean="0"/>
-              <a:t>2020/6/3</a:t>
+              <a:t>2020/6/17</a:t>
             </a:fld>
             <a:endParaRPr lang="zh-TW" altLang="en-US"/>
           </a:p>
@@ -3280,7 +3368,7 @@
             <a:fld id="{0C0CC965-A63A-473D-BEFB-C8F9714D5269}" type="datetimeFigureOut">
               <a:rPr lang="zh-TW" altLang="en-US" smtClean="0"/>
               <a:pPr/>
-              <a:t>2020/6/3</a:t>
+              <a:t>2020/6/17</a:t>
             </a:fld>
             <a:endParaRPr lang="zh-TW" altLang="en-US"/>
           </a:p>
@@ -3962,11 +4050,7 @@
             </a:r>
             <a:r>
               <a:rPr lang="zh-TW" altLang="en-US" dirty="0" smtClean="0"/>
-              <a:t> 階層</a:t>
-            </a:r>
-            <a:r>
-              <a:rPr lang="zh-TW" altLang="en-US" dirty="0" smtClean="0"/>
-              <a:t>設計</a:t>
+              <a:t> 階層設計</a:t>
             </a:r>
             <a:endParaRPr lang="zh-TW" altLang="en-US" dirty="0"/>
           </a:p>
@@ -4555,6 +4639,2282 @@
 </p:sld>
 </file>
 
+<file path=ppt/slides/slide13.xml><?xml version="1.0" encoding="utf-8"?>
+<p:sld xmlns:a="http://schemas.openxmlformats.org/drawingml/2006/main" xmlns:r="http://schemas.openxmlformats.org/officeDocument/2006/relationships" xmlns:p="http://schemas.openxmlformats.org/presentationml/2006/main">
+  <p:cSld>
+    <p:spTree>
+      <p:nvGrpSpPr>
+        <p:cNvPr id="1" name=""/>
+        <p:cNvGrpSpPr/>
+        <p:nvPr/>
+      </p:nvGrpSpPr>
+      <p:grpSpPr>
+        <a:xfrm>
+          <a:off x="0" y="0"/>
+          <a:ext cx="0" cy="0"/>
+          <a:chOff x="0" y="0"/>
+          <a:chExt cx="0" cy="0"/>
+        </a:xfrm>
+      </p:grpSpPr>
+      <p:sp>
+        <p:nvSpPr>
+          <p:cNvPr id="3" name="標題 2"/>
+          <p:cNvSpPr>
+            <a:spLocks noGrp="1"/>
+          </p:cNvSpPr>
+          <p:nvPr>
+            <p:ph type="title"/>
+          </p:nvPr>
+        </p:nvSpPr>
+        <p:spPr/>
+        <p:txBody>
+          <a:bodyPr/>
+          <a:lstStyle/>
+          <a:p>
+            <a:r>
+              <a:rPr lang="zh-TW" altLang="en-US" dirty="0"/>
+              <a:t>設計 </a:t>
+            </a:r>
+            <a:r>
+              <a:rPr lang="en-US" altLang="zh-TW" dirty="0"/>
+              <a:t>–</a:t>
+            </a:r>
+            <a:r>
+              <a:rPr lang="zh-TW" altLang="en-US" dirty="0"/>
+              <a:t> </a:t>
+            </a:r>
+            <a:r>
+              <a:rPr lang="zh-TW" altLang="en-US" dirty="0" smtClean="0"/>
+              <a:t>派工流程圖</a:t>
+            </a:r>
+            <a:endParaRPr lang="zh-TW" altLang="en-US" dirty="0"/>
+          </a:p>
+        </p:txBody>
+      </p:sp>
+      <p:pic>
+        <p:nvPicPr>
+          <p:cNvPr id="12" name="內容版面配置區 11"/>
+          <p:cNvPicPr>
+            <a:picLocks noGrp="1" noChangeAspect="1"/>
+          </p:cNvPicPr>
+          <p:nvPr>
+            <p:ph idx="1"/>
+          </p:nvPr>
+        </p:nvPicPr>
+        <p:blipFill>
+          <a:blip r:embed="rId2"/>
+          <a:stretch>
+            <a:fillRect/>
+          </a:stretch>
+        </p:blipFill>
+        <p:spPr>
+          <a:xfrm>
+            <a:off x="1762266" y="1201738"/>
+            <a:ext cx="8667467" cy="5037137"/>
+          </a:xfrm>
+          <a:prstGeom prst="rect">
+            <a:avLst/>
+          </a:prstGeom>
+        </p:spPr>
+      </p:pic>
+      <p:pic>
+        <p:nvPicPr>
+          <p:cNvPr id="13" name="圖片 12"/>
+          <p:cNvPicPr>
+            <a:picLocks noChangeAspect="1"/>
+          </p:cNvPicPr>
+          <p:nvPr/>
+        </p:nvPicPr>
+        <p:blipFill>
+          <a:blip r:embed="rId3"/>
+          <a:stretch>
+            <a:fillRect/>
+          </a:stretch>
+        </p:blipFill>
+        <p:spPr>
+          <a:xfrm>
+            <a:off x="109904" y="1280160"/>
+            <a:ext cx="2587576" cy="336496"/>
+          </a:xfrm>
+          <a:prstGeom prst="rect">
+            <a:avLst/>
+          </a:prstGeom>
+        </p:spPr>
+      </p:pic>
+    </p:spTree>
+    <p:extLst>
+      <p:ext uri="{BB962C8B-B14F-4D97-AF65-F5344CB8AC3E}">
+        <p14:creationId xmlns:p14="http://schemas.microsoft.com/office/powerpoint/2010/main" val="786010533"/>
+      </p:ext>
+    </p:extLst>
+  </p:cSld>
+  <p:clrMapOvr>
+    <a:masterClrMapping/>
+  </p:clrMapOvr>
+</p:sld>
+</file>
+
+<file path=ppt/slides/slide14.xml><?xml version="1.0" encoding="utf-8"?>
+<p:sld xmlns:a="http://schemas.openxmlformats.org/drawingml/2006/main" xmlns:r="http://schemas.openxmlformats.org/officeDocument/2006/relationships" xmlns:p="http://schemas.openxmlformats.org/presentationml/2006/main">
+  <p:cSld>
+    <p:spTree>
+      <p:nvGrpSpPr>
+        <p:cNvPr id="1" name=""/>
+        <p:cNvGrpSpPr/>
+        <p:nvPr/>
+      </p:nvGrpSpPr>
+      <p:grpSpPr>
+        <a:xfrm>
+          <a:off x="0" y="0"/>
+          <a:ext cx="0" cy="0"/>
+          <a:chOff x="0" y="0"/>
+          <a:chExt cx="0" cy="0"/>
+        </a:xfrm>
+      </p:grpSpPr>
+      <p:sp>
+        <p:nvSpPr>
+          <p:cNvPr id="3" name="標題 2"/>
+          <p:cNvSpPr>
+            <a:spLocks noGrp="1"/>
+          </p:cNvSpPr>
+          <p:nvPr>
+            <p:ph type="title"/>
+          </p:nvPr>
+        </p:nvSpPr>
+        <p:spPr/>
+        <p:txBody>
+          <a:bodyPr>
+            <a:normAutofit/>
+          </a:bodyPr>
+          <a:lstStyle/>
+          <a:p>
+            <a:r>
+              <a:rPr lang="zh-TW" altLang="en-US" dirty="0" smtClean="0"/>
+              <a:t>設計 </a:t>
+            </a:r>
+            <a:r>
+              <a:rPr lang="en-US" altLang="zh-TW" dirty="0" smtClean="0"/>
+              <a:t>–</a:t>
+            </a:r>
+            <a:r>
+              <a:rPr lang="zh-TW" altLang="en-US" dirty="0" smtClean="0"/>
+              <a:t> </a:t>
+            </a:r>
+            <a:r>
+              <a:rPr lang="en-US" altLang="zh-TW" dirty="0" smtClean="0"/>
+              <a:t>API</a:t>
+            </a:r>
+            <a:endParaRPr lang="zh-TW" altLang="en-US" dirty="0"/>
+          </a:p>
+        </p:txBody>
+      </p:sp>
+      <p:graphicFrame>
+        <p:nvGraphicFramePr>
+          <p:cNvPr id="5" name="表格 4"/>
+          <p:cNvGraphicFramePr>
+            <a:graphicFrameLocks noGrp="1"/>
+          </p:cNvGraphicFramePr>
+          <p:nvPr>
+            <p:extLst>
+              <p:ext uri="{D42A27DB-BD31-4B8C-83A1-F6EECF244321}">
+                <p14:modId xmlns:p14="http://schemas.microsoft.com/office/powerpoint/2010/main" val="4162889605"/>
+              </p:ext>
+            </p:extLst>
+          </p:nvPr>
+        </p:nvGraphicFramePr>
+        <p:xfrm>
+          <a:off x="838200" y="1194319"/>
+          <a:ext cx="10515600" cy="5047859"/>
+        </p:xfrm>
+        <a:graphic>
+          <a:graphicData uri="http://schemas.openxmlformats.org/drawingml/2006/table">
+            <a:tbl>
+              <a:tblPr firstRow="1" firstCol="1" bandRow="1">
+                <a:tableStyleId>{5C22544A-7EE6-4342-B048-85BDC9FD1C3A}</a:tableStyleId>
+              </a:tblPr>
+              <a:tblGrid>
+                <a:gridCol w="1080234">
+                  <a:extLst>
+                    <a:ext uri="{9D8B030D-6E8A-4147-A177-3AD203B41FA5}">
+                      <a16:colId xmlns:a16="http://schemas.microsoft.com/office/drawing/2014/main" val="3273915864"/>
+                    </a:ext>
+                  </a:extLst>
+                </a:gridCol>
+                <a:gridCol w="9435366">
+                  <a:extLst>
+                    <a:ext uri="{9D8B030D-6E8A-4147-A177-3AD203B41FA5}">
+                      <a16:colId xmlns:a16="http://schemas.microsoft.com/office/drawing/2014/main" val="430375833"/>
+                    </a:ext>
+                  </a:extLst>
+                </a:gridCol>
+              </a:tblGrid>
+              <a:tr h="501422">
+                <a:tc gridSpan="2">
+                  <a:txBody>
+                    <a:bodyPr/>
+                    <a:lstStyle/>
+                    <a:p>
+                      <a:pPr algn="ctr">
+                        <a:spcAft>
+                          <a:spcPts val="0"/>
+                        </a:spcAft>
+                      </a:pPr>
+                      <a:r>
+                        <a:rPr lang="en-US" sz="1400" kern="100" baseline="0" dirty="0" err="1" smtClean="0">
+                          <a:effectLst/>
+                          <a:latin typeface="Times New Roman" panose="02020603050405020304" pitchFamily="18" charset="0"/>
+                          <a:ea typeface="標楷體" panose="03000509000000000000" pitchFamily="65" charset="-120"/>
+                        </a:rPr>
+                        <a:t>find</a:t>
+                      </a:r>
+                      <a:r>
+                        <a:rPr lang="en-US" altLang="zh-TW" sz="1400" kern="100" baseline="0" dirty="0" err="1" smtClean="0">
+                          <a:effectLst/>
+                          <a:latin typeface="Times New Roman" panose="02020603050405020304" pitchFamily="18" charset="0"/>
+                          <a:ea typeface="標楷體" panose="03000509000000000000" pitchFamily="65" charset="-120"/>
+                        </a:rPr>
+                        <a:t>Layer</a:t>
+                      </a:r>
+                      <a:endParaRPr lang="zh-TW" sz="1400" kern="100" baseline="0" dirty="0">
+                        <a:effectLst/>
+                        <a:latin typeface="Times New Roman" panose="02020603050405020304" pitchFamily="18" charset="0"/>
+                        <a:ea typeface="標楷體" panose="03000509000000000000" pitchFamily="65" charset="-120"/>
+                        <a:cs typeface="Times New Roman" panose="02020603050405020304" pitchFamily="18" charset="0"/>
+                      </a:endParaRPr>
+                    </a:p>
+                  </a:txBody>
+                  <a:tcPr marL="68580" marR="68580" marT="0" marB="0" anchor="ctr"/>
+                </a:tc>
+                <a:tc hMerge="1">
+                  <a:txBody>
+                    <a:bodyPr/>
+                    <a:lstStyle/>
+                    <a:p>
+                      <a:endParaRPr lang="zh-TW" altLang="en-US"/>
+                    </a:p>
+                  </a:txBody>
+                  <a:tcPr/>
+                </a:tc>
+                <a:extLst>
+                  <a:ext uri="{0D108BD9-81ED-4DB2-BD59-A6C34878D82A}">
+                    <a16:rowId xmlns:a16="http://schemas.microsoft.com/office/drawing/2014/main" val="3794532785"/>
+                  </a:ext>
+                </a:extLst>
+              </a:tr>
+              <a:tr h="1002846">
+                <a:tc>
+                  <a:txBody>
+                    <a:bodyPr/>
+                    <a:lstStyle/>
+                    <a:p>
+                      <a:pPr algn="ctr">
+                        <a:spcAft>
+                          <a:spcPts val="0"/>
+                        </a:spcAft>
+                      </a:pPr>
+                      <a:r>
+                        <a:rPr lang="zh-TW" sz="1400" kern="100" baseline="0">
+                          <a:effectLst/>
+                          <a:latin typeface="Times New Roman" panose="02020603050405020304" pitchFamily="18" charset="0"/>
+                          <a:ea typeface="標楷體" panose="03000509000000000000" pitchFamily="65" charset="-120"/>
+                        </a:rPr>
+                        <a:t>輸入</a:t>
+                      </a:r>
+                      <a:endParaRPr lang="zh-TW" sz="1400" kern="100" baseline="0">
+                        <a:effectLst/>
+                        <a:latin typeface="Times New Roman" panose="02020603050405020304" pitchFamily="18" charset="0"/>
+                        <a:ea typeface="標楷體" panose="03000509000000000000" pitchFamily="65" charset="-120"/>
+                        <a:cs typeface="Times New Roman" panose="02020603050405020304" pitchFamily="18" charset="0"/>
+                      </a:endParaRPr>
+                    </a:p>
+                  </a:txBody>
+                  <a:tcPr marL="68580" marR="68580" marT="0" marB="0" anchor="ctr"/>
+                </a:tc>
+                <a:tc>
+                  <a:txBody>
+                    <a:bodyPr/>
+                    <a:lstStyle/>
+                    <a:p>
+                      <a:pPr algn="l">
+                        <a:spcAft>
+                          <a:spcPts val="0"/>
+                        </a:spcAft>
+                      </a:pPr>
+                      <a:r>
+                        <a:rPr lang="zh-TW" altLang="en-US" sz="1400" kern="100" baseline="0" dirty="0" smtClean="0">
+                          <a:effectLst/>
+                          <a:latin typeface="Times New Roman" panose="02020603050405020304" pitchFamily="18" charset="0"/>
+                          <a:ea typeface="標楷體" panose="03000509000000000000" pitchFamily="65" charset="-120"/>
+                          <a:cs typeface="Times New Roman" panose="02020603050405020304" pitchFamily="18" charset="0"/>
+                        </a:rPr>
+                        <a:t>階層設定，</a:t>
+                      </a:r>
+                      <a:r>
+                        <a:rPr lang="en-US" altLang="zh-TW" sz="1400" kern="100" baseline="0" dirty="0" smtClean="0">
+                          <a:effectLst/>
+                          <a:latin typeface="Times New Roman" panose="02020603050405020304" pitchFamily="18" charset="0"/>
+                          <a:ea typeface="標楷體" panose="03000509000000000000" pitchFamily="65" charset="-120"/>
+                          <a:cs typeface="Times New Roman" panose="02020603050405020304" pitchFamily="18" charset="0"/>
+                        </a:rPr>
+                        <a:t>Layer</a:t>
+                      </a:r>
+                    </a:p>
+                    <a:p>
+                      <a:pPr algn="l">
+                        <a:spcAft>
+                          <a:spcPts val="0"/>
+                        </a:spcAft>
+                      </a:pPr>
+                      <a:r>
+                        <a:rPr lang="zh-TW" altLang="en-US" sz="1400" kern="100" baseline="0" dirty="0" smtClean="0">
+                          <a:effectLst/>
+                          <a:latin typeface="Times New Roman" panose="02020603050405020304" pitchFamily="18" charset="0"/>
+                          <a:ea typeface="標楷體" panose="03000509000000000000" pitchFamily="65" charset="-120"/>
+                          <a:cs typeface="Times New Roman" panose="02020603050405020304" pitchFamily="18" charset="0"/>
+                        </a:rPr>
+                        <a:t>階層編號，</a:t>
+                      </a:r>
+                      <a:r>
+                        <a:rPr lang="en-US" altLang="zh-TW" sz="1400" kern="100" baseline="0" dirty="0" smtClean="0">
+                          <a:effectLst/>
+                          <a:latin typeface="Times New Roman" panose="02020603050405020304" pitchFamily="18" charset="0"/>
+                          <a:ea typeface="標楷體" panose="03000509000000000000" pitchFamily="65" charset="-120"/>
+                          <a:cs typeface="Times New Roman" panose="02020603050405020304" pitchFamily="18" charset="0"/>
+                        </a:rPr>
+                        <a:t>String</a:t>
+                      </a:r>
+                    </a:p>
+                  </a:txBody>
+                  <a:tcPr marL="68580" marR="68580" marT="0" marB="0" anchor="ctr"/>
+                </a:tc>
+                <a:extLst>
+                  <a:ext uri="{0D108BD9-81ED-4DB2-BD59-A6C34878D82A}">
+                    <a16:rowId xmlns:a16="http://schemas.microsoft.com/office/drawing/2014/main" val="4110305200"/>
+                  </a:ext>
+                </a:extLst>
+              </a:tr>
+              <a:tr h="2039323">
+                <a:tc>
+                  <a:txBody>
+                    <a:bodyPr/>
+                    <a:lstStyle/>
+                    <a:p>
+                      <a:pPr algn="ctr">
+                        <a:spcAft>
+                          <a:spcPts val="0"/>
+                        </a:spcAft>
+                      </a:pPr>
+                      <a:r>
+                        <a:rPr lang="zh-TW" sz="1400" kern="100" baseline="0" dirty="0">
+                          <a:effectLst/>
+                          <a:latin typeface="Times New Roman" panose="02020603050405020304" pitchFamily="18" charset="0"/>
+                          <a:ea typeface="標楷體" panose="03000509000000000000" pitchFamily="65" charset="-120"/>
+                        </a:rPr>
+                        <a:t>輸出</a:t>
+                      </a:r>
+                      <a:endParaRPr lang="zh-TW" sz="1400" kern="100" baseline="0" dirty="0">
+                        <a:effectLst/>
+                        <a:latin typeface="Times New Roman" panose="02020603050405020304" pitchFamily="18" charset="0"/>
+                        <a:ea typeface="標楷體" panose="03000509000000000000" pitchFamily="65" charset="-120"/>
+                        <a:cs typeface="Times New Roman" panose="02020603050405020304" pitchFamily="18" charset="0"/>
+                      </a:endParaRPr>
+                    </a:p>
+                  </a:txBody>
+                  <a:tcPr marL="68580" marR="68580" marT="0" marB="0" anchor="ctr"/>
+                </a:tc>
+                <a:tc>
+                  <a:txBody>
+                    <a:bodyPr/>
+                    <a:lstStyle/>
+                    <a:p>
+                      <a:pPr algn="l">
+                        <a:spcAft>
+                          <a:spcPts val="0"/>
+                        </a:spcAft>
+                      </a:pPr>
+                      <a:r>
+                        <a:rPr lang="zh-TW" altLang="en-US" sz="1400" kern="100" baseline="0" dirty="0" smtClean="0">
+                          <a:effectLst/>
+                          <a:latin typeface="Times New Roman" panose="02020603050405020304" pitchFamily="18" charset="0"/>
+                          <a:ea typeface="標楷體" panose="03000509000000000000" pitchFamily="65" charset="-120"/>
+                        </a:rPr>
+                        <a:t>派工檔案，</a:t>
+                      </a:r>
+                      <a:r>
+                        <a:rPr lang="en-US" altLang="zh-TW" sz="1400" kern="100" baseline="0" dirty="0" smtClean="0">
+                          <a:effectLst/>
+                          <a:latin typeface="Times New Roman" panose="02020603050405020304" pitchFamily="18" charset="0"/>
+                          <a:ea typeface="標楷體" panose="03000509000000000000" pitchFamily="65" charset="-120"/>
+                        </a:rPr>
+                        <a:t>JSON</a:t>
+                      </a:r>
+                    </a:p>
+                    <a:p>
+                      <a:pPr algn="l">
+                        <a:spcAft>
+                          <a:spcPts val="0"/>
+                        </a:spcAft>
+                      </a:pPr>
+                      <a:endParaRPr lang="en-US" altLang="zh-TW" sz="1400" kern="100" baseline="0" dirty="0" smtClean="0">
+                        <a:effectLst/>
+                        <a:latin typeface="Times New Roman" panose="02020603050405020304" pitchFamily="18" charset="0"/>
+                        <a:ea typeface="標楷體" panose="03000509000000000000" pitchFamily="65" charset="-120"/>
+                      </a:endParaRPr>
+                    </a:p>
+                    <a:p>
+                      <a:pPr algn="l">
+                        <a:spcAft>
+                          <a:spcPts val="0"/>
+                        </a:spcAft>
+                      </a:pPr>
+                      <a:r>
+                        <a:rPr lang="zh-TW" altLang="en-US" sz="1400" kern="100" baseline="0" dirty="0" smtClean="0">
+                          <a:effectLst/>
+                          <a:latin typeface="Times New Roman" panose="02020603050405020304" pitchFamily="18" charset="0"/>
+                          <a:ea typeface="標楷體" panose="03000509000000000000" pitchFamily="65" charset="-120"/>
+                        </a:rPr>
+                        <a:t>檔案裡包含以下內容：</a:t>
+                      </a:r>
+                      <a:endParaRPr lang="en-US" altLang="zh-TW" sz="1400" kern="100" baseline="0" dirty="0" smtClean="0">
+                        <a:effectLst/>
+                        <a:latin typeface="Times New Roman" panose="02020603050405020304" pitchFamily="18" charset="0"/>
+                        <a:ea typeface="標楷體" panose="03000509000000000000" pitchFamily="65" charset="-120"/>
+                      </a:endParaRPr>
+                    </a:p>
+                    <a:p>
+                      <a:pPr algn="l">
+                        <a:spcAft>
+                          <a:spcPts val="0"/>
+                        </a:spcAft>
+                      </a:pPr>
+                      <a:r>
+                        <a:rPr lang="zh-TW" altLang="en-US" sz="1400" kern="100" baseline="0" dirty="0" smtClean="0">
+                          <a:effectLst/>
+                          <a:latin typeface="Times New Roman" panose="02020603050405020304" pitchFamily="18" charset="0"/>
+                          <a:ea typeface="標楷體" panose="03000509000000000000" pitchFamily="65" charset="-120"/>
+                        </a:rPr>
+                        <a:t>模型名稱，</a:t>
+                      </a:r>
+                      <a:r>
+                        <a:rPr lang="en-US" altLang="zh-TW" sz="1400" kern="100" baseline="0" dirty="0" smtClean="0">
+                          <a:effectLst/>
+                          <a:latin typeface="Times New Roman" panose="02020603050405020304" pitchFamily="18" charset="0"/>
+                          <a:ea typeface="標楷體" panose="03000509000000000000" pitchFamily="65" charset="-120"/>
+                        </a:rPr>
+                        <a:t>String</a:t>
+                      </a:r>
+                    </a:p>
+                    <a:p>
+                      <a:pPr algn="l">
+                        <a:spcAft>
+                          <a:spcPts val="0"/>
+                        </a:spcAft>
+                      </a:pPr>
+                      <a:r>
+                        <a:rPr lang="zh-TW" altLang="en-US" sz="1400" kern="100" baseline="0" dirty="0" smtClean="0">
+                          <a:effectLst/>
+                          <a:latin typeface="Times New Roman" panose="02020603050405020304" pitchFamily="18" charset="0"/>
+                          <a:ea typeface="標楷體" panose="03000509000000000000" pitchFamily="65" charset="-120"/>
+                          <a:cs typeface="Times New Roman" panose="02020603050405020304" pitchFamily="18" charset="0"/>
+                        </a:rPr>
+                        <a:t>訓練參數，</a:t>
+                      </a:r>
+                      <a:r>
+                        <a:rPr lang="en-US" altLang="zh-TW" sz="1400" kern="100" baseline="0" dirty="0" smtClean="0">
+                          <a:effectLst/>
+                          <a:latin typeface="Times New Roman" panose="02020603050405020304" pitchFamily="18" charset="0"/>
+                          <a:ea typeface="標楷體" panose="03000509000000000000" pitchFamily="65" charset="-120"/>
+                          <a:cs typeface="Times New Roman" panose="02020603050405020304" pitchFamily="18" charset="0"/>
+                        </a:rPr>
+                        <a:t>Array&lt;float&gt;</a:t>
+                      </a:r>
+                    </a:p>
+                    <a:p>
+                      <a:pPr marL="0" marR="0" indent="0" algn="l" defTabSz="914400" rtl="0" eaLnBrk="1" fontAlgn="auto" latinLnBrk="0" hangingPunct="1">
+                        <a:lnSpc>
+                          <a:spcPct val="100000"/>
+                        </a:lnSpc>
+                        <a:spcBef>
+                          <a:spcPts val="0"/>
+                        </a:spcBef>
+                        <a:spcAft>
+                          <a:spcPts val="0"/>
+                        </a:spcAft>
+                        <a:buClrTx/>
+                        <a:buSzTx/>
+                        <a:buFontTx/>
+                        <a:buNone/>
+                        <a:tabLst/>
+                        <a:defRPr/>
+                      </a:pPr>
+                      <a:r>
+                        <a:rPr lang="zh-TW" altLang="en-US" sz="1400" kern="100" baseline="0" dirty="0" smtClean="0">
+                          <a:effectLst/>
+                          <a:latin typeface="Times New Roman" panose="02020603050405020304" pitchFamily="18" charset="0"/>
+                          <a:ea typeface="標楷體" panose="03000509000000000000" pitchFamily="65" charset="-120"/>
+                          <a:cs typeface="Times New Roman" panose="02020603050405020304" pitchFamily="18" charset="0"/>
+                        </a:rPr>
+                        <a:t>訓練標籤，</a:t>
+                      </a:r>
+                      <a:r>
+                        <a:rPr lang="en-US" altLang="zh-TW" sz="1400" kern="100" baseline="0" dirty="0" smtClean="0">
+                          <a:effectLst/>
+                          <a:latin typeface="Times New Roman" panose="02020603050405020304" pitchFamily="18" charset="0"/>
+                          <a:ea typeface="標楷體" panose="03000509000000000000" pitchFamily="65" charset="-120"/>
+                          <a:cs typeface="Times New Roman" panose="02020603050405020304" pitchFamily="18" charset="0"/>
+                        </a:rPr>
+                        <a:t>Array&lt;integer&gt;</a:t>
+                      </a:r>
+                      <a:endParaRPr lang="zh-TW" altLang="zh-TW" sz="1400" kern="100" baseline="0" dirty="0" smtClean="0">
+                        <a:effectLst/>
+                        <a:latin typeface="Times New Roman" panose="02020603050405020304" pitchFamily="18" charset="0"/>
+                        <a:ea typeface="標楷體" panose="03000509000000000000" pitchFamily="65" charset="-120"/>
+                        <a:cs typeface="Times New Roman" panose="02020603050405020304" pitchFamily="18" charset="0"/>
+                      </a:endParaRPr>
+                    </a:p>
+                  </a:txBody>
+                  <a:tcPr marL="68580" marR="68580" marT="0" marB="0" anchor="ctr"/>
+                </a:tc>
+                <a:extLst>
+                  <a:ext uri="{0D108BD9-81ED-4DB2-BD59-A6C34878D82A}">
+                    <a16:rowId xmlns:a16="http://schemas.microsoft.com/office/drawing/2014/main" val="1993701182"/>
+                  </a:ext>
+                </a:extLst>
+              </a:tr>
+              <a:tr h="501422">
+                <a:tc>
+                  <a:txBody>
+                    <a:bodyPr/>
+                    <a:lstStyle/>
+                    <a:p>
+                      <a:pPr algn="ctr">
+                        <a:spcAft>
+                          <a:spcPts val="0"/>
+                        </a:spcAft>
+                      </a:pPr>
+                      <a:r>
+                        <a:rPr lang="zh-TW" sz="1400" kern="100" baseline="0">
+                          <a:effectLst/>
+                          <a:latin typeface="Times New Roman" panose="02020603050405020304" pitchFamily="18" charset="0"/>
+                          <a:ea typeface="標楷體" panose="03000509000000000000" pitchFamily="65" charset="-120"/>
+                        </a:rPr>
+                        <a:t>參數</a:t>
+                      </a:r>
+                      <a:endParaRPr lang="zh-TW" sz="1400" kern="100" baseline="0">
+                        <a:effectLst/>
+                        <a:latin typeface="Times New Roman" panose="02020603050405020304" pitchFamily="18" charset="0"/>
+                        <a:ea typeface="標楷體" panose="03000509000000000000" pitchFamily="65" charset="-120"/>
+                        <a:cs typeface="Times New Roman" panose="02020603050405020304" pitchFamily="18" charset="0"/>
+                      </a:endParaRPr>
+                    </a:p>
+                  </a:txBody>
+                  <a:tcPr marL="68580" marR="68580" marT="0" marB="0" anchor="ctr"/>
+                </a:tc>
+                <a:tc>
+                  <a:txBody>
+                    <a:bodyPr/>
+                    <a:lstStyle/>
+                    <a:p>
+                      <a:pPr algn="l">
+                        <a:spcAft>
+                          <a:spcPts val="0"/>
+                        </a:spcAft>
+                      </a:pPr>
+                      <a:r>
+                        <a:rPr lang="zh-TW" sz="1400" kern="100" baseline="0" dirty="0">
+                          <a:effectLst/>
+                          <a:latin typeface="Times New Roman" panose="02020603050405020304" pitchFamily="18" charset="0"/>
+                          <a:ea typeface="標楷體" panose="03000509000000000000" pitchFamily="65" charset="-120"/>
+                        </a:rPr>
+                        <a:t>無</a:t>
+                      </a:r>
+                      <a:endParaRPr lang="zh-TW" sz="1400" kern="100" baseline="0" dirty="0">
+                        <a:effectLst/>
+                        <a:latin typeface="Times New Roman" panose="02020603050405020304" pitchFamily="18" charset="0"/>
+                        <a:ea typeface="標楷體" panose="03000509000000000000" pitchFamily="65" charset="-120"/>
+                        <a:cs typeface="Times New Roman" panose="02020603050405020304" pitchFamily="18" charset="0"/>
+                      </a:endParaRPr>
+                    </a:p>
+                  </a:txBody>
+                  <a:tcPr marL="68580" marR="68580" marT="0" marB="0" anchor="ctr"/>
+                </a:tc>
+                <a:extLst>
+                  <a:ext uri="{0D108BD9-81ED-4DB2-BD59-A6C34878D82A}">
+                    <a16:rowId xmlns:a16="http://schemas.microsoft.com/office/drawing/2014/main" val="2831114908"/>
+                  </a:ext>
+                </a:extLst>
+              </a:tr>
+              <a:tr h="1002846">
+                <a:tc>
+                  <a:txBody>
+                    <a:bodyPr/>
+                    <a:lstStyle/>
+                    <a:p>
+                      <a:pPr algn="ctr">
+                        <a:spcAft>
+                          <a:spcPts val="0"/>
+                        </a:spcAft>
+                      </a:pPr>
+                      <a:r>
+                        <a:rPr lang="zh-TW" sz="1400" kern="100" baseline="0" dirty="0">
+                          <a:effectLst/>
+                          <a:latin typeface="Times New Roman" panose="02020603050405020304" pitchFamily="18" charset="0"/>
+                          <a:ea typeface="標楷體" panose="03000509000000000000" pitchFamily="65" charset="-120"/>
+                        </a:rPr>
+                        <a:t>方法</a:t>
+                      </a:r>
+                      <a:endParaRPr lang="zh-TW" sz="1400" kern="100" baseline="0" dirty="0">
+                        <a:effectLst/>
+                        <a:latin typeface="Times New Roman" panose="02020603050405020304" pitchFamily="18" charset="0"/>
+                        <a:ea typeface="標楷體" panose="03000509000000000000" pitchFamily="65" charset="-120"/>
+                        <a:cs typeface="Times New Roman" panose="02020603050405020304" pitchFamily="18" charset="0"/>
+                      </a:endParaRPr>
+                    </a:p>
+                  </a:txBody>
+                  <a:tcPr marL="68580" marR="68580" marT="0" marB="0" anchor="ctr"/>
+                </a:tc>
+                <a:tc>
+                  <a:txBody>
+                    <a:bodyPr/>
+                    <a:lstStyle/>
+                    <a:p>
+                      <a:pPr algn="l">
+                        <a:spcAft>
+                          <a:spcPts val="0"/>
+                        </a:spcAft>
+                      </a:pPr>
+                      <a:r>
+                        <a:rPr lang="zh-TW" altLang="en-US" sz="1400" kern="100" baseline="0" dirty="0" smtClean="0">
+                          <a:effectLst/>
+                          <a:latin typeface="Times New Roman" panose="02020603050405020304" pitchFamily="18" charset="0"/>
+                          <a:ea typeface="標楷體" panose="03000509000000000000" pitchFamily="65" charset="-120"/>
+                          <a:cs typeface="+mn-cs"/>
+                        </a:rPr>
+                        <a:t>根據使用者定義的設定以及函式的階層編號，取出對應的類別資料夾，將圖片透過</a:t>
+                      </a:r>
+                      <a:r>
+                        <a:rPr lang="en-US" altLang="zh-TW" sz="1400" kern="100" baseline="0" dirty="0" smtClean="0">
+                          <a:effectLst/>
+                          <a:latin typeface="Times New Roman" panose="02020603050405020304" pitchFamily="18" charset="0"/>
+                          <a:ea typeface="標楷體" panose="03000509000000000000" pitchFamily="65" charset="-120"/>
+                          <a:cs typeface="+mn-cs"/>
+                        </a:rPr>
+                        <a:t>HOG</a:t>
+                      </a:r>
+                      <a:r>
+                        <a:rPr lang="zh-TW" altLang="en-US" sz="1400" kern="100" baseline="0" dirty="0" smtClean="0">
+                          <a:effectLst/>
+                          <a:latin typeface="Times New Roman" panose="02020603050405020304" pitchFamily="18" charset="0"/>
+                          <a:ea typeface="標楷體" panose="03000509000000000000" pitchFamily="65" charset="-120"/>
+                          <a:cs typeface="+mn-cs"/>
+                        </a:rPr>
+                        <a:t>計算輸入參數，再利用階層編號定義模型名稱，以便訓練完成後容易透過階層使用模型，再將以上結果輸出成可派工的檔案</a:t>
+                      </a:r>
+                      <a:endParaRPr lang="zh-TW" sz="1400" kern="100" baseline="0" dirty="0">
+                        <a:effectLst/>
+                        <a:latin typeface="Times New Roman" panose="02020603050405020304" pitchFamily="18" charset="0"/>
+                        <a:ea typeface="標楷體" panose="03000509000000000000" pitchFamily="65" charset="-120"/>
+                        <a:cs typeface="Times New Roman" panose="02020603050405020304" pitchFamily="18" charset="0"/>
+                      </a:endParaRPr>
+                    </a:p>
+                  </a:txBody>
+                  <a:tcPr marL="68580" marR="68580" marT="0" marB="0" anchor="ctr"/>
+                </a:tc>
+                <a:extLst>
+                  <a:ext uri="{0D108BD9-81ED-4DB2-BD59-A6C34878D82A}">
+                    <a16:rowId xmlns:a16="http://schemas.microsoft.com/office/drawing/2014/main" val="3422455655"/>
+                  </a:ext>
+                </a:extLst>
+              </a:tr>
+            </a:tbl>
+          </a:graphicData>
+        </a:graphic>
+      </p:graphicFrame>
+    </p:spTree>
+    <p:extLst>
+      <p:ext uri="{BB962C8B-B14F-4D97-AF65-F5344CB8AC3E}">
+        <p14:creationId xmlns:p14="http://schemas.microsoft.com/office/powerpoint/2010/main" val="3788845891"/>
+      </p:ext>
+    </p:extLst>
+  </p:cSld>
+  <p:clrMapOvr>
+    <a:masterClrMapping/>
+  </p:clrMapOvr>
+</p:sld>
+</file>
+
+<file path=ppt/slides/slide15.xml><?xml version="1.0" encoding="utf-8"?>
+<p:sld xmlns:a="http://schemas.openxmlformats.org/drawingml/2006/main" xmlns:r="http://schemas.openxmlformats.org/officeDocument/2006/relationships" xmlns:p="http://schemas.openxmlformats.org/presentationml/2006/main">
+  <p:cSld>
+    <p:spTree>
+      <p:nvGrpSpPr>
+        <p:cNvPr id="1" name=""/>
+        <p:cNvGrpSpPr/>
+        <p:nvPr/>
+      </p:nvGrpSpPr>
+      <p:grpSpPr>
+        <a:xfrm>
+          <a:off x="0" y="0"/>
+          <a:ext cx="0" cy="0"/>
+          <a:chOff x="0" y="0"/>
+          <a:chExt cx="0" cy="0"/>
+        </a:xfrm>
+      </p:grpSpPr>
+      <p:sp>
+        <p:nvSpPr>
+          <p:cNvPr id="3" name="標題 2"/>
+          <p:cNvSpPr>
+            <a:spLocks noGrp="1"/>
+          </p:cNvSpPr>
+          <p:nvPr>
+            <p:ph type="title"/>
+          </p:nvPr>
+        </p:nvSpPr>
+        <p:spPr/>
+        <p:txBody>
+          <a:bodyPr>
+            <a:normAutofit/>
+          </a:bodyPr>
+          <a:lstStyle/>
+          <a:p>
+            <a:r>
+              <a:rPr lang="zh-TW" altLang="en-US" dirty="0" smtClean="0"/>
+              <a:t>設計 </a:t>
+            </a:r>
+            <a:r>
+              <a:rPr lang="en-US" altLang="zh-TW" dirty="0" smtClean="0"/>
+              <a:t>–</a:t>
+            </a:r>
+            <a:r>
+              <a:rPr lang="zh-TW" altLang="en-US" dirty="0" smtClean="0"/>
+              <a:t> </a:t>
+            </a:r>
+            <a:r>
+              <a:rPr lang="en-US" altLang="zh-TW" dirty="0" smtClean="0"/>
+              <a:t>API</a:t>
+            </a:r>
+            <a:endParaRPr lang="zh-TW" altLang="en-US" dirty="0"/>
+          </a:p>
+        </p:txBody>
+      </p:sp>
+      <p:graphicFrame>
+        <p:nvGraphicFramePr>
+          <p:cNvPr id="4" name="表格 3"/>
+          <p:cNvGraphicFramePr>
+            <a:graphicFrameLocks noGrp="1"/>
+          </p:cNvGraphicFramePr>
+          <p:nvPr>
+            <p:extLst>
+              <p:ext uri="{D42A27DB-BD31-4B8C-83A1-F6EECF244321}">
+                <p14:modId xmlns:p14="http://schemas.microsoft.com/office/powerpoint/2010/main" val="1621296105"/>
+              </p:ext>
+            </p:extLst>
+          </p:nvPr>
+        </p:nvGraphicFramePr>
+        <p:xfrm>
+          <a:off x="838200" y="1194317"/>
+          <a:ext cx="10515600" cy="5057194"/>
+        </p:xfrm>
+        <a:graphic>
+          <a:graphicData uri="http://schemas.openxmlformats.org/drawingml/2006/table">
+            <a:tbl>
+              <a:tblPr firstRow="1" firstCol="1" bandRow="1">
+                <a:tableStyleId>{5C22544A-7EE6-4342-B048-85BDC9FD1C3A}</a:tableStyleId>
+              </a:tblPr>
+              <a:tblGrid>
+                <a:gridCol w="1080234">
+                  <a:extLst>
+                    <a:ext uri="{9D8B030D-6E8A-4147-A177-3AD203B41FA5}">
+                      <a16:colId xmlns:a16="http://schemas.microsoft.com/office/drawing/2014/main" val="3273915864"/>
+                    </a:ext>
+                  </a:extLst>
+                </a:gridCol>
+                <a:gridCol w="9435366">
+                  <a:extLst>
+                    <a:ext uri="{9D8B030D-6E8A-4147-A177-3AD203B41FA5}">
+                      <a16:colId xmlns:a16="http://schemas.microsoft.com/office/drawing/2014/main" val="430375833"/>
+                    </a:ext>
+                  </a:extLst>
+                </a:gridCol>
+              </a:tblGrid>
+              <a:tr h="473198">
+                <a:tc gridSpan="2">
+                  <a:txBody>
+                    <a:bodyPr/>
+                    <a:lstStyle/>
+                    <a:p>
+                      <a:pPr algn="ctr">
+                        <a:spcAft>
+                          <a:spcPts val="0"/>
+                        </a:spcAft>
+                      </a:pPr>
+                      <a:r>
+                        <a:rPr lang="en-US" altLang="zh-TW" sz="1400" kern="100" baseline="0" dirty="0" err="1" smtClean="0">
+                          <a:effectLst/>
+                          <a:latin typeface="Times New Roman" panose="02020603050405020304" pitchFamily="18" charset="0"/>
+                          <a:ea typeface="標楷體" panose="03000509000000000000" pitchFamily="65" charset="-120"/>
+                        </a:rPr>
+                        <a:t>HOGDescriptor</a:t>
+                      </a:r>
+                      <a:endParaRPr lang="zh-TW" sz="1400" kern="100" baseline="0" dirty="0">
+                        <a:effectLst/>
+                        <a:latin typeface="Times New Roman" panose="02020603050405020304" pitchFamily="18" charset="0"/>
+                        <a:ea typeface="標楷體" panose="03000509000000000000" pitchFamily="65" charset="-120"/>
+                        <a:cs typeface="Times New Roman" panose="02020603050405020304" pitchFamily="18" charset="0"/>
+                      </a:endParaRPr>
+                    </a:p>
+                  </a:txBody>
+                  <a:tcPr marL="68580" marR="68580" marT="0" marB="0" anchor="ctr"/>
+                </a:tc>
+                <a:tc hMerge="1">
+                  <a:txBody>
+                    <a:bodyPr/>
+                    <a:lstStyle/>
+                    <a:p>
+                      <a:endParaRPr lang="zh-TW" altLang="en-US"/>
+                    </a:p>
+                  </a:txBody>
+                  <a:tcPr/>
+                </a:tc>
+                <a:extLst>
+                  <a:ext uri="{0D108BD9-81ED-4DB2-BD59-A6C34878D82A}">
+                    <a16:rowId xmlns:a16="http://schemas.microsoft.com/office/drawing/2014/main" val="3794532785"/>
+                  </a:ext>
+                </a:extLst>
+              </a:tr>
+              <a:tr h="328779">
+                <a:tc>
+                  <a:txBody>
+                    <a:bodyPr/>
+                    <a:lstStyle/>
+                    <a:p>
+                      <a:pPr algn="ctr">
+                        <a:spcAft>
+                          <a:spcPts val="0"/>
+                        </a:spcAft>
+                      </a:pPr>
+                      <a:r>
+                        <a:rPr lang="zh-TW" sz="1400" kern="100" baseline="0">
+                          <a:effectLst/>
+                          <a:latin typeface="Times New Roman" panose="02020603050405020304" pitchFamily="18" charset="0"/>
+                          <a:ea typeface="標楷體" panose="03000509000000000000" pitchFamily="65" charset="-120"/>
+                        </a:rPr>
+                        <a:t>輸入</a:t>
+                      </a:r>
+                      <a:endParaRPr lang="zh-TW" sz="1400" kern="100" baseline="0">
+                        <a:effectLst/>
+                        <a:latin typeface="Times New Roman" panose="02020603050405020304" pitchFamily="18" charset="0"/>
+                        <a:ea typeface="標楷體" panose="03000509000000000000" pitchFamily="65" charset="-120"/>
+                        <a:cs typeface="Times New Roman" panose="02020603050405020304" pitchFamily="18" charset="0"/>
+                      </a:endParaRPr>
+                    </a:p>
+                  </a:txBody>
+                  <a:tcPr marL="68580" marR="68580" marT="0" marB="0" anchor="ctr"/>
+                </a:tc>
+                <a:tc>
+                  <a:txBody>
+                    <a:bodyPr/>
+                    <a:lstStyle/>
+                    <a:p>
+                      <a:pPr algn="l">
+                        <a:spcAft>
+                          <a:spcPts val="0"/>
+                        </a:spcAft>
+                      </a:pPr>
+                      <a:r>
+                        <a:rPr lang="zh-TW" altLang="en-US" sz="1400" kern="100" baseline="0" dirty="0" smtClean="0">
+                          <a:effectLst/>
+                          <a:latin typeface="Times New Roman" panose="02020603050405020304" pitchFamily="18" charset="0"/>
+                          <a:ea typeface="標楷體" panose="03000509000000000000" pitchFamily="65" charset="-120"/>
+                          <a:cs typeface="Times New Roman" panose="02020603050405020304" pitchFamily="18" charset="0"/>
+                        </a:rPr>
+                        <a:t>原圖，</a:t>
+                      </a:r>
+                      <a:r>
+                        <a:rPr lang="en-US" altLang="zh-TW" sz="1400" kern="100" baseline="0" dirty="0" smtClean="0">
+                          <a:effectLst/>
+                          <a:latin typeface="Times New Roman" panose="02020603050405020304" pitchFamily="18" charset="0"/>
+                          <a:ea typeface="標楷體" panose="03000509000000000000" pitchFamily="65" charset="-120"/>
+                          <a:cs typeface="Times New Roman" panose="02020603050405020304" pitchFamily="18" charset="0"/>
+                        </a:rPr>
+                        <a:t>Mat</a:t>
+                      </a:r>
+                    </a:p>
+                  </a:txBody>
+                  <a:tcPr marL="68580" marR="68580" marT="0" marB="0" anchor="ctr"/>
+                </a:tc>
+                <a:extLst>
+                  <a:ext uri="{0D108BD9-81ED-4DB2-BD59-A6C34878D82A}">
+                    <a16:rowId xmlns:a16="http://schemas.microsoft.com/office/drawing/2014/main" val="4110305200"/>
+                  </a:ext>
+                </a:extLst>
+              </a:tr>
+              <a:tr h="330696">
+                <a:tc>
+                  <a:txBody>
+                    <a:bodyPr/>
+                    <a:lstStyle/>
+                    <a:p>
+                      <a:pPr algn="ctr">
+                        <a:spcAft>
+                          <a:spcPts val="0"/>
+                        </a:spcAft>
+                      </a:pPr>
+                      <a:r>
+                        <a:rPr lang="zh-TW" sz="1400" kern="100" baseline="0" dirty="0">
+                          <a:effectLst/>
+                          <a:latin typeface="Times New Roman" panose="02020603050405020304" pitchFamily="18" charset="0"/>
+                          <a:ea typeface="標楷體" panose="03000509000000000000" pitchFamily="65" charset="-120"/>
+                        </a:rPr>
+                        <a:t>輸出</a:t>
+                      </a:r>
+                      <a:endParaRPr lang="zh-TW" sz="1400" kern="100" baseline="0" dirty="0">
+                        <a:effectLst/>
+                        <a:latin typeface="Times New Roman" panose="02020603050405020304" pitchFamily="18" charset="0"/>
+                        <a:ea typeface="標楷體" panose="03000509000000000000" pitchFamily="65" charset="-120"/>
+                        <a:cs typeface="Times New Roman" panose="02020603050405020304" pitchFamily="18" charset="0"/>
+                      </a:endParaRPr>
+                    </a:p>
+                  </a:txBody>
+                  <a:tcPr marL="68580" marR="68580" marT="0" marB="0" anchor="ctr"/>
+                </a:tc>
+                <a:tc>
+                  <a:txBody>
+                    <a:bodyPr/>
+                    <a:lstStyle/>
+                    <a:p>
+                      <a:pPr algn="l">
+                        <a:spcAft>
+                          <a:spcPts val="0"/>
+                        </a:spcAft>
+                      </a:pPr>
+                      <a:r>
+                        <a:rPr lang="en-US" altLang="zh-TW" sz="1400" kern="100" baseline="0" dirty="0" smtClean="0">
+                          <a:effectLst/>
+                          <a:latin typeface="Times New Roman" panose="02020603050405020304" pitchFamily="18" charset="0"/>
+                          <a:ea typeface="標楷體" panose="03000509000000000000" pitchFamily="65" charset="-120"/>
+                          <a:cs typeface="Times New Roman" panose="02020603050405020304" pitchFamily="18" charset="0"/>
+                        </a:rPr>
+                        <a:t>HOG</a:t>
+                      </a:r>
+                      <a:r>
+                        <a:rPr lang="zh-TW" altLang="en-US" sz="1400" kern="100" baseline="0" dirty="0" smtClean="0">
+                          <a:effectLst/>
+                          <a:latin typeface="Times New Roman" panose="02020603050405020304" pitchFamily="18" charset="0"/>
+                          <a:ea typeface="標楷體" panose="03000509000000000000" pitchFamily="65" charset="-120"/>
+                          <a:cs typeface="Times New Roman" panose="02020603050405020304" pitchFamily="18" charset="0"/>
+                        </a:rPr>
+                        <a:t>特徵向量，</a:t>
+                      </a:r>
+                      <a:r>
+                        <a:rPr lang="en-US" altLang="zh-TW" sz="1400" kern="100" baseline="0" dirty="0" smtClean="0">
+                          <a:effectLst/>
+                          <a:latin typeface="Times New Roman" panose="02020603050405020304" pitchFamily="18" charset="0"/>
+                          <a:ea typeface="標楷體" panose="03000509000000000000" pitchFamily="65" charset="-120"/>
+                          <a:cs typeface="Times New Roman" panose="02020603050405020304" pitchFamily="18" charset="0"/>
+                        </a:rPr>
+                        <a:t>Array&lt;float&gt;</a:t>
+                      </a:r>
+                      <a:endParaRPr lang="zh-TW" altLang="zh-TW" sz="1400" kern="100" baseline="0" dirty="0" smtClean="0">
+                        <a:effectLst/>
+                        <a:latin typeface="Times New Roman" panose="02020603050405020304" pitchFamily="18" charset="0"/>
+                        <a:ea typeface="標楷體" panose="03000509000000000000" pitchFamily="65" charset="-120"/>
+                        <a:cs typeface="Times New Roman" panose="02020603050405020304" pitchFamily="18" charset="0"/>
+                      </a:endParaRPr>
+                    </a:p>
+                  </a:txBody>
+                  <a:tcPr marL="68580" marR="68580" marT="0" marB="0" anchor="ctr"/>
+                </a:tc>
+                <a:extLst>
+                  <a:ext uri="{0D108BD9-81ED-4DB2-BD59-A6C34878D82A}">
+                    <a16:rowId xmlns:a16="http://schemas.microsoft.com/office/drawing/2014/main" val="1993701182"/>
+                  </a:ext>
+                </a:extLst>
+              </a:tr>
+              <a:tr h="1643897">
+                <a:tc>
+                  <a:txBody>
+                    <a:bodyPr/>
+                    <a:lstStyle/>
+                    <a:p>
+                      <a:pPr algn="ctr">
+                        <a:spcAft>
+                          <a:spcPts val="0"/>
+                        </a:spcAft>
+                      </a:pPr>
+                      <a:r>
+                        <a:rPr lang="zh-TW" sz="1400" kern="100" baseline="0">
+                          <a:effectLst/>
+                          <a:latin typeface="Times New Roman" panose="02020603050405020304" pitchFamily="18" charset="0"/>
+                          <a:ea typeface="標楷體" panose="03000509000000000000" pitchFamily="65" charset="-120"/>
+                        </a:rPr>
+                        <a:t>參數</a:t>
+                      </a:r>
+                      <a:endParaRPr lang="zh-TW" sz="1400" kern="100" baseline="0">
+                        <a:effectLst/>
+                        <a:latin typeface="Times New Roman" panose="02020603050405020304" pitchFamily="18" charset="0"/>
+                        <a:ea typeface="標楷體" panose="03000509000000000000" pitchFamily="65" charset="-120"/>
+                        <a:cs typeface="Times New Roman" panose="02020603050405020304" pitchFamily="18" charset="0"/>
+                      </a:endParaRPr>
+                    </a:p>
+                  </a:txBody>
+                  <a:tcPr marL="68580" marR="68580" marT="0" marB="0" anchor="ctr"/>
+                </a:tc>
+                <a:tc>
+                  <a:txBody>
+                    <a:bodyPr/>
+                    <a:lstStyle/>
+                    <a:p>
+                      <a:pPr algn="l">
+                        <a:spcAft>
+                          <a:spcPts val="0"/>
+                        </a:spcAft>
+                      </a:pPr>
+                      <a:r>
+                        <a:rPr lang="en-US" altLang="zh-TW" sz="1400" kern="100" baseline="0" dirty="0" smtClean="0">
+                          <a:effectLst/>
+                          <a:latin typeface="Times New Roman" panose="02020603050405020304" pitchFamily="18" charset="0"/>
+                          <a:ea typeface="標楷體" panose="03000509000000000000" pitchFamily="65" charset="-120"/>
+                          <a:cs typeface="Times New Roman" panose="02020603050405020304" pitchFamily="18" charset="0"/>
+                        </a:rPr>
+                        <a:t>Window size</a:t>
+                      </a:r>
+                      <a:r>
+                        <a:rPr lang="zh-TW" altLang="en-US" sz="1400" kern="100" baseline="0" dirty="0" smtClean="0">
+                          <a:effectLst/>
+                          <a:latin typeface="Times New Roman" panose="02020603050405020304" pitchFamily="18" charset="0"/>
+                          <a:ea typeface="標楷體" panose="03000509000000000000" pitchFamily="65" charset="-120"/>
+                          <a:cs typeface="Times New Roman" panose="02020603050405020304" pitchFamily="18" charset="0"/>
+                        </a:rPr>
+                        <a:t>，</a:t>
+                      </a:r>
+                      <a:r>
+                        <a:rPr lang="en-US" altLang="zh-TW" sz="1400" kern="100" baseline="0" dirty="0" smtClean="0">
+                          <a:effectLst/>
+                          <a:latin typeface="Times New Roman" panose="02020603050405020304" pitchFamily="18" charset="0"/>
+                          <a:ea typeface="標楷體" panose="03000509000000000000" pitchFamily="65" charset="-120"/>
+                          <a:cs typeface="Times New Roman" panose="02020603050405020304" pitchFamily="18" charset="0"/>
+                        </a:rPr>
+                        <a:t>Array&lt;integer&gt;</a:t>
+                      </a:r>
+                      <a:r>
+                        <a:rPr lang="zh-TW" altLang="en-US" sz="1400" kern="100" baseline="0" dirty="0" smtClean="0">
+                          <a:effectLst/>
+                          <a:latin typeface="Times New Roman" panose="02020603050405020304" pitchFamily="18" charset="0"/>
+                          <a:ea typeface="標楷體" panose="03000509000000000000" pitchFamily="65" charset="-120"/>
+                          <a:cs typeface="Times New Roman" panose="02020603050405020304" pitchFamily="18" charset="0"/>
+                        </a:rPr>
+                        <a:t>，數值分別代表</a:t>
+                      </a:r>
+                      <a:r>
+                        <a:rPr lang="en-US" altLang="zh-TW" sz="1400" kern="100" baseline="0" dirty="0" smtClean="0">
+                          <a:effectLst/>
+                          <a:latin typeface="Times New Roman" panose="02020603050405020304" pitchFamily="18" charset="0"/>
+                          <a:ea typeface="標楷體" panose="03000509000000000000" pitchFamily="65" charset="-120"/>
+                          <a:cs typeface="Times New Roman" panose="02020603050405020304" pitchFamily="18" charset="0"/>
+                        </a:rPr>
+                        <a:t>Row</a:t>
+                      </a:r>
+                      <a:r>
+                        <a:rPr lang="zh-TW" altLang="en-US" sz="1400" kern="100" baseline="0" dirty="0" smtClean="0">
+                          <a:effectLst/>
+                          <a:latin typeface="Times New Roman" panose="02020603050405020304" pitchFamily="18" charset="0"/>
+                          <a:ea typeface="標楷體" panose="03000509000000000000" pitchFamily="65" charset="-120"/>
+                          <a:cs typeface="Times New Roman" panose="02020603050405020304" pitchFamily="18" charset="0"/>
+                        </a:rPr>
+                        <a:t>及</a:t>
+                      </a:r>
+                      <a:r>
+                        <a:rPr lang="en-US" altLang="zh-TW" sz="1400" kern="100" baseline="0" dirty="0" smtClean="0">
+                          <a:effectLst/>
+                          <a:latin typeface="Times New Roman" panose="02020603050405020304" pitchFamily="18" charset="0"/>
+                          <a:ea typeface="標楷體" panose="03000509000000000000" pitchFamily="65" charset="-120"/>
+                          <a:cs typeface="Times New Roman" panose="02020603050405020304" pitchFamily="18" charset="0"/>
+                        </a:rPr>
+                        <a:t>Col</a:t>
+                      </a:r>
+                    </a:p>
+                    <a:p>
+                      <a:pPr marL="0" marR="0" indent="0" algn="l" defTabSz="914400" rtl="0" eaLnBrk="1" fontAlgn="auto" latinLnBrk="0" hangingPunct="1">
+                        <a:lnSpc>
+                          <a:spcPct val="100000"/>
+                        </a:lnSpc>
+                        <a:spcBef>
+                          <a:spcPts val="0"/>
+                        </a:spcBef>
+                        <a:spcAft>
+                          <a:spcPts val="0"/>
+                        </a:spcAft>
+                        <a:buClrTx/>
+                        <a:buSzTx/>
+                        <a:buFontTx/>
+                        <a:buNone/>
+                        <a:tabLst/>
+                        <a:defRPr/>
+                      </a:pPr>
+                      <a:r>
+                        <a:rPr lang="en-US" altLang="zh-TW" sz="1400" kern="100" baseline="0" dirty="0" smtClean="0">
+                          <a:effectLst/>
+                          <a:latin typeface="Times New Roman" panose="02020603050405020304" pitchFamily="18" charset="0"/>
+                          <a:ea typeface="標楷體" panose="03000509000000000000" pitchFamily="65" charset="-120"/>
+                          <a:cs typeface="Times New Roman" panose="02020603050405020304" pitchFamily="18" charset="0"/>
+                        </a:rPr>
+                        <a:t>Block size</a:t>
+                      </a:r>
+                      <a:r>
+                        <a:rPr lang="zh-TW" altLang="en-US" sz="1400" kern="100" baseline="0" dirty="0" smtClean="0">
+                          <a:effectLst/>
+                          <a:latin typeface="Times New Roman" panose="02020603050405020304" pitchFamily="18" charset="0"/>
+                          <a:ea typeface="標楷體" panose="03000509000000000000" pitchFamily="65" charset="-120"/>
+                          <a:cs typeface="Times New Roman" panose="02020603050405020304" pitchFamily="18" charset="0"/>
+                        </a:rPr>
+                        <a:t>，</a:t>
+                      </a:r>
+                      <a:r>
+                        <a:rPr lang="en-US" altLang="zh-TW" sz="1400" kern="100" baseline="0" dirty="0" smtClean="0">
+                          <a:effectLst/>
+                          <a:latin typeface="Times New Roman" panose="02020603050405020304" pitchFamily="18" charset="0"/>
+                          <a:ea typeface="標楷體" panose="03000509000000000000" pitchFamily="65" charset="-120"/>
+                          <a:cs typeface="Times New Roman" panose="02020603050405020304" pitchFamily="18" charset="0"/>
+                        </a:rPr>
+                        <a:t>Array&lt;integer&gt;</a:t>
+                      </a:r>
+                    </a:p>
+                    <a:p>
+                      <a:pPr marL="0" marR="0" indent="0" algn="l" defTabSz="914400" rtl="0" eaLnBrk="1" fontAlgn="auto" latinLnBrk="0" hangingPunct="1">
+                        <a:lnSpc>
+                          <a:spcPct val="100000"/>
+                        </a:lnSpc>
+                        <a:spcBef>
+                          <a:spcPts val="0"/>
+                        </a:spcBef>
+                        <a:spcAft>
+                          <a:spcPts val="0"/>
+                        </a:spcAft>
+                        <a:buClrTx/>
+                        <a:buSzTx/>
+                        <a:buFontTx/>
+                        <a:buNone/>
+                        <a:tabLst/>
+                        <a:defRPr/>
+                      </a:pPr>
+                      <a:r>
+                        <a:rPr lang="en-US" altLang="zh-TW" sz="1400" kern="100" baseline="0" dirty="0" smtClean="0">
+                          <a:effectLst/>
+                          <a:latin typeface="Times New Roman" panose="02020603050405020304" pitchFamily="18" charset="0"/>
+                          <a:ea typeface="標楷體" panose="03000509000000000000" pitchFamily="65" charset="-120"/>
+                          <a:cs typeface="Times New Roman" panose="02020603050405020304" pitchFamily="18" charset="0"/>
+                        </a:rPr>
+                        <a:t>Block stride size</a:t>
+                      </a:r>
+                      <a:r>
+                        <a:rPr lang="zh-TW" altLang="en-US" sz="1400" kern="100" baseline="0" dirty="0" smtClean="0">
+                          <a:effectLst/>
+                          <a:latin typeface="Times New Roman" panose="02020603050405020304" pitchFamily="18" charset="0"/>
+                          <a:ea typeface="標楷體" panose="03000509000000000000" pitchFamily="65" charset="-120"/>
+                          <a:cs typeface="Times New Roman" panose="02020603050405020304" pitchFamily="18" charset="0"/>
+                        </a:rPr>
+                        <a:t>，</a:t>
+                      </a:r>
+                      <a:r>
+                        <a:rPr lang="en-US" altLang="zh-TW" sz="1400" kern="100" baseline="0" dirty="0" smtClean="0">
+                          <a:effectLst/>
+                          <a:latin typeface="Times New Roman" panose="02020603050405020304" pitchFamily="18" charset="0"/>
+                          <a:ea typeface="標楷體" panose="03000509000000000000" pitchFamily="65" charset="-120"/>
+                          <a:cs typeface="Times New Roman" panose="02020603050405020304" pitchFamily="18" charset="0"/>
+                        </a:rPr>
+                        <a:t>Array&lt;integer&gt;</a:t>
+                      </a:r>
+                    </a:p>
+                    <a:p>
+                      <a:pPr marL="0" marR="0" indent="0" algn="l" defTabSz="914400" rtl="0" eaLnBrk="1" fontAlgn="auto" latinLnBrk="0" hangingPunct="1">
+                        <a:lnSpc>
+                          <a:spcPct val="100000"/>
+                        </a:lnSpc>
+                        <a:spcBef>
+                          <a:spcPts val="0"/>
+                        </a:spcBef>
+                        <a:spcAft>
+                          <a:spcPts val="0"/>
+                        </a:spcAft>
+                        <a:buClrTx/>
+                        <a:buSzTx/>
+                        <a:buFontTx/>
+                        <a:buNone/>
+                        <a:tabLst/>
+                        <a:defRPr/>
+                      </a:pPr>
+                      <a:r>
+                        <a:rPr lang="en-US" altLang="zh-TW" sz="1400" kern="100" baseline="0" dirty="0" smtClean="0">
+                          <a:effectLst/>
+                          <a:latin typeface="Times New Roman" panose="02020603050405020304" pitchFamily="18" charset="0"/>
+                          <a:ea typeface="標楷體" panose="03000509000000000000" pitchFamily="65" charset="-120"/>
+                          <a:cs typeface="Times New Roman" panose="02020603050405020304" pitchFamily="18" charset="0"/>
+                        </a:rPr>
+                        <a:t>Cell size</a:t>
+                      </a:r>
+                      <a:r>
+                        <a:rPr lang="zh-TW" altLang="en-US" sz="1400" kern="100" baseline="0" dirty="0" smtClean="0">
+                          <a:effectLst/>
+                          <a:latin typeface="Times New Roman" panose="02020603050405020304" pitchFamily="18" charset="0"/>
+                          <a:ea typeface="標楷體" panose="03000509000000000000" pitchFamily="65" charset="-120"/>
+                          <a:cs typeface="Times New Roman" panose="02020603050405020304" pitchFamily="18" charset="0"/>
+                        </a:rPr>
+                        <a:t>，</a:t>
+                      </a:r>
+                      <a:r>
+                        <a:rPr lang="en-US" altLang="zh-TW" sz="1400" kern="100" baseline="0" dirty="0" smtClean="0">
+                          <a:effectLst/>
+                          <a:latin typeface="Times New Roman" panose="02020603050405020304" pitchFamily="18" charset="0"/>
+                          <a:ea typeface="標楷體" panose="03000509000000000000" pitchFamily="65" charset="-120"/>
+                          <a:cs typeface="Times New Roman" panose="02020603050405020304" pitchFamily="18" charset="0"/>
+                        </a:rPr>
+                        <a:t>Array&lt;integer&gt;</a:t>
+                      </a:r>
+                    </a:p>
+                    <a:p>
+                      <a:pPr marL="0" marR="0" indent="0" algn="l" defTabSz="914400" rtl="0" eaLnBrk="1" fontAlgn="auto" latinLnBrk="0" hangingPunct="1">
+                        <a:lnSpc>
+                          <a:spcPct val="100000"/>
+                        </a:lnSpc>
+                        <a:spcBef>
+                          <a:spcPts val="0"/>
+                        </a:spcBef>
+                        <a:spcAft>
+                          <a:spcPts val="0"/>
+                        </a:spcAft>
+                        <a:buClrTx/>
+                        <a:buSzTx/>
+                        <a:buFontTx/>
+                        <a:buNone/>
+                        <a:tabLst/>
+                        <a:defRPr/>
+                      </a:pPr>
+                      <a:r>
+                        <a:rPr lang="en-US" altLang="zh-TW" sz="1400" kern="100" baseline="0" dirty="0" err="1" smtClean="0">
+                          <a:effectLst/>
+                          <a:latin typeface="Times New Roman" panose="02020603050405020304" pitchFamily="18" charset="0"/>
+                          <a:ea typeface="標楷體" panose="03000509000000000000" pitchFamily="65" charset="-120"/>
+                          <a:cs typeface="Times New Roman" panose="02020603050405020304" pitchFamily="18" charset="0"/>
+                        </a:rPr>
+                        <a:t>nbins</a:t>
+                      </a:r>
+                      <a:r>
+                        <a:rPr lang="zh-TW" altLang="en-US" sz="1400" kern="100" baseline="0" dirty="0" smtClean="0">
+                          <a:effectLst/>
+                          <a:latin typeface="Times New Roman" panose="02020603050405020304" pitchFamily="18" charset="0"/>
+                          <a:ea typeface="標楷體" panose="03000509000000000000" pitchFamily="65" charset="-120"/>
+                          <a:cs typeface="Times New Roman" panose="02020603050405020304" pitchFamily="18" charset="0"/>
+                        </a:rPr>
+                        <a:t>，</a:t>
+                      </a:r>
+                      <a:r>
+                        <a:rPr lang="en-US" altLang="zh-TW" sz="1400" kern="100" baseline="0" dirty="0" smtClean="0">
+                          <a:effectLst/>
+                          <a:latin typeface="Times New Roman" panose="02020603050405020304" pitchFamily="18" charset="0"/>
+                          <a:ea typeface="標楷體" panose="03000509000000000000" pitchFamily="65" charset="-120"/>
+                          <a:cs typeface="Times New Roman" panose="02020603050405020304" pitchFamily="18" charset="0"/>
+                        </a:rPr>
+                        <a:t> integer</a:t>
+                      </a:r>
+                    </a:p>
+                  </a:txBody>
+                  <a:tcPr marL="68580" marR="68580" marT="0" marB="0" anchor="ctr"/>
+                </a:tc>
+                <a:extLst>
+                  <a:ext uri="{0D108BD9-81ED-4DB2-BD59-A6C34878D82A}">
+                    <a16:rowId xmlns:a16="http://schemas.microsoft.com/office/drawing/2014/main" val="2831114908"/>
+                  </a:ext>
+                </a:extLst>
+              </a:tr>
+              <a:tr h="2280624">
+                <a:tc>
+                  <a:txBody>
+                    <a:bodyPr/>
+                    <a:lstStyle/>
+                    <a:p>
+                      <a:pPr algn="ctr">
+                        <a:spcAft>
+                          <a:spcPts val="0"/>
+                        </a:spcAft>
+                      </a:pPr>
+                      <a:r>
+                        <a:rPr lang="zh-TW" sz="1400" kern="100" baseline="0" dirty="0">
+                          <a:effectLst/>
+                          <a:latin typeface="Times New Roman" panose="02020603050405020304" pitchFamily="18" charset="0"/>
+                          <a:ea typeface="標楷體" panose="03000509000000000000" pitchFamily="65" charset="-120"/>
+                        </a:rPr>
+                        <a:t>方法</a:t>
+                      </a:r>
+                      <a:endParaRPr lang="zh-TW" sz="1400" kern="100" baseline="0" dirty="0">
+                        <a:effectLst/>
+                        <a:latin typeface="Times New Roman" panose="02020603050405020304" pitchFamily="18" charset="0"/>
+                        <a:ea typeface="標楷體" panose="03000509000000000000" pitchFamily="65" charset="-120"/>
+                        <a:cs typeface="Times New Roman" panose="02020603050405020304" pitchFamily="18" charset="0"/>
+                      </a:endParaRPr>
+                    </a:p>
+                  </a:txBody>
+                  <a:tcPr marL="68580" marR="68580" marT="0" marB="0" anchor="ctr"/>
+                </a:tc>
+                <a:tc>
+                  <a:txBody>
+                    <a:bodyPr/>
+                    <a:lstStyle/>
+                    <a:p>
+                      <a:pPr algn="l">
+                        <a:spcAft>
+                          <a:spcPts val="0"/>
+                        </a:spcAft>
+                      </a:pPr>
+                      <a:r>
+                        <a:rPr lang="zh-TW" altLang="en-US" sz="1400" kern="100" baseline="0" dirty="0" smtClean="0">
+                          <a:effectLst/>
+                          <a:latin typeface="Times New Roman" panose="02020603050405020304" pitchFamily="18" charset="0"/>
+                          <a:ea typeface="標楷體" panose="03000509000000000000" pitchFamily="65" charset="-120"/>
+                          <a:cs typeface="Times New Roman" panose="02020603050405020304" pitchFamily="18" charset="0"/>
+                        </a:rPr>
+                        <a:t>將原圖轉</a:t>
+                      </a:r>
+                      <a:r>
+                        <a:rPr lang="en-US" altLang="zh-TW" sz="1400" kern="100" baseline="0" dirty="0" smtClean="0">
+                          <a:effectLst/>
+                          <a:latin typeface="Times New Roman" panose="02020603050405020304" pitchFamily="18" charset="0"/>
+                          <a:ea typeface="標楷體" panose="03000509000000000000" pitchFamily="65" charset="-120"/>
+                          <a:cs typeface="Times New Roman" panose="02020603050405020304" pitchFamily="18" charset="0"/>
+                        </a:rPr>
+                        <a:t>resize</a:t>
+                      </a:r>
+                      <a:r>
+                        <a:rPr lang="zh-TW" altLang="en-US" sz="1400" kern="100" baseline="0" dirty="0" smtClean="0">
+                          <a:effectLst/>
+                          <a:latin typeface="Times New Roman" panose="02020603050405020304" pitchFamily="18" charset="0"/>
+                          <a:ea typeface="標楷體" panose="03000509000000000000" pitchFamily="65" charset="-120"/>
+                          <a:cs typeface="Times New Roman" panose="02020603050405020304" pitchFamily="18" charset="0"/>
+                        </a:rPr>
+                        <a:t>成</a:t>
+                      </a:r>
+                      <a:r>
+                        <a:rPr lang="en-US" altLang="zh-TW" sz="1400" kern="100" baseline="0" dirty="0" smtClean="0">
+                          <a:effectLst/>
+                          <a:latin typeface="Times New Roman" panose="02020603050405020304" pitchFamily="18" charset="0"/>
+                          <a:ea typeface="標楷體" panose="03000509000000000000" pitchFamily="65" charset="-120"/>
+                          <a:cs typeface="Times New Roman" panose="02020603050405020304" pitchFamily="18" charset="0"/>
+                        </a:rPr>
+                        <a:t>window</a:t>
+                      </a:r>
+                      <a:r>
+                        <a:rPr lang="zh-TW" altLang="en-US" sz="1400" kern="100" baseline="0" dirty="0" smtClean="0">
+                          <a:effectLst/>
+                          <a:latin typeface="Times New Roman" panose="02020603050405020304" pitchFamily="18" charset="0"/>
+                          <a:ea typeface="標楷體" panose="03000509000000000000" pitchFamily="65" charset="-120"/>
+                          <a:cs typeface="Times New Roman" panose="02020603050405020304" pitchFamily="18" charset="0"/>
+                        </a:rPr>
+                        <a:t> </a:t>
+                      </a:r>
+                      <a:r>
+                        <a:rPr lang="en-US" altLang="zh-TW" sz="1400" kern="100" baseline="0" dirty="0" smtClean="0">
+                          <a:effectLst/>
+                          <a:latin typeface="Times New Roman" panose="02020603050405020304" pitchFamily="18" charset="0"/>
+                          <a:ea typeface="標楷體" panose="03000509000000000000" pitchFamily="65" charset="-120"/>
+                          <a:cs typeface="Times New Roman" panose="02020603050405020304" pitchFamily="18" charset="0"/>
+                        </a:rPr>
+                        <a:t>size</a:t>
+                      </a:r>
+                      <a:r>
+                        <a:rPr lang="zh-TW" altLang="en-US" sz="1400" kern="100" baseline="0" dirty="0" smtClean="0">
+                          <a:effectLst/>
+                          <a:latin typeface="Times New Roman" panose="02020603050405020304" pitchFamily="18" charset="0"/>
+                          <a:ea typeface="標楷體" panose="03000509000000000000" pitchFamily="65" charset="-120"/>
+                          <a:cs typeface="Times New Roman" panose="02020603050405020304" pitchFamily="18" charset="0"/>
+                        </a:rPr>
+                        <a:t>，再透過</a:t>
+                      </a:r>
+                      <a:r>
+                        <a:rPr lang="en-US" altLang="zh-TW" sz="1400" kern="100" baseline="0" dirty="0" smtClean="0">
+                          <a:effectLst/>
+                          <a:latin typeface="Times New Roman" panose="02020603050405020304" pitchFamily="18" charset="0"/>
+                          <a:ea typeface="標楷體" panose="03000509000000000000" pitchFamily="65" charset="-120"/>
+                          <a:cs typeface="Times New Roman" panose="02020603050405020304" pitchFamily="18" charset="0"/>
+                        </a:rPr>
+                        <a:t>Block size</a:t>
+                      </a:r>
+                      <a:r>
+                        <a:rPr lang="zh-TW" altLang="en-US" sz="1400" kern="100" baseline="0" dirty="0" smtClean="0">
+                          <a:effectLst/>
+                          <a:latin typeface="Times New Roman" panose="02020603050405020304" pitchFamily="18" charset="0"/>
+                          <a:ea typeface="標楷體" panose="03000509000000000000" pitchFamily="65" charset="-120"/>
+                          <a:cs typeface="Times New Roman" panose="02020603050405020304" pitchFamily="18" charset="0"/>
+                        </a:rPr>
+                        <a:t>及</a:t>
+                      </a:r>
+                      <a:r>
+                        <a:rPr lang="en-US" altLang="zh-TW" sz="1400" kern="100" baseline="0" dirty="0" smtClean="0">
+                          <a:effectLst/>
+                          <a:latin typeface="Times New Roman" panose="02020603050405020304" pitchFamily="18" charset="0"/>
+                          <a:ea typeface="標楷體" panose="03000509000000000000" pitchFamily="65" charset="-120"/>
+                          <a:cs typeface="Times New Roman" panose="02020603050405020304" pitchFamily="18" charset="0"/>
+                        </a:rPr>
+                        <a:t>Block stride</a:t>
+                      </a:r>
+                      <a:r>
+                        <a:rPr lang="zh-TW" altLang="en-US" sz="1400" kern="100" baseline="0" dirty="0" smtClean="0">
+                          <a:effectLst/>
+                          <a:latin typeface="Times New Roman" panose="02020603050405020304" pitchFamily="18" charset="0"/>
+                          <a:ea typeface="標楷體" panose="03000509000000000000" pitchFamily="65" charset="-120"/>
+                          <a:cs typeface="Times New Roman" panose="02020603050405020304" pitchFamily="18" charset="0"/>
+                        </a:rPr>
+                        <a:t>掃描圖片，再計算</a:t>
+                      </a:r>
+                      <a:r>
+                        <a:rPr lang="en-US" altLang="zh-TW" sz="1400" kern="100" baseline="0" dirty="0" smtClean="0">
+                          <a:effectLst/>
+                          <a:latin typeface="Times New Roman" panose="02020603050405020304" pitchFamily="18" charset="0"/>
+                          <a:ea typeface="標楷體" panose="03000509000000000000" pitchFamily="65" charset="-120"/>
+                          <a:cs typeface="Times New Roman" panose="02020603050405020304" pitchFamily="18" charset="0"/>
+                        </a:rPr>
+                        <a:t>Cell</a:t>
+                      </a:r>
+                      <a:r>
+                        <a:rPr lang="zh-TW" altLang="en-US" sz="1400" kern="100" baseline="0" dirty="0" smtClean="0">
+                          <a:effectLst/>
+                          <a:latin typeface="Times New Roman" panose="02020603050405020304" pitchFamily="18" charset="0"/>
+                          <a:ea typeface="標楷體" panose="03000509000000000000" pitchFamily="65" charset="-120"/>
+                          <a:cs typeface="Times New Roman" panose="02020603050405020304" pitchFamily="18" charset="0"/>
+                        </a:rPr>
+                        <a:t>裡的特徵向量，</a:t>
+                      </a:r>
+                      <a:r>
+                        <a:rPr lang="en-US" altLang="zh-TW" sz="1400" kern="100" baseline="0" dirty="0" err="1" smtClean="0">
+                          <a:effectLst/>
+                          <a:latin typeface="Times New Roman" panose="02020603050405020304" pitchFamily="18" charset="0"/>
+                          <a:ea typeface="標楷體" panose="03000509000000000000" pitchFamily="65" charset="-120"/>
+                          <a:cs typeface="Times New Roman" panose="02020603050405020304" pitchFamily="18" charset="0"/>
+                        </a:rPr>
+                        <a:t>nbins</a:t>
+                      </a:r>
+                      <a:r>
+                        <a:rPr lang="zh-TW" altLang="en-US" sz="1400" kern="100" baseline="0" dirty="0" smtClean="0">
+                          <a:effectLst/>
+                          <a:latin typeface="Times New Roman" panose="02020603050405020304" pitchFamily="18" charset="0"/>
+                          <a:ea typeface="標楷體" panose="03000509000000000000" pitchFamily="65" charset="-120"/>
+                          <a:cs typeface="Times New Roman" panose="02020603050405020304" pitchFamily="18" charset="0"/>
+                        </a:rPr>
+                        <a:t>為梯度方向數</a:t>
+                      </a:r>
+                      <a:endParaRPr lang="en-US" altLang="zh-TW" sz="1400" kern="100" baseline="0" dirty="0" smtClean="0">
+                        <a:effectLst/>
+                        <a:latin typeface="Times New Roman" panose="02020603050405020304" pitchFamily="18" charset="0"/>
+                        <a:ea typeface="標楷體" panose="03000509000000000000" pitchFamily="65" charset="-120"/>
+                        <a:cs typeface="Times New Roman" panose="02020603050405020304" pitchFamily="18" charset="0"/>
+                      </a:endParaRPr>
+                    </a:p>
+                    <a:p>
+                      <a:pPr algn="l">
+                        <a:spcAft>
+                          <a:spcPts val="0"/>
+                        </a:spcAft>
+                      </a:pPr>
+                      <a:r>
+                        <a:rPr lang="zh-TW" altLang="en-US" sz="1400" kern="100" baseline="0" dirty="0" smtClean="0">
+                          <a:effectLst/>
+                          <a:latin typeface="Times New Roman" panose="02020603050405020304" pitchFamily="18" charset="0"/>
+                          <a:ea typeface="標楷體" panose="03000509000000000000" pitchFamily="65" charset="-120"/>
+                          <a:cs typeface="Times New Roman" panose="02020603050405020304" pitchFamily="18" charset="0"/>
+                        </a:rPr>
+                        <a:t>舉例：</a:t>
+                      </a:r>
+                      <a:endParaRPr lang="en-US" altLang="zh-TW" sz="1400" kern="100" baseline="0" dirty="0" smtClean="0">
+                        <a:effectLst/>
+                        <a:latin typeface="Times New Roman" panose="02020603050405020304" pitchFamily="18" charset="0"/>
+                        <a:ea typeface="標楷體" panose="03000509000000000000" pitchFamily="65" charset="-120"/>
+                        <a:cs typeface="Times New Roman" panose="02020603050405020304" pitchFamily="18" charset="0"/>
+                      </a:endParaRPr>
+                    </a:p>
+                    <a:p>
+                      <a:pPr algn="l">
+                        <a:spcAft>
+                          <a:spcPts val="0"/>
+                        </a:spcAft>
+                      </a:pPr>
+                      <a:r>
+                        <a:rPr lang="en-US" altLang="zh-TW" sz="1400" kern="100" baseline="0" dirty="0" smtClean="0">
+                          <a:effectLst/>
+                          <a:latin typeface="Times New Roman" panose="02020603050405020304" pitchFamily="18" charset="0"/>
+                          <a:ea typeface="標楷體" panose="03000509000000000000" pitchFamily="65" charset="-120"/>
+                          <a:cs typeface="Times New Roman" panose="02020603050405020304" pitchFamily="18" charset="0"/>
+                        </a:rPr>
+                        <a:t>Window size = (64, 64)</a:t>
+                      </a:r>
+                      <a:r>
+                        <a:rPr lang="zh-TW" altLang="en-US" sz="1400" kern="100" baseline="0" dirty="0" smtClean="0">
+                          <a:effectLst/>
+                          <a:latin typeface="Times New Roman" panose="02020603050405020304" pitchFamily="18" charset="0"/>
+                          <a:ea typeface="標楷體" panose="03000509000000000000" pitchFamily="65" charset="-120"/>
+                          <a:cs typeface="Times New Roman" panose="02020603050405020304" pitchFamily="18" charset="0"/>
+                        </a:rPr>
+                        <a:t> </a:t>
+                      </a:r>
+                      <a:r>
+                        <a:rPr lang="en-US" altLang="zh-TW" sz="1400" kern="100" baseline="0" dirty="0" smtClean="0">
+                          <a:effectLst/>
+                          <a:latin typeface="Times New Roman" panose="02020603050405020304" pitchFamily="18" charset="0"/>
+                          <a:ea typeface="標楷體" panose="03000509000000000000" pitchFamily="65" charset="-120"/>
+                          <a:cs typeface="Times New Roman" panose="02020603050405020304" pitchFamily="18" charset="0"/>
+                        </a:rPr>
+                        <a:t>=&gt;</a:t>
+                      </a:r>
+                      <a:r>
+                        <a:rPr lang="zh-TW" altLang="en-US" sz="1400" kern="100" baseline="0" dirty="0" smtClean="0">
+                          <a:effectLst/>
+                          <a:latin typeface="Times New Roman" panose="02020603050405020304" pitchFamily="18" charset="0"/>
+                          <a:ea typeface="標楷體" panose="03000509000000000000" pitchFamily="65" charset="-120"/>
+                          <a:cs typeface="Times New Roman" panose="02020603050405020304" pitchFamily="18" charset="0"/>
+                        </a:rPr>
+                        <a:t> </a:t>
+                      </a:r>
+                      <a:r>
+                        <a:rPr lang="en-US" altLang="zh-TW" sz="1400" kern="100" baseline="0" dirty="0" smtClean="0">
+                          <a:effectLst/>
+                          <a:latin typeface="Times New Roman" panose="02020603050405020304" pitchFamily="18" charset="0"/>
+                          <a:ea typeface="標楷體" panose="03000509000000000000" pitchFamily="65" charset="-120"/>
+                          <a:cs typeface="Times New Roman" panose="02020603050405020304" pitchFamily="18" charset="0"/>
+                        </a:rPr>
+                        <a:t>Row = 64</a:t>
+                      </a:r>
+                      <a:r>
+                        <a:rPr lang="zh-TW" altLang="en-US" sz="1400" kern="100" baseline="0" dirty="0" smtClean="0">
+                          <a:effectLst/>
+                          <a:latin typeface="Times New Roman" panose="02020603050405020304" pitchFamily="18" charset="0"/>
+                          <a:ea typeface="標楷體" panose="03000509000000000000" pitchFamily="65" charset="-120"/>
+                          <a:cs typeface="Times New Roman" panose="02020603050405020304" pitchFamily="18" charset="0"/>
+                        </a:rPr>
+                        <a:t>、</a:t>
+                      </a:r>
+                      <a:r>
+                        <a:rPr lang="en-US" altLang="zh-TW" sz="1400" kern="100" baseline="0" dirty="0" smtClean="0">
+                          <a:effectLst/>
+                          <a:latin typeface="Times New Roman" panose="02020603050405020304" pitchFamily="18" charset="0"/>
+                          <a:ea typeface="標楷體" panose="03000509000000000000" pitchFamily="65" charset="-120"/>
+                          <a:cs typeface="Times New Roman" panose="02020603050405020304" pitchFamily="18" charset="0"/>
+                        </a:rPr>
+                        <a:t>Col = 64</a:t>
+                      </a:r>
+                    </a:p>
+                    <a:p>
+                      <a:pPr marL="0" marR="0" indent="0" algn="l" defTabSz="914400" rtl="0" eaLnBrk="1" fontAlgn="auto" latinLnBrk="0" hangingPunct="1">
+                        <a:lnSpc>
+                          <a:spcPct val="100000"/>
+                        </a:lnSpc>
+                        <a:spcBef>
+                          <a:spcPts val="0"/>
+                        </a:spcBef>
+                        <a:spcAft>
+                          <a:spcPts val="0"/>
+                        </a:spcAft>
+                        <a:buClrTx/>
+                        <a:buSzTx/>
+                        <a:buFontTx/>
+                        <a:buNone/>
+                        <a:tabLst/>
+                        <a:defRPr/>
+                      </a:pPr>
+                      <a:r>
+                        <a:rPr lang="en-US" altLang="zh-TW" sz="1400" kern="100" baseline="0" dirty="0" smtClean="0">
+                          <a:effectLst/>
+                          <a:latin typeface="Times New Roman" panose="02020603050405020304" pitchFamily="18" charset="0"/>
+                          <a:ea typeface="標楷體" panose="03000509000000000000" pitchFamily="65" charset="-120"/>
+                          <a:cs typeface="Times New Roman" panose="02020603050405020304" pitchFamily="18" charset="0"/>
+                        </a:rPr>
+                        <a:t>Block size = (16, 16)</a:t>
+                      </a:r>
+                      <a:endParaRPr lang="zh-TW" altLang="zh-TW" sz="1400" kern="100" baseline="0" dirty="0" smtClean="0">
+                        <a:effectLst/>
+                        <a:latin typeface="Times New Roman" panose="02020603050405020304" pitchFamily="18" charset="0"/>
+                        <a:ea typeface="標楷體" panose="03000509000000000000" pitchFamily="65" charset="-120"/>
+                        <a:cs typeface="Times New Roman" panose="02020603050405020304" pitchFamily="18" charset="0"/>
+                      </a:endParaRPr>
+                    </a:p>
+                    <a:p>
+                      <a:pPr marL="0" marR="0" indent="0" algn="l" defTabSz="914400" rtl="0" eaLnBrk="1" fontAlgn="auto" latinLnBrk="0" hangingPunct="1">
+                        <a:lnSpc>
+                          <a:spcPct val="100000"/>
+                        </a:lnSpc>
+                        <a:spcBef>
+                          <a:spcPts val="0"/>
+                        </a:spcBef>
+                        <a:spcAft>
+                          <a:spcPts val="0"/>
+                        </a:spcAft>
+                        <a:buClrTx/>
+                        <a:buSzTx/>
+                        <a:buFontTx/>
+                        <a:buNone/>
+                        <a:tabLst/>
+                        <a:defRPr/>
+                      </a:pPr>
+                      <a:r>
+                        <a:rPr lang="en-US" altLang="zh-TW" sz="1400" kern="100" baseline="0" dirty="0" smtClean="0">
+                          <a:effectLst/>
+                          <a:latin typeface="Times New Roman" panose="02020603050405020304" pitchFamily="18" charset="0"/>
+                          <a:ea typeface="標楷體" panose="03000509000000000000" pitchFamily="65" charset="-120"/>
+                          <a:cs typeface="Times New Roman" panose="02020603050405020304" pitchFamily="18" charset="0"/>
+                        </a:rPr>
+                        <a:t>Block stride size = (8, 8)</a:t>
+                      </a:r>
+                      <a:endParaRPr lang="zh-TW" altLang="zh-TW" sz="1400" kern="100" baseline="0" dirty="0" smtClean="0">
+                        <a:effectLst/>
+                        <a:latin typeface="Times New Roman" panose="02020603050405020304" pitchFamily="18" charset="0"/>
+                        <a:ea typeface="標楷體" panose="03000509000000000000" pitchFamily="65" charset="-120"/>
+                        <a:cs typeface="Times New Roman" panose="02020603050405020304" pitchFamily="18" charset="0"/>
+                      </a:endParaRPr>
+                    </a:p>
+                    <a:p>
+                      <a:pPr marL="0" marR="0" indent="0" algn="l" defTabSz="914400" rtl="0" eaLnBrk="1" fontAlgn="auto" latinLnBrk="0" hangingPunct="1">
+                        <a:lnSpc>
+                          <a:spcPct val="100000"/>
+                        </a:lnSpc>
+                        <a:spcBef>
+                          <a:spcPts val="0"/>
+                        </a:spcBef>
+                        <a:spcAft>
+                          <a:spcPts val="0"/>
+                        </a:spcAft>
+                        <a:buClrTx/>
+                        <a:buSzTx/>
+                        <a:buFontTx/>
+                        <a:buNone/>
+                        <a:tabLst/>
+                        <a:defRPr/>
+                      </a:pPr>
+                      <a:r>
+                        <a:rPr lang="en-US" altLang="zh-TW" sz="1400" kern="100" baseline="0" dirty="0" smtClean="0">
+                          <a:effectLst/>
+                          <a:latin typeface="Times New Roman" panose="02020603050405020304" pitchFamily="18" charset="0"/>
+                          <a:ea typeface="標楷體" panose="03000509000000000000" pitchFamily="65" charset="-120"/>
+                          <a:cs typeface="Times New Roman" panose="02020603050405020304" pitchFamily="18" charset="0"/>
+                        </a:rPr>
+                        <a:t>Cell size = (8, 8)</a:t>
+                      </a:r>
+                    </a:p>
+                    <a:p>
+                      <a:pPr marL="0" marR="0" indent="0" algn="l" defTabSz="914400" rtl="0" eaLnBrk="1" fontAlgn="auto" latinLnBrk="0" hangingPunct="1">
+                        <a:lnSpc>
+                          <a:spcPct val="100000"/>
+                        </a:lnSpc>
+                        <a:spcBef>
+                          <a:spcPts val="0"/>
+                        </a:spcBef>
+                        <a:spcAft>
+                          <a:spcPts val="0"/>
+                        </a:spcAft>
+                        <a:buClrTx/>
+                        <a:buSzTx/>
+                        <a:buFontTx/>
+                        <a:buNone/>
+                        <a:tabLst/>
+                        <a:defRPr/>
+                      </a:pPr>
+                      <a:r>
+                        <a:rPr lang="en-US" altLang="zh-TW" sz="1400" kern="100" baseline="0" dirty="0" err="1" smtClean="0">
+                          <a:effectLst/>
+                          <a:latin typeface="Times New Roman" panose="02020603050405020304" pitchFamily="18" charset="0"/>
+                          <a:ea typeface="標楷體" panose="03000509000000000000" pitchFamily="65" charset="-120"/>
+                          <a:cs typeface="Times New Roman" panose="02020603050405020304" pitchFamily="18" charset="0"/>
+                        </a:rPr>
+                        <a:t>nbins</a:t>
+                      </a:r>
+                      <a:r>
+                        <a:rPr lang="en-US" altLang="zh-TW" sz="1400" kern="100" baseline="0" dirty="0" smtClean="0">
+                          <a:effectLst/>
+                          <a:latin typeface="Times New Roman" panose="02020603050405020304" pitchFamily="18" charset="0"/>
+                          <a:ea typeface="標楷體" panose="03000509000000000000" pitchFamily="65" charset="-120"/>
+                          <a:cs typeface="Times New Roman" panose="02020603050405020304" pitchFamily="18" charset="0"/>
+                        </a:rPr>
+                        <a:t> = 9</a:t>
+                      </a:r>
+                    </a:p>
+                    <a:p>
+                      <a:pPr marL="0" marR="0" indent="0" algn="l" defTabSz="914400" rtl="0" eaLnBrk="1" fontAlgn="auto" latinLnBrk="0" hangingPunct="1">
+                        <a:lnSpc>
+                          <a:spcPct val="100000"/>
+                        </a:lnSpc>
+                        <a:spcBef>
+                          <a:spcPts val="0"/>
+                        </a:spcBef>
+                        <a:spcAft>
+                          <a:spcPts val="0"/>
+                        </a:spcAft>
+                        <a:buClrTx/>
+                        <a:buSzTx/>
+                        <a:buFontTx/>
+                        <a:buNone/>
+                        <a:tabLst/>
+                        <a:defRPr/>
+                      </a:pPr>
+                      <a:r>
+                        <a:rPr lang="en-US" altLang="zh-TW" sz="1400" kern="100" baseline="0" dirty="0" smtClean="0">
+                          <a:effectLst/>
+                          <a:latin typeface="Times New Roman" panose="02020603050405020304" pitchFamily="18" charset="0"/>
+                          <a:ea typeface="標楷體" panose="03000509000000000000" pitchFamily="65" charset="-120"/>
+                          <a:cs typeface="Times New Roman" panose="02020603050405020304" pitchFamily="18" charset="0"/>
+                        </a:rPr>
+                        <a:t>Feature length = </a:t>
+                      </a:r>
+                      <a:r>
+                        <a:rPr lang="en-US" altLang="zh-TW" sz="1400" kern="100" baseline="0" dirty="0" smtClean="0">
+                          <a:effectLst/>
+                          <a:latin typeface="Times New Roman" panose="02020603050405020304" pitchFamily="18" charset="0"/>
+                          <a:ea typeface="標楷體" panose="03000509000000000000" pitchFamily="65" charset="-120"/>
+                          <a:cs typeface="Times New Roman" panose="02020603050405020304" pitchFamily="18" charset="0"/>
+                        </a:rPr>
+                        <a:t>(((Row - Block size) </a:t>
+                      </a:r>
+                      <a:r>
+                        <a:rPr lang="en-US" altLang="zh-TW" sz="1400" kern="100" baseline="0" dirty="0" smtClean="0">
+                          <a:effectLst/>
+                          <a:latin typeface="Times New Roman" panose="02020603050405020304" pitchFamily="18" charset="0"/>
+                          <a:ea typeface="標楷體" panose="03000509000000000000" pitchFamily="65" charset="-120"/>
+                          <a:cs typeface="Times New Roman" panose="02020603050405020304" pitchFamily="18" charset="0"/>
+                        </a:rPr>
+                        <a:t>/ stride) </a:t>
+                      </a:r>
+                      <a:r>
+                        <a:rPr lang="en-US" altLang="zh-TW" sz="1400" kern="100" baseline="0" dirty="0" smtClean="0">
+                          <a:effectLst/>
+                          <a:latin typeface="Times New Roman" panose="02020603050405020304" pitchFamily="18" charset="0"/>
+                          <a:ea typeface="標楷體" panose="03000509000000000000" pitchFamily="65" charset="-120"/>
+                          <a:cs typeface="Times New Roman" panose="02020603050405020304" pitchFamily="18" charset="0"/>
+                        </a:rPr>
+                        <a:t>+ </a:t>
+                      </a:r>
+                      <a:r>
+                        <a:rPr lang="en-US" altLang="zh-TW" sz="1400" kern="100" baseline="0" dirty="0" smtClean="0">
+                          <a:effectLst/>
+                          <a:latin typeface="Times New Roman" panose="02020603050405020304" pitchFamily="18" charset="0"/>
+                          <a:ea typeface="標楷體" panose="03000509000000000000" pitchFamily="65" charset="-120"/>
+                          <a:cs typeface="Times New Roman" panose="02020603050405020304" pitchFamily="18" charset="0"/>
+                        </a:rPr>
+                        <a:t>1) * </a:t>
+                      </a:r>
+                      <a:r>
+                        <a:rPr lang="en-US" altLang="zh-TW" sz="1400" kern="100" baseline="0" dirty="0" smtClean="0">
+                          <a:effectLst/>
+                          <a:latin typeface="Times New Roman" panose="02020603050405020304" pitchFamily="18" charset="0"/>
+                          <a:ea typeface="標楷體" panose="03000509000000000000" pitchFamily="65" charset="-120"/>
+                          <a:cs typeface="Times New Roman" panose="02020603050405020304" pitchFamily="18" charset="0"/>
+                        </a:rPr>
+                        <a:t>(((Col – Block size) / </a:t>
+                      </a:r>
+                      <a:r>
+                        <a:rPr lang="en-US" altLang="zh-TW" sz="1400" kern="100" baseline="0" dirty="0" smtClean="0">
+                          <a:effectLst/>
+                          <a:latin typeface="Times New Roman" panose="02020603050405020304" pitchFamily="18" charset="0"/>
+                          <a:ea typeface="標楷體" panose="03000509000000000000" pitchFamily="65" charset="-120"/>
+                          <a:cs typeface="Times New Roman" panose="02020603050405020304" pitchFamily="18" charset="0"/>
+                        </a:rPr>
+                        <a:t>stride) </a:t>
+                      </a:r>
+                      <a:r>
+                        <a:rPr lang="en-US" altLang="zh-TW" sz="1400" kern="100" baseline="0" dirty="0" smtClean="0">
+                          <a:effectLst/>
+                          <a:latin typeface="Times New Roman" panose="02020603050405020304" pitchFamily="18" charset="0"/>
+                          <a:ea typeface="標楷體" panose="03000509000000000000" pitchFamily="65" charset="-120"/>
+                          <a:cs typeface="Times New Roman" panose="02020603050405020304" pitchFamily="18" charset="0"/>
+                        </a:rPr>
+                        <a:t>+ </a:t>
+                      </a:r>
+                      <a:r>
+                        <a:rPr lang="en-US" altLang="zh-TW" sz="1400" kern="100" baseline="0" dirty="0" smtClean="0">
+                          <a:effectLst/>
+                          <a:latin typeface="Times New Roman" panose="02020603050405020304" pitchFamily="18" charset="0"/>
+                          <a:ea typeface="標楷體" panose="03000509000000000000" pitchFamily="65" charset="-120"/>
+                          <a:cs typeface="Times New Roman" panose="02020603050405020304" pitchFamily="18" charset="0"/>
+                        </a:rPr>
+                        <a:t>1) * (Block size / Cell size ) * (Block size / Cell size ) * </a:t>
+                      </a:r>
+                      <a:r>
+                        <a:rPr lang="en-US" altLang="zh-TW" sz="1400" kern="100" baseline="0" dirty="0" err="1" smtClean="0">
+                          <a:effectLst/>
+                          <a:latin typeface="Times New Roman" panose="02020603050405020304" pitchFamily="18" charset="0"/>
+                          <a:ea typeface="標楷體" panose="03000509000000000000" pitchFamily="65" charset="-120"/>
+                          <a:cs typeface="Times New Roman" panose="02020603050405020304" pitchFamily="18" charset="0"/>
+                        </a:rPr>
+                        <a:t>nbins</a:t>
+                      </a:r>
+                      <a:endParaRPr lang="en-US" altLang="zh-TW" sz="1400" kern="100" baseline="0" dirty="0" smtClean="0">
+                        <a:effectLst/>
+                        <a:latin typeface="Times New Roman" panose="02020603050405020304" pitchFamily="18" charset="0"/>
+                        <a:ea typeface="標楷體" panose="03000509000000000000" pitchFamily="65" charset="-120"/>
+                        <a:cs typeface="Times New Roman" panose="02020603050405020304" pitchFamily="18" charset="0"/>
+                      </a:endParaRPr>
+                    </a:p>
+                    <a:p>
+                      <a:pPr marL="0" marR="0" indent="0" algn="l" defTabSz="914400" rtl="0" eaLnBrk="1" fontAlgn="auto" latinLnBrk="0" hangingPunct="1">
+                        <a:lnSpc>
+                          <a:spcPct val="100000"/>
+                        </a:lnSpc>
+                        <a:spcBef>
+                          <a:spcPts val="0"/>
+                        </a:spcBef>
+                        <a:spcAft>
+                          <a:spcPts val="0"/>
+                        </a:spcAft>
+                        <a:buClrTx/>
+                        <a:buSzTx/>
+                        <a:buFontTx/>
+                        <a:buNone/>
+                        <a:tabLst/>
+                        <a:defRPr/>
+                      </a:pPr>
+                      <a:r>
+                        <a:rPr lang="en-US" altLang="zh-TW" sz="1400" kern="100" baseline="0" dirty="0" smtClean="0">
+                          <a:effectLst/>
+                          <a:latin typeface="Times New Roman" panose="02020603050405020304" pitchFamily="18" charset="0"/>
+                          <a:ea typeface="標楷體" panose="03000509000000000000" pitchFamily="65" charset="-120"/>
+                          <a:cs typeface="Times New Roman" panose="02020603050405020304" pitchFamily="18" charset="0"/>
+                        </a:rPr>
+                        <a:t>                        = </a:t>
+                      </a:r>
+                      <a:r>
+                        <a:rPr lang="en-US" altLang="zh-TW" sz="1400" kern="100" baseline="0" dirty="0" smtClean="0">
+                          <a:effectLst/>
+                          <a:latin typeface="Times New Roman" panose="02020603050405020304" pitchFamily="18" charset="0"/>
+                          <a:ea typeface="標楷體" panose="03000509000000000000" pitchFamily="65" charset="-120"/>
+                          <a:cs typeface="Times New Roman" panose="02020603050405020304" pitchFamily="18" charset="0"/>
+                        </a:rPr>
+                        <a:t>(((64 – 16) </a:t>
+                      </a:r>
+                      <a:r>
+                        <a:rPr lang="en-US" altLang="zh-TW" sz="1400" kern="100" baseline="0" dirty="0" smtClean="0">
+                          <a:effectLst/>
+                          <a:latin typeface="Times New Roman" panose="02020603050405020304" pitchFamily="18" charset="0"/>
+                          <a:ea typeface="標楷體" panose="03000509000000000000" pitchFamily="65" charset="-120"/>
+                          <a:cs typeface="Times New Roman" panose="02020603050405020304" pitchFamily="18" charset="0"/>
+                        </a:rPr>
+                        <a:t>/ 8) </a:t>
+                      </a:r>
+                      <a:r>
+                        <a:rPr lang="en-US" altLang="zh-TW" sz="1400" kern="100" baseline="0" dirty="0" smtClean="0">
+                          <a:effectLst/>
+                          <a:latin typeface="Times New Roman" panose="02020603050405020304" pitchFamily="18" charset="0"/>
+                          <a:ea typeface="標楷體" panose="03000509000000000000" pitchFamily="65" charset="-120"/>
+                          <a:cs typeface="Times New Roman" panose="02020603050405020304" pitchFamily="18" charset="0"/>
+                        </a:rPr>
+                        <a:t>+ </a:t>
+                      </a:r>
+                      <a:r>
+                        <a:rPr lang="en-US" altLang="zh-TW" sz="1400" kern="100" baseline="0" dirty="0" smtClean="0">
+                          <a:effectLst/>
+                          <a:latin typeface="Times New Roman" panose="02020603050405020304" pitchFamily="18" charset="0"/>
+                          <a:ea typeface="標楷體" panose="03000509000000000000" pitchFamily="65" charset="-120"/>
+                          <a:cs typeface="Times New Roman" panose="02020603050405020304" pitchFamily="18" charset="0"/>
+                        </a:rPr>
+                        <a:t>1) * </a:t>
+                      </a:r>
+                      <a:r>
+                        <a:rPr lang="en-US" altLang="zh-TW" sz="1400" kern="100" baseline="0" dirty="0" smtClean="0">
+                          <a:effectLst/>
+                          <a:latin typeface="Times New Roman" panose="02020603050405020304" pitchFamily="18" charset="0"/>
+                          <a:ea typeface="標楷體" panose="03000509000000000000" pitchFamily="65" charset="-120"/>
+                          <a:cs typeface="Times New Roman" panose="02020603050405020304" pitchFamily="18" charset="0"/>
+                        </a:rPr>
+                        <a:t>(((64 – 16) </a:t>
+                      </a:r>
+                      <a:r>
+                        <a:rPr lang="en-US" altLang="zh-TW" sz="1400" kern="100" baseline="0" dirty="0" smtClean="0">
+                          <a:effectLst/>
+                          <a:latin typeface="Times New Roman" panose="02020603050405020304" pitchFamily="18" charset="0"/>
+                          <a:ea typeface="標楷體" panose="03000509000000000000" pitchFamily="65" charset="-120"/>
+                          <a:cs typeface="Times New Roman" panose="02020603050405020304" pitchFamily="18" charset="0"/>
+                        </a:rPr>
+                        <a:t>/ 8) </a:t>
+                      </a:r>
+                      <a:r>
+                        <a:rPr lang="en-US" altLang="zh-TW" sz="1400" kern="100" baseline="0" dirty="0" smtClean="0">
+                          <a:effectLst/>
+                          <a:latin typeface="Times New Roman" panose="02020603050405020304" pitchFamily="18" charset="0"/>
+                          <a:ea typeface="標楷體" panose="03000509000000000000" pitchFamily="65" charset="-120"/>
+                          <a:cs typeface="Times New Roman" panose="02020603050405020304" pitchFamily="18" charset="0"/>
+                        </a:rPr>
+                        <a:t>+ </a:t>
+                      </a:r>
+                      <a:r>
+                        <a:rPr lang="en-US" altLang="zh-TW" sz="1400" kern="100" baseline="0" dirty="0" smtClean="0">
+                          <a:effectLst/>
+                          <a:latin typeface="Times New Roman" panose="02020603050405020304" pitchFamily="18" charset="0"/>
+                          <a:ea typeface="標楷體" panose="03000509000000000000" pitchFamily="65" charset="-120"/>
+                          <a:cs typeface="Times New Roman" panose="02020603050405020304" pitchFamily="18" charset="0"/>
+                        </a:rPr>
+                        <a:t>1) * (16 / 8) * (16 / 8) * 9 = 7 * 7 * 2 * 2 * 9 = 1764</a:t>
+                      </a:r>
+                      <a:endParaRPr lang="zh-TW" altLang="zh-TW" sz="1400" kern="100" baseline="0" dirty="0" smtClean="0">
+                        <a:effectLst/>
+                        <a:latin typeface="Times New Roman" panose="02020603050405020304" pitchFamily="18" charset="0"/>
+                        <a:ea typeface="標楷體" panose="03000509000000000000" pitchFamily="65" charset="-120"/>
+                        <a:cs typeface="Times New Roman" panose="02020603050405020304" pitchFamily="18" charset="0"/>
+                      </a:endParaRPr>
+                    </a:p>
+                  </a:txBody>
+                  <a:tcPr marL="68580" marR="68580" marT="0" marB="0" anchor="ctr"/>
+                </a:tc>
+                <a:extLst>
+                  <a:ext uri="{0D108BD9-81ED-4DB2-BD59-A6C34878D82A}">
+                    <a16:rowId xmlns:a16="http://schemas.microsoft.com/office/drawing/2014/main" val="3422455655"/>
+                  </a:ext>
+                </a:extLst>
+              </a:tr>
+            </a:tbl>
+          </a:graphicData>
+        </a:graphic>
+      </p:graphicFrame>
+      <p:grpSp>
+        <p:nvGrpSpPr>
+          <p:cNvPr id="11" name="群組 10"/>
+          <p:cNvGrpSpPr/>
+          <p:nvPr/>
+        </p:nvGrpSpPr>
+        <p:grpSpPr>
+          <a:xfrm>
+            <a:off x="8189976" y="1328838"/>
+            <a:ext cx="3042526" cy="2580687"/>
+            <a:chOff x="7030419" y="2000643"/>
+            <a:chExt cx="3042526" cy="2580687"/>
+          </a:xfrm>
+        </p:grpSpPr>
+        <p:sp>
+          <p:nvSpPr>
+            <p:cNvPr id="2" name="矩形 1"/>
+            <p:cNvSpPr/>
+            <p:nvPr/>
+          </p:nvSpPr>
+          <p:spPr>
+            <a:xfrm>
+              <a:off x="7651102" y="2369975"/>
+              <a:ext cx="2379307" cy="2211355"/>
+            </a:xfrm>
+            <a:prstGeom prst="rect">
+              <a:avLst/>
+            </a:prstGeom>
+            <a:solidFill>
+              <a:srgbClr val="FFC000"/>
+            </a:solidFill>
+          </p:spPr>
+          <p:style>
+            <a:lnRef idx="2">
+              <a:schemeClr val="accent1">
+                <a:shade val="50000"/>
+              </a:schemeClr>
+            </a:lnRef>
+            <a:fillRef idx="1">
+              <a:schemeClr val="accent1"/>
+            </a:fillRef>
+            <a:effectRef idx="0">
+              <a:schemeClr val="accent1"/>
+            </a:effectRef>
+            <a:fontRef idx="minor">
+              <a:schemeClr val="lt1"/>
+            </a:fontRef>
+          </p:style>
+          <p:txBody>
+            <a:bodyPr rtlCol="0" anchor="ctr"/>
+            <a:lstStyle/>
+            <a:p>
+              <a:pPr algn="ctr"/>
+              <a:endParaRPr lang="zh-TW" altLang="en-US"/>
+            </a:p>
+          </p:txBody>
+        </p:sp>
+        <p:sp>
+          <p:nvSpPr>
+            <p:cNvPr id="6" name="矩形 5"/>
+            <p:cNvSpPr/>
+            <p:nvPr/>
+          </p:nvSpPr>
+          <p:spPr>
+            <a:xfrm>
+              <a:off x="7800391" y="2408843"/>
+              <a:ext cx="1101012" cy="1026368"/>
+            </a:xfrm>
+            <a:prstGeom prst="rect">
+              <a:avLst/>
+            </a:prstGeom>
+            <a:noFill/>
+            <a:ln w="57150">
+              <a:solidFill>
+                <a:srgbClr val="FF0000"/>
+              </a:solidFill>
+            </a:ln>
+          </p:spPr>
+          <p:style>
+            <a:lnRef idx="2">
+              <a:schemeClr val="accent1">
+                <a:shade val="50000"/>
+              </a:schemeClr>
+            </a:lnRef>
+            <a:fillRef idx="1">
+              <a:schemeClr val="accent1"/>
+            </a:fillRef>
+            <a:effectRef idx="0">
+              <a:schemeClr val="accent1"/>
+            </a:effectRef>
+            <a:fontRef idx="minor">
+              <a:schemeClr val="lt1"/>
+            </a:fontRef>
+          </p:style>
+          <p:txBody>
+            <a:bodyPr rtlCol="0" anchor="ctr"/>
+            <a:lstStyle/>
+            <a:p>
+              <a:pPr algn="ctr"/>
+              <a:endParaRPr lang="zh-TW" altLang="en-US"/>
+            </a:p>
+          </p:txBody>
+        </p:sp>
+        <p:sp>
+          <p:nvSpPr>
+            <p:cNvPr id="7" name="文字方塊 6"/>
+            <p:cNvSpPr txBox="1"/>
+            <p:nvPr/>
+          </p:nvSpPr>
+          <p:spPr>
+            <a:xfrm>
+              <a:off x="8581709" y="2000643"/>
+              <a:ext cx="518091" cy="369332"/>
+            </a:xfrm>
+            <a:prstGeom prst="rect">
+              <a:avLst/>
+            </a:prstGeom>
+            <a:noFill/>
+          </p:spPr>
+          <p:txBody>
+            <a:bodyPr wrap="none" rtlCol="0">
+              <a:spAutoFit/>
+            </a:bodyPr>
+            <a:lstStyle/>
+            <a:p>
+              <a:r>
+                <a:rPr lang="en-US" altLang="zh-TW" dirty="0" smtClean="0">
+                  <a:latin typeface="Times New Roman" panose="02020603050405020304" pitchFamily="18" charset="0"/>
+                  <a:cs typeface="Times New Roman" panose="02020603050405020304" pitchFamily="18" charset="0"/>
+                </a:rPr>
+                <a:t>Col</a:t>
+              </a:r>
+              <a:endParaRPr lang="zh-TW" altLang="en-US" dirty="0">
+                <a:latin typeface="Times New Roman" panose="02020603050405020304" pitchFamily="18" charset="0"/>
+                <a:cs typeface="Times New Roman" panose="02020603050405020304" pitchFamily="18" charset="0"/>
+              </a:endParaRPr>
+            </a:p>
+          </p:txBody>
+        </p:sp>
+        <p:sp>
+          <p:nvSpPr>
+            <p:cNvPr id="8" name="文字方塊 7"/>
+            <p:cNvSpPr txBox="1"/>
+            <p:nvPr/>
+          </p:nvSpPr>
+          <p:spPr>
+            <a:xfrm>
+              <a:off x="7030419" y="3290986"/>
+              <a:ext cx="620683" cy="369332"/>
+            </a:xfrm>
+            <a:prstGeom prst="rect">
+              <a:avLst/>
+            </a:prstGeom>
+            <a:noFill/>
+          </p:spPr>
+          <p:txBody>
+            <a:bodyPr wrap="none" rtlCol="0">
+              <a:spAutoFit/>
+            </a:bodyPr>
+            <a:lstStyle/>
+            <a:p>
+              <a:r>
+                <a:rPr lang="en-US" altLang="zh-TW" dirty="0" smtClean="0">
+                  <a:latin typeface="Times New Roman" panose="02020603050405020304" pitchFamily="18" charset="0"/>
+                  <a:cs typeface="Times New Roman" panose="02020603050405020304" pitchFamily="18" charset="0"/>
+                </a:rPr>
+                <a:t>Row</a:t>
+              </a:r>
+              <a:endParaRPr lang="zh-TW" altLang="en-US" dirty="0">
+                <a:latin typeface="Times New Roman" panose="02020603050405020304" pitchFamily="18" charset="0"/>
+                <a:cs typeface="Times New Roman" panose="02020603050405020304" pitchFamily="18" charset="0"/>
+              </a:endParaRPr>
+            </a:p>
+          </p:txBody>
+        </p:sp>
+        <p:sp>
+          <p:nvSpPr>
+            <p:cNvPr id="9" name="文字方塊 8"/>
+            <p:cNvSpPr txBox="1"/>
+            <p:nvPr/>
+          </p:nvSpPr>
+          <p:spPr>
+            <a:xfrm>
+              <a:off x="8920065" y="2737361"/>
+              <a:ext cx="1152880" cy="369332"/>
+            </a:xfrm>
+            <a:prstGeom prst="rect">
+              <a:avLst/>
+            </a:prstGeom>
+            <a:noFill/>
+          </p:spPr>
+          <p:txBody>
+            <a:bodyPr wrap="none" rtlCol="0">
+              <a:spAutoFit/>
+            </a:bodyPr>
+            <a:lstStyle/>
+            <a:p>
+              <a:r>
+                <a:rPr lang="en-US" altLang="zh-TW" dirty="0" smtClean="0">
+                  <a:solidFill>
+                    <a:srgbClr val="FF0000"/>
+                  </a:solidFill>
+                  <a:latin typeface="Times New Roman" panose="02020603050405020304" pitchFamily="18" charset="0"/>
+                  <a:cs typeface="Times New Roman" panose="02020603050405020304" pitchFamily="18" charset="0"/>
+                </a:rPr>
+                <a:t>Block size</a:t>
+              </a:r>
+              <a:endParaRPr lang="zh-TW" altLang="en-US" dirty="0">
+                <a:solidFill>
+                  <a:srgbClr val="FF0000"/>
+                </a:solidFill>
+                <a:latin typeface="Times New Roman" panose="02020603050405020304" pitchFamily="18" charset="0"/>
+                <a:cs typeface="Times New Roman" panose="02020603050405020304" pitchFamily="18" charset="0"/>
+              </a:endParaRPr>
+            </a:p>
+          </p:txBody>
+        </p:sp>
+        <p:sp>
+          <p:nvSpPr>
+            <p:cNvPr id="10" name="文字方塊 9"/>
+            <p:cNvSpPr txBox="1"/>
+            <p:nvPr/>
+          </p:nvSpPr>
+          <p:spPr>
+            <a:xfrm>
+              <a:off x="7819053" y="3399462"/>
+              <a:ext cx="1152880" cy="369332"/>
+            </a:xfrm>
+            <a:prstGeom prst="rect">
+              <a:avLst/>
+            </a:prstGeom>
+            <a:noFill/>
+          </p:spPr>
+          <p:txBody>
+            <a:bodyPr wrap="none" rtlCol="0">
+              <a:spAutoFit/>
+            </a:bodyPr>
+            <a:lstStyle/>
+            <a:p>
+              <a:r>
+                <a:rPr lang="en-US" altLang="zh-TW" dirty="0" smtClean="0">
+                  <a:solidFill>
+                    <a:srgbClr val="FF0000"/>
+                  </a:solidFill>
+                  <a:latin typeface="Times New Roman" panose="02020603050405020304" pitchFamily="18" charset="0"/>
+                  <a:cs typeface="Times New Roman" panose="02020603050405020304" pitchFamily="18" charset="0"/>
+                </a:rPr>
+                <a:t>Block size</a:t>
+              </a:r>
+              <a:endParaRPr lang="zh-TW" altLang="en-US" dirty="0">
+                <a:solidFill>
+                  <a:srgbClr val="FF0000"/>
+                </a:solidFill>
+                <a:latin typeface="Times New Roman" panose="02020603050405020304" pitchFamily="18" charset="0"/>
+                <a:cs typeface="Times New Roman" panose="02020603050405020304" pitchFamily="18" charset="0"/>
+              </a:endParaRPr>
+            </a:p>
+          </p:txBody>
+        </p:sp>
+      </p:grpSp>
+    </p:spTree>
+    <p:extLst>
+      <p:ext uri="{BB962C8B-B14F-4D97-AF65-F5344CB8AC3E}">
+        <p14:creationId xmlns:p14="http://schemas.microsoft.com/office/powerpoint/2010/main" val="1290270655"/>
+      </p:ext>
+    </p:extLst>
+  </p:cSld>
+  <p:clrMapOvr>
+    <a:masterClrMapping/>
+  </p:clrMapOvr>
+</p:sld>
+</file>
+
+<file path=ppt/slides/slide16.xml><?xml version="1.0" encoding="utf-8"?>
+<p:sld xmlns:a="http://schemas.openxmlformats.org/drawingml/2006/main" xmlns:r="http://schemas.openxmlformats.org/officeDocument/2006/relationships" xmlns:p="http://schemas.openxmlformats.org/presentationml/2006/main">
+  <p:cSld>
+    <p:spTree>
+      <p:nvGrpSpPr>
+        <p:cNvPr id="1" name=""/>
+        <p:cNvGrpSpPr/>
+        <p:nvPr/>
+      </p:nvGrpSpPr>
+      <p:grpSpPr>
+        <a:xfrm>
+          <a:off x="0" y="0"/>
+          <a:ext cx="0" cy="0"/>
+          <a:chOff x="0" y="0"/>
+          <a:chExt cx="0" cy="0"/>
+        </a:xfrm>
+      </p:grpSpPr>
+      <p:sp>
+        <p:nvSpPr>
+          <p:cNvPr id="3" name="標題 2"/>
+          <p:cNvSpPr>
+            <a:spLocks noGrp="1"/>
+          </p:cNvSpPr>
+          <p:nvPr>
+            <p:ph type="title"/>
+          </p:nvPr>
+        </p:nvSpPr>
+        <p:spPr/>
+        <p:txBody>
+          <a:bodyPr/>
+          <a:lstStyle/>
+          <a:p>
+            <a:r>
+              <a:rPr lang="zh-TW" altLang="en-US" dirty="0" smtClean="0"/>
+              <a:t>驗</a:t>
+            </a:r>
+            <a:r>
+              <a:rPr lang="zh-TW" altLang="en-US" dirty="0"/>
+              <a:t>證</a:t>
+            </a:r>
+          </a:p>
+        </p:txBody>
+      </p:sp>
+      <p:sp>
+        <p:nvSpPr>
+          <p:cNvPr id="2" name="內容版面配置區 1"/>
+          <p:cNvSpPr>
+            <a:spLocks noGrp="1"/>
+          </p:cNvSpPr>
+          <p:nvPr>
+            <p:ph idx="1"/>
+          </p:nvPr>
+        </p:nvSpPr>
+        <p:spPr/>
+        <p:txBody>
+          <a:bodyPr/>
+          <a:lstStyle/>
+          <a:p>
+            <a:endParaRPr lang="zh-TW" altLang="en-US" dirty="0"/>
+          </a:p>
+        </p:txBody>
+      </p:sp>
+    </p:spTree>
+    <p:extLst>
+      <p:ext uri="{BB962C8B-B14F-4D97-AF65-F5344CB8AC3E}">
+        <p14:creationId xmlns:p14="http://schemas.microsoft.com/office/powerpoint/2010/main" val="1843503905"/>
+      </p:ext>
+    </p:extLst>
+  </p:cSld>
+  <p:clrMapOvr>
+    <a:masterClrMapping/>
+  </p:clrMapOvr>
+</p:sld>
+</file>
+
 <file path=ppt/slides/slide2.xml><?xml version="1.0" encoding="utf-8"?>
 <p:sld xmlns:a="http://schemas.openxmlformats.org/drawingml/2006/main" xmlns:r="http://schemas.openxmlformats.org/officeDocument/2006/relationships" xmlns:p="http://schemas.openxmlformats.org/presentationml/2006/main">
   <p:cSld>
@@ -4778,7 +7138,6 @@
               <a:rPr lang="en-US" altLang="zh-TW" sz="2400" dirty="0" smtClean="0"/>
               <a:t>outer</a:t>
             </a:r>
-            <a:endParaRPr lang="en-US" altLang="zh-TW" sz="2400" dirty="0" smtClean="0"/>
           </a:p>
           <a:p>
             <a:pPr lvl="1"/>

--- a/final/基於分散式網路架構訓練階層式分類模型.pptx
+++ b/final/基於分散式網路架構訓練階層式分類模型.pptx
@@ -4693,7 +4693,7 @@
       </p:sp>
       <p:pic>
         <p:nvPicPr>
-          <p:cNvPr id="12" name="內容版面配置區 11"/>
+          <p:cNvPr id="6" name="內容版面配置區 5"/>
           <p:cNvPicPr>
             <a:picLocks noGrp="1" noChangeAspect="1"/>
           </p:cNvPicPr>
@@ -4709,32 +4709,8 @@
         </p:blipFill>
         <p:spPr>
           <a:xfrm>
-            <a:off x="1762266" y="1201738"/>
-            <a:ext cx="8667467" cy="5037137"/>
-          </a:xfrm>
-          <a:prstGeom prst="rect">
-            <a:avLst/>
-          </a:prstGeom>
-        </p:spPr>
-      </p:pic>
-      <p:pic>
-        <p:nvPicPr>
-          <p:cNvPr id="13" name="圖片 12"/>
-          <p:cNvPicPr>
-            <a:picLocks noChangeAspect="1"/>
-          </p:cNvPicPr>
-          <p:nvPr/>
-        </p:nvPicPr>
-        <p:blipFill>
-          <a:blip r:embed="rId3"/>
-          <a:stretch>
-            <a:fillRect/>
-          </a:stretch>
-        </p:blipFill>
-        <p:spPr>
-          <a:xfrm>
-            <a:off x="109904" y="1280160"/>
-            <a:ext cx="2587576" cy="336496"/>
+            <a:off x="1785986" y="1201738"/>
+            <a:ext cx="8620027" cy="5037137"/>
           </a:xfrm>
           <a:prstGeom prst="rect">
             <a:avLst/>
@@ -6358,79 +6334,7 @@
                           <a:ea typeface="標楷體" panose="03000509000000000000" pitchFamily="65" charset="-120"/>
                           <a:cs typeface="Times New Roman" panose="02020603050405020304" pitchFamily="18" charset="0"/>
                         </a:rPr>
-                        <a:t>Feature length = </a:t>
-                      </a:r>
-                      <a:r>
-                        <a:rPr lang="en-US" altLang="zh-TW" sz="1400" kern="100" baseline="0" dirty="0" smtClean="0">
-                          <a:effectLst/>
-                          <a:latin typeface="Times New Roman" panose="02020603050405020304" pitchFamily="18" charset="0"/>
-                          <a:ea typeface="標楷體" panose="03000509000000000000" pitchFamily="65" charset="-120"/>
-                          <a:cs typeface="Times New Roman" panose="02020603050405020304" pitchFamily="18" charset="0"/>
-                        </a:rPr>
-                        <a:t>(((Row - Block size) </a:t>
-                      </a:r>
-                      <a:r>
-                        <a:rPr lang="en-US" altLang="zh-TW" sz="1400" kern="100" baseline="0" dirty="0" smtClean="0">
-                          <a:effectLst/>
-                          <a:latin typeface="Times New Roman" panose="02020603050405020304" pitchFamily="18" charset="0"/>
-                          <a:ea typeface="標楷體" panose="03000509000000000000" pitchFamily="65" charset="-120"/>
-                          <a:cs typeface="Times New Roman" panose="02020603050405020304" pitchFamily="18" charset="0"/>
-                        </a:rPr>
-                        <a:t>/ stride) </a:t>
-                      </a:r>
-                      <a:r>
-                        <a:rPr lang="en-US" altLang="zh-TW" sz="1400" kern="100" baseline="0" dirty="0" smtClean="0">
-                          <a:effectLst/>
-                          <a:latin typeface="Times New Roman" panose="02020603050405020304" pitchFamily="18" charset="0"/>
-                          <a:ea typeface="標楷體" panose="03000509000000000000" pitchFamily="65" charset="-120"/>
-                          <a:cs typeface="Times New Roman" panose="02020603050405020304" pitchFamily="18" charset="0"/>
-                        </a:rPr>
-                        <a:t>+ </a:t>
-                      </a:r>
-                      <a:r>
-                        <a:rPr lang="en-US" altLang="zh-TW" sz="1400" kern="100" baseline="0" dirty="0" smtClean="0">
-                          <a:effectLst/>
-                          <a:latin typeface="Times New Roman" panose="02020603050405020304" pitchFamily="18" charset="0"/>
-                          <a:ea typeface="標楷體" panose="03000509000000000000" pitchFamily="65" charset="-120"/>
-                          <a:cs typeface="Times New Roman" panose="02020603050405020304" pitchFamily="18" charset="0"/>
-                        </a:rPr>
-                        <a:t>1) * </a:t>
-                      </a:r>
-                      <a:r>
-                        <a:rPr lang="en-US" altLang="zh-TW" sz="1400" kern="100" baseline="0" dirty="0" smtClean="0">
-                          <a:effectLst/>
-                          <a:latin typeface="Times New Roman" panose="02020603050405020304" pitchFamily="18" charset="0"/>
-                          <a:ea typeface="標楷體" panose="03000509000000000000" pitchFamily="65" charset="-120"/>
-                          <a:cs typeface="Times New Roman" panose="02020603050405020304" pitchFamily="18" charset="0"/>
-                        </a:rPr>
-                        <a:t>(((Col – Block size) / </a:t>
-                      </a:r>
-                      <a:r>
-                        <a:rPr lang="en-US" altLang="zh-TW" sz="1400" kern="100" baseline="0" dirty="0" smtClean="0">
-                          <a:effectLst/>
-                          <a:latin typeface="Times New Roman" panose="02020603050405020304" pitchFamily="18" charset="0"/>
-                          <a:ea typeface="標楷體" panose="03000509000000000000" pitchFamily="65" charset="-120"/>
-                          <a:cs typeface="Times New Roman" panose="02020603050405020304" pitchFamily="18" charset="0"/>
-                        </a:rPr>
-                        <a:t>stride) </a:t>
-                      </a:r>
-                      <a:r>
-                        <a:rPr lang="en-US" altLang="zh-TW" sz="1400" kern="100" baseline="0" dirty="0" smtClean="0">
-                          <a:effectLst/>
-                          <a:latin typeface="Times New Roman" panose="02020603050405020304" pitchFamily="18" charset="0"/>
-                          <a:ea typeface="標楷體" panose="03000509000000000000" pitchFamily="65" charset="-120"/>
-                          <a:cs typeface="Times New Roman" panose="02020603050405020304" pitchFamily="18" charset="0"/>
-                        </a:rPr>
-                        <a:t>+ </a:t>
-                      </a:r>
-                      <a:r>
-                        <a:rPr lang="en-US" altLang="zh-TW" sz="1400" kern="100" baseline="0" dirty="0" smtClean="0">
-                          <a:effectLst/>
-                          <a:latin typeface="Times New Roman" panose="02020603050405020304" pitchFamily="18" charset="0"/>
-                          <a:ea typeface="標楷體" panose="03000509000000000000" pitchFamily="65" charset="-120"/>
-                          <a:cs typeface="Times New Roman" panose="02020603050405020304" pitchFamily="18" charset="0"/>
-                        </a:rPr>
-                        <a:t>1) * (Block size / Cell size ) * (Block size / Cell size ) * </a:t>
+                        <a:t>Feature length = (((Row - Block size) / stride) + 1) * (((Col – Block size) / stride) + 1) * (Block size / Cell size ) * (Block size / Cell size ) * </a:t>
                       </a:r>
                       <a:r>
                         <a:rPr lang="en-US" altLang="zh-TW" sz="1400" kern="100" baseline="0" dirty="0" err="1" smtClean="0">
@@ -6473,79 +6377,7 @@
                           <a:ea typeface="標楷體" panose="03000509000000000000" pitchFamily="65" charset="-120"/>
                           <a:cs typeface="Times New Roman" panose="02020603050405020304" pitchFamily="18" charset="0"/>
                         </a:rPr>
-                        <a:t>                        = </a:t>
-                      </a:r>
-                      <a:r>
-                        <a:rPr lang="en-US" altLang="zh-TW" sz="1400" kern="100" baseline="0" dirty="0" smtClean="0">
-                          <a:effectLst/>
-                          <a:latin typeface="Times New Roman" panose="02020603050405020304" pitchFamily="18" charset="0"/>
-                          <a:ea typeface="標楷體" panose="03000509000000000000" pitchFamily="65" charset="-120"/>
-                          <a:cs typeface="Times New Roman" panose="02020603050405020304" pitchFamily="18" charset="0"/>
-                        </a:rPr>
-                        <a:t>(((64 – 16) </a:t>
-                      </a:r>
-                      <a:r>
-                        <a:rPr lang="en-US" altLang="zh-TW" sz="1400" kern="100" baseline="0" dirty="0" smtClean="0">
-                          <a:effectLst/>
-                          <a:latin typeface="Times New Roman" panose="02020603050405020304" pitchFamily="18" charset="0"/>
-                          <a:ea typeface="標楷體" panose="03000509000000000000" pitchFamily="65" charset="-120"/>
-                          <a:cs typeface="Times New Roman" panose="02020603050405020304" pitchFamily="18" charset="0"/>
-                        </a:rPr>
-                        <a:t>/ 8) </a:t>
-                      </a:r>
-                      <a:r>
-                        <a:rPr lang="en-US" altLang="zh-TW" sz="1400" kern="100" baseline="0" dirty="0" smtClean="0">
-                          <a:effectLst/>
-                          <a:latin typeface="Times New Roman" panose="02020603050405020304" pitchFamily="18" charset="0"/>
-                          <a:ea typeface="標楷體" panose="03000509000000000000" pitchFamily="65" charset="-120"/>
-                          <a:cs typeface="Times New Roman" panose="02020603050405020304" pitchFamily="18" charset="0"/>
-                        </a:rPr>
-                        <a:t>+ </a:t>
-                      </a:r>
-                      <a:r>
-                        <a:rPr lang="en-US" altLang="zh-TW" sz="1400" kern="100" baseline="0" dirty="0" smtClean="0">
-                          <a:effectLst/>
-                          <a:latin typeface="Times New Roman" panose="02020603050405020304" pitchFamily="18" charset="0"/>
-                          <a:ea typeface="標楷體" panose="03000509000000000000" pitchFamily="65" charset="-120"/>
-                          <a:cs typeface="Times New Roman" panose="02020603050405020304" pitchFamily="18" charset="0"/>
-                        </a:rPr>
-                        <a:t>1) * </a:t>
-                      </a:r>
-                      <a:r>
-                        <a:rPr lang="en-US" altLang="zh-TW" sz="1400" kern="100" baseline="0" dirty="0" smtClean="0">
-                          <a:effectLst/>
-                          <a:latin typeface="Times New Roman" panose="02020603050405020304" pitchFamily="18" charset="0"/>
-                          <a:ea typeface="標楷體" panose="03000509000000000000" pitchFamily="65" charset="-120"/>
-                          <a:cs typeface="Times New Roman" panose="02020603050405020304" pitchFamily="18" charset="0"/>
-                        </a:rPr>
-                        <a:t>(((64 – 16) </a:t>
-                      </a:r>
-                      <a:r>
-                        <a:rPr lang="en-US" altLang="zh-TW" sz="1400" kern="100" baseline="0" dirty="0" smtClean="0">
-                          <a:effectLst/>
-                          <a:latin typeface="Times New Roman" panose="02020603050405020304" pitchFamily="18" charset="0"/>
-                          <a:ea typeface="標楷體" panose="03000509000000000000" pitchFamily="65" charset="-120"/>
-                          <a:cs typeface="Times New Roman" panose="02020603050405020304" pitchFamily="18" charset="0"/>
-                        </a:rPr>
-                        <a:t>/ 8) </a:t>
-                      </a:r>
-                      <a:r>
-                        <a:rPr lang="en-US" altLang="zh-TW" sz="1400" kern="100" baseline="0" dirty="0" smtClean="0">
-                          <a:effectLst/>
-                          <a:latin typeface="Times New Roman" panose="02020603050405020304" pitchFamily="18" charset="0"/>
-                          <a:ea typeface="標楷體" panose="03000509000000000000" pitchFamily="65" charset="-120"/>
-                          <a:cs typeface="Times New Roman" panose="02020603050405020304" pitchFamily="18" charset="0"/>
-                        </a:rPr>
-                        <a:t>+ </a:t>
-                      </a:r>
-                      <a:r>
-                        <a:rPr lang="en-US" altLang="zh-TW" sz="1400" kern="100" baseline="0" dirty="0" smtClean="0">
-                          <a:effectLst/>
-                          <a:latin typeface="Times New Roman" panose="02020603050405020304" pitchFamily="18" charset="0"/>
-                          <a:ea typeface="標楷體" panose="03000509000000000000" pitchFamily="65" charset="-120"/>
-                          <a:cs typeface="Times New Roman" panose="02020603050405020304" pitchFamily="18" charset="0"/>
-                        </a:rPr>
-                        <a:t>1) * (16 / 8) * (16 / 8) * 9 = 7 * 7 * 2 * 2 * 9 = 1764</a:t>
+                        <a:t>                        = (((64 – 16) / 8) + 1) * (((64 – 16) / 8) + 1) * (16 / 8) * (16 / 8) * 9 = 7 * 7 * 2 * 2 * 9 = 1764</a:t>
                       </a:r>
                       <a:endParaRPr lang="zh-TW" altLang="zh-TW" sz="1400" kern="100" baseline="0" dirty="0" smtClean="0">
                         <a:effectLst/>

--- a/final/基於分散式網路架構訓練階層式分類模型.pptx
+++ b/final/基於分散式網路架構訓練階層式分類模型.pptx
@@ -4793,7 +4793,7 @@
           <p:nvPr>
             <p:extLst>
               <p:ext uri="{D42A27DB-BD31-4B8C-83A1-F6EECF244321}">
-                <p14:modId xmlns:p14="http://schemas.microsoft.com/office/powerpoint/2010/main" val="4162889605"/>
+                <p14:modId xmlns:p14="http://schemas.microsoft.com/office/powerpoint/2010/main" val="2201627113"/>
               </p:ext>
             </p:extLst>
           </p:nvPr>
@@ -5102,8 +5102,14 @@
                           <a:ea typeface="標楷體" panose="03000509000000000000" pitchFamily="65" charset="-120"/>
                           <a:cs typeface="Times New Roman" panose="02020603050405020304" pitchFamily="18" charset="0"/>
                         </a:rPr>
-                        <a:t>Array&lt;float&gt;</a:t>
+                        <a:t>Array&lt;Array&lt;float&gt;&gt;</a:t>
                       </a:r>
+                      <a:endParaRPr lang="en-US" altLang="zh-TW" sz="1400" kern="100" baseline="0" dirty="0" smtClean="0">
+                        <a:effectLst/>
+                        <a:latin typeface="Times New Roman" panose="02020603050405020304" pitchFamily="18" charset="0"/>
+                        <a:ea typeface="標楷體" panose="03000509000000000000" pitchFamily="65" charset="-120"/>
+                        <a:cs typeface="Times New Roman" panose="02020603050405020304" pitchFamily="18" charset="0"/>
+                      </a:endParaRPr>
                     </a:p>
                     <a:p>
                       <a:pPr marL="0" marR="0" indent="0" algn="l" defTabSz="914400" rtl="0" eaLnBrk="1" fontAlgn="auto" latinLnBrk="0" hangingPunct="1">

--- a/final/基於分散式網路架構訓練階層式分類模型.pptx
+++ b/final/基於分散式網路架構訓練階層式分類模型.pptx
@@ -5,10 +5,10 @@
     <p:sldMasterId id="2147483648" r:id="rId1"/>
   </p:sldMasterIdLst>
   <p:notesMasterIdLst>
-    <p:notesMasterId r:id="rId18"/>
+    <p:notesMasterId r:id="rId19"/>
   </p:notesMasterIdLst>
   <p:handoutMasterIdLst>
-    <p:handoutMasterId r:id="rId19"/>
+    <p:handoutMasterId r:id="rId20"/>
   </p:handoutMasterIdLst>
   <p:sldIdLst>
     <p:sldId id="259" r:id="rId2"/>
@@ -27,6 +27,7 @@
     <p:sldId id="274" r:id="rId15"/>
     <p:sldId id="275" r:id="rId16"/>
     <p:sldId id="276" r:id="rId17"/>
+    <p:sldId id="277" r:id="rId18"/>
   </p:sldIdLst>
   <p:sldSz cx="12192000" cy="6858000"/>
   <p:notesSz cx="6858000" cy="9144000"/>
@@ -5104,12 +5105,6 @@
                         </a:rPr>
                         <a:t>Array&lt;Array&lt;float&gt;&gt;</a:t>
                       </a:r>
-                      <a:endParaRPr lang="en-US" altLang="zh-TW" sz="1400" kern="100" baseline="0" dirty="0" smtClean="0">
-                        <a:effectLst/>
-                        <a:latin typeface="Times New Roman" panose="02020603050405020304" pitchFamily="18" charset="0"/>
-                        <a:ea typeface="標楷體" panose="03000509000000000000" pitchFamily="65" charset="-120"/>
-                        <a:cs typeface="Times New Roman" panose="02020603050405020304" pitchFamily="18" charset="0"/>
-                      </a:endParaRPr>
                     </a:p>
                     <a:p>
                       <a:pPr marL="0" marR="0" indent="0" algn="l" defTabSz="914400" rtl="0" eaLnBrk="1" fontAlgn="auto" latinLnBrk="0" hangingPunct="1">
@@ -6695,6 +6690,379 @@
           <a:chExt cx="0" cy="0"/>
         </a:xfrm>
       </p:grpSpPr>
+      <p:graphicFrame>
+        <p:nvGraphicFramePr>
+          <p:cNvPr id="10" name="表格 9"/>
+          <p:cNvGraphicFramePr>
+            <a:graphicFrameLocks noGrp="1"/>
+          </p:cNvGraphicFramePr>
+          <p:nvPr>
+            <p:extLst>
+              <p:ext uri="{D42A27DB-BD31-4B8C-83A1-F6EECF244321}">
+                <p14:modId xmlns:p14="http://schemas.microsoft.com/office/powerpoint/2010/main" val="888762394"/>
+              </p:ext>
+            </p:extLst>
+          </p:nvPr>
+        </p:nvGraphicFramePr>
+        <p:xfrm>
+          <a:off x="6251512" y="1201847"/>
+          <a:ext cx="5102289" cy="5037778"/>
+        </p:xfrm>
+        <a:graphic>
+          <a:graphicData uri="http://schemas.openxmlformats.org/drawingml/2006/table">
+            <a:tbl>
+              <a:tblPr firstRow="1" bandRow="1">
+                <a:tableStyleId>{5C22544A-7EE6-4342-B048-85BDC9FD1C3A}</a:tableStyleId>
+              </a:tblPr>
+              <a:tblGrid>
+                <a:gridCol w="1700763">
+                  <a:extLst>
+                    <a:ext uri="{9D8B030D-6E8A-4147-A177-3AD203B41FA5}">
+                      <a16:colId xmlns:a16="http://schemas.microsoft.com/office/drawing/2014/main" val="182698829"/>
+                    </a:ext>
+                  </a:extLst>
+                </a:gridCol>
+                <a:gridCol w="1700763">
+                  <a:extLst>
+                    <a:ext uri="{9D8B030D-6E8A-4147-A177-3AD203B41FA5}">
+                      <a16:colId xmlns:a16="http://schemas.microsoft.com/office/drawing/2014/main" val="3866540101"/>
+                    </a:ext>
+                  </a:extLst>
+                </a:gridCol>
+                <a:gridCol w="1700763">
+                  <a:extLst>
+                    <a:ext uri="{9D8B030D-6E8A-4147-A177-3AD203B41FA5}">
+                      <a16:colId xmlns:a16="http://schemas.microsoft.com/office/drawing/2014/main" val="2394120808"/>
+                    </a:ext>
+                  </a:extLst>
+                </a:gridCol>
+              </a:tblGrid>
+              <a:tr h="749691">
+                <a:tc>
+                  <a:txBody>
+                    <a:bodyPr/>
+                    <a:lstStyle/>
+                    <a:p>
+                      <a:pPr algn="ctr"/>
+                      <a:r>
+                        <a:rPr lang="zh-TW" altLang="en-US" dirty="0" smtClean="0">
+                          <a:latin typeface="標楷體" panose="03000509000000000000" pitchFamily="65" charset="-120"/>
+                          <a:ea typeface="標楷體" panose="03000509000000000000" pitchFamily="65" charset="-120"/>
+                        </a:rPr>
+                        <a:t>舉例</a:t>
+                      </a:r>
+                      <a:endParaRPr lang="zh-TW" altLang="en-US" dirty="0">
+                        <a:latin typeface="標楷體" panose="03000509000000000000" pitchFamily="65" charset="-120"/>
+                        <a:ea typeface="標楷體" panose="03000509000000000000" pitchFamily="65" charset="-120"/>
+                      </a:endParaRPr>
+                    </a:p>
+                  </a:txBody>
+                  <a:tcPr anchor="ctr"/>
+                </a:tc>
+                <a:tc>
+                  <a:txBody>
+                    <a:bodyPr/>
+                    <a:lstStyle/>
+                    <a:p>
+                      <a:pPr algn="ctr"/>
+                      <a:r>
+                        <a:rPr lang="zh-TW" altLang="en-US" dirty="0" smtClean="0">
+                          <a:latin typeface="標楷體" panose="03000509000000000000" pitchFamily="65" charset="-120"/>
+                          <a:ea typeface="標楷體" panose="03000509000000000000" pitchFamily="65" charset="-120"/>
+                        </a:rPr>
+                        <a:t>預測</a:t>
+                      </a:r>
+                      <a:endParaRPr lang="zh-TW" altLang="en-US" dirty="0">
+                        <a:latin typeface="標楷體" panose="03000509000000000000" pitchFamily="65" charset="-120"/>
+                        <a:ea typeface="標楷體" panose="03000509000000000000" pitchFamily="65" charset="-120"/>
+                      </a:endParaRPr>
+                    </a:p>
+                  </a:txBody>
+                  <a:tcPr anchor="ctr"/>
+                </a:tc>
+                <a:tc>
+                  <a:txBody>
+                    <a:bodyPr/>
+                    <a:lstStyle/>
+                    <a:p>
+                      <a:pPr algn="ctr"/>
+                      <a:r>
+                        <a:rPr lang="zh-TW" altLang="en-US" dirty="0" smtClean="0">
+                          <a:latin typeface="標楷體" panose="03000509000000000000" pitchFamily="65" charset="-120"/>
+                          <a:ea typeface="標楷體" panose="03000509000000000000" pitchFamily="65" charset="-120"/>
+                        </a:rPr>
+                        <a:t>所屬區域</a:t>
+                      </a:r>
+                      <a:endParaRPr lang="zh-TW" altLang="en-US" dirty="0">
+                        <a:latin typeface="標楷體" panose="03000509000000000000" pitchFamily="65" charset="-120"/>
+                        <a:ea typeface="標楷體" panose="03000509000000000000" pitchFamily="65" charset="-120"/>
+                      </a:endParaRPr>
+                    </a:p>
+                  </a:txBody>
+                  <a:tcPr anchor="ctr"/>
+                </a:tc>
+                <a:extLst>
+                  <a:ext uri="{0D108BD9-81ED-4DB2-BD59-A6C34878D82A}">
+                    <a16:rowId xmlns:a16="http://schemas.microsoft.com/office/drawing/2014/main" val="285117896"/>
+                  </a:ext>
+                </a:extLst>
+              </a:tr>
+              <a:tr h="828821">
+                <a:tc>
+                  <a:txBody>
+                    <a:bodyPr/>
+                    <a:lstStyle/>
+                    <a:p>
+                      <a:pPr algn="ctr"/>
+                      <a:endParaRPr lang="zh-TW" altLang="en-US" dirty="0">
+                        <a:latin typeface="標楷體" panose="03000509000000000000" pitchFamily="65" charset="-120"/>
+                        <a:ea typeface="標楷體" panose="03000509000000000000" pitchFamily="65" charset="-120"/>
+                      </a:endParaRPr>
+                    </a:p>
+                  </a:txBody>
+                  <a:tcPr anchor="ctr"/>
+                </a:tc>
+                <a:tc>
+                  <a:txBody>
+                    <a:bodyPr/>
+                    <a:lstStyle/>
+                    <a:p>
+                      <a:pPr algn="ctr"/>
+                      <a:r>
+                        <a:rPr lang="zh-TW" altLang="en-US" dirty="0" smtClean="0">
+                          <a:latin typeface="標楷體" panose="03000509000000000000" pitchFamily="65" charset="-120"/>
+                          <a:ea typeface="標楷體" panose="03000509000000000000" pitchFamily="65" charset="-120"/>
+                        </a:rPr>
+                        <a:t>車</a:t>
+                      </a:r>
+                      <a:endParaRPr lang="zh-TW" altLang="en-US" dirty="0">
+                        <a:latin typeface="標楷體" panose="03000509000000000000" pitchFamily="65" charset="-120"/>
+                        <a:ea typeface="標楷體" panose="03000509000000000000" pitchFamily="65" charset="-120"/>
+                      </a:endParaRPr>
+                    </a:p>
+                  </a:txBody>
+                  <a:tcPr anchor="ctr"/>
+                </a:tc>
+                <a:tc>
+                  <a:txBody>
+                    <a:bodyPr/>
+                    <a:lstStyle/>
+                    <a:p>
+                      <a:pPr algn="ctr"/>
+                      <a:r>
+                        <a:rPr lang="en-US" altLang="zh-TW" dirty="0" smtClean="0">
+                          <a:latin typeface="標楷體" panose="03000509000000000000" pitchFamily="65" charset="-120"/>
+                          <a:ea typeface="標楷體" panose="03000509000000000000" pitchFamily="65" charset="-120"/>
+                        </a:rPr>
+                        <a:t>TP</a:t>
+                      </a:r>
+                      <a:endParaRPr lang="zh-TW" altLang="en-US" dirty="0">
+                        <a:latin typeface="標楷體" panose="03000509000000000000" pitchFamily="65" charset="-120"/>
+                        <a:ea typeface="標楷體" panose="03000509000000000000" pitchFamily="65" charset="-120"/>
+                      </a:endParaRPr>
+                    </a:p>
+                  </a:txBody>
+                  <a:tcPr anchor="ctr"/>
+                </a:tc>
+                <a:extLst>
+                  <a:ext uri="{0D108BD9-81ED-4DB2-BD59-A6C34878D82A}">
+                    <a16:rowId xmlns:a16="http://schemas.microsoft.com/office/drawing/2014/main" val="917162741"/>
+                  </a:ext>
+                </a:extLst>
+              </a:tr>
+              <a:tr h="1023456">
+                <a:tc>
+                  <a:txBody>
+                    <a:bodyPr/>
+                    <a:lstStyle/>
+                    <a:p>
+                      <a:pPr algn="ctr"/>
+                      <a:endParaRPr lang="zh-TW" altLang="en-US" dirty="0">
+                        <a:latin typeface="標楷體" panose="03000509000000000000" pitchFamily="65" charset="-120"/>
+                        <a:ea typeface="標楷體" panose="03000509000000000000" pitchFamily="65" charset="-120"/>
+                      </a:endParaRPr>
+                    </a:p>
+                  </a:txBody>
+                  <a:tcPr anchor="ctr"/>
+                </a:tc>
+                <a:tc>
+                  <a:txBody>
+                    <a:bodyPr/>
+                    <a:lstStyle/>
+                    <a:p>
+                      <a:pPr algn="ctr"/>
+                      <a:r>
+                        <a:rPr lang="zh-TW" altLang="en-US" dirty="0" smtClean="0">
+                          <a:latin typeface="標楷體" panose="03000509000000000000" pitchFamily="65" charset="-120"/>
+                          <a:ea typeface="標楷體" panose="03000509000000000000" pitchFamily="65" charset="-120"/>
+                        </a:rPr>
+                        <a:t>貨車</a:t>
+                      </a:r>
+                      <a:endParaRPr lang="zh-TW" altLang="en-US" dirty="0">
+                        <a:latin typeface="標楷體" panose="03000509000000000000" pitchFamily="65" charset="-120"/>
+                        <a:ea typeface="標楷體" panose="03000509000000000000" pitchFamily="65" charset="-120"/>
+                      </a:endParaRPr>
+                    </a:p>
+                  </a:txBody>
+                  <a:tcPr anchor="ctr"/>
+                </a:tc>
+                <a:tc>
+                  <a:txBody>
+                    <a:bodyPr/>
+                    <a:lstStyle/>
+                    <a:p>
+                      <a:pPr algn="ctr"/>
+                      <a:r>
+                        <a:rPr lang="en-US" altLang="zh-TW" dirty="0" smtClean="0">
+                          <a:latin typeface="標楷體" panose="03000509000000000000" pitchFamily="65" charset="-120"/>
+                          <a:ea typeface="標楷體" panose="03000509000000000000" pitchFamily="65" charset="-120"/>
+                        </a:rPr>
+                        <a:t>FN</a:t>
+                      </a:r>
+                      <a:endParaRPr lang="zh-TW" altLang="en-US" dirty="0">
+                        <a:latin typeface="標楷體" panose="03000509000000000000" pitchFamily="65" charset="-120"/>
+                        <a:ea typeface="標楷體" panose="03000509000000000000" pitchFamily="65" charset="-120"/>
+                      </a:endParaRPr>
+                    </a:p>
+                  </a:txBody>
+                  <a:tcPr anchor="ctr"/>
+                </a:tc>
+                <a:extLst>
+                  <a:ext uri="{0D108BD9-81ED-4DB2-BD59-A6C34878D82A}">
+                    <a16:rowId xmlns:a16="http://schemas.microsoft.com/office/drawing/2014/main" val="2575151596"/>
+                  </a:ext>
+                </a:extLst>
+              </a:tr>
+              <a:tr h="1412354">
+                <a:tc>
+                  <a:txBody>
+                    <a:bodyPr/>
+                    <a:lstStyle/>
+                    <a:p>
+                      <a:pPr algn="ctr"/>
+                      <a:endParaRPr lang="zh-TW" altLang="en-US">
+                        <a:latin typeface="標楷體" panose="03000509000000000000" pitchFamily="65" charset="-120"/>
+                        <a:ea typeface="標楷體" panose="03000509000000000000" pitchFamily="65" charset="-120"/>
+                      </a:endParaRPr>
+                    </a:p>
+                  </a:txBody>
+                  <a:tcPr anchor="ctr"/>
+                </a:tc>
+                <a:tc>
+                  <a:txBody>
+                    <a:bodyPr/>
+                    <a:lstStyle/>
+                    <a:p>
+                      <a:pPr algn="ctr"/>
+                      <a:r>
+                        <a:rPr lang="zh-TW" altLang="en-US" dirty="0" smtClean="0">
+                          <a:latin typeface="標楷體" panose="03000509000000000000" pitchFamily="65" charset="-120"/>
+                          <a:ea typeface="標楷體" panose="03000509000000000000" pitchFamily="65" charset="-120"/>
+                        </a:rPr>
+                        <a:t>車</a:t>
+                      </a:r>
+                      <a:endParaRPr lang="zh-TW" altLang="en-US" dirty="0">
+                        <a:latin typeface="標楷體" panose="03000509000000000000" pitchFamily="65" charset="-120"/>
+                        <a:ea typeface="標楷體" panose="03000509000000000000" pitchFamily="65" charset="-120"/>
+                      </a:endParaRPr>
+                    </a:p>
+                  </a:txBody>
+                  <a:tcPr anchor="ctr"/>
+                </a:tc>
+                <a:tc>
+                  <a:txBody>
+                    <a:bodyPr/>
+                    <a:lstStyle/>
+                    <a:p>
+                      <a:pPr algn="ctr"/>
+                      <a:r>
+                        <a:rPr lang="en-US" altLang="zh-TW" dirty="0" smtClean="0">
+                          <a:latin typeface="標楷體" panose="03000509000000000000" pitchFamily="65" charset="-120"/>
+                          <a:ea typeface="標楷體" panose="03000509000000000000" pitchFamily="65" charset="-120"/>
+                        </a:rPr>
+                        <a:t>FP</a:t>
+                      </a:r>
+                      <a:endParaRPr lang="zh-TW" altLang="en-US" dirty="0">
+                        <a:latin typeface="標楷體" panose="03000509000000000000" pitchFamily="65" charset="-120"/>
+                        <a:ea typeface="標楷體" panose="03000509000000000000" pitchFamily="65" charset="-120"/>
+                      </a:endParaRPr>
+                    </a:p>
+                  </a:txBody>
+                  <a:tcPr anchor="ctr"/>
+                </a:tc>
+                <a:extLst>
+                  <a:ext uri="{0D108BD9-81ED-4DB2-BD59-A6C34878D82A}">
+                    <a16:rowId xmlns:a16="http://schemas.microsoft.com/office/drawing/2014/main" val="3155558755"/>
+                  </a:ext>
+                </a:extLst>
+              </a:tr>
+              <a:tr h="1023456">
+                <a:tc>
+                  <a:txBody>
+                    <a:bodyPr/>
+                    <a:lstStyle/>
+                    <a:p>
+                      <a:pPr algn="ctr"/>
+                      <a:endParaRPr lang="zh-TW" altLang="en-US">
+                        <a:latin typeface="標楷體" panose="03000509000000000000" pitchFamily="65" charset="-120"/>
+                        <a:ea typeface="標楷體" panose="03000509000000000000" pitchFamily="65" charset="-120"/>
+                      </a:endParaRPr>
+                    </a:p>
+                  </a:txBody>
+                  <a:tcPr anchor="ctr"/>
+                </a:tc>
+                <a:tc>
+                  <a:txBody>
+                    <a:bodyPr/>
+                    <a:lstStyle/>
+                    <a:p>
+                      <a:pPr algn="ctr"/>
+                      <a:r>
+                        <a:rPr lang="zh-TW" altLang="en-US" dirty="0" smtClean="0">
+                          <a:latin typeface="標楷體" panose="03000509000000000000" pitchFamily="65" charset="-120"/>
+                          <a:ea typeface="標楷體" panose="03000509000000000000" pitchFamily="65" charset="-120"/>
+                        </a:rPr>
+                        <a:t>機車</a:t>
+                      </a:r>
+                      <a:endParaRPr lang="zh-TW" altLang="en-US" dirty="0">
+                        <a:latin typeface="標楷體" panose="03000509000000000000" pitchFamily="65" charset="-120"/>
+                        <a:ea typeface="標楷體" panose="03000509000000000000" pitchFamily="65" charset="-120"/>
+                      </a:endParaRPr>
+                    </a:p>
+                  </a:txBody>
+                  <a:tcPr anchor="ctr"/>
+                </a:tc>
+                <a:tc>
+                  <a:txBody>
+                    <a:bodyPr/>
+                    <a:lstStyle/>
+                    <a:p>
+                      <a:pPr algn="ctr"/>
+                      <a:r>
+                        <a:rPr lang="en-US" altLang="zh-TW" dirty="0" smtClean="0">
+                          <a:latin typeface="標楷體" panose="03000509000000000000" pitchFamily="65" charset="-120"/>
+                          <a:ea typeface="標楷體" panose="03000509000000000000" pitchFamily="65" charset="-120"/>
+                        </a:rPr>
+                        <a:t>TN</a:t>
+                      </a:r>
+                      <a:endParaRPr lang="zh-TW" altLang="en-US" dirty="0">
+                        <a:latin typeface="標楷體" panose="03000509000000000000" pitchFamily="65" charset="-120"/>
+                        <a:ea typeface="標楷體" panose="03000509000000000000" pitchFamily="65" charset="-120"/>
+                      </a:endParaRPr>
+                    </a:p>
+                  </a:txBody>
+                  <a:tcPr anchor="ctr"/>
+                </a:tc>
+                <a:extLst>
+                  <a:ext uri="{0D108BD9-81ED-4DB2-BD59-A6C34878D82A}">
+                    <a16:rowId xmlns:a16="http://schemas.microsoft.com/office/drawing/2014/main" val="1217933245"/>
+                  </a:ext>
+                </a:extLst>
+              </a:tr>
+            </a:tbl>
+          </a:graphicData>
+        </a:graphic>
+      </p:graphicFrame>
       <p:sp>
         <p:nvSpPr>
           <p:cNvPr id="3" name="標題 2"/>
@@ -6712,6 +7080,938 @@
           <a:p>
             <a:r>
               <a:rPr lang="zh-TW" altLang="en-US" dirty="0" smtClean="0"/>
+              <a:t>設計 </a:t>
+            </a:r>
+            <a:r>
+              <a:rPr lang="en-US" altLang="zh-TW" dirty="0" smtClean="0"/>
+              <a:t>–</a:t>
+            </a:r>
+            <a:r>
+              <a:rPr lang="zh-TW" altLang="en-US" dirty="0" smtClean="0"/>
+              <a:t> 評分標準</a:t>
+            </a:r>
+            <a:endParaRPr lang="zh-TW" altLang="en-US" dirty="0"/>
+          </a:p>
+        </p:txBody>
+      </p:sp>
+      <mc:AlternateContent xmlns:mc="http://schemas.openxmlformats.org/markup-compatibility/2006">
+        <mc:Choice xmlns:a14="http://schemas.microsoft.com/office/drawing/2010/main" Requires="a14">
+          <p:sp>
+            <p:nvSpPr>
+              <p:cNvPr id="2" name="內容版面配置區 1"/>
+              <p:cNvSpPr>
+                <a:spLocks noGrp="1"/>
+              </p:cNvSpPr>
+              <p:nvPr>
+                <p:ph idx="1"/>
+              </p:nvPr>
+            </p:nvSpPr>
+            <p:spPr/>
+            <p:txBody>
+              <a:bodyPr/>
+              <a:lstStyle/>
+              <a:p>
+                <a:r>
+                  <a:rPr lang="zh-TW" altLang="en-US" dirty="0" smtClean="0"/>
+                  <a:t>物件</a:t>
+                </a:r>
+                <a:r>
+                  <a:rPr lang="zh-TW" altLang="en-US" dirty="0"/>
+                  <a:t>辨識</a:t>
+                </a:r>
+                <a:r>
+                  <a:rPr lang="zh-TW" altLang="en-US" dirty="0" smtClean="0"/>
+                  <a:t>率</a:t>
+                </a:r>
+                <a:endParaRPr lang="en-US" altLang="zh-TW" dirty="0" smtClean="0"/>
+              </a:p>
+              <a:p>
+                <a:endParaRPr lang="en-US" altLang="zh-TW" dirty="0">
+                  <a:latin typeface="標楷體" panose="03000509000000000000" pitchFamily="65" charset="-120"/>
+                </a:endParaRPr>
+              </a:p>
+              <a:p>
+                <a:endParaRPr lang="en-US" altLang="zh-TW" dirty="0" smtClean="0">
+                  <a:latin typeface="標楷體" panose="03000509000000000000" pitchFamily="65" charset="-120"/>
+                </a:endParaRPr>
+              </a:p>
+              <a:p>
+                <a:endParaRPr lang="en-US" altLang="zh-TW" dirty="0">
+                  <a:latin typeface="標楷體" panose="03000509000000000000" pitchFamily="65" charset="-120"/>
+                </a:endParaRPr>
+              </a:p>
+              <a:p>
+                <a:endParaRPr lang="en-US" altLang="zh-TW" dirty="0" smtClean="0">
+                  <a:latin typeface="標楷體" panose="03000509000000000000" pitchFamily="65" charset="-120"/>
+                </a:endParaRPr>
+              </a:p>
+              <a:p>
+                <a:endParaRPr lang="en-US" altLang="zh-TW" dirty="0">
+                  <a:latin typeface="標楷體" panose="03000509000000000000" pitchFamily="65" charset="-120"/>
+                </a:endParaRPr>
+              </a:p>
+              <a:p>
+                <a:endParaRPr lang="en-US" altLang="zh-TW" dirty="0" smtClean="0">
+                  <a:latin typeface="標楷體" panose="03000509000000000000" pitchFamily="65" charset="-120"/>
+                </a:endParaRPr>
+              </a:p>
+              <a:p>
+                <a:endParaRPr lang="en-US" altLang="zh-TW" dirty="0">
+                  <a:latin typeface="標楷體" panose="03000509000000000000" pitchFamily="65" charset="-120"/>
+                </a:endParaRPr>
+              </a:p>
+              <a:p>
+                <a:endParaRPr lang="en-US" altLang="zh-TW" dirty="0" smtClean="0">
+                  <a:latin typeface="標楷體" panose="03000509000000000000" pitchFamily="65" charset="-120"/>
+                </a:endParaRPr>
+              </a:p>
+              <a:p>
+                <a:endParaRPr lang="en-US" altLang="zh-TW" dirty="0">
+                  <a:latin typeface="標楷體" panose="03000509000000000000" pitchFamily="65" charset="-120"/>
+                </a:endParaRPr>
+              </a:p>
+              <a:p>
+                <a:r>
+                  <a:rPr lang="zh-TW" altLang="en-US" dirty="0" smtClean="0">
+                    <a:latin typeface="標楷體" panose="03000509000000000000" pitchFamily="65" charset="-120"/>
+                  </a:rPr>
+                  <a:t>正確</a:t>
+                </a:r>
+                <a:r>
+                  <a:rPr lang="zh-TW" altLang="en-US" dirty="0">
+                    <a:latin typeface="標楷體" panose="03000509000000000000" pitchFamily="65" charset="-120"/>
+                  </a:rPr>
+                  <a:t>率</a:t>
+                </a:r>
+                <a:r>
+                  <a:rPr lang="en-US" altLang="zh-TW" dirty="0" smtClean="0">
+                    <a:latin typeface="標楷體" panose="03000509000000000000" pitchFamily="65" charset="-120"/>
+                  </a:rPr>
+                  <a:t>Accuracy</a:t>
+                </a:r>
+                <a:r>
+                  <a:rPr lang="zh-TW" altLang="en-US" dirty="0">
+                    <a:latin typeface="標楷體" panose="03000509000000000000" pitchFamily="65" charset="-120"/>
+                  </a:rPr>
+                  <a:t>：</a:t>
+                </a:r>
+                <a14:m>
+                  <m:oMath xmlns:m="http://schemas.openxmlformats.org/officeDocument/2006/math">
+                    <m:f>
+                      <m:fPr>
+                        <m:ctrlPr>
+                          <a:rPr lang="en-US" altLang="zh-TW" i="1">
+                            <a:latin typeface="Cambria Math" panose="02040503050406030204" pitchFamily="18" charset="0"/>
+                          </a:rPr>
+                        </m:ctrlPr>
+                      </m:fPr>
+                      <m:num>
+                        <m:r>
+                          <a:rPr lang="en-US" altLang="zh-TW" i="1">
+                            <a:latin typeface="Cambria Math" panose="02040503050406030204" pitchFamily="18" charset="0"/>
+                          </a:rPr>
+                          <m:t>𝑇𝑃</m:t>
+                        </m:r>
+                        <m:r>
+                          <a:rPr lang="en-US" altLang="zh-TW" i="1">
+                            <a:latin typeface="Cambria Math" panose="02040503050406030204" pitchFamily="18" charset="0"/>
+                          </a:rPr>
+                          <m:t>+</m:t>
+                        </m:r>
+                        <m:r>
+                          <a:rPr lang="en-US" altLang="zh-TW" i="1">
+                            <a:latin typeface="Cambria Math" panose="02040503050406030204" pitchFamily="18" charset="0"/>
+                          </a:rPr>
+                          <m:t>𝑇𝑁</m:t>
+                        </m:r>
+                      </m:num>
+                      <m:den>
+                        <m:r>
+                          <a:rPr lang="en-US" altLang="zh-TW" i="1">
+                            <a:latin typeface="Cambria Math" panose="02040503050406030204" pitchFamily="18" charset="0"/>
+                          </a:rPr>
+                          <m:t>𝑇𝑜𝑡𝑎𝑙</m:t>
+                        </m:r>
+                      </m:den>
+                    </m:f>
+                  </m:oMath>
+                </a14:m>
+                <a:endParaRPr lang="en-US" altLang="zh-TW" dirty="0"/>
+              </a:p>
+              <a:p>
+                <a:endParaRPr lang="en-US" altLang="zh-TW" dirty="0"/>
+              </a:p>
+              <a:p>
+                <a:r>
+                  <a:rPr lang="zh-TW" altLang="en-US" dirty="0" smtClean="0">
+                    <a:latin typeface="標楷體" panose="03000509000000000000" pitchFamily="65" charset="-120"/>
+                  </a:rPr>
+                  <a:t>精確率</a:t>
+                </a:r>
+                <a:r>
+                  <a:rPr lang="en-US" altLang="zh-TW" dirty="0" smtClean="0">
+                    <a:latin typeface="標楷體" panose="03000509000000000000" pitchFamily="65" charset="-120"/>
+                  </a:rPr>
+                  <a:t>Precision</a:t>
+                </a:r>
+                <a:r>
+                  <a:rPr lang="zh-TW" altLang="en-US" dirty="0">
+                    <a:latin typeface="標楷體" panose="03000509000000000000" pitchFamily="65" charset="-120"/>
+                  </a:rPr>
+                  <a:t>：</a:t>
+                </a:r>
+                <a14:m>
+                  <m:oMath xmlns:m="http://schemas.openxmlformats.org/officeDocument/2006/math">
+                    <m:f>
+                      <m:fPr>
+                        <m:ctrlPr>
+                          <a:rPr lang="en-US" altLang="zh-TW" i="1">
+                            <a:latin typeface="Cambria Math" panose="02040503050406030204" pitchFamily="18" charset="0"/>
+                          </a:rPr>
+                        </m:ctrlPr>
+                      </m:fPr>
+                      <m:num>
+                        <m:r>
+                          <a:rPr lang="en-US" altLang="zh-TW" i="1">
+                            <a:latin typeface="Cambria Math" panose="02040503050406030204" pitchFamily="18" charset="0"/>
+                          </a:rPr>
+                          <m:t>𝑇𝑃</m:t>
+                        </m:r>
+                      </m:num>
+                      <m:den>
+                        <m:r>
+                          <a:rPr lang="en-US" altLang="zh-TW" i="1">
+                            <a:latin typeface="Cambria Math" panose="02040503050406030204" pitchFamily="18" charset="0"/>
+                          </a:rPr>
+                          <m:t>𝑇𝑃</m:t>
+                        </m:r>
+                        <m:r>
+                          <a:rPr lang="en-US" altLang="zh-TW" i="1">
+                            <a:latin typeface="Cambria Math" panose="02040503050406030204" pitchFamily="18" charset="0"/>
+                          </a:rPr>
+                          <m:t>+</m:t>
+                        </m:r>
+                        <m:r>
+                          <a:rPr lang="en-US" altLang="zh-TW" i="1">
+                            <a:latin typeface="Cambria Math" panose="02040503050406030204" pitchFamily="18" charset="0"/>
+                          </a:rPr>
+                          <m:t>𝐹𝑃</m:t>
+                        </m:r>
+                      </m:den>
+                    </m:f>
+                  </m:oMath>
+                </a14:m>
+                <a:endParaRPr lang="en-US" altLang="zh-TW" dirty="0"/>
+              </a:p>
+              <a:p>
+                <a:endParaRPr lang="en-US" altLang="zh-TW" dirty="0"/>
+              </a:p>
+              <a:p>
+                <a:r>
+                  <a:rPr lang="zh-TW" altLang="en-US" dirty="0" smtClean="0">
+                    <a:latin typeface="標楷體" panose="03000509000000000000" pitchFamily="65" charset="-120"/>
+                  </a:rPr>
+                  <a:t>召回率</a:t>
+                </a:r>
+                <a:r>
+                  <a:rPr lang="en-US" altLang="zh-TW" dirty="0" smtClean="0">
+                    <a:latin typeface="標楷體" panose="03000509000000000000" pitchFamily="65" charset="-120"/>
+                  </a:rPr>
+                  <a:t>Recall</a:t>
+                </a:r>
+                <a:r>
+                  <a:rPr lang="zh-TW" altLang="en-US" dirty="0">
+                    <a:latin typeface="標楷體" panose="03000509000000000000" pitchFamily="65" charset="-120"/>
+                  </a:rPr>
+                  <a:t>：</a:t>
+                </a:r>
+                <a14:m>
+                  <m:oMath xmlns:m="http://schemas.openxmlformats.org/officeDocument/2006/math">
+                    <m:f>
+                      <m:fPr>
+                        <m:ctrlPr>
+                          <a:rPr lang="en-US" altLang="zh-TW" i="1">
+                            <a:latin typeface="Cambria Math" panose="02040503050406030204" pitchFamily="18" charset="0"/>
+                          </a:rPr>
+                        </m:ctrlPr>
+                      </m:fPr>
+                      <m:num>
+                        <m:r>
+                          <a:rPr lang="en-US" altLang="zh-TW" i="1">
+                            <a:latin typeface="Cambria Math" panose="02040503050406030204" pitchFamily="18" charset="0"/>
+                          </a:rPr>
+                          <m:t>𝑇𝑃</m:t>
+                        </m:r>
+                      </m:num>
+                      <m:den>
+                        <m:r>
+                          <a:rPr lang="en-US" altLang="zh-TW" i="1">
+                            <a:latin typeface="Cambria Math" panose="02040503050406030204" pitchFamily="18" charset="0"/>
+                          </a:rPr>
+                          <m:t>𝑇𝑃</m:t>
+                        </m:r>
+                        <m:r>
+                          <a:rPr lang="en-US" altLang="zh-TW" i="1">
+                            <a:latin typeface="Cambria Math" panose="02040503050406030204" pitchFamily="18" charset="0"/>
+                          </a:rPr>
+                          <m:t>+</m:t>
+                        </m:r>
+                        <m:r>
+                          <a:rPr lang="en-US" altLang="zh-TW" i="1">
+                            <a:latin typeface="Cambria Math" panose="02040503050406030204" pitchFamily="18" charset="0"/>
+                          </a:rPr>
+                          <m:t>𝐹𝑁</m:t>
+                        </m:r>
+                      </m:den>
+                    </m:f>
+                  </m:oMath>
+                </a14:m>
+                <a:endParaRPr lang="en-US" altLang="zh-TW" dirty="0"/>
+              </a:p>
+              <a:p>
+                <a:endParaRPr lang="en-US" altLang="zh-TW" dirty="0"/>
+              </a:p>
+              <a:p>
+                <a:r>
+                  <a:rPr lang="en-US" altLang="zh-TW" dirty="0">
+                    <a:latin typeface="標楷體" panose="03000509000000000000" pitchFamily="65" charset="-120"/>
+                  </a:rPr>
+                  <a:t>F1 Score</a:t>
+                </a:r>
+                <a:r>
+                  <a:rPr lang="zh-TW" altLang="en-US" dirty="0">
+                    <a:latin typeface="標楷體" panose="03000509000000000000" pitchFamily="65" charset="-120"/>
+                  </a:rPr>
+                  <a:t>：</a:t>
+                </a:r>
+                <a14:m>
+                  <m:oMath xmlns:m="http://schemas.openxmlformats.org/officeDocument/2006/math">
+                    <m:r>
+                      <a:rPr lang="en-US" altLang="zh-TW" i="1" dirty="0">
+                        <a:latin typeface="Cambria Math" panose="02040503050406030204" pitchFamily="18" charset="0"/>
+                      </a:rPr>
+                      <m:t>2</m:t>
+                    </m:r>
+                    <m:r>
+                      <a:rPr lang="zh-TW" altLang="en-US" i="1" dirty="0">
+                        <a:latin typeface="Cambria Math" panose="02040503050406030204" pitchFamily="18" charset="0"/>
+                      </a:rPr>
+                      <m:t>×</m:t>
+                    </m:r>
+                    <m:f>
+                      <m:fPr>
+                        <m:ctrlPr>
+                          <a:rPr lang="en-US" altLang="zh-TW" i="1">
+                            <a:latin typeface="Cambria Math" panose="02040503050406030204" pitchFamily="18" charset="0"/>
+                          </a:rPr>
+                        </m:ctrlPr>
+                      </m:fPr>
+                      <m:num>
+                        <m:r>
+                          <a:rPr lang="en-US" altLang="zh-TW" i="1">
+                            <a:latin typeface="Cambria Math" panose="02040503050406030204" pitchFamily="18" charset="0"/>
+                          </a:rPr>
+                          <m:t>𝑃𝑟𝑒𝑐𝑖𝑠𝑖𝑜𝑛</m:t>
+                        </m:r>
+                        <m:r>
+                          <a:rPr lang="en-US" altLang="zh-TW" i="1">
+                            <a:latin typeface="Cambria Math" panose="02040503050406030204" pitchFamily="18" charset="0"/>
+                            <a:ea typeface="Cambria Math" panose="02040503050406030204" pitchFamily="18" charset="0"/>
+                          </a:rPr>
+                          <m:t>×</m:t>
+                        </m:r>
+                        <m:r>
+                          <a:rPr lang="en-US" altLang="zh-TW" i="1">
+                            <a:latin typeface="Cambria Math" panose="02040503050406030204" pitchFamily="18" charset="0"/>
+                            <a:ea typeface="Cambria Math" panose="02040503050406030204" pitchFamily="18" charset="0"/>
+                          </a:rPr>
+                          <m:t>𝑅𝑒𝑐𝑎𝑙𝑙</m:t>
+                        </m:r>
+                      </m:num>
+                      <m:den>
+                        <m:r>
+                          <a:rPr lang="en-US" altLang="zh-TW" i="1">
+                            <a:latin typeface="Cambria Math" panose="02040503050406030204" pitchFamily="18" charset="0"/>
+                          </a:rPr>
+                          <m:t>𝑃𝑟𝑒𝑐𝑖𝑠𝑖𝑜𝑛</m:t>
+                        </m:r>
+                        <m:r>
+                          <a:rPr lang="en-US" altLang="zh-TW" i="1">
+                            <a:latin typeface="Cambria Math" panose="02040503050406030204" pitchFamily="18" charset="0"/>
+                          </a:rPr>
+                          <m:t>+</m:t>
+                        </m:r>
+                        <m:r>
+                          <a:rPr lang="en-US" altLang="zh-TW" i="1">
+                            <a:latin typeface="Cambria Math" panose="02040503050406030204" pitchFamily="18" charset="0"/>
+                            <a:ea typeface="Cambria Math" panose="02040503050406030204" pitchFamily="18" charset="0"/>
+                          </a:rPr>
+                          <m:t>𝑅𝑒𝑐𝑎𝑙𝑙</m:t>
+                        </m:r>
+                      </m:den>
+                    </m:f>
+                  </m:oMath>
+                </a14:m>
+                <a:endParaRPr lang="en-US" altLang="zh-TW" dirty="0"/>
+              </a:p>
+              <a:p>
+                <a:endParaRPr lang="en-US" altLang="zh-TW" dirty="0"/>
+              </a:p>
+              <a:p>
+                <a:endParaRPr lang="en-US" altLang="zh-TW" dirty="0"/>
+              </a:p>
+              <a:p>
+                <a:endParaRPr lang="en-US" altLang="zh-TW" dirty="0"/>
+              </a:p>
+              <a:p>
+                <a:endParaRPr lang="zh-TW" altLang="en-US" dirty="0"/>
+              </a:p>
+            </p:txBody>
+          </p:sp>
+        </mc:Choice>
+        <mc:Fallback>
+          <p:sp>
+            <p:nvSpPr>
+              <p:cNvPr id="2" name="內容版面配置區 1"/>
+              <p:cNvSpPr>
+                <a:spLocks noGrp="1" noRot="1" noChangeAspect="1" noMove="1" noResize="1" noEditPoints="1" noAdjustHandles="1" noChangeArrowheads="1" noChangeShapeType="1" noTextEdit="1"/>
+              </p:cNvSpPr>
+              <p:nvPr>
+                <p:ph idx="1"/>
+              </p:nvPr>
+            </p:nvSpPr>
+            <p:spPr>
+              <a:blipFill>
+                <a:blip r:embed="rId2"/>
+                <a:stretch>
+                  <a:fillRect l="-232" t="-846"/>
+                </a:stretch>
+              </a:blipFill>
+            </p:spPr>
+            <p:txBody>
+              <a:bodyPr/>
+              <a:lstStyle/>
+              <a:p>
+                <a:r>
+                  <a:rPr lang="zh-TW" altLang="en-US">
+                    <a:noFill/>
+                  </a:rPr>
+                  <a:t> </a:t>
+                </a:r>
+              </a:p>
+            </p:txBody>
+          </p:sp>
+        </mc:Fallback>
+      </mc:AlternateContent>
+      <p:graphicFrame>
+        <p:nvGraphicFramePr>
+          <p:cNvPr id="4" name="表格 3"/>
+          <p:cNvGraphicFramePr>
+            <a:graphicFrameLocks noGrp="1"/>
+          </p:cNvGraphicFramePr>
+          <p:nvPr>
+            <p:extLst>
+              <p:ext uri="{D42A27DB-BD31-4B8C-83A1-F6EECF244321}">
+                <p14:modId xmlns:p14="http://schemas.microsoft.com/office/powerpoint/2010/main" val="3193666515"/>
+              </p:ext>
+            </p:extLst>
+          </p:nvPr>
+        </p:nvGraphicFramePr>
+        <p:xfrm>
+          <a:off x="922954" y="1554237"/>
+          <a:ext cx="3844989" cy="2084703"/>
+        </p:xfrm>
+        <a:graphic>
+          <a:graphicData uri="http://schemas.openxmlformats.org/drawingml/2006/table">
+            <a:tbl>
+              <a:tblPr firstRow="1" bandRow="1">
+                <a:tableStyleId>{5940675A-B579-460E-94D1-54222C63F5DA}</a:tableStyleId>
+              </a:tblPr>
+              <a:tblGrid>
+                <a:gridCol w="1281663">
+                  <a:extLst>
+                    <a:ext uri="{9D8B030D-6E8A-4147-A177-3AD203B41FA5}">
+                      <a16:colId xmlns:a16="http://schemas.microsoft.com/office/drawing/2014/main" val="4268936959"/>
+                    </a:ext>
+                  </a:extLst>
+                </a:gridCol>
+                <a:gridCol w="1281663">
+                  <a:extLst>
+                    <a:ext uri="{9D8B030D-6E8A-4147-A177-3AD203B41FA5}">
+                      <a16:colId xmlns:a16="http://schemas.microsoft.com/office/drawing/2014/main" val="916815367"/>
+                    </a:ext>
+                  </a:extLst>
+                </a:gridCol>
+                <a:gridCol w="1281663">
+                  <a:extLst>
+                    <a:ext uri="{9D8B030D-6E8A-4147-A177-3AD203B41FA5}">
+                      <a16:colId xmlns:a16="http://schemas.microsoft.com/office/drawing/2014/main" val="3794188961"/>
+                    </a:ext>
+                  </a:extLst>
+                </a:gridCol>
+              </a:tblGrid>
+              <a:tr h="694901">
+                <a:tc>
+                  <a:txBody>
+                    <a:bodyPr/>
+                    <a:lstStyle/>
+                    <a:p>
+                      <a:pPr algn="ctr"/>
+                      <a:endParaRPr lang="zh-TW" altLang="en-US" baseline="0" dirty="0">
+                        <a:latin typeface="Times New Roman" panose="02020603050405020304" pitchFamily="18" charset="0"/>
+                        <a:ea typeface="標楷體" panose="03000509000000000000" pitchFamily="65" charset="-120"/>
+                      </a:endParaRPr>
+                    </a:p>
+                  </a:txBody>
+                  <a:tcPr anchor="ctr">
+                    <a:lnTlToBr w="12700" cap="flat" cmpd="sng" algn="ctr">
+                      <a:solidFill>
+                        <a:schemeClr val="tx1"/>
+                      </a:solidFill>
+                      <a:prstDash val="solid"/>
+                      <a:round/>
+                      <a:headEnd type="none" w="med" len="med"/>
+                      <a:tailEnd type="none" w="med" len="med"/>
+                    </a:lnTlToBr>
+                    <a:solidFill>
+                      <a:schemeClr val="accent1">
+                        <a:lumMod val="40000"/>
+                        <a:lumOff val="60000"/>
+                      </a:schemeClr>
+                    </a:solidFill>
+                  </a:tcPr>
+                </a:tc>
+                <a:tc>
+                  <a:txBody>
+                    <a:bodyPr/>
+                    <a:lstStyle/>
+                    <a:p>
+                      <a:pPr algn="ctr"/>
+                      <a:r>
+                        <a:rPr lang="zh-TW" altLang="en-US" baseline="0" dirty="0" smtClean="0">
+                          <a:latin typeface="Times New Roman" panose="02020603050405020304" pitchFamily="18" charset="0"/>
+                          <a:ea typeface="標楷體" panose="03000509000000000000" pitchFamily="65" charset="-120"/>
+                        </a:rPr>
+                        <a:t>預測</a:t>
+                      </a:r>
+                      <a:r>
+                        <a:rPr lang="en-US" altLang="zh-TW" baseline="0" dirty="0" smtClean="0">
+                          <a:latin typeface="Times New Roman" panose="02020603050405020304" pitchFamily="18" charset="0"/>
+                          <a:ea typeface="標楷體" panose="03000509000000000000" pitchFamily="65" charset="-120"/>
+                        </a:rPr>
+                        <a:t>Yes</a:t>
+                      </a:r>
+                      <a:endParaRPr lang="zh-TW" altLang="en-US" baseline="0" dirty="0">
+                        <a:latin typeface="Times New Roman" panose="02020603050405020304" pitchFamily="18" charset="0"/>
+                        <a:ea typeface="標楷體" panose="03000509000000000000" pitchFamily="65" charset="-120"/>
+                      </a:endParaRPr>
+                    </a:p>
+                  </a:txBody>
+                  <a:tcPr anchor="ctr">
+                    <a:solidFill>
+                      <a:schemeClr val="accent1">
+                        <a:lumMod val="40000"/>
+                        <a:lumOff val="60000"/>
+                      </a:schemeClr>
+                    </a:solidFill>
+                  </a:tcPr>
+                </a:tc>
+                <a:tc>
+                  <a:txBody>
+                    <a:bodyPr/>
+                    <a:lstStyle/>
+                    <a:p>
+                      <a:pPr marL="0" marR="0" indent="0" algn="ctr" defTabSz="914400" rtl="0" eaLnBrk="1" fontAlgn="auto" latinLnBrk="0" hangingPunct="1">
+                        <a:lnSpc>
+                          <a:spcPct val="100000"/>
+                        </a:lnSpc>
+                        <a:spcBef>
+                          <a:spcPts val="0"/>
+                        </a:spcBef>
+                        <a:spcAft>
+                          <a:spcPts val="0"/>
+                        </a:spcAft>
+                        <a:buClrTx/>
+                        <a:buSzTx/>
+                        <a:buFontTx/>
+                        <a:buNone/>
+                        <a:tabLst/>
+                        <a:defRPr/>
+                      </a:pPr>
+                      <a:r>
+                        <a:rPr lang="zh-TW" altLang="en-US" baseline="0" dirty="0" smtClean="0">
+                          <a:latin typeface="Times New Roman" panose="02020603050405020304" pitchFamily="18" charset="0"/>
+                          <a:ea typeface="標楷體" panose="03000509000000000000" pitchFamily="65" charset="-120"/>
+                        </a:rPr>
+                        <a:t>預測</a:t>
+                      </a:r>
+                      <a:r>
+                        <a:rPr lang="en-US" altLang="zh-TW" baseline="0" dirty="0" smtClean="0">
+                          <a:latin typeface="Times New Roman" panose="02020603050405020304" pitchFamily="18" charset="0"/>
+                          <a:ea typeface="標楷體" panose="03000509000000000000" pitchFamily="65" charset="-120"/>
+                        </a:rPr>
+                        <a:t>No</a:t>
+                      </a:r>
+                      <a:endParaRPr lang="zh-TW" altLang="en-US" baseline="0" dirty="0" smtClean="0">
+                        <a:latin typeface="Times New Roman" panose="02020603050405020304" pitchFamily="18" charset="0"/>
+                        <a:ea typeface="標楷體" panose="03000509000000000000" pitchFamily="65" charset="-120"/>
+                      </a:endParaRPr>
+                    </a:p>
+                  </a:txBody>
+                  <a:tcPr anchor="ctr">
+                    <a:solidFill>
+                      <a:schemeClr val="accent1">
+                        <a:lumMod val="40000"/>
+                        <a:lumOff val="60000"/>
+                      </a:schemeClr>
+                    </a:solidFill>
+                  </a:tcPr>
+                </a:tc>
+                <a:extLst>
+                  <a:ext uri="{0D108BD9-81ED-4DB2-BD59-A6C34878D82A}">
+                    <a16:rowId xmlns:a16="http://schemas.microsoft.com/office/drawing/2014/main" val="1785135442"/>
+                  </a:ext>
+                </a:extLst>
+              </a:tr>
+              <a:tr h="694901">
+                <a:tc>
+                  <a:txBody>
+                    <a:bodyPr/>
+                    <a:lstStyle/>
+                    <a:p>
+                      <a:pPr algn="ctr"/>
+                      <a:r>
+                        <a:rPr lang="zh-TW" altLang="en-US" baseline="0" dirty="0" smtClean="0">
+                          <a:latin typeface="Times New Roman" panose="02020603050405020304" pitchFamily="18" charset="0"/>
+                          <a:ea typeface="標楷體" panose="03000509000000000000" pitchFamily="65" charset="-120"/>
+                        </a:rPr>
+                        <a:t>實際</a:t>
+                      </a:r>
+                      <a:r>
+                        <a:rPr lang="en-US" altLang="zh-TW" baseline="0" dirty="0" smtClean="0">
+                          <a:latin typeface="Times New Roman" panose="02020603050405020304" pitchFamily="18" charset="0"/>
+                          <a:ea typeface="標楷體" panose="03000509000000000000" pitchFamily="65" charset="-120"/>
+                        </a:rPr>
+                        <a:t>Yes</a:t>
+                      </a:r>
+                      <a:endParaRPr lang="zh-TW" altLang="en-US" baseline="0" dirty="0">
+                        <a:latin typeface="Times New Roman" panose="02020603050405020304" pitchFamily="18" charset="0"/>
+                        <a:ea typeface="標楷體" panose="03000509000000000000" pitchFamily="65" charset="-120"/>
+                      </a:endParaRPr>
+                    </a:p>
+                  </a:txBody>
+                  <a:tcPr anchor="ctr">
+                    <a:solidFill>
+                      <a:schemeClr val="accent1">
+                        <a:lumMod val="40000"/>
+                        <a:lumOff val="60000"/>
+                      </a:schemeClr>
+                    </a:solidFill>
+                  </a:tcPr>
+                </a:tc>
+                <a:tc>
+                  <a:txBody>
+                    <a:bodyPr/>
+                    <a:lstStyle/>
+                    <a:p>
+                      <a:pPr algn="ctr"/>
+                      <a:r>
+                        <a:rPr lang="en-US" altLang="zh-TW" baseline="0" dirty="0" smtClean="0">
+                          <a:latin typeface="Times New Roman" panose="02020603050405020304" pitchFamily="18" charset="0"/>
+                          <a:ea typeface="標楷體" panose="03000509000000000000" pitchFamily="65" charset="-120"/>
+                        </a:rPr>
+                        <a:t>TP</a:t>
+                      </a:r>
+                      <a:endParaRPr lang="zh-TW" altLang="en-US" baseline="0" dirty="0">
+                        <a:latin typeface="Times New Roman" panose="02020603050405020304" pitchFamily="18" charset="0"/>
+                        <a:ea typeface="標楷體" panose="03000509000000000000" pitchFamily="65" charset="-120"/>
+                      </a:endParaRPr>
+                    </a:p>
+                  </a:txBody>
+                  <a:tcPr anchor="ctr"/>
+                </a:tc>
+                <a:tc>
+                  <a:txBody>
+                    <a:bodyPr/>
+                    <a:lstStyle/>
+                    <a:p>
+                      <a:pPr algn="ctr"/>
+                      <a:r>
+                        <a:rPr lang="en-US" altLang="zh-TW" baseline="0" dirty="0" smtClean="0">
+                          <a:latin typeface="Times New Roman" panose="02020603050405020304" pitchFamily="18" charset="0"/>
+                          <a:ea typeface="標楷體" panose="03000509000000000000" pitchFamily="65" charset="-120"/>
+                        </a:rPr>
+                        <a:t>FN</a:t>
+                      </a:r>
+                      <a:endParaRPr lang="zh-TW" altLang="en-US" baseline="0" dirty="0">
+                        <a:latin typeface="Times New Roman" panose="02020603050405020304" pitchFamily="18" charset="0"/>
+                        <a:ea typeface="標楷體" panose="03000509000000000000" pitchFamily="65" charset="-120"/>
+                      </a:endParaRPr>
+                    </a:p>
+                  </a:txBody>
+                  <a:tcPr anchor="ctr"/>
+                </a:tc>
+                <a:extLst>
+                  <a:ext uri="{0D108BD9-81ED-4DB2-BD59-A6C34878D82A}">
+                    <a16:rowId xmlns:a16="http://schemas.microsoft.com/office/drawing/2014/main" val="509286388"/>
+                  </a:ext>
+                </a:extLst>
+              </a:tr>
+              <a:tr h="694901">
+                <a:tc>
+                  <a:txBody>
+                    <a:bodyPr/>
+                    <a:lstStyle/>
+                    <a:p>
+                      <a:pPr algn="ctr"/>
+                      <a:r>
+                        <a:rPr lang="zh-TW" altLang="en-US" baseline="0" dirty="0" smtClean="0">
+                          <a:latin typeface="Times New Roman" panose="02020603050405020304" pitchFamily="18" charset="0"/>
+                          <a:ea typeface="標楷體" panose="03000509000000000000" pitchFamily="65" charset="-120"/>
+                        </a:rPr>
+                        <a:t>實際</a:t>
+                      </a:r>
+                      <a:r>
+                        <a:rPr lang="en-US" altLang="zh-TW" baseline="0" dirty="0" smtClean="0">
+                          <a:latin typeface="Times New Roman" panose="02020603050405020304" pitchFamily="18" charset="0"/>
+                          <a:ea typeface="標楷體" panose="03000509000000000000" pitchFamily="65" charset="-120"/>
+                        </a:rPr>
+                        <a:t>No</a:t>
+                      </a:r>
+                      <a:endParaRPr lang="zh-TW" altLang="en-US" baseline="0" dirty="0">
+                        <a:latin typeface="Times New Roman" panose="02020603050405020304" pitchFamily="18" charset="0"/>
+                        <a:ea typeface="標楷體" panose="03000509000000000000" pitchFamily="65" charset="-120"/>
+                      </a:endParaRPr>
+                    </a:p>
+                  </a:txBody>
+                  <a:tcPr anchor="ctr">
+                    <a:solidFill>
+                      <a:schemeClr val="accent1">
+                        <a:lumMod val="40000"/>
+                        <a:lumOff val="60000"/>
+                      </a:schemeClr>
+                    </a:solidFill>
+                  </a:tcPr>
+                </a:tc>
+                <a:tc>
+                  <a:txBody>
+                    <a:bodyPr/>
+                    <a:lstStyle/>
+                    <a:p>
+                      <a:pPr algn="ctr"/>
+                      <a:r>
+                        <a:rPr lang="en-US" altLang="zh-TW" baseline="0" dirty="0" smtClean="0">
+                          <a:latin typeface="Times New Roman" panose="02020603050405020304" pitchFamily="18" charset="0"/>
+                          <a:ea typeface="標楷體" panose="03000509000000000000" pitchFamily="65" charset="-120"/>
+                        </a:rPr>
+                        <a:t>FP</a:t>
+                      </a:r>
+                      <a:endParaRPr lang="zh-TW" altLang="en-US" baseline="0" dirty="0">
+                        <a:latin typeface="Times New Roman" panose="02020603050405020304" pitchFamily="18" charset="0"/>
+                        <a:ea typeface="標楷體" panose="03000509000000000000" pitchFamily="65" charset="-120"/>
+                      </a:endParaRPr>
+                    </a:p>
+                  </a:txBody>
+                  <a:tcPr anchor="ctr"/>
+                </a:tc>
+                <a:tc>
+                  <a:txBody>
+                    <a:bodyPr/>
+                    <a:lstStyle/>
+                    <a:p>
+                      <a:pPr algn="ctr"/>
+                      <a:r>
+                        <a:rPr lang="en-US" altLang="zh-TW" baseline="0" dirty="0" smtClean="0">
+                          <a:latin typeface="Times New Roman" panose="02020603050405020304" pitchFamily="18" charset="0"/>
+                          <a:ea typeface="標楷體" panose="03000509000000000000" pitchFamily="65" charset="-120"/>
+                        </a:rPr>
+                        <a:t>TN</a:t>
+                      </a:r>
+                      <a:endParaRPr lang="zh-TW" altLang="en-US" baseline="0" dirty="0">
+                        <a:latin typeface="Times New Roman" panose="02020603050405020304" pitchFamily="18" charset="0"/>
+                        <a:ea typeface="標楷體" panose="03000509000000000000" pitchFamily="65" charset="-120"/>
+                      </a:endParaRPr>
+                    </a:p>
+                  </a:txBody>
+                  <a:tcPr anchor="ctr"/>
+                </a:tc>
+                <a:extLst>
+                  <a:ext uri="{0D108BD9-81ED-4DB2-BD59-A6C34878D82A}">
+                    <a16:rowId xmlns:a16="http://schemas.microsoft.com/office/drawing/2014/main" val="4101557640"/>
+                  </a:ext>
+                </a:extLst>
+              </a:tr>
+            </a:tbl>
+          </a:graphicData>
+        </a:graphic>
+      </p:graphicFrame>
+      <p:pic>
+        <p:nvPicPr>
+          <p:cNvPr id="7" name="圖片 6"/>
+          <p:cNvPicPr>
+            <a:picLocks noChangeAspect="1"/>
+          </p:cNvPicPr>
+          <p:nvPr/>
+        </p:nvPicPr>
+        <p:blipFill>
+          <a:blip r:embed="rId3">
+            <a:extLst>
+              <a:ext uri="{28A0092B-C50C-407E-A947-70E740481C1C}">
+                <a14:useLocalDpi xmlns:a14="http://schemas.microsoft.com/office/drawing/2010/main" val="0"/>
+              </a:ext>
+            </a:extLst>
+          </a:blip>
+          <a:stretch>
+            <a:fillRect/>
+          </a:stretch>
+        </p:blipFill>
+        <p:spPr>
+          <a:xfrm rot="211466">
+            <a:off x="6758797" y="3065096"/>
+            <a:ext cx="695325" cy="447675"/>
+          </a:xfrm>
+          <a:prstGeom prst="rect">
+            <a:avLst/>
+          </a:prstGeom>
+        </p:spPr>
+      </p:pic>
+      <p:pic>
+        <p:nvPicPr>
+          <p:cNvPr id="8" name="圖片 7"/>
+          <p:cNvPicPr>
+            <a:picLocks noChangeAspect="1"/>
+          </p:cNvPicPr>
+          <p:nvPr/>
+        </p:nvPicPr>
+        <p:blipFill>
+          <a:blip r:embed="rId4">
+            <a:extLst>
+              <a:ext uri="{28A0092B-C50C-407E-A947-70E740481C1C}">
+                <a14:useLocalDpi xmlns:a14="http://schemas.microsoft.com/office/drawing/2010/main" val="0"/>
+              </a:ext>
+            </a:extLst>
+          </a:blip>
+          <a:stretch>
+            <a:fillRect/>
+          </a:stretch>
+        </p:blipFill>
+        <p:spPr>
+          <a:xfrm>
+            <a:off x="6724275" y="5386876"/>
+            <a:ext cx="742950" cy="762000"/>
+          </a:xfrm>
+          <a:prstGeom prst="rect">
+            <a:avLst/>
+          </a:prstGeom>
+        </p:spPr>
+      </p:pic>
+      <p:pic>
+        <p:nvPicPr>
+          <p:cNvPr id="9" name="圖片 8"/>
+          <p:cNvPicPr>
+            <a:picLocks noChangeAspect="1"/>
+          </p:cNvPicPr>
+          <p:nvPr/>
+        </p:nvPicPr>
+        <p:blipFill>
+          <a:blip r:embed="rId5">
+            <a:extLst>
+              <a:ext uri="{28A0092B-C50C-407E-A947-70E740481C1C}">
+                <a14:useLocalDpi xmlns:a14="http://schemas.microsoft.com/office/drawing/2010/main" val="0"/>
+              </a:ext>
+            </a:extLst>
+          </a:blip>
+          <a:stretch>
+            <a:fillRect/>
+          </a:stretch>
+        </p:blipFill>
+        <p:spPr>
+          <a:xfrm>
+            <a:off x="6409950" y="3947947"/>
+            <a:ext cx="1371600" cy="1152525"/>
+          </a:xfrm>
+          <a:prstGeom prst="rect">
+            <a:avLst/>
+          </a:prstGeom>
+        </p:spPr>
+      </p:pic>
+      <p:pic>
+        <p:nvPicPr>
+          <p:cNvPr id="11" name="圖片 10"/>
+          <p:cNvPicPr>
+            <a:picLocks noChangeAspect="1"/>
+          </p:cNvPicPr>
+          <p:nvPr/>
+        </p:nvPicPr>
+        <p:blipFill>
+          <a:blip r:embed="rId6">
+            <a:extLst>
+              <a:ext uri="{28A0092B-C50C-407E-A947-70E740481C1C}">
+                <a14:useLocalDpi xmlns:a14="http://schemas.microsoft.com/office/drawing/2010/main" val="0"/>
+              </a:ext>
+            </a:extLst>
+          </a:blip>
+          <a:stretch>
+            <a:fillRect/>
+          </a:stretch>
+        </p:blipFill>
+        <p:spPr>
+          <a:xfrm>
+            <a:off x="6720809" y="2085672"/>
+            <a:ext cx="695325" cy="600075"/>
+          </a:xfrm>
+          <a:prstGeom prst="rect">
+            <a:avLst/>
+          </a:prstGeom>
+        </p:spPr>
+      </p:pic>
+    </p:spTree>
+    <p:extLst>
+      <p:ext uri="{BB962C8B-B14F-4D97-AF65-F5344CB8AC3E}">
+        <p14:creationId xmlns:p14="http://schemas.microsoft.com/office/powerpoint/2010/main" val="1843503905"/>
+      </p:ext>
+    </p:extLst>
+  </p:cSld>
+  <p:clrMapOvr>
+    <a:masterClrMapping/>
+  </p:clrMapOvr>
+</p:sld>
+</file>
+
+<file path=ppt/slides/slide17.xml><?xml version="1.0" encoding="utf-8"?>
+<p:sld xmlns:a="http://schemas.openxmlformats.org/drawingml/2006/main" xmlns:r="http://schemas.openxmlformats.org/officeDocument/2006/relationships" xmlns:p="http://schemas.openxmlformats.org/presentationml/2006/main">
+  <p:cSld>
+    <p:spTree>
+      <p:nvGrpSpPr>
+        <p:cNvPr id="1" name=""/>
+        <p:cNvGrpSpPr/>
+        <p:nvPr/>
+      </p:nvGrpSpPr>
+      <p:grpSpPr>
+        <a:xfrm>
+          <a:off x="0" y="0"/>
+          <a:ext cx="0" cy="0"/>
+          <a:chOff x="0" y="0"/>
+          <a:chExt cx="0" cy="0"/>
+        </a:xfrm>
+      </p:grpSpPr>
+      <p:sp>
+        <p:nvSpPr>
+          <p:cNvPr id="3" name="標題 2"/>
+          <p:cNvSpPr>
+            <a:spLocks noGrp="1"/>
+          </p:cNvSpPr>
+          <p:nvPr>
+            <p:ph type="title"/>
+          </p:nvPr>
+        </p:nvSpPr>
+        <p:spPr/>
+        <p:txBody>
+          <a:bodyPr/>
+          <a:lstStyle/>
+          <a:p>
+            <a:r>
+              <a:rPr lang="zh-TW" altLang="en-US" dirty="0" smtClean="0"/>
               <a:t>驗</a:t>
             </a:r>
             <a:r>
@@ -6743,7 +8043,7 @@
     </p:spTree>
     <p:extLst>
       <p:ext uri="{BB962C8B-B14F-4D97-AF65-F5344CB8AC3E}">
-        <p14:creationId xmlns:p14="http://schemas.microsoft.com/office/powerpoint/2010/main" val="1843503905"/>
+        <p14:creationId xmlns:p14="http://schemas.microsoft.com/office/powerpoint/2010/main" val="1967799913"/>
       </p:ext>
     </p:extLst>
   </p:cSld>

--- a/final/基於分散式網路架構訓練階層式分類模型.pptx
+++ b/final/基於分散式網路架構訓練階層式分類模型.pptx
@@ -5,10 +5,10 @@
     <p:sldMasterId id="2147483648" r:id="rId1"/>
   </p:sldMasterIdLst>
   <p:notesMasterIdLst>
-    <p:notesMasterId r:id="rId19"/>
+    <p:notesMasterId r:id="rId25"/>
   </p:notesMasterIdLst>
   <p:handoutMasterIdLst>
-    <p:handoutMasterId r:id="rId20"/>
+    <p:handoutMasterId r:id="rId26"/>
   </p:handoutMasterIdLst>
   <p:sldIdLst>
     <p:sldId id="259" r:id="rId2"/>
@@ -28,6 +28,12 @@
     <p:sldId id="275" r:id="rId16"/>
     <p:sldId id="276" r:id="rId17"/>
     <p:sldId id="277" r:id="rId18"/>
+    <p:sldId id="280" r:id="rId19"/>
+    <p:sldId id="279" r:id="rId20"/>
+    <p:sldId id="278" r:id="rId21"/>
+    <p:sldId id="281" r:id="rId22"/>
+    <p:sldId id="282" r:id="rId23"/>
+    <p:sldId id="283" r:id="rId24"/>
   </p:sldIdLst>
   <p:sldSz cx="12192000" cy="6858000"/>
   <p:notesSz cx="6858000" cy="9144000"/>
@@ -219,7 +225,7 @@
           <a:p>
             <a:fld id="{7829F8E0-05F2-4742-BB97-D2E4F51035C8}" type="datetimeFigureOut">
               <a:rPr lang="zh-TW" altLang="en-US" smtClean="0"/>
-              <a:t>2020/6/17</a:t>
+              <a:t>2020/6/22</a:t>
             </a:fld>
             <a:endParaRPr lang="zh-TW" altLang="en-US"/>
           </a:p>
@@ -384,7 +390,7 @@
           <a:p>
             <a:fld id="{2CB905C5-9D54-40E2-B40C-7996280CAB02}" type="datetimeFigureOut">
               <a:rPr lang="zh-TW" altLang="en-US" smtClean="0"/>
-              <a:t>2020/6/17</a:t>
+              <a:t>2020/6/22</a:t>
             </a:fld>
             <a:endParaRPr lang="zh-TW" altLang="en-US"/>
           </a:p>
@@ -903,6 +909,90 @@
 </p:notes>
 </file>
 
+<file path=ppt/notesSlides/notesSlide4.xml><?xml version="1.0" encoding="utf-8"?>
+<p:notes xmlns:a="http://schemas.openxmlformats.org/drawingml/2006/main" xmlns:r="http://schemas.openxmlformats.org/officeDocument/2006/relationships" xmlns:p="http://schemas.openxmlformats.org/presentationml/2006/main">
+  <p:cSld>
+    <p:spTree>
+      <p:nvGrpSpPr>
+        <p:cNvPr id="1" name=""/>
+        <p:cNvGrpSpPr/>
+        <p:nvPr/>
+      </p:nvGrpSpPr>
+      <p:grpSpPr>
+        <a:xfrm>
+          <a:off x="0" y="0"/>
+          <a:ext cx="0" cy="0"/>
+          <a:chOff x="0" y="0"/>
+          <a:chExt cx="0" cy="0"/>
+        </a:xfrm>
+      </p:grpSpPr>
+      <p:sp>
+        <p:nvSpPr>
+          <p:cNvPr id="2" name="投影片圖像版面配置區 1"/>
+          <p:cNvSpPr>
+            <a:spLocks noGrp="1" noRot="1" noChangeAspect="1"/>
+          </p:cNvSpPr>
+          <p:nvPr>
+            <p:ph type="sldImg"/>
+          </p:nvPr>
+        </p:nvSpPr>
+        <p:spPr/>
+      </p:sp>
+      <p:sp>
+        <p:nvSpPr>
+          <p:cNvPr id="3" name="備忘稿版面配置區 2"/>
+          <p:cNvSpPr>
+            <a:spLocks noGrp="1"/>
+          </p:cNvSpPr>
+          <p:nvPr>
+            <p:ph type="body" idx="1"/>
+          </p:nvPr>
+        </p:nvSpPr>
+        <p:spPr/>
+        <p:txBody>
+          <a:bodyPr/>
+          <a:lstStyle/>
+          <a:p>
+            <a:endParaRPr lang="zh-TW" altLang="en-US" dirty="0"/>
+          </a:p>
+        </p:txBody>
+      </p:sp>
+      <p:sp>
+        <p:nvSpPr>
+          <p:cNvPr id="4" name="投影片編號版面配置區 3"/>
+          <p:cNvSpPr>
+            <a:spLocks noGrp="1"/>
+          </p:cNvSpPr>
+          <p:nvPr>
+            <p:ph type="sldNum" sz="quarter" idx="10"/>
+          </p:nvPr>
+        </p:nvSpPr>
+        <p:spPr/>
+        <p:txBody>
+          <a:bodyPr/>
+          <a:lstStyle/>
+          <a:p>
+            <a:fld id="{EF8A6B0B-A5FB-4629-B823-69B1A9EB3A43}" type="slidenum">
+              <a:rPr lang="zh-TW" altLang="en-US" smtClean="0"/>
+              <a:t>22</a:t>
+            </a:fld>
+            <a:endParaRPr lang="zh-TW" altLang="en-US"/>
+          </a:p>
+        </p:txBody>
+      </p:sp>
+    </p:spTree>
+    <p:extLst>
+      <p:ext uri="{BB962C8B-B14F-4D97-AF65-F5344CB8AC3E}">
+        <p14:creationId xmlns:p14="http://schemas.microsoft.com/office/powerpoint/2010/main" val="2305264023"/>
+      </p:ext>
+    </p:extLst>
+  </p:cSld>
+  <p:clrMapOvr>
+    <a:masterClrMapping/>
+  </p:clrMapOvr>
+</p:notes>
+</file>
+
 <file path=ppt/slideLayouts/slideLayout1.xml><?xml version="1.0" encoding="utf-8"?>
 <p:sldLayout xmlns:a="http://schemas.openxmlformats.org/drawingml/2006/main" xmlns:r="http://schemas.openxmlformats.org/officeDocument/2006/relationships" xmlns:p="http://schemas.openxmlformats.org/presentationml/2006/main" type="title" preserve="1">
   <p:cSld name="標題投影片">
@@ -1037,7 +1127,7 @@
           <a:p>
             <a:fld id="{0C0CC965-A63A-473D-BEFB-C8F9714D5269}" type="datetimeFigureOut">
               <a:rPr lang="zh-TW" altLang="en-US" smtClean="0"/>
-              <a:t>2020/6/17</a:t>
+              <a:t>2020/6/22</a:t>
             </a:fld>
             <a:endParaRPr lang="zh-TW" altLang="en-US"/>
           </a:p>
@@ -1205,7 +1295,7 @@
           <a:p>
             <a:fld id="{0C0CC965-A63A-473D-BEFB-C8F9714D5269}" type="datetimeFigureOut">
               <a:rPr lang="zh-TW" altLang="en-US" smtClean="0"/>
-              <a:t>2020/6/17</a:t>
+              <a:t>2020/6/22</a:t>
             </a:fld>
             <a:endParaRPr lang="zh-TW" altLang="en-US"/>
           </a:p>
@@ -1383,7 +1473,7 @@
           <a:p>
             <a:fld id="{0C0CC965-A63A-473D-BEFB-C8F9714D5269}" type="datetimeFigureOut">
               <a:rPr lang="zh-TW" altLang="en-US" smtClean="0"/>
-              <a:t>2020/6/17</a:t>
+              <a:t>2020/6/22</a:t>
             </a:fld>
             <a:endParaRPr lang="zh-TW" altLang="en-US"/>
           </a:p>
@@ -1578,7 +1668,7 @@
           <a:p>
             <a:fld id="{0C0CC965-A63A-473D-BEFB-C8F9714D5269}" type="datetimeFigureOut">
               <a:rPr lang="zh-TW" altLang="en-US" smtClean="0"/>
-              <a:t>2020/6/17</a:t>
+              <a:t>2020/6/22</a:t>
             </a:fld>
             <a:endParaRPr lang="zh-TW" altLang="en-US"/>
           </a:p>
@@ -1823,7 +1913,7 @@
           <a:p>
             <a:fld id="{0C0CC965-A63A-473D-BEFB-C8F9714D5269}" type="datetimeFigureOut">
               <a:rPr lang="zh-TW" altLang="en-US" smtClean="0"/>
-              <a:t>2020/6/17</a:t>
+              <a:t>2020/6/22</a:t>
             </a:fld>
             <a:endParaRPr lang="zh-TW" altLang="en-US"/>
           </a:p>
@@ -2052,7 +2142,7 @@
           <a:p>
             <a:fld id="{0C0CC965-A63A-473D-BEFB-C8F9714D5269}" type="datetimeFigureOut">
               <a:rPr lang="zh-TW" altLang="en-US" smtClean="0"/>
-              <a:t>2020/6/17</a:t>
+              <a:t>2020/6/22</a:t>
             </a:fld>
             <a:endParaRPr lang="zh-TW" altLang="en-US"/>
           </a:p>
@@ -2416,7 +2506,7 @@
           <a:p>
             <a:fld id="{0C0CC965-A63A-473D-BEFB-C8F9714D5269}" type="datetimeFigureOut">
               <a:rPr lang="zh-TW" altLang="en-US" smtClean="0"/>
-              <a:t>2020/6/17</a:t>
+              <a:t>2020/6/22</a:t>
             </a:fld>
             <a:endParaRPr lang="zh-TW" altLang="en-US"/>
           </a:p>
@@ -2533,7 +2623,7 @@
           <a:p>
             <a:fld id="{0C0CC965-A63A-473D-BEFB-C8F9714D5269}" type="datetimeFigureOut">
               <a:rPr lang="zh-TW" altLang="en-US" smtClean="0"/>
-              <a:t>2020/6/17</a:t>
+              <a:t>2020/6/22</a:t>
             </a:fld>
             <a:endParaRPr lang="zh-TW" altLang="en-US"/>
           </a:p>
@@ -2628,7 +2718,7 @@
           <a:p>
             <a:fld id="{0C0CC965-A63A-473D-BEFB-C8F9714D5269}" type="datetimeFigureOut">
               <a:rPr lang="zh-TW" altLang="en-US" smtClean="0"/>
-              <a:t>2020/6/17</a:t>
+              <a:t>2020/6/22</a:t>
             </a:fld>
             <a:endParaRPr lang="zh-TW" altLang="en-US"/>
           </a:p>
@@ -2903,7 +2993,7 @@
           <a:p>
             <a:fld id="{0C0CC965-A63A-473D-BEFB-C8F9714D5269}" type="datetimeFigureOut">
               <a:rPr lang="zh-TW" altLang="en-US" smtClean="0"/>
-              <a:t>2020/6/17</a:t>
+              <a:t>2020/6/22</a:t>
             </a:fld>
             <a:endParaRPr lang="zh-TW" altLang="en-US"/>
           </a:p>
@@ -3155,7 +3245,7 @@
           <a:p>
             <a:fld id="{0C0CC965-A63A-473D-BEFB-C8F9714D5269}" type="datetimeFigureOut">
               <a:rPr lang="zh-TW" altLang="en-US" smtClean="0"/>
-              <a:t>2020/6/17</a:t>
+              <a:t>2020/6/22</a:t>
             </a:fld>
             <a:endParaRPr lang="zh-TW" altLang="en-US"/>
           </a:p>
@@ -3369,7 +3459,7 @@
             <a:fld id="{0C0CC965-A63A-473D-BEFB-C8F9714D5269}" type="datetimeFigureOut">
               <a:rPr lang="zh-TW" altLang="en-US" smtClean="0"/>
               <a:pPr/>
-              <a:t>2020/6/17</a:t>
+              <a:t>2020/6/22</a:t>
             </a:fld>
             <a:endParaRPr lang="zh-TW" altLang="en-US"/>
           </a:p>
@@ -7094,8 +7184,8 @@
           </a:p>
         </p:txBody>
       </p:sp>
-      <mc:AlternateContent xmlns:mc="http://schemas.openxmlformats.org/markup-compatibility/2006">
-        <mc:Choice xmlns:a14="http://schemas.microsoft.com/office/drawing/2010/main" Requires="a14">
+      <mc:AlternateContent xmlns:mc="http://schemas.openxmlformats.org/markup-compatibility/2006" xmlns:a14="http://schemas.microsoft.com/office/drawing/2010/main">
+        <mc:Choice Requires="a14">
           <p:sp>
             <p:nvSpPr>
               <p:cNvPr id="2" name="內容版面配置區 1"/>
@@ -7469,7 +7559,7 @@
             </p:txBody>
           </p:sp>
         </mc:Choice>
-        <mc:Fallback>
+        <mc:Fallback xmlns="">
           <p:sp>
             <p:nvSpPr>
               <p:cNvPr id="2" name="內容版面配置區 1"/>
@@ -7997,6 +8087,481 @@
       </p:grpSpPr>
       <p:sp>
         <p:nvSpPr>
+          <p:cNvPr id="13" name="內容版面配置區 12"/>
+          <p:cNvSpPr>
+            <a:spLocks noGrp="1"/>
+          </p:cNvSpPr>
+          <p:nvPr>
+            <p:ph idx="1"/>
+          </p:nvPr>
+        </p:nvSpPr>
+        <p:spPr/>
+        <p:txBody>
+          <a:bodyPr/>
+          <a:lstStyle/>
+          <a:p>
+            <a:r>
+              <a:rPr lang="zh-TW" altLang="en-US" dirty="0" smtClean="0"/>
+              <a:t>訓練樣本數</a:t>
+            </a:r>
+            <a:r>
+              <a:rPr lang="zh-TW" altLang="en-US" dirty="0" smtClean="0"/>
+              <a:t>：</a:t>
+            </a:r>
+            <a:endParaRPr lang="en-US" altLang="zh-TW" dirty="0" smtClean="0"/>
+          </a:p>
+          <a:p>
+            <a:pPr lvl="1"/>
+            <a:r>
+              <a:rPr lang="en-US" altLang="zh-TW" dirty="0" smtClean="0"/>
+              <a:t>6996</a:t>
+            </a:r>
+            <a:r>
+              <a:rPr lang="zh-TW" altLang="en-US" dirty="0" smtClean="0"/>
+              <a:t>張彩色</a:t>
+            </a:r>
+            <a:r>
+              <a:rPr lang="zh-TW" altLang="en-US" dirty="0" smtClean="0"/>
+              <a:t>原圖</a:t>
+            </a:r>
+            <a:endParaRPr lang="en-US" altLang="zh-TW" dirty="0" smtClean="0"/>
+          </a:p>
+          <a:p>
+            <a:endParaRPr lang="en-US" altLang="zh-TW" dirty="0" smtClean="0"/>
+          </a:p>
+          <a:p>
+            <a:r>
+              <a:rPr lang="zh-TW" altLang="en-US" dirty="0" smtClean="0"/>
+              <a:t>類別標籤：</a:t>
+            </a:r>
+            <a:endParaRPr lang="en-US" altLang="zh-TW" dirty="0" smtClean="0"/>
+          </a:p>
+          <a:p>
+            <a:pPr lvl="1"/>
+            <a:r>
+              <a:rPr lang="zh-TW" altLang="en-US" dirty="0"/>
+              <a:t>汽</a:t>
+            </a:r>
+            <a:r>
+              <a:rPr lang="zh-TW" altLang="en-US" dirty="0" smtClean="0"/>
+              <a:t>車</a:t>
+            </a:r>
+            <a:r>
+              <a:rPr lang="zh-TW" altLang="en-US" dirty="0" smtClean="0"/>
+              <a:t>：</a:t>
+            </a:r>
+            <a:r>
+              <a:rPr lang="en-US" altLang="zh-TW" dirty="0" smtClean="0"/>
+              <a:t>11</a:t>
+            </a:r>
+            <a:r>
+              <a:rPr lang="zh-TW" altLang="en-US" dirty="0" smtClean="0"/>
+              <a:t>、</a:t>
+            </a:r>
+            <a:r>
+              <a:rPr lang="en-US" altLang="zh-TW" dirty="0" smtClean="0"/>
+              <a:t>12</a:t>
+            </a:r>
+            <a:r>
+              <a:rPr lang="zh-TW" altLang="en-US" dirty="0" smtClean="0"/>
+              <a:t>、</a:t>
+            </a:r>
+            <a:r>
+              <a:rPr lang="en-US" altLang="zh-TW" dirty="0" smtClean="0"/>
+              <a:t>13</a:t>
+            </a:r>
+            <a:r>
+              <a:rPr lang="zh-TW" altLang="en-US" dirty="0" smtClean="0"/>
+              <a:t>、</a:t>
+            </a:r>
+            <a:r>
+              <a:rPr lang="en-US" altLang="zh-TW" dirty="0" smtClean="0"/>
+              <a:t>14</a:t>
+            </a:r>
+            <a:r>
+              <a:rPr lang="zh-TW" altLang="en-US" dirty="0" smtClean="0"/>
+              <a:t>、</a:t>
+            </a:r>
+            <a:r>
+              <a:rPr lang="en-US" altLang="zh-TW" dirty="0" smtClean="0"/>
+              <a:t>15</a:t>
+            </a:r>
+            <a:r>
+              <a:rPr lang="zh-TW" altLang="en-US" dirty="0" smtClean="0"/>
+              <a:t>、</a:t>
+            </a:r>
+            <a:r>
+              <a:rPr lang="en-US" altLang="zh-TW" dirty="0" smtClean="0"/>
+              <a:t>16</a:t>
+            </a:r>
+            <a:r>
+              <a:rPr lang="zh-TW" altLang="en-US" dirty="0" smtClean="0"/>
+              <a:t>、</a:t>
+            </a:r>
+            <a:r>
+              <a:rPr lang="en-US" altLang="zh-TW" dirty="0" smtClean="0"/>
+              <a:t>17</a:t>
+            </a:r>
+            <a:r>
+              <a:rPr lang="zh-TW" altLang="en-US" dirty="0" smtClean="0"/>
+              <a:t>、</a:t>
+            </a:r>
+            <a:r>
+              <a:rPr lang="en-US" altLang="zh-TW" dirty="0" smtClean="0"/>
+              <a:t>18</a:t>
+            </a:r>
+          </a:p>
+          <a:p>
+            <a:pPr lvl="1"/>
+            <a:r>
+              <a:rPr lang="zh-TW" altLang="en-US" dirty="0" smtClean="0"/>
+              <a:t>機車：</a:t>
+            </a:r>
+            <a:r>
+              <a:rPr lang="en-US" altLang="zh-TW" dirty="0" smtClean="0"/>
+              <a:t>21</a:t>
+            </a:r>
+            <a:r>
+              <a:rPr lang="zh-TW" altLang="en-US" dirty="0" smtClean="0"/>
+              <a:t>、</a:t>
+            </a:r>
+            <a:r>
+              <a:rPr lang="en-US" altLang="zh-TW" dirty="0" smtClean="0"/>
+              <a:t>22</a:t>
+            </a:r>
+            <a:r>
+              <a:rPr lang="zh-TW" altLang="en-US" dirty="0" smtClean="0"/>
+              <a:t>、</a:t>
+            </a:r>
+            <a:r>
+              <a:rPr lang="en-US" altLang="zh-TW" dirty="0" smtClean="0"/>
+              <a:t>23</a:t>
+            </a:r>
+            <a:r>
+              <a:rPr lang="zh-TW" altLang="en-US" dirty="0" smtClean="0"/>
+              <a:t>、</a:t>
+            </a:r>
+            <a:r>
+              <a:rPr lang="en-US" altLang="zh-TW" dirty="0" smtClean="0"/>
+              <a:t>24</a:t>
+            </a:r>
+            <a:r>
+              <a:rPr lang="zh-TW" altLang="en-US" dirty="0" smtClean="0"/>
+              <a:t>、</a:t>
+            </a:r>
+            <a:r>
+              <a:rPr lang="en-US" altLang="zh-TW" dirty="0" smtClean="0"/>
+              <a:t>25</a:t>
+            </a:r>
+            <a:r>
+              <a:rPr lang="zh-TW" altLang="en-US" dirty="0" smtClean="0"/>
+              <a:t>、</a:t>
+            </a:r>
+            <a:r>
+              <a:rPr lang="en-US" altLang="zh-TW" dirty="0" smtClean="0"/>
+              <a:t>26</a:t>
+            </a:r>
+            <a:r>
+              <a:rPr lang="zh-TW" altLang="en-US" dirty="0" smtClean="0"/>
+              <a:t>、</a:t>
+            </a:r>
+            <a:r>
+              <a:rPr lang="en-US" altLang="zh-TW" dirty="0" smtClean="0"/>
+              <a:t>27</a:t>
+            </a:r>
+            <a:r>
+              <a:rPr lang="zh-TW" altLang="en-US" dirty="0" smtClean="0"/>
+              <a:t>、</a:t>
+            </a:r>
+            <a:r>
+              <a:rPr lang="en-US" altLang="zh-TW" dirty="0" smtClean="0"/>
+              <a:t>28</a:t>
+            </a:r>
+            <a:endParaRPr lang="zh-TW" altLang="en-US" dirty="0" smtClean="0"/>
+          </a:p>
+          <a:p>
+            <a:pPr lvl="1"/>
+            <a:r>
+              <a:rPr lang="zh-TW" altLang="en-US" dirty="0" smtClean="0"/>
+              <a:t>公車：</a:t>
+            </a:r>
+            <a:r>
+              <a:rPr lang="en-US" altLang="zh-TW" dirty="0" smtClean="0"/>
+              <a:t>31</a:t>
+            </a:r>
+            <a:r>
+              <a:rPr lang="zh-TW" altLang="en-US" dirty="0" smtClean="0"/>
+              <a:t>、</a:t>
+            </a:r>
+            <a:r>
+              <a:rPr lang="en-US" altLang="zh-TW" dirty="0" smtClean="0"/>
+              <a:t>32</a:t>
+            </a:r>
+            <a:r>
+              <a:rPr lang="zh-TW" altLang="en-US" dirty="0" smtClean="0"/>
+              <a:t>、</a:t>
+            </a:r>
+            <a:r>
+              <a:rPr lang="en-US" altLang="zh-TW" dirty="0" smtClean="0"/>
+              <a:t>33</a:t>
+            </a:r>
+            <a:r>
+              <a:rPr lang="zh-TW" altLang="en-US" dirty="0" smtClean="0"/>
+              <a:t>、</a:t>
+            </a:r>
+            <a:r>
+              <a:rPr lang="en-US" altLang="zh-TW" dirty="0" smtClean="0"/>
+              <a:t>34</a:t>
+            </a:r>
+            <a:r>
+              <a:rPr lang="zh-TW" altLang="en-US" dirty="0" smtClean="0"/>
+              <a:t>、</a:t>
+            </a:r>
+            <a:r>
+              <a:rPr lang="en-US" altLang="zh-TW" dirty="0" smtClean="0"/>
+              <a:t>35</a:t>
+            </a:r>
+            <a:r>
+              <a:rPr lang="zh-TW" altLang="en-US" dirty="0" smtClean="0"/>
+              <a:t>、</a:t>
+            </a:r>
+            <a:r>
+              <a:rPr lang="en-US" altLang="zh-TW" dirty="0" smtClean="0"/>
+              <a:t>36</a:t>
+            </a:r>
+            <a:r>
+              <a:rPr lang="zh-TW" altLang="en-US" dirty="0" smtClean="0"/>
+              <a:t>、</a:t>
+            </a:r>
+            <a:r>
+              <a:rPr lang="en-US" altLang="zh-TW" dirty="0" smtClean="0"/>
+              <a:t>37</a:t>
+            </a:r>
+            <a:r>
+              <a:rPr lang="zh-TW" altLang="en-US" dirty="0" smtClean="0"/>
+              <a:t>、</a:t>
+            </a:r>
+            <a:r>
+              <a:rPr lang="en-US" altLang="zh-TW" dirty="0" smtClean="0"/>
+              <a:t>38</a:t>
+            </a:r>
+          </a:p>
+          <a:p>
+            <a:pPr lvl="1"/>
+            <a:r>
+              <a:rPr lang="zh-TW" altLang="en-US" dirty="0" smtClean="0"/>
+              <a:t>貨車：</a:t>
+            </a:r>
+            <a:r>
+              <a:rPr lang="en-US" altLang="zh-TW" dirty="0" smtClean="0"/>
+              <a:t>41</a:t>
+            </a:r>
+            <a:r>
+              <a:rPr lang="zh-TW" altLang="en-US" dirty="0" smtClean="0"/>
+              <a:t>、</a:t>
+            </a:r>
+            <a:r>
+              <a:rPr lang="en-US" altLang="zh-TW" dirty="0" smtClean="0"/>
+              <a:t>42</a:t>
+            </a:r>
+            <a:r>
+              <a:rPr lang="zh-TW" altLang="en-US" dirty="0" smtClean="0"/>
+              <a:t>、</a:t>
+            </a:r>
+            <a:r>
+              <a:rPr lang="en-US" altLang="zh-TW" dirty="0" smtClean="0"/>
+              <a:t>43</a:t>
+            </a:r>
+            <a:r>
+              <a:rPr lang="zh-TW" altLang="en-US" dirty="0" smtClean="0"/>
+              <a:t>、</a:t>
+            </a:r>
+            <a:r>
+              <a:rPr lang="en-US" altLang="zh-TW" dirty="0" smtClean="0"/>
+              <a:t>44</a:t>
+            </a:r>
+            <a:r>
+              <a:rPr lang="zh-TW" altLang="en-US" dirty="0" smtClean="0"/>
+              <a:t>、</a:t>
+            </a:r>
+            <a:r>
+              <a:rPr lang="en-US" altLang="zh-TW" dirty="0" smtClean="0"/>
+              <a:t>45</a:t>
+            </a:r>
+            <a:r>
+              <a:rPr lang="zh-TW" altLang="en-US" dirty="0" smtClean="0"/>
+              <a:t>、</a:t>
+            </a:r>
+            <a:r>
+              <a:rPr lang="en-US" altLang="zh-TW" dirty="0" smtClean="0"/>
+              <a:t>46</a:t>
+            </a:r>
+            <a:r>
+              <a:rPr lang="zh-TW" altLang="en-US" dirty="0" smtClean="0"/>
+              <a:t>、</a:t>
+            </a:r>
+            <a:r>
+              <a:rPr lang="en-US" altLang="zh-TW" dirty="0" smtClean="0"/>
+              <a:t>47</a:t>
+            </a:r>
+            <a:r>
+              <a:rPr lang="zh-TW" altLang="en-US" dirty="0" smtClean="0"/>
+              <a:t>、</a:t>
+            </a:r>
+            <a:r>
+              <a:rPr lang="en-US" altLang="zh-TW" dirty="0" smtClean="0"/>
+              <a:t>48</a:t>
+            </a:r>
+          </a:p>
+          <a:p>
+            <a:pPr lvl="1"/>
+            <a:r>
+              <a:rPr lang="zh-TW" altLang="en-US" dirty="0" smtClean="0"/>
+              <a:t>多物件：</a:t>
+            </a:r>
+            <a:r>
+              <a:rPr lang="en-US" altLang="zh-TW" dirty="0" smtClean="0"/>
+              <a:t>59</a:t>
+            </a:r>
+          </a:p>
+          <a:p>
+            <a:pPr lvl="1"/>
+            <a:r>
+              <a:rPr lang="zh-TW" altLang="en-US" dirty="0" smtClean="0"/>
+              <a:t>垃圾物件：</a:t>
+            </a:r>
+            <a:r>
+              <a:rPr lang="en-US" altLang="zh-TW" dirty="0" smtClean="0"/>
+              <a:t>999</a:t>
+            </a:r>
+            <a:endParaRPr lang="zh-TW" altLang="en-US" dirty="0" smtClean="0"/>
+          </a:p>
+          <a:p>
+            <a:pPr lvl="1"/>
+            <a:endParaRPr lang="en-US" altLang="zh-TW" dirty="0" smtClean="0"/>
+          </a:p>
+          <a:p>
+            <a:r>
+              <a:rPr lang="zh-TW" altLang="en-US" dirty="0" smtClean="0"/>
+              <a:t>硬體：</a:t>
+            </a:r>
+            <a:endParaRPr lang="en-US" altLang="zh-TW" dirty="0"/>
+          </a:p>
+          <a:p>
+            <a:pPr lvl="1"/>
+            <a:r>
+              <a:rPr lang="en-US" altLang="zh-TW" dirty="0" smtClean="0"/>
+              <a:t>1</a:t>
+            </a:r>
+            <a:r>
+              <a:rPr lang="zh-TW" altLang="en-US" dirty="0" smtClean="0"/>
+              <a:t>台</a:t>
+            </a:r>
+            <a:r>
+              <a:rPr lang="en-US" altLang="zh-TW" dirty="0" smtClean="0"/>
+              <a:t>Master</a:t>
+            </a:r>
+            <a:r>
+              <a:rPr lang="zh-TW" altLang="en-US" dirty="0" smtClean="0"/>
+              <a:t>：</a:t>
+            </a:r>
+            <a:r>
+              <a:rPr lang="en-US" altLang="zh-TW" dirty="0" smtClean="0"/>
+              <a:t>4</a:t>
+            </a:r>
+            <a:r>
+              <a:rPr lang="zh-TW" altLang="en-US" dirty="0" smtClean="0"/>
+              <a:t>核心、</a:t>
+            </a:r>
+            <a:r>
+              <a:rPr lang="en-US" altLang="zh-TW" dirty="0" smtClean="0"/>
+              <a:t>4G</a:t>
+            </a:r>
+            <a:r>
+              <a:rPr lang="zh-TW" altLang="en-US" dirty="0" smtClean="0"/>
+              <a:t> </a:t>
+            </a:r>
+            <a:r>
+              <a:rPr lang="en-US" altLang="zh-TW" dirty="0" smtClean="0"/>
+              <a:t>ram</a:t>
+            </a:r>
+          </a:p>
+          <a:p>
+            <a:pPr lvl="1"/>
+            <a:r>
+              <a:rPr lang="en-US" altLang="zh-TW" dirty="0" smtClean="0"/>
+              <a:t>4</a:t>
+            </a:r>
+            <a:r>
+              <a:rPr lang="zh-TW" altLang="en-US" dirty="0" smtClean="0"/>
+              <a:t>台</a:t>
+            </a:r>
+            <a:r>
+              <a:rPr lang="en-US" altLang="zh-TW" dirty="0" smtClean="0"/>
+              <a:t>Node</a:t>
+            </a:r>
+            <a:r>
+              <a:rPr lang="zh-TW" altLang="en-US" dirty="0" smtClean="0"/>
+              <a:t>：</a:t>
+            </a:r>
+            <a:r>
+              <a:rPr lang="en-US" altLang="zh-TW" dirty="0" smtClean="0"/>
+              <a:t>1</a:t>
+            </a:r>
+            <a:r>
+              <a:rPr lang="zh-TW" altLang="en-US" dirty="0" smtClean="0"/>
+              <a:t>核心、</a:t>
+            </a:r>
+            <a:r>
+              <a:rPr lang="en-US" altLang="zh-TW" dirty="0" smtClean="0"/>
+              <a:t>4G</a:t>
+            </a:r>
+            <a:r>
+              <a:rPr lang="zh-TW" altLang="en-US" dirty="0" smtClean="0"/>
+              <a:t> </a:t>
+            </a:r>
+            <a:r>
+              <a:rPr lang="en-US" altLang="zh-TW" dirty="0" smtClean="0"/>
+              <a:t>ram</a:t>
+            </a:r>
+          </a:p>
+          <a:p>
+            <a:endParaRPr lang="en-US" altLang="zh-TW" dirty="0"/>
+          </a:p>
+          <a:p>
+            <a:r>
+              <a:rPr lang="zh-TW" altLang="en-US" dirty="0" smtClean="0"/>
+              <a:t>驗證樣本：</a:t>
+            </a:r>
+            <a:endParaRPr lang="en-US" altLang="zh-TW" dirty="0" smtClean="0"/>
+          </a:p>
+          <a:p>
+            <a:pPr lvl="1"/>
+            <a:r>
+              <a:rPr lang="en-US" altLang="zh-TW" dirty="0" smtClean="0"/>
+              <a:t>6996</a:t>
+            </a:r>
+            <a:r>
+              <a:rPr lang="zh-TW" altLang="en-US" dirty="0"/>
+              <a:t>張彩色原</a:t>
+            </a:r>
+            <a:r>
+              <a:rPr lang="zh-TW" altLang="en-US" dirty="0" smtClean="0"/>
+              <a:t>圖</a:t>
+            </a:r>
+            <a:r>
+              <a:rPr lang="en-US" altLang="zh-TW" dirty="0" smtClean="0"/>
+              <a:t>(inside test)</a:t>
+            </a:r>
+            <a:endParaRPr lang="en-US" altLang="zh-TW" dirty="0"/>
+          </a:p>
+          <a:p>
+            <a:endParaRPr lang="zh-TW" altLang="en-US" dirty="0" smtClean="0"/>
+          </a:p>
+        </p:txBody>
+      </p:sp>
+      <p:sp>
+        <p:nvSpPr>
           <p:cNvPr id="3" name="標題 2"/>
           <p:cNvSpPr>
             <a:spLocks noGrp="1"/>
@@ -8012,18 +8577,53 @@
           <a:p>
             <a:r>
               <a:rPr lang="zh-TW" altLang="en-US" dirty="0" smtClean="0"/>
-              <a:t>驗</a:t>
-            </a:r>
-            <a:r>
-              <a:rPr lang="zh-TW" altLang="en-US" dirty="0"/>
-              <a:t>證</a:t>
-            </a:r>
+              <a:t>驗證 </a:t>
+            </a:r>
+            <a:r>
+              <a:rPr lang="en-US" altLang="zh-TW" dirty="0" smtClean="0"/>
+              <a:t>–</a:t>
+            </a:r>
+            <a:r>
+              <a:rPr lang="zh-TW" altLang="en-US" dirty="0" smtClean="0"/>
+              <a:t> 實驗環境</a:t>
+            </a:r>
+            <a:endParaRPr lang="zh-TW" altLang="en-US" dirty="0"/>
           </a:p>
         </p:txBody>
       </p:sp>
-      <p:sp>
-        <p:nvSpPr>
-          <p:cNvPr id="2" name="內容版面配置區 1"/>
+    </p:spTree>
+    <p:extLst>
+      <p:ext uri="{BB962C8B-B14F-4D97-AF65-F5344CB8AC3E}">
+        <p14:creationId xmlns:p14="http://schemas.microsoft.com/office/powerpoint/2010/main" val="1967799913"/>
+      </p:ext>
+    </p:extLst>
+  </p:cSld>
+  <p:clrMapOvr>
+    <a:masterClrMapping/>
+  </p:clrMapOvr>
+</p:sld>
+</file>
+
+<file path=ppt/slides/slide18.xml><?xml version="1.0" encoding="utf-8"?>
+<p:sld xmlns:a="http://schemas.openxmlformats.org/drawingml/2006/main" xmlns:r="http://schemas.openxmlformats.org/officeDocument/2006/relationships" xmlns:p="http://schemas.openxmlformats.org/presentationml/2006/main">
+  <p:cSld>
+    <p:spTree>
+      <p:nvGrpSpPr>
+        <p:cNvPr id="1" name=""/>
+        <p:cNvGrpSpPr/>
+        <p:nvPr/>
+      </p:nvGrpSpPr>
+      <p:grpSpPr>
+        <a:xfrm>
+          <a:off x="0" y="0"/>
+          <a:ext cx="0" cy="0"/>
+          <a:chOff x="0" y="0"/>
+          <a:chExt cx="0" cy="0"/>
+        </a:xfrm>
+      </p:grpSpPr>
+      <p:sp>
+        <p:nvSpPr>
+          <p:cNvPr id="13" name="內容版面配置區 12"/>
           <p:cNvSpPr>
             <a:spLocks noGrp="1"/>
           </p:cNvSpPr>
@@ -8036,14 +8636,259 @@
           <a:bodyPr/>
           <a:lstStyle/>
           <a:p>
+            <a:r>
+              <a:rPr lang="zh-TW" altLang="en-US" dirty="0" smtClean="0"/>
+              <a:t>類別階層：</a:t>
+            </a:r>
             <a:endParaRPr lang="zh-TW" altLang="en-US" dirty="0"/>
           </a:p>
         </p:txBody>
       </p:sp>
+      <p:sp>
+        <p:nvSpPr>
+          <p:cNvPr id="3" name="標題 2"/>
+          <p:cNvSpPr>
+            <a:spLocks noGrp="1"/>
+          </p:cNvSpPr>
+          <p:nvPr>
+            <p:ph type="title"/>
+          </p:nvPr>
+        </p:nvSpPr>
+        <p:spPr/>
+        <p:txBody>
+          <a:bodyPr/>
+          <a:lstStyle/>
+          <a:p>
+            <a:r>
+              <a:rPr lang="zh-TW" altLang="en-US" dirty="0" smtClean="0"/>
+              <a:t>驗證 </a:t>
+            </a:r>
+            <a:r>
+              <a:rPr lang="en-US" altLang="zh-TW" dirty="0" smtClean="0"/>
+              <a:t>–</a:t>
+            </a:r>
+            <a:r>
+              <a:rPr lang="zh-TW" altLang="en-US" dirty="0" smtClean="0"/>
+              <a:t> </a:t>
+            </a:r>
+            <a:r>
+              <a:rPr lang="zh-TW" altLang="en-US" dirty="0"/>
+              <a:t>實驗環境</a:t>
+            </a:r>
+          </a:p>
+        </p:txBody>
+      </p:sp>
+      <p:pic>
+        <p:nvPicPr>
+          <p:cNvPr id="4" name="內容版面配置區 3"/>
+          <p:cNvPicPr>
+            <a:picLocks noChangeAspect="1"/>
+          </p:cNvPicPr>
+          <p:nvPr/>
+        </p:nvPicPr>
+        <p:blipFill>
+          <a:blip r:embed="rId2"/>
+          <a:stretch>
+            <a:fillRect/>
+          </a:stretch>
+        </p:blipFill>
+        <p:spPr>
+          <a:xfrm>
+            <a:off x="838200" y="1390624"/>
+            <a:ext cx="10515600" cy="4659364"/>
+          </a:xfrm>
+          <a:prstGeom prst="rect">
+            <a:avLst/>
+          </a:prstGeom>
+        </p:spPr>
+      </p:pic>
     </p:spTree>
     <p:extLst>
       <p:ext uri="{BB962C8B-B14F-4D97-AF65-F5344CB8AC3E}">
-        <p14:creationId xmlns:p14="http://schemas.microsoft.com/office/powerpoint/2010/main" val="1967799913"/>
+        <p14:creationId xmlns:p14="http://schemas.microsoft.com/office/powerpoint/2010/main" val="2908412769"/>
+      </p:ext>
+    </p:extLst>
+  </p:cSld>
+  <p:clrMapOvr>
+    <a:masterClrMapping/>
+  </p:clrMapOvr>
+</p:sld>
+</file>
+
+<file path=ppt/slides/slide19.xml><?xml version="1.0" encoding="utf-8"?>
+<p:sld xmlns:a="http://schemas.openxmlformats.org/drawingml/2006/main" xmlns:r="http://schemas.openxmlformats.org/officeDocument/2006/relationships" xmlns:p="http://schemas.openxmlformats.org/presentationml/2006/main">
+  <p:cSld>
+    <p:spTree>
+      <p:nvGrpSpPr>
+        <p:cNvPr id="1" name=""/>
+        <p:cNvGrpSpPr/>
+        <p:nvPr/>
+      </p:nvGrpSpPr>
+      <p:grpSpPr>
+        <a:xfrm>
+          <a:off x="0" y="0"/>
+          <a:ext cx="0" cy="0"/>
+          <a:chOff x="0" y="0"/>
+          <a:chExt cx="0" cy="0"/>
+        </a:xfrm>
+      </p:grpSpPr>
+      <p:sp>
+        <p:nvSpPr>
+          <p:cNvPr id="3" name="標題 2"/>
+          <p:cNvSpPr>
+            <a:spLocks noGrp="1"/>
+          </p:cNvSpPr>
+          <p:nvPr>
+            <p:ph type="title"/>
+          </p:nvPr>
+        </p:nvSpPr>
+        <p:spPr/>
+        <p:txBody>
+          <a:bodyPr/>
+          <a:lstStyle/>
+          <a:p>
+            <a:r>
+              <a:rPr lang="zh-TW" altLang="en-US" dirty="0" smtClean="0"/>
+              <a:t>驗</a:t>
+            </a:r>
+            <a:r>
+              <a:rPr lang="zh-TW" altLang="en-US" dirty="0"/>
+              <a:t>證</a:t>
+            </a:r>
+          </a:p>
+        </p:txBody>
+      </p:sp>
+      <p:pic>
+        <p:nvPicPr>
+          <p:cNvPr id="5" name="內容版面配置區 4"/>
+          <p:cNvPicPr>
+            <a:picLocks noGrp="1" noChangeAspect="1"/>
+          </p:cNvPicPr>
+          <p:nvPr>
+            <p:ph idx="1"/>
+          </p:nvPr>
+        </p:nvPicPr>
+        <p:blipFill>
+          <a:blip r:embed="rId2"/>
+          <a:stretch>
+            <a:fillRect/>
+          </a:stretch>
+        </p:blipFill>
+        <p:spPr>
+          <a:xfrm>
+            <a:off x="1221351" y="1201738"/>
+            <a:ext cx="9749297" cy="5037137"/>
+          </a:xfrm>
+          <a:prstGeom prst="rect">
+            <a:avLst/>
+          </a:prstGeom>
+        </p:spPr>
+      </p:pic>
+      <p:sp>
+        <p:nvSpPr>
+          <p:cNvPr id="4" name="矩形 3"/>
+          <p:cNvSpPr/>
+          <p:nvPr/>
+        </p:nvSpPr>
+        <p:spPr>
+          <a:xfrm>
+            <a:off x="1221351" y="5745480"/>
+            <a:ext cx="2512449" cy="205740"/>
+          </a:xfrm>
+          <a:prstGeom prst="rect">
+            <a:avLst/>
+          </a:prstGeom>
+          <a:noFill/>
+          <a:ln w="19050">
+            <a:solidFill>
+              <a:srgbClr val="FF0000"/>
+            </a:solidFill>
+          </a:ln>
+        </p:spPr>
+        <p:style>
+          <a:lnRef idx="2">
+            <a:schemeClr val="accent1">
+              <a:shade val="50000"/>
+            </a:schemeClr>
+          </a:lnRef>
+          <a:fillRef idx="1">
+            <a:schemeClr val="accent1"/>
+          </a:fillRef>
+          <a:effectRef idx="0">
+            <a:schemeClr val="accent1"/>
+          </a:effectRef>
+          <a:fontRef idx="minor">
+            <a:schemeClr val="lt1"/>
+          </a:fontRef>
+        </p:style>
+        <p:txBody>
+          <a:bodyPr rtlCol="0" anchor="ctr"/>
+          <a:lstStyle/>
+          <a:p>
+            <a:pPr algn="ctr"/>
+            <a:endParaRPr lang="zh-TW" altLang="en-US"/>
+          </a:p>
+        </p:txBody>
+      </p:sp>
+      <p:sp>
+        <p:nvSpPr>
+          <p:cNvPr id="6" name="文字方塊 5"/>
+          <p:cNvSpPr txBox="1"/>
+          <p:nvPr/>
+        </p:nvSpPr>
+        <p:spPr>
+          <a:xfrm>
+            <a:off x="3733800" y="5663684"/>
+            <a:ext cx="1107996" cy="369332"/>
+          </a:xfrm>
+          <a:prstGeom prst="rect">
+            <a:avLst/>
+          </a:prstGeom>
+          <a:noFill/>
+        </p:spPr>
+        <p:txBody>
+          <a:bodyPr wrap="none" rtlCol="0">
+            <a:spAutoFit/>
+          </a:bodyPr>
+          <a:lstStyle/>
+          <a:p>
+            <a:r>
+              <a:rPr lang="zh-TW" altLang="en-US" dirty="0" smtClean="0">
+                <a:solidFill>
+                  <a:srgbClr val="FF0000"/>
+                </a:solidFill>
+                <a:latin typeface="Times New Roman" panose="02020603050405020304" pitchFamily="18" charset="0"/>
+                <a:ea typeface="標楷體" panose="03000509000000000000" pitchFamily="65" charset="-120"/>
+                <a:cs typeface="Times New Roman" panose="02020603050405020304" pitchFamily="18" charset="0"/>
+              </a:rPr>
+              <a:t>訓練時</a:t>
+            </a:r>
+            <a:r>
+              <a:rPr lang="zh-TW" altLang="en-US" dirty="0">
+                <a:solidFill>
+                  <a:srgbClr val="FF0000"/>
+                </a:solidFill>
+                <a:latin typeface="Times New Roman" panose="02020603050405020304" pitchFamily="18" charset="0"/>
+                <a:ea typeface="標楷體" panose="03000509000000000000" pitchFamily="65" charset="-120"/>
+                <a:cs typeface="Times New Roman" panose="02020603050405020304" pitchFamily="18" charset="0"/>
+              </a:rPr>
+              <a:t>間</a:t>
+            </a:r>
+            <a:endParaRPr lang="zh-TW" altLang="en-US" dirty="0">
+              <a:solidFill>
+                <a:srgbClr val="FF0000"/>
+              </a:solidFill>
+              <a:latin typeface="Times New Roman" panose="02020603050405020304" pitchFamily="18" charset="0"/>
+              <a:ea typeface="標楷體" panose="03000509000000000000" pitchFamily="65" charset="-120"/>
+              <a:cs typeface="Times New Roman" panose="02020603050405020304" pitchFamily="18" charset="0"/>
+            </a:endParaRPr>
+          </a:p>
+        </p:txBody>
+      </p:sp>
+    </p:spTree>
+    <p:extLst>
+      <p:ext uri="{BB962C8B-B14F-4D97-AF65-F5344CB8AC3E}">
+        <p14:creationId xmlns:p14="http://schemas.microsoft.com/office/powerpoint/2010/main" val="625609208"/>
       </p:ext>
     </p:extLst>
   </p:cSld>
@@ -8188,6 +9033,1883 @@
   <p:clrMapOvr>
     <a:masterClrMapping/>
   </p:clrMapOvr>
+</p:sld>
+</file>
+
+<file path=ppt/slides/slide20.xml><?xml version="1.0" encoding="utf-8"?>
+<p:sld xmlns:a="http://schemas.openxmlformats.org/drawingml/2006/main" xmlns:r="http://schemas.openxmlformats.org/officeDocument/2006/relationships" xmlns:p="http://schemas.openxmlformats.org/presentationml/2006/main">
+  <p:cSld>
+    <p:spTree>
+      <p:nvGrpSpPr>
+        <p:cNvPr id="1" name=""/>
+        <p:cNvGrpSpPr/>
+        <p:nvPr/>
+      </p:nvGrpSpPr>
+      <p:grpSpPr>
+        <a:xfrm>
+          <a:off x="0" y="0"/>
+          <a:ext cx="0" cy="0"/>
+          <a:chOff x="0" y="0"/>
+          <a:chExt cx="0" cy="0"/>
+        </a:xfrm>
+      </p:grpSpPr>
+      <p:pic>
+        <p:nvPicPr>
+          <p:cNvPr id="4" name="內容版面配置區 3"/>
+          <p:cNvPicPr>
+            <a:picLocks noGrp="1" noChangeAspect="1"/>
+          </p:cNvPicPr>
+          <p:nvPr>
+            <p:ph idx="1"/>
+          </p:nvPr>
+        </p:nvPicPr>
+        <p:blipFill>
+          <a:blip r:embed="rId2"/>
+          <a:stretch>
+            <a:fillRect/>
+          </a:stretch>
+        </p:blipFill>
+        <p:spPr>
+          <a:xfrm>
+            <a:off x="1452389" y="1201738"/>
+            <a:ext cx="9287221" cy="5037137"/>
+          </a:xfrm>
+          <a:prstGeom prst="rect">
+            <a:avLst/>
+          </a:prstGeom>
+        </p:spPr>
+      </p:pic>
+      <p:sp>
+        <p:nvSpPr>
+          <p:cNvPr id="3" name="標題 2"/>
+          <p:cNvSpPr>
+            <a:spLocks noGrp="1"/>
+          </p:cNvSpPr>
+          <p:nvPr>
+            <p:ph type="title"/>
+          </p:nvPr>
+        </p:nvSpPr>
+        <p:spPr/>
+        <p:txBody>
+          <a:bodyPr/>
+          <a:lstStyle/>
+          <a:p>
+            <a:r>
+              <a:rPr lang="zh-TW" altLang="en-US" dirty="0" smtClean="0"/>
+              <a:t>驗</a:t>
+            </a:r>
+            <a:r>
+              <a:rPr lang="zh-TW" altLang="en-US" dirty="0"/>
+              <a:t>證</a:t>
+            </a:r>
+          </a:p>
+        </p:txBody>
+      </p:sp>
+      <p:sp>
+        <p:nvSpPr>
+          <p:cNvPr id="8" name="文字方塊 7"/>
+          <p:cNvSpPr txBox="1"/>
+          <p:nvPr/>
+        </p:nvSpPr>
+        <p:spPr>
+          <a:xfrm>
+            <a:off x="2613660" y="2034540"/>
+            <a:ext cx="3416320" cy="646331"/>
+          </a:xfrm>
+          <a:prstGeom prst="rect">
+            <a:avLst/>
+          </a:prstGeom>
+          <a:noFill/>
+        </p:spPr>
+        <p:txBody>
+          <a:bodyPr wrap="none" rtlCol="0">
+            <a:spAutoFit/>
+          </a:bodyPr>
+          <a:lstStyle/>
+          <a:p>
+            <a:r>
+              <a:rPr lang="en-US" altLang="zh-TW" dirty="0" smtClean="0">
+                <a:solidFill>
+                  <a:srgbClr val="FF0000"/>
+                </a:solidFill>
+                <a:latin typeface="Times New Roman" panose="02020603050405020304" pitchFamily="18" charset="0"/>
+                <a:ea typeface="標楷體" panose="03000509000000000000" pitchFamily="65" charset="-120"/>
+                <a:cs typeface="Times New Roman" panose="02020603050405020304" pitchFamily="18" charset="0"/>
+              </a:rPr>
+              <a:t>Master</a:t>
+            </a:r>
+            <a:r>
+              <a:rPr lang="zh-TW" altLang="en-US" dirty="0" smtClean="0">
+                <a:solidFill>
+                  <a:srgbClr val="FF0000"/>
+                </a:solidFill>
+                <a:latin typeface="Times New Roman" panose="02020603050405020304" pitchFamily="18" charset="0"/>
+                <a:ea typeface="標楷體" panose="03000509000000000000" pitchFamily="65" charset="-120"/>
+                <a:cs typeface="Times New Roman" panose="02020603050405020304" pitchFamily="18" charset="0"/>
+              </a:rPr>
+              <a:t> 工作內容：</a:t>
+            </a:r>
+            <a:endParaRPr lang="en-US" altLang="zh-TW" dirty="0" smtClean="0">
+              <a:solidFill>
+                <a:srgbClr val="FF0000"/>
+              </a:solidFill>
+              <a:latin typeface="Times New Roman" panose="02020603050405020304" pitchFamily="18" charset="0"/>
+              <a:ea typeface="標楷體" panose="03000509000000000000" pitchFamily="65" charset="-120"/>
+              <a:cs typeface="Times New Roman" panose="02020603050405020304" pitchFamily="18" charset="0"/>
+            </a:endParaRPr>
+          </a:p>
+          <a:p>
+            <a:r>
+              <a:rPr lang="zh-TW" altLang="en-US" dirty="0" smtClean="0">
+                <a:solidFill>
+                  <a:srgbClr val="FF0000"/>
+                </a:solidFill>
+                <a:latin typeface="Times New Roman" panose="02020603050405020304" pitchFamily="18" charset="0"/>
+                <a:ea typeface="標楷體" panose="03000509000000000000" pitchFamily="65" charset="-120"/>
+                <a:cs typeface="Times New Roman" panose="02020603050405020304" pitchFamily="18" charset="0"/>
+              </a:rPr>
+              <a:t>讀取階層設定並將工作內容儲存</a:t>
+            </a:r>
+            <a:endParaRPr lang="zh-TW" altLang="en-US" dirty="0">
+              <a:solidFill>
+                <a:srgbClr val="FF0000"/>
+              </a:solidFill>
+              <a:latin typeface="Times New Roman" panose="02020603050405020304" pitchFamily="18" charset="0"/>
+              <a:ea typeface="標楷體" panose="03000509000000000000" pitchFamily="65" charset="-120"/>
+              <a:cs typeface="Times New Roman" panose="02020603050405020304" pitchFamily="18" charset="0"/>
+            </a:endParaRPr>
+          </a:p>
+        </p:txBody>
+      </p:sp>
+      <p:sp>
+        <p:nvSpPr>
+          <p:cNvPr id="9" name="文字方塊 8"/>
+          <p:cNvSpPr txBox="1"/>
+          <p:nvPr/>
+        </p:nvSpPr>
+        <p:spPr>
+          <a:xfrm>
+            <a:off x="3190741" y="4716780"/>
+            <a:ext cx="2262158" cy="646331"/>
+          </a:xfrm>
+          <a:prstGeom prst="rect">
+            <a:avLst/>
+          </a:prstGeom>
+          <a:noFill/>
+        </p:spPr>
+        <p:txBody>
+          <a:bodyPr wrap="none" rtlCol="0">
+            <a:spAutoFit/>
+          </a:bodyPr>
+          <a:lstStyle/>
+          <a:p>
+            <a:r>
+              <a:rPr lang="en-US" altLang="zh-TW" dirty="0" smtClean="0">
+                <a:solidFill>
+                  <a:srgbClr val="FF0000"/>
+                </a:solidFill>
+                <a:latin typeface="Times New Roman" panose="02020603050405020304" pitchFamily="18" charset="0"/>
+                <a:ea typeface="標楷體" panose="03000509000000000000" pitchFamily="65" charset="-120"/>
+                <a:cs typeface="Times New Roman" panose="02020603050405020304" pitchFamily="18" charset="0"/>
+              </a:rPr>
+              <a:t>Master</a:t>
+            </a:r>
+            <a:r>
+              <a:rPr lang="zh-TW" altLang="en-US" dirty="0" smtClean="0">
+                <a:solidFill>
+                  <a:srgbClr val="FF0000"/>
+                </a:solidFill>
+                <a:latin typeface="Times New Roman" panose="02020603050405020304" pitchFamily="18" charset="0"/>
+                <a:ea typeface="標楷體" panose="03000509000000000000" pitchFamily="65" charset="-120"/>
+                <a:cs typeface="Times New Roman" panose="02020603050405020304" pitchFamily="18" charset="0"/>
+              </a:rPr>
+              <a:t> 工作內容：</a:t>
+            </a:r>
+            <a:endParaRPr lang="en-US" altLang="zh-TW" dirty="0" smtClean="0">
+              <a:solidFill>
+                <a:srgbClr val="FF0000"/>
+              </a:solidFill>
+              <a:latin typeface="Times New Roman" panose="02020603050405020304" pitchFamily="18" charset="0"/>
+              <a:ea typeface="標楷體" panose="03000509000000000000" pitchFamily="65" charset="-120"/>
+              <a:cs typeface="Times New Roman" panose="02020603050405020304" pitchFamily="18" charset="0"/>
+            </a:endParaRPr>
+          </a:p>
+          <a:p>
+            <a:r>
+              <a:rPr lang="zh-TW" altLang="en-US" dirty="0">
+                <a:solidFill>
+                  <a:srgbClr val="FF0000"/>
+                </a:solidFill>
+                <a:latin typeface="Times New Roman" panose="02020603050405020304" pitchFamily="18" charset="0"/>
+                <a:ea typeface="標楷體" panose="03000509000000000000" pitchFamily="65" charset="-120"/>
+                <a:cs typeface="Times New Roman" panose="02020603050405020304" pitchFamily="18" charset="0"/>
+              </a:rPr>
+              <a:t>將</a:t>
+            </a:r>
+            <a:r>
+              <a:rPr lang="zh-TW" altLang="en-US" dirty="0" smtClean="0">
+                <a:solidFill>
+                  <a:srgbClr val="FF0000"/>
+                </a:solidFill>
+                <a:latin typeface="Times New Roman" panose="02020603050405020304" pitchFamily="18" charset="0"/>
+                <a:ea typeface="標楷體" panose="03000509000000000000" pitchFamily="65" charset="-120"/>
+                <a:cs typeface="Times New Roman" panose="02020603050405020304" pitchFamily="18" charset="0"/>
+              </a:rPr>
+              <a:t>工作內容檔案派工</a:t>
+            </a:r>
+            <a:endParaRPr lang="zh-TW" altLang="en-US" dirty="0">
+              <a:solidFill>
+                <a:srgbClr val="FF0000"/>
+              </a:solidFill>
+              <a:latin typeface="Times New Roman" panose="02020603050405020304" pitchFamily="18" charset="0"/>
+              <a:ea typeface="標楷體" panose="03000509000000000000" pitchFamily="65" charset="-120"/>
+              <a:cs typeface="Times New Roman" panose="02020603050405020304" pitchFamily="18" charset="0"/>
+            </a:endParaRPr>
+          </a:p>
+        </p:txBody>
+      </p:sp>
+      <p:sp>
+        <p:nvSpPr>
+          <p:cNvPr id="10" name="文字方塊 9"/>
+          <p:cNvSpPr txBox="1"/>
+          <p:nvPr/>
+        </p:nvSpPr>
+        <p:spPr>
+          <a:xfrm>
+            <a:off x="8273281" y="1677312"/>
+            <a:ext cx="2262158" cy="646331"/>
+          </a:xfrm>
+          <a:prstGeom prst="rect">
+            <a:avLst/>
+          </a:prstGeom>
+          <a:noFill/>
+        </p:spPr>
+        <p:txBody>
+          <a:bodyPr wrap="none" rtlCol="0">
+            <a:spAutoFit/>
+          </a:bodyPr>
+          <a:lstStyle/>
+          <a:p>
+            <a:r>
+              <a:rPr lang="en-US" altLang="zh-TW" dirty="0" smtClean="0">
+                <a:solidFill>
+                  <a:srgbClr val="FF0000"/>
+                </a:solidFill>
+                <a:latin typeface="Times New Roman" panose="02020603050405020304" pitchFamily="18" charset="0"/>
+                <a:ea typeface="標楷體" panose="03000509000000000000" pitchFamily="65" charset="-120"/>
+                <a:cs typeface="Times New Roman" panose="02020603050405020304" pitchFamily="18" charset="0"/>
+              </a:rPr>
+              <a:t>Node1</a:t>
+            </a:r>
+            <a:r>
+              <a:rPr lang="zh-TW" altLang="en-US" dirty="0" smtClean="0">
+                <a:solidFill>
+                  <a:srgbClr val="FF0000"/>
+                </a:solidFill>
+                <a:latin typeface="Times New Roman" panose="02020603050405020304" pitchFamily="18" charset="0"/>
+                <a:ea typeface="標楷體" panose="03000509000000000000" pitchFamily="65" charset="-120"/>
+                <a:cs typeface="Times New Roman" panose="02020603050405020304" pitchFamily="18" charset="0"/>
+              </a:rPr>
+              <a:t> 工作內容：</a:t>
+            </a:r>
+            <a:endParaRPr lang="en-US" altLang="zh-TW" dirty="0" smtClean="0">
+              <a:solidFill>
+                <a:srgbClr val="FF0000"/>
+              </a:solidFill>
+              <a:latin typeface="Times New Roman" panose="02020603050405020304" pitchFamily="18" charset="0"/>
+              <a:ea typeface="標楷體" panose="03000509000000000000" pitchFamily="65" charset="-120"/>
+              <a:cs typeface="Times New Roman" panose="02020603050405020304" pitchFamily="18" charset="0"/>
+            </a:endParaRPr>
+          </a:p>
+          <a:p>
+            <a:r>
+              <a:rPr lang="zh-TW" altLang="en-US" dirty="0" smtClean="0">
+                <a:solidFill>
+                  <a:srgbClr val="FF0000"/>
+                </a:solidFill>
+                <a:latin typeface="Times New Roman" panose="02020603050405020304" pitchFamily="18" charset="0"/>
+                <a:ea typeface="標楷體" panose="03000509000000000000" pitchFamily="65" charset="-120"/>
+                <a:cs typeface="Times New Roman" panose="02020603050405020304" pitchFamily="18" charset="0"/>
+              </a:rPr>
+              <a:t>接收工作內容並</a:t>
+            </a:r>
+            <a:r>
+              <a:rPr lang="zh-TW" altLang="en-US" dirty="0">
+                <a:solidFill>
+                  <a:srgbClr val="FF0000"/>
+                </a:solidFill>
+                <a:latin typeface="Times New Roman" panose="02020603050405020304" pitchFamily="18" charset="0"/>
+                <a:ea typeface="標楷體" panose="03000509000000000000" pitchFamily="65" charset="-120"/>
+                <a:cs typeface="Times New Roman" panose="02020603050405020304" pitchFamily="18" charset="0"/>
+              </a:rPr>
+              <a:t>訓練</a:t>
+            </a:r>
+          </a:p>
+        </p:txBody>
+      </p:sp>
+      <p:sp>
+        <p:nvSpPr>
+          <p:cNvPr id="11" name="文字方塊 10"/>
+          <p:cNvSpPr txBox="1"/>
+          <p:nvPr/>
+        </p:nvSpPr>
+        <p:spPr>
+          <a:xfrm>
+            <a:off x="8273281" y="2823626"/>
+            <a:ext cx="2262158" cy="646331"/>
+          </a:xfrm>
+          <a:prstGeom prst="rect">
+            <a:avLst/>
+          </a:prstGeom>
+          <a:noFill/>
+        </p:spPr>
+        <p:txBody>
+          <a:bodyPr wrap="none" rtlCol="0">
+            <a:spAutoFit/>
+          </a:bodyPr>
+          <a:lstStyle/>
+          <a:p>
+            <a:r>
+              <a:rPr lang="en-US" altLang="zh-TW" dirty="0" smtClean="0">
+                <a:solidFill>
+                  <a:srgbClr val="FF0000"/>
+                </a:solidFill>
+                <a:latin typeface="Times New Roman" panose="02020603050405020304" pitchFamily="18" charset="0"/>
+                <a:ea typeface="標楷體" panose="03000509000000000000" pitchFamily="65" charset="-120"/>
+                <a:cs typeface="Times New Roman" panose="02020603050405020304" pitchFamily="18" charset="0"/>
+              </a:rPr>
+              <a:t>Node2</a:t>
+            </a:r>
+            <a:r>
+              <a:rPr lang="zh-TW" altLang="en-US" dirty="0" smtClean="0">
+                <a:solidFill>
+                  <a:srgbClr val="FF0000"/>
+                </a:solidFill>
+                <a:latin typeface="Times New Roman" panose="02020603050405020304" pitchFamily="18" charset="0"/>
+                <a:ea typeface="標楷體" panose="03000509000000000000" pitchFamily="65" charset="-120"/>
+                <a:cs typeface="Times New Roman" panose="02020603050405020304" pitchFamily="18" charset="0"/>
+              </a:rPr>
+              <a:t> 工作內容：</a:t>
+            </a:r>
+            <a:endParaRPr lang="en-US" altLang="zh-TW" dirty="0" smtClean="0">
+              <a:solidFill>
+                <a:srgbClr val="FF0000"/>
+              </a:solidFill>
+              <a:latin typeface="Times New Roman" panose="02020603050405020304" pitchFamily="18" charset="0"/>
+              <a:ea typeface="標楷體" panose="03000509000000000000" pitchFamily="65" charset="-120"/>
+              <a:cs typeface="Times New Roman" panose="02020603050405020304" pitchFamily="18" charset="0"/>
+            </a:endParaRPr>
+          </a:p>
+          <a:p>
+            <a:r>
+              <a:rPr lang="zh-TW" altLang="en-US" dirty="0" smtClean="0">
+                <a:solidFill>
+                  <a:srgbClr val="FF0000"/>
+                </a:solidFill>
+                <a:latin typeface="Times New Roman" panose="02020603050405020304" pitchFamily="18" charset="0"/>
+                <a:ea typeface="標楷體" panose="03000509000000000000" pitchFamily="65" charset="-120"/>
+                <a:cs typeface="Times New Roman" panose="02020603050405020304" pitchFamily="18" charset="0"/>
+              </a:rPr>
+              <a:t>接收工作內容並</a:t>
+            </a:r>
+            <a:r>
+              <a:rPr lang="zh-TW" altLang="en-US" dirty="0">
+                <a:solidFill>
+                  <a:srgbClr val="FF0000"/>
+                </a:solidFill>
+                <a:latin typeface="Times New Roman" panose="02020603050405020304" pitchFamily="18" charset="0"/>
+                <a:ea typeface="標楷體" panose="03000509000000000000" pitchFamily="65" charset="-120"/>
+                <a:cs typeface="Times New Roman" panose="02020603050405020304" pitchFamily="18" charset="0"/>
+              </a:rPr>
+              <a:t>訓練</a:t>
+            </a:r>
+          </a:p>
+        </p:txBody>
+      </p:sp>
+      <p:sp>
+        <p:nvSpPr>
+          <p:cNvPr id="12" name="文字方塊 11"/>
+          <p:cNvSpPr txBox="1"/>
+          <p:nvPr/>
+        </p:nvSpPr>
+        <p:spPr>
+          <a:xfrm>
+            <a:off x="8273281" y="4062144"/>
+            <a:ext cx="2262158" cy="646331"/>
+          </a:xfrm>
+          <a:prstGeom prst="rect">
+            <a:avLst/>
+          </a:prstGeom>
+          <a:noFill/>
+        </p:spPr>
+        <p:txBody>
+          <a:bodyPr wrap="none" rtlCol="0">
+            <a:spAutoFit/>
+          </a:bodyPr>
+          <a:lstStyle/>
+          <a:p>
+            <a:r>
+              <a:rPr lang="en-US" altLang="zh-TW" dirty="0" smtClean="0">
+                <a:solidFill>
+                  <a:srgbClr val="FF0000"/>
+                </a:solidFill>
+                <a:latin typeface="Times New Roman" panose="02020603050405020304" pitchFamily="18" charset="0"/>
+                <a:ea typeface="標楷體" panose="03000509000000000000" pitchFamily="65" charset="-120"/>
+                <a:cs typeface="Times New Roman" panose="02020603050405020304" pitchFamily="18" charset="0"/>
+              </a:rPr>
+              <a:t>Node3</a:t>
+            </a:r>
+            <a:r>
+              <a:rPr lang="zh-TW" altLang="en-US" dirty="0" smtClean="0">
+                <a:solidFill>
+                  <a:srgbClr val="FF0000"/>
+                </a:solidFill>
+                <a:latin typeface="Times New Roman" panose="02020603050405020304" pitchFamily="18" charset="0"/>
+                <a:ea typeface="標楷體" panose="03000509000000000000" pitchFamily="65" charset="-120"/>
+                <a:cs typeface="Times New Roman" panose="02020603050405020304" pitchFamily="18" charset="0"/>
+              </a:rPr>
+              <a:t> 工作內容：</a:t>
+            </a:r>
+            <a:endParaRPr lang="en-US" altLang="zh-TW" dirty="0" smtClean="0">
+              <a:solidFill>
+                <a:srgbClr val="FF0000"/>
+              </a:solidFill>
+              <a:latin typeface="Times New Roman" panose="02020603050405020304" pitchFamily="18" charset="0"/>
+              <a:ea typeface="標楷體" panose="03000509000000000000" pitchFamily="65" charset="-120"/>
+              <a:cs typeface="Times New Roman" panose="02020603050405020304" pitchFamily="18" charset="0"/>
+            </a:endParaRPr>
+          </a:p>
+          <a:p>
+            <a:r>
+              <a:rPr lang="zh-TW" altLang="en-US" dirty="0" smtClean="0">
+                <a:solidFill>
+                  <a:srgbClr val="FF0000"/>
+                </a:solidFill>
+                <a:latin typeface="Times New Roman" panose="02020603050405020304" pitchFamily="18" charset="0"/>
+                <a:ea typeface="標楷體" panose="03000509000000000000" pitchFamily="65" charset="-120"/>
+                <a:cs typeface="Times New Roman" panose="02020603050405020304" pitchFamily="18" charset="0"/>
+              </a:rPr>
+              <a:t>接收工作內容並</a:t>
+            </a:r>
+            <a:r>
+              <a:rPr lang="zh-TW" altLang="en-US" dirty="0">
+                <a:solidFill>
+                  <a:srgbClr val="FF0000"/>
+                </a:solidFill>
+                <a:latin typeface="Times New Roman" panose="02020603050405020304" pitchFamily="18" charset="0"/>
+                <a:ea typeface="標楷體" panose="03000509000000000000" pitchFamily="65" charset="-120"/>
+                <a:cs typeface="Times New Roman" panose="02020603050405020304" pitchFamily="18" charset="0"/>
+              </a:rPr>
+              <a:t>訓練</a:t>
+            </a:r>
+          </a:p>
+        </p:txBody>
+      </p:sp>
+      <p:sp>
+        <p:nvSpPr>
+          <p:cNvPr id="13" name="文字方塊 12"/>
+          <p:cNvSpPr txBox="1"/>
+          <p:nvPr/>
+        </p:nvSpPr>
+        <p:spPr>
+          <a:xfrm>
+            <a:off x="8273281" y="5300662"/>
+            <a:ext cx="2262158" cy="646331"/>
+          </a:xfrm>
+          <a:prstGeom prst="rect">
+            <a:avLst/>
+          </a:prstGeom>
+          <a:noFill/>
+        </p:spPr>
+        <p:txBody>
+          <a:bodyPr wrap="none" rtlCol="0">
+            <a:spAutoFit/>
+          </a:bodyPr>
+          <a:lstStyle/>
+          <a:p>
+            <a:r>
+              <a:rPr lang="en-US" altLang="zh-TW" dirty="0" smtClean="0">
+                <a:solidFill>
+                  <a:srgbClr val="FF0000"/>
+                </a:solidFill>
+                <a:latin typeface="Times New Roman" panose="02020603050405020304" pitchFamily="18" charset="0"/>
+                <a:ea typeface="標楷體" panose="03000509000000000000" pitchFamily="65" charset="-120"/>
+                <a:cs typeface="Times New Roman" panose="02020603050405020304" pitchFamily="18" charset="0"/>
+              </a:rPr>
+              <a:t>Node4</a:t>
+            </a:r>
+            <a:r>
+              <a:rPr lang="zh-TW" altLang="en-US" dirty="0" smtClean="0">
+                <a:solidFill>
+                  <a:srgbClr val="FF0000"/>
+                </a:solidFill>
+                <a:latin typeface="Times New Roman" panose="02020603050405020304" pitchFamily="18" charset="0"/>
+                <a:ea typeface="標楷體" panose="03000509000000000000" pitchFamily="65" charset="-120"/>
+                <a:cs typeface="Times New Roman" panose="02020603050405020304" pitchFamily="18" charset="0"/>
+              </a:rPr>
+              <a:t> 工作內容：</a:t>
+            </a:r>
+            <a:endParaRPr lang="en-US" altLang="zh-TW" dirty="0" smtClean="0">
+              <a:solidFill>
+                <a:srgbClr val="FF0000"/>
+              </a:solidFill>
+              <a:latin typeface="Times New Roman" panose="02020603050405020304" pitchFamily="18" charset="0"/>
+              <a:ea typeface="標楷體" panose="03000509000000000000" pitchFamily="65" charset="-120"/>
+              <a:cs typeface="Times New Roman" panose="02020603050405020304" pitchFamily="18" charset="0"/>
+            </a:endParaRPr>
+          </a:p>
+          <a:p>
+            <a:r>
+              <a:rPr lang="zh-TW" altLang="en-US" dirty="0" smtClean="0">
+                <a:solidFill>
+                  <a:srgbClr val="FF0000"/>
+                </a:solidFill>
+                <a:latin typeface="Times New Roman" panose="02020603050405020304" pitchFamily="18" charset="0"/>
+                <a:ea typeface="標楷體" panose="03000509000000000000" pitchFamily="65" charset="-120"/>
+                <a:cs typeface="Times New Roman" panose="02020603050405020304" pitchFamily="18" charset="0"/>
+              </a:rPr>
+              <a:t>接收工作內容並</a:t>
+            </a:r>
+            <a:r>
+              <a:rPr lang="zh-TW" altLang="en-US" dirty="0">
+                <a:solidFill>
+                  <a:srgbClr val="FF0000"/>
+                </a:solidFill>
+                <a:latin typeface="Times New Roman" panose="02020603050405020304" pitchFamily="18" charset="0"/>
+                <a:ea typeface="標楷體" panose="03000509000000000000" pitchFamily="65" charset="-120"/>
+                <a:cs typeface="Times New Roman" panose="02020603050405020304" pitchFamily="18" charset="0"/>
+              </a:rPr>
+              <a:t>訓練</a:t>
+            </a:r>
+          </a:p>
+        </p:txBody>
+      </p:sp>
+      <p:sp>
+        <p:nvSpPr>
+          <p:cNvPr id="2" name="矩形 1"/>
+          <p:cNvSpPr/>
+          <p:nvPr/>
+        </p:nvSpPr>
+        <p:spPr>
+          <a:xfrm>
+            <a:off x="1452389" y="3355181"/>
+            <a:ext cx="1226517" cy="114776"/>
+          </a:xfrm>
+          <a:prstGeom prst="rect">
+            <a:avLst/>
+          </a:prstGeom>
+          <a:noFill/>
+          <a:ln w="19050">
+            <a:solidFill>
+              <a:srgbClr val="FF0000"/>
+            </a:solidFill>
+          </a:ln>
+        </p:spPr>
+        <p:style>
+          <a:lnRef idx="2">
+            <a:schemeClr val="accent1">
+              <a:shade val="50000"/>
+            </a:schemeClr>
+          </a:lnRef>
+          <a:fillRef idx="1">
+            <a:schemeClr val="accent1"/>
+          </a:fillRef>
+          <a:effectRef idx="0">
+            <a:schemeClr val="accent1"/>
+          </a:effectRef>
+          <a:fontRef idx="minor">
+            <a:schemeClr val="lt1"/>
+          </a:fontRef>
+        </p:style>
+        <p:txBody>
+          <a:bodyPr rtlCol="0" anchor="ctr"/>
+          <a:lstStyle/>
+          <a:p>
+            <a:pPr algn="ctr"/>
+            <a:endParaRPr lang="zh-TW" altLang="en-US"/>
+          </a:p>
+        </p:txBody>
+      </p:sp>
+      <p:sp>
+        <p:nvSpPr>
+          <p:cNvPr id="14" name="文字方塊 13"/>
+          <p:cNvSpPr txBox="1"/>
+          <p:nvPr/>
+        </p:nvSpPr>
+        <p:spPr>
+          <a:xfrm>
+            <a:off x="2678906" y="3227903"/>
+            <a:ext cx="1107996" cy="369332"/>
+          </a:xfrm>
+          <a:prstGeom prst="rect">
+            <a:avLst/>
+          </a:prstGeom>
+          <a:noFill/>
+        </p:spPr>
+        <p:txBody>
+          <a:bodyPr wrap="none" rtlCol="0">
+            <a:spAutoFit/>
+          </a:bodyPr>
+          <a:lstStyle/>
+          <a:p>
+            <a:r>
+              <a:rPr lang="zh-TW" altLang="en-US" dirty="0" smtClean="0">
+                <a:solidFill>
+                  <a:srgbClr val="FF0000"/>
+                </a:solidFill>
+                <a:latin typeface="Times New Roman" panose="02020603050405020304" pitchFamily="18" charset="0"/>
+                <a:ea typeface="標楷體" panose="03000509000000000000" pitchFamily="65" charset="-120"/>
+                <a:cs typeface="Times New Roman" panose="02020603050405020304" pitchFamily="18" charset="0"/>
+              </a:rPr>
+              <a:t>訓練時</a:t>
+            </a:r>
+            <a:r>
+              <a:rPr lang="zh-TW" altLang="en-US" dirty="0">
+                <a:solidFill>
+                  <a:srgbClr val="FF0000"/>
+                </a:solidFill>
+                <a:latin typeface="Times New Roman" panose="02020603050405020304" pitchFamily="18" charset="0"/>
+                <a:ea typeface="標楷體" panose="03000509000000000000" pitchFamily="65" charset="-120"/>
+                <a:cs typeface="Times New Roman" panose="02020603050405020304" pitchFamily="18" charset="0"/>
+              </a:rPr>
+              <a:t>間</a:t>
+            </a:r>
+            <a:endParaRPr lang="zh-TW" altLang="en-US" dirty="0">
+              <a:solidFill>
+                <a:srgbClr val="FF0000"/>
+              </a:solidFill>
+              <a:latin typeface="Times New Roman" panose="02020603050405020304" pitchFamily="18" charset="0"/>
+              <a:ea typeface="標楷體" panose="03000509000000000000" pitchFamily="65" charset="-120"/>
+              <a:cs typeface="Times New Roman" panose="02020603050405020304" pitchFamily="18" charset="0"/>
+            </a:endParaRPr>
+          </a:p>
+        </p:txBody>
+      </p:sp>
+    </p:spTree>
+    <p:extLst>
+      <p:ext uri="{BB962C8B-B14F-4D97-AF65-F5344CB8AC3E}">
+        <p14:creationId xmlns:p14="http://schemas.microsoft.com/office/powerpoint/2010/main" val="1573853507"/>
+      </p:ext>
+    </p:extLst>
+  </p:cSld>
+  <p:clrMapOvr>
+    <a:masterClrMapping/>
+  </p:clrMapOvr>
+  <p:timing>
+    <p:tnLst>
+      <p:par>
+        <p:cTn id="1" dur="indefinite" restart="never" nodeType="tmRoot"/>
+      </p:par>
+    </p:tnLst>
+  </p:timing>
+</p:sld>
+</file>
+
+<file path=ppt/slides/slide21.xml><?xml version="1.0" encoding="utf-8"?>
+<p:sld xmlns:a="http://schemas.openxmlformats.org/drawingml/2006/main" xmlns:r="http://schemas.openxmlformats.org/officeDocument/2006/relationships" xmlns:p="http://schemas.openxmlformats.org/presentationml/2006/main">
+  <p:cSld>
+    <p:spTree>
+      <p:nvGrpSpPr>
+        <p:cNvPr id="1" name=""/>
+        <p:cNvGrpSpPr/>
+        <p:nvPr/>
+      </p:nvGrpSpPr>
+      <p:grpSpPr>
+        <a:xfrm>
+          <a:off x="0" y="0"/>
+          <a:ext cx="0" cy="0"/>
+          <a:chOff x="0" y="0"/>
+          <a:chExt cx="0" cy="0"/>
+        </a:xfrm>
+      </p:grpSpPr>
+      <p:sp>
+        <p:nvSpPr>
+          <p:cNvPr id="3" name="標題 2"/>
+          <p:cNvSpPr>
+            <a:spLocks noGrp="1"/>
+          </p:cNvSpPr>
+          <p:nvPr>
+            <p:ph type="title"/>
+          </p:nvPr>
+        </p:nvSpPr>
+        <p:spPr/>
+        <p:txBody>
+          <a:bodyPr/>
+          <a:lstStyle/>
+          <a:p>
+            <a:r>
+              <a:rPr lang="zh-TW" altLang="en-US" dirty="0" smtClean="0"/>
+              <a:t>驗</a:t>
+            </a:r>
+            <a:r>
+              <a:rPr lang="zh-TW" altLang="en-US" dirty="0"/>
+              <a:t>證</a:t>
+            </a:r>
+          </a:p>
+        </p:txBody>
+      </p:sp>
+      <p:pic>
+        <p:nvPicPr>
+          <p:cNvPr id="4" name="4SBqkJ9ud6U"/>
+          <p:cNvPicPr>
+            <a:picLocks noGrp="1" noRot="1" noChangeAspect="1"/>
+          </p:cNvPicPr>
+          <p:nvPr>
+            <p:ph idx="1"/>
+            <a:videoFile r:link="rId1"/>
+          </p:nvPr>
+        </p:nvPicPr>
+        <p:blipFill>
+          <a:blip r:embed="rId3"/>
+          <a:stretch>
+            <a:fillRect/>
+          </a:stretch>
+        </p:blipFill>
+        <p:spPr>
+          <a:xfrm>
+            <a:off x="1584649" y="1182753"/>
+            <a:ext cx="9022702" cy="5075269"/>
+          </a:xfrm>
+          <a:prstGeom prst="rect">
+            <a:avLst/>
+          </a:prstGeom>
+        </p:spPr>
+      </p:pic>
+    </p:spTree>
+    <p:extLst>
+      <p:ext uri="{BB962C8B-B14F-4D97-AF65-F5344CB8AC3E}">
+        <p14:creationId xmlns:p14="http://schemas.microsoft.com/office/powerpoint/2010/main" val="1121973939"/>
+      </p:ext>
+    </p:extLst>
+  </p:cSld>
+  <p:clrMapOvr>
+    <a:masterClrMapping/>
+  </p:clrMapOvr>
+  <p:timing>
+    <p:tnLst>
+      <p:par>
+        <p:cTn id="1" dur="indefinite" restart="never" nodeType="tmRoot"/>
+      </p:par>
+    </p:tnLst>
+  </p:timing>
+</p:sld>
+</file>
+
+<file path=ppt/slides/slide22.xml><?xml version="1.0" encoding="utf-8"?>
+<p:sld xmlns:a="http://schemas.openxmlformats.org/drawingml/2006/main" xmlns:r="http://schemas.openxmlformats.org/officeDocument/2006/relationships" xmlns:p="http://schemas.openxmlformats.org/presentationml/2006/main">
+  <p:cSld>
+    <p:spTree>
+      <p:nvGrpSpPr>
+        <p:cNvPr id="1" name=""/>
+        <p:cNvGrpSpPr/>
+        <p:nvPr/>
+      </p:nvGrpSpPr>
+      <p:grpSpPr>
+        <a:xfrm>
+          <a:off x="0" y="0"/>
+          <a:ext cx="0" cy="0"/>
+          <a:chOff x="0" y="0"/>
+          <a:chExt cx="0" cy="0"/>
+        </a:xfrm>
+      </p:grpSpPr>
+      <p:sp>
+        <p:nvSpPr>
+          <p:cNvPr id="3" name="標題 2"/>
+          <p:cNvSpPr>
+            <a:spLocks noGrp="1"/>
+          </p:cNvSpPr>
+          <p:nvPr>
+            <p:ph type="title"/>
+          </p:nvPr>
+        </p:nvSpPr>
+        <p:spPr/>
+        <p:txBody>
+          <a:bodyPr/>
+          <a:lstStyle/>
+          <a:p>
+            <a:r>
+              <a:rPr lang="zh-TW" altLang="en-US" dirty="0" smtClean="0"/>
+              <a:t>驗</a:t>
+            </a:r>
+            <a:r>
+              <a:rPr lang="zh-TW" altLang="en-US" dirty="0"/>
+              <a:t>證</a:t>
+            </a:r>
+          </a:p>
+        </p:txBody>
+      </p:sp>
+      <p:pic>
+        <p:nvPicPr>
+          <p:cNvPr id="5" name="HA6BB_rvfeY"/>
+          <p:cNvPicPr>
+            <a:picLocks noGrp="1" noRot="1" noChangeAspect="1"/>
+          </p:cNvPicPr>
+          <p:nvPr>
+            <p:ph idx="1"/>
+            <a:videoFile r:link="rId1"/>
+          </p:nvPr>
+        </p:nvPicPr>
+        <p:blipFill>
+          <a:blip r:embed="rId4"/>
+          <a:stretch>
+            <a:fillRect/>
+          </a:stretch>
+        </p:blipFill>
+        <p:spPr>
+          <a:xfrm>
+            <a:off x="1591474" y="1183919"/>
+            <a:ext cx="9009052" cy="5067591"/>
+          </a:xfrm>
+          <a:prstGeom prst="rect">
+            <a:avLst/>
+          </a:prstGeom>
+        </p:spPr>
+      </p:pic>
+    </p:spTree>
+    <p:extLst>
+      <p:ext uri="{BB962C8B-B14F-4D97-AF65-F5344CB8AC3E}">
+        <p14:creationId xmlns:p14="http://schemas.microsoft.com/office/powerpoint/2010/main" val="2099887660"/>
+      </p:ext>
+    </p:extLst>
+  </p:cSld>
+  <p:clrMapOvr>
+    <a:masterClrMapping/>
+  </p:clrMapOvr>
+  <p:timing>
+    <p:tnLst>
+      <p:par>
+        <p:cTn id="1" dur="indefinite" restart="never" nodeType="tmRoot"/>
+      </p:par>
+    </p:tnLst>
+  </p:timing>
+</p:sld>
+</file>
+
+<file path=ppt/slides/slide23.xml><?xml version="1.0" encoding="utf-8"?>
+<p:sld xmlns:a="http://schemas.openxmlformats.org/drawingml/2006/main" xmlns:r="http://schemas.openxmlformats.org/officeDocument/2006/relationships" xmlns:p="http://schemas.openxmlformats.org/presentationml/2006/main">
+  <p:cSld>
+    <p:spTree>
+      <p:nvGrpSpPr>
+        <p:cNvPr id="1" name=""/>
+        <p:cNvGrpSpPr/>
+        <p:nvPr/>
+      </p:nvGrpSpPr>
+      <p:grpSpPr>
+        <a:xfrm>
+          <a:off x="0" y="0"/>
+          <a:ext cx="0" cy="0"/>
+          <a:chOff x="0" y="0"/>
+          <a:chExt cx="0" cy="0"/>
+        </a:xfrm>
+      </p:grpSpPr>
+      <p:sp>
+        <p:nvSpPr>
+          <p:cNvPr id="2" name="內容版面配置區 1"/>
+          <p:cNvSpPr>
+            <a:spLocks noGrp="1"/>
+          </p:cNvSpPr>
+          <p:nvPr>
+            <p:ph idx="1"/>
+          </p:nvPr>
+        </p:nvSpPr>
+        <p:spPr/>
+        <p:txBody>
+          <a:bodyPr/>
+          <a:lstStyle/>
+          <a:p>
+            <a:r>
+              <a:rPr lang="zh-TW" altLang="en-US" dirty="0" smtClean="0"/>
+              <a:t>訓練時間：</a:t>
+            </a:r>
+            <a:endParaRPr lang="en-US" altLang="zh-TW" dirty="0" smtClean="0"/>
+          </a:p>
+          <a:p>
+            <a:pPr lvl="1"/>
+            <a:r>
+              <a:rPr lang="zh-TW" altLang="en-US" dirty="0" smtClean="0"/>
+              <a:t>單層：</a:t>
+            </a:r>
+            <a:r>
+              <a:rPr lang="en-US" altLang="zh-TW" dirty="0" smtClean="0"/>
+              <a:t>301</a:t>
+            </a:r>
+            <a:r>
+              <a:rPr lang="zh-TW" altLang="en-US" dirty="0" smtClean="0"/>
+              <a:t>秒</a:t>
+            </a:r>
+            <a:r>
+              <a:rPr lang="en-US" altLang="zh-TW" dirty="0" smtClean="0">
+                <a:solidFill>
+                  <a:srgbClr val="FF0000"/>
+                </a:solidFill>
+              </a:rPr>
+              <a:t>(</a:t>
+            </a:r>
+            <a:r>
+              <a:rPr lang="zh-TW" altLang="en-US" dirty="0" smtClean="0">
+                <a:solidFill>
+                  <a:srgbClr val="FF0000"/>
+                </a:solidFill>
+              </a:rPr>
+              <a:t>勝</a:t>
+            </a:r>
+            <a:r>
+              <a:rPr lang="en-US" altLang="zh-TW" dirty="0" smtClean="0">
+                <a:solidFill>
+                  <a:srgbClr val="FF0000"/>
+                </a:solidFill>
+              </a:rPr>
+              <a:t>)</a:t>
+            </a:r>
+            <a:endParaRPr lang="en-US" altLang="zh-TW" dirty="0">
+              <a:solidFill>
+                <a:srgbClr val="FF0000"/>
+              </a:solidFill>
+            </a:endParaRPr>
+          </a:p>
+          <a:p>
+            <a:pPr lvl="1"/>
+            <a:r>
+              <a:rPr lang="zh-TW" altLang="en-US" dirty="0" smtClean="0"/>
+              <a:t>多層：</a:t>
+            </a:r>
+            <a:r>
+              <a:rPr lang="en-US" altLang="zh-TW" dirty="0" smtClean="0"/>
+              <a:t>344</a:t>
+            </a:r>
+            <a:r>
+              <a:rPr lang="zh-TW" altLang="en-US" dirty="0" smtClean="0"/>
+              <a:t>秒</a:t>
+            </a:r>
+            <a:endParaRPr lang="en-US" altLang="zh-TW" dirty="0" smtClean="0"/>
+          </a:p>
+          <a:p>
+            <a:endParaRPr lang="en-US" altLang="zh-TW" dirty="0"/>
+          </a:p>
+          <a:p>
+            <a:r>
+              <a:rPr lang="zh-TW" altLang="en-US" dirty="0" smtClean="0"/>
+              <a:t>準確度</a:t>
+            </a:r>
+            <a:r>
+              <a:rPr lang="en-US" altLang="zh-TW" dirty="0" smtClean="0"/>
+              <a:t>(F1</a:t>
+            </a:r>
+            <a:r>
+              <a:rPr lang="zh-TW" altLang="en-US" dirty="0" smtClean="0"/>
+              <a:t> </a:t>
+            </a:r>
+            <a:r>
+              <a:rPr lang="en-US" altLang="zh-TW" dirty="0" smtClean="0"/>
+              <a:t>score)</a:t>
+            </a:r>
+            <a:r>
+              <a:rPr lang="zh-TW" altLang="en-US" dirty="0" smtClean="0"/>
+              <a:t>：</a:t>
+            </a:r>
+            <a:endParaRPr lang="en-US" altLang="zh-TW" dirty="0" smtClean="0"/>
+          </a:p>
+          <a:p>
+            <a:endParaRPr lang="en-US" altLang="zh-TW" dirty="0" smtClean="0"/>
+          </a:p>
+        </p:txBody>
+      </p:sp>
+      <p:sp>
+        <p:nvSpPr>
+          <p:cNvPr id="3" name="標題 2"/>
+          <p:cNvSpPr>
+            <a:spLocks noGrp="1"/>
+          </p:cNvSpPr>
+          <p:nvPr>
+            <p:ph type="title"/>
+          </p:nvPr>
+        </p:nvSpPr>
+        <p:spPr/>
+        <p:txBody>
+          <a:bodyPr/>
+          <a:lstStyle/>
+          <a:p>
+            <a:r>
+              <a:rPr lang="zh-TW" altLang="en-US" dirty="0"/>
+              <a:t>驗證 </a:t>
+            </a:r>
+            <a:r>
+              <a:rPr lang="en-US" altLang="zh-TW" dirty="0"/>
+              <a:t>–</a:t>
+            </a:r>
+            <a:r>
+              <a:rPr lang="zh-TW" altLang="en-US" dirty="0"/>
+              <a:t> </a:t>
+            </a:r>
+            <a:r>
+              <a:rPr lang="zh-TW" altLang="en-US" dirty="0" smtClean="0"/>
+              <a:t>實驗結果</a:t>
+            </a:r>
+            <a:endParaRPr lang="zh-TW" altLang="en-US" dirty="0"/>
+          </a:p>
+        </p:txBody>
+      </p:sp>
+      <p:graphicFrame>
+        <p:nvGraphicFramePr>
+          <p:cNvPr id="5" name="表格 4"/>
+          <p:cNvGraphicFramePr>
+            <a:graphicFrameLocks noGrp="1"/>
+          </p:cNvGraphicFramePr>
+          <p:nvPr>
+            <p:extLst>
+              <p:ext uri="{D42A27DB-BD31-4B8C-83A1-F6EECF244321}">
+                <p14:modId xmlns:p14="http://schemas.microsoft.com/office/powerpoint/2010/main" val="4085846775"/>
+              </p:ext>
+            </p:extLst>
+          </p:nvPr>
+        </p:nvGraphicFramePr>
+        <p:xfrm>
+          <a:off x="838199" y="2549234"/>
+          <a:ext cx="10515600" cy="3690393"/>
+        </p:xfrm>
+        <a:graphic>
+          <a:graphicData uri="http://schemas.openxmlformats.org/drawingml/2006/table">
+            <a:tbl>
+              <a:tblPr firstRow="1" bandRow="1">
+                <a:tableStyleId>{5C22544A-7EE6-4342-B048-85BDC9FD1C3A}</a:tableStyleId>
+              </a:tblPr>
+              <a:tblGrid>
+                <a:gridCol w="3505200">
+                  <a:extLst>
+                    <a:ext uri="{9D8B030D-6E8A-4147-A177-3AD203B41FA5}">
+                      <a16:colId xmlns:a16="http://schemas.microsoft.com/office/drawing/2014/main" val="1574466433"/>
+                    </a:ext>
+                  </a:extLst>
+                </a:gridCol>
+                <a:gridCol w="3505200">
+                  <a:extLst>
+                    <a:ext uri="{9D8B030D-6E8A-4147-A177-3AD203B41FA5}">
+                      <a16:colId xmlns:a16="http://schemas.microsoft.com/office/drawing/2014/main" val="1972221623"/>
+                    </a:ext>
+                  </a:extLst>
+                </a:gridCol>
+                <a:gridCol w="3505200">
+                  <a:extLst>
+                    <a:ext uri="{9D8B030D-6E8A-4147-A177-3AD203B41FA5}">
+                      <a16:colId xmlns:a16="http://schemas.microsoft.com/office/drawing/2014/main" val="4259342629"/>
+                    </a:ext>
+                  </a:extLst>
+                </a:gridCol>
+              </a:tblGrid>
+              <a:tr h="527199">
+                <a:tc>
+                  <a:txBody>
+                    <a:bodyPr/>
+                    <a:lstStyle/>
+                    <a:p>
+                      <a:pPr algn="ctr"/>
+                      <a:r>
+                        <a:rPr lang="zh-TW" altLang="en-US" dirty="0" smtClean="0">
+                          <a:latin typeface="標楷體" panose="03000509000000000000" pitchFamily="65" charset="-120"/>
+                          <a:ea typeface="標楷體" panose="03000509000000000000" pitchFamily="65" charset="-120"/>
+                        </a:rPr>
+                        <a:t>類別</a:t>
+                      </a:r>
+                      <a:endParaRPr lang="zh-TW" altLang="en-US" dirty="0">
+                        <a:latin typeface="標楷體" panose="03000509000000000000" pitchFamily="65" charset="-120"/>
+                        <a:ea typeface="標楷體" panose="03000509000000000000" pitchFamily="65" charset="-120"/>
+                      </a:endParaRPr>
+                    </a:p>
+                  </a:txBody>
+                  <a:tcPr anchor="ctr"/>
+                </a:tc>
+                <a:tc>
+                  <a:txBody>
+                    <a:bodyPr/>
+                    <a:lstStyle/>
+                    <a:p>
+                      <a:pPr algn="ctr"/>
+                      <a:r>
+                        <a:rPr lang="zh-TW" altLang="en-US" dirty="0" smtClean="0">
+                          <a:latin typeface="標楷體" panose="03000509000000000000" pitchFamily="65" charset="-120"/>
+                          <a:ea typeface="標楷體" panose="03000509000000000000" pitchFamily="65" charset="-120"/>
+                        </a:rPr>
+                        <a:t>單層</a:t>
+                      </a:r>
+                      <a:endParaRPr lang="zh-TW" altLang="en-US" dirty="0">
+                        <a:latin typeface="標楷體" panose="03000509000000000000" pitchFamily="65" charset="-120"/>
+                        <a:ea typeface="標楷體" panose="03000509000000000000" pitchFamily="65" charset="-120"/>
+                      </a:endParaRPr>
+                    </a:p>
+                  </a:txBody>
+                  <a:tcPr anchor="ctr"/>
+                </a:tc>
+                <a:tc>
+                  <a:txBody>
+                    <a:bodyPr/>
+                    <a:lstStyle/>
+                    <a:p>
+                      <a:pPr algn="ctr"/>
+                      <a:r>
+                        <a:rPr lang="zh-TW" altLang="en-US" dirty="0" smtClean="0">
+                          <a:latin typeface="標楷體" panose="03000509000000000000" pitchFamily="65" charset="-120"/>
+                          <a:ea typeface="標楷體" panose="03000509000000000000" pitchFamily="65" charset="-120"/>
+                        </a:rPr>
+                        <a:t>多層</a:t>
+                      </a:r>
+                      <a:endParaRPr lang="zh-TW" altLang="en-US" dirty="0">
+                        <a:latin typeface="標楷體" panose="03000509000000000000" pitchFamily="65" charset="-120"/>
+                        <a:ea typeface="標楷體" panose="03000509000000000000" pitchFamily="65" charset="-120"/>
+                      </a:endParaRPr>
+                    </a:p>
+                  </a:txBody>
+                  <a:tcPr anchor="ctr"/>
+                </a:tc>
+                <a:extLst>
+                  <a:ext uri="{0D108BD9-81ED-4DB2-BD59-A6C34878D82A}">
+                    <a16:rowId xmlns:a16="http://schemas.microsoft.com/office/drawing/2014/main" val="208203273"/>
+                  </a:ext>
+                </a:extLst>
+              </a:tr>
+              <a:tr h="527199">
+                <a:tc>
+                  <a:txBody>
+                    <a:bodyPr/>
+                    <a:lstStyle/>
+                    <a:p>
+                      <a:pPr algn="ctr"/>
+                      <a:r>
+                        <a:rPr lang="zh-TW" altLang="en-US" dirty="0" smtClean="0">
+                          <a:latin typeface="標楷體" panose="03000509000000000000" pitchFamily="65" charset="-120"/>
+                          <a:ea typeface="標楷體" panose="03000509000000000000" pitchFamily="65" charset="-120"/>
+                        </a:rPr>
+                        <a:t>汽車</a:t>
+                      </a:r>
+                      <a:endParaRPr lang="zh-TW" altLang="en-US" dirty="0">
+                        <a:latin typeface="標楷體" panose="03000509000000000000" pitchFamily="65" charset="-120"/>
+                        <a:ea typeface="標楷體" panose="03000509000000000000" pitchFamily="65" charset="-120"/>
+                      </a:endParaRPr>
+                    </a:p>
+                  </a:txBody>
+                  <a:tcPr anchor="ctr"/>
+                </a:tc>
+                <a:tc>
+                  <a:txBody>
+                    <a:bodyPr/>
+                    <a:lstStyle/>
+                    <a:p>
+                      <a:pPr algn="ctr"/>
+                      <a:r>
+                        <a:rPr lang="en-US" altLang="zh-TW" dirty="0" smtClean="0">
+                          <a:latin typeface="Times New Roman" panose="02020603050405020304" pitchFamily="18" charset="0"/>
+                          <a:cs typeface="Times New Roman" panose="02020603050405020304" pitchFamily="18" charset="0"/>
+                        </a:rPr>
+                        <a:t>99%</a:t>
+                      </a:r>
+                      <a:r>
+                        <a:rPr lang="en-US" altLang="zh-TW" dirty="0" smtClean="0">
+                          <a:solidFill>
+                            <a:srgbClr val="FF0000"/>
+                          </a:solidFill>
+                          <a:latin typeface="Times New Roman" panose="02020603050405020304" pitchFamily="18" charset="0"/>
+                          <a:cs typeface="Times New Roman" panose="02020603050405020304" pitchFamily="18" charset="0"/>
+                        </a:rPr>
+                        <a:t>(</a:t>
+                      </a:r>
+                      <a:r>
+                        <a:rPr lang="zh-TW" altLang="en-US" dirty="0" smtClean="0">
+                          <a:solidFill>
+                            <a:srgbClr val="FF0000"/>
+                          </a:solidFill>
+                          <a:latin typeface="標楷體" panose="03000509000000000000" pitchFamily="65" charset="-120"/>
+                          <a:ea typeface="標楷體" panose="03000509000000000000" pitchFamily="65" charset="-120"/>
+                          <a:cs typeface="Times New Roman" panose="02020603050405020304" pitchFamily="18" charset="0"/>
+                        </a:rPr>
+                        <a:t>勝</a:t>
+                      </a:r>
+                      <a:r>
+                        <a:rPr lang="en-US" altLang="zh-TW" dirty="0" smtClean="0">
+                          <a:solidFill>
+                            <a:srgbClr val="FF0000"/>
+                          </a:solidFill>
+                          <a:latin typeface="Times New Roman" panose="02020603050405020304" pitchFamily="18" charset="0"/>
+                          <a:cs typeface="Times New Roman" panose="02020603050405020304" pitchFamily="18" charset="0"/>
+                        </a:rPr>
+                        <a:t>)</a:t>
+                      </a:r>
+                      <a:endParaRPr lang="zh-TW" altLang="en-US" dirty="0">
+                        <a:solidFill>
+                          <a:srgbClr val="FF0000"/>
+                        </a:solidFill>
+                        <a:latin typeface="Times New Roman" panose="02020603050405020304" pitchFamily="18" charset="0"/>
+                        <a:cs typeface="Times New Roman" panose="02020603050405020304" pitchFamily="18" charset="0"/>
+                      </a:endParaRPr>
+                    </a:p>
+                  </a:txBody>
+                  <a:tcPr anchor="ctr"/>
+                </a:tc>
+                <a:tc>
+                  <a:txBody>
+                    <a:bodyPr/>
+                    <a:lstStyle/>
+                    <a:p>
+                      <a:pPr algn="ctr"/>
+                      <a:r>
+                        <a:rPr lang="en-US" altLang="zh-TW" dirty="0" smtClean="0">
+                          <a:latin typeface="Times New Roman" panose="02020603050405020304" pitchFamily="18" charset="0"/>
+                          <a:ea typeface="標楷體" panose="03000509000000000000" pitchFamily="65" charset="-120"/>
+                          <a:cs typeface="Times New Roman" panose="02020603050405020304" pitchFamily="18" charset="0"/>
+                        </a:rPr>
+                        <a:t>97%</a:t>
+                      </a:r>
+                      <a:endParaRPr lang="zh-TW" altLang="en-US" dirty="0">
+                        <a:latin typeface="Times New Roman" panose="02020603050405020304" pitchFamily="18" charset="0"/>
+                        <a:ea typeface="標楷體" panose="03000509000000000000" pitchFamily="65" charset="-120"/>
+                        <a:cs typeface="Times New Roman" panose="02020603050405020304" pitchFamily="18" charset="0"/>
+                      </a:endParaRPr>
+                    </a:p>
+                  </a:txBody>
+                  <a:tcPr anchor="ctr"/>
+                </a:tc>
+                <a:extLst>
+                  <a:ext uri="{0D108BD9-81ED-4DB2-BD59-A6C34878D82A}">
+                    <a16:rowId xmlns:a16="http://schemas.microsoft.com/office/drawing/2014/main" val="1090829197"/>
+                  </a:ext>
+                </a:extLst>
+              </a:tr>
+              <a:tr h="527199">
+                <a:tc>
+                  <a:txBody>
+                    <a:bodyPr/>
+                    <a:lstStyle/>
+                    <a:p>
+                      <a:pPr algn="ctr"/>
+                      <a:r>
+                        <a:rPr lang="zh-TW" altLang="en-US" dirty="0" smtClean="0">
+                          <a:latin typeface="標楷體" panose="03000509000000000000" pitchFamily="65" charset="-120"/>
+                          <a:ea typeface="標楷體" panose="03000509000000000000" pitchFamily="65" charset="-120"/>
+                        </a:rPr>
+                        <a:t>機車</a:t>
+                      </a:r>
+                      <a:endParaRPr lang="zh-TW" altLang="en-US" dirty="0">
+                        <a:latin typeface="標楷體" panose="03000509000000000000" pitchFamily="65" charset="-120"/>
+                        <a:ea typeface="標楷體" panose="03000509000000000000" pitchFamily="65" charset="-120"/>
+                      </a:endParaRPr>
+                    </a:p>
+                  </a:txBody>
+                  <a:tcPr anchor="ctr"/>
+                </a:tc>
+                <a:tc>
+                  <a:txBody>
+                    <a:bodyPr/>
+                    <a:lstStyle/>
+                    <a:p>
+                      <a:pPr marL="0" marR="0" indent="0" algn="ctr" defTabSz="914400" rtl="0" eaLnBrk="1" fontAlgn="auto" latinLnBrk="0" hangingPunct="1">
+                        <a:lnSpc>
+                          <a:spcPct val="100000"/>
+                        </a:lnSpc>
+                        <a:spcBef>
+                          <a:spcPts val="0"/>
+                        </a:spcBef>
+                        <a:spcAft>
+                          <a:spcPts val="0"/>
+                        </a:spcAft>
+                        <a:buClrTx/>
+                        <a:buSzTx/>
+                        <a:buFontTx/>
+                        <a:buNone/>
+                        <a:tabLst/>
+                        <a:defRPr/>
+                      </a:pPr>
+                      <a:r>
+                        <a:rPr lang="en-US" altLang="zh-TW" dirty="0" smtClean="0">
+                          <a:latin typeface="Times New Roman" panose="02020603050405020304" pitchFamily="18" charset="0"/>
+                          <a:cs typeface="Times New Roman" panose="02020603050405020304" pitchFamily="18" charset="0"/>
+                        </a:rPr>
+                        <a:t>98%</a:t>
+                      </a:r>
+                      <a:r>
+                        <a:rPr lang="en-US" altLang="zh-TW" dirty="0" smtClean="0">
+                          <a:solidFill>
+                            <a:srgbClr val="FF0000"/>
+                          </a:solidFill>
+                          <a:latin typeface="Times New Roman" panose="02020603050405020304" pitchFamily="18" charset="0"/>
+                          <a:cs typeface="Times New Roman" panose="02020603050405020304" pitchFamily="18" charset="0"/>
+                        </a:rPr>
+                        <a:t>(</a:t>
+                      </a:r>
+                      <a:r>
+                        <a:rPr lang="zh-TW" altLang="en-US" dirty="0" smtClean="0">
+                          <a:solidFill>
+                            <a:srgbClr val="FF0000"/>
+                          </a:solidFill>
+                          <a:latin typeface="標楷體" panose="03000509000000000000" pitchFamily="65" charset="-120"/>
+                          <a:ea typeface="標楷體" panose="03000509000000000000" pitchFamily="65" charset="-120"/>
+                          <a:cs typeface="Times New Roman" panose="02020603050405020304" pitchFamily="18" charset="0"/>
+                        </a:rPr>
+                        <a:t>勝</a:t>
+                      </a:r>
+                      <a:r>
+                        <a:rPr lang="en-US" altLang="zh-TW" dirty="0" smtClean="0">
+                          <a:solidFill>
+                            <a:srgbClr val="FF0000"/>
+                          </a:solidFill>
+                          <a:latin typeface="Times New Roman" panose="02020603050405020304" pitchFamily="18" charset="0"/>
+                          <a:cs typeface="Times New Roman" panose="02020603050405020304" pitchFamily="18" charset="0"/>
+                        </a:rPr>
+                        <a:t>)</a:t>
+                      </a:r>
+                      <a:endParaRPr lang="zh-TW" altLang="en-US" dirty="0" smtClean="0">
+                        <a:solidFill>
+                          <a:srgbClr val="FF0000"/>
+                        </a:solidFill>
+                        <a:latin typeface="Times New Roman" panose="02020603050405020304" pitchFamily="18" charset="0"/>
+                        <a:cs typeface="Times New Roman" panose="02020603050405020304" pitchFamily="18" charset="0"/>
+                      </a:endParaRPr>
+                    </a:p>
+                  </a:txBody>
+                  <a:tcPr anchor="ctr"/>
+                </a:tc>
+                <a:tc>
+                  <a:txBody>
+                    <a:bodyPr/>
+                    <a:lstStyle/>
+                    <a:p>
+                      <a:pPr algn="ctr"/>
+                      <a:r>
+                        <a:rPr lang="en-US" altLang="zh-TW" dirty="0" smtClean="0">
+                          <a:latin typeface="Times New Roman" panose="02020603050405020304" pitchFamily="18" charset="0"/>
+                          <a:ea typeface="標楷體" panose="03000509000000000000" pitchFamily="65" charset="-120"/>
+                          <a:cs typeface="Times New Roman" panose="02020603050405020304" pitchFamily="18" charset="0"/>
+                        </a:rPr>
+                        <a:t>96%</a:t>
+                      </a:r>
+                      <a:endParaRPr lang="zh-TW" altLang="en-US" dirty="0">
+                        <a:latin typeface="Times New Roman" panose="02020603050405020304" pitchFamily="18" charset="0"/>
+                        <a:ea typeface="標楷體" panose="03000509000000000000" pitchFamily="65" charset="-120"/>
+                        <a:cs typeface="Times New Roman" panose="02020603050405020304" pitchFamily="18" charset="0"/>
+                      </a:endParaRPr>
+                    </a:p>
+                  </a:txBody>
+                  <a:tcPr anchor="ctr"/>
+                </a:tc>
+                <a:extLst>
+                  <a:ext uri="{0D108BD9-81ED-4DB2-BD59-A6C34878D82A}">
+                    <a16:rowId xmlns:a16="http://schemas.microsoft.com/office/drawing/2014/main" val="582165706"/>
+                  </a:ext>
+                </a:extLst>
+              </a:tr>
+              <a:tr h="527199">
+                <a:tc>
+                  <a:txBody>
+                    <a:bodyPr/>
+                    <a:lstStyle/>
+                    <a:p>
+                      <a:pPr algn="ctr"/>
+                      <a:r>
+                        <a:rPr lang="zh-TW" altLang="en-US" dirty="0" smtClean="0">
+                          <a:latin typeface="標楷體" panose="03000509000000000000" pitchFamily="65" charset="-120"/>
+                          <a:ea typeface="標楷體" panose="03000509000000000000" pitchFamily="65" charset="-120"/>
+                        </a:rPr>
+                        <a:t>公車</a:t>
+                      </a:r>
+                      <a:endParaRPr lang="zh-TW" altLang="en-US" dirty="0">
+                        <a:latin typeface="標楷體" panose="03000509000000000000" pitchFamily="65" charset="-120"/>
+                        <a:ea typeface="標楷體" panose="03000509000000000000" pitchFamily="65" charset="-120"/>
+                      </a:endParaRPr>
+                    </a:p>
+                  </a:txBody>
+                  <a:tcPr anchor="ctr"/>
+                </a:tc>
+                <a:tc>
+                  <a:txBody>
+                    <a:bodyPr/>
+                    <a:lstStyle/>
+                    <a:p>
+                      <a:pPr algn="ctr"/>
+                      <a:r>
+                        <a:rPr lang="en-US" altLang="zh-TW" dirty="0" smtClean="0">
+                          <a:latin typeface="Times New Roman" panose="02020603050405020304" pitchFamily="18" charset="0"/>
+                          <a:cs typeface="Times New Roman" panose="02020603050405020304" pitchFamily="18" charset="0"/>
+                        </a:rPr>
+                        <a:t>0%</a:t>
+                      </a:r>
+                      <a:endParaRPr lang="zh-TW" altLang="en-US" dirty="0">
+                        <a:latin typeface="Times New Roman" panose="02020603050405020304" pitchFamily="18" charset="0"/>
+                        <a:cs typeface="Times New Roman" panose="02020603050405020304" pitchFamily="18" charset="0"/>
+                      </a:endParaRPr>
+                    </a:p>
+                  </a:txBody>
+                  <a:tcPr anchor="ctr"/>
+                </a:tc>
+                <a:tc>
+                  <a:txBody>
+                    <a:bodyPr/>
+                    <a:lstStyle/>
+                    <a:p>
+                      <a:pPr marL="0" marR="0" indent="0" algn="ctr" defTabSz="914400" rtl="0" eaLnBrk="1" fontAlgn="auto" latinLnBrk="0" hangingPunct="1">
+                        <a:lnSpc>
+                          <a:spcPct val="100000"/>
+                        </a:lnSpc>
+                        <a:spcBef>
+                          <a:spcPts val="0"/>
+                        </a:spcBef>
+                        <a:spcAft>
+                          <a:spcPts val="0"/>
+                        </a:spcAft>
+                        <a:buClrTx/>
+                        <a:buSzTx/>
+                        <a:buFontTx/>
+                        <a:buNone/>
+                        <a:tabLst/>
+                        <a:defRPr/>
+                      </a:pPr>
+                      <a:r>
+                        <a:rPr lang="en-US" altLang="zh-TW" dirty="0" smtClean="0">
+                          <a:latin typeface="Times New Roman" panose="02020603050405020304" pitchFamily="18" charset="0"/>
+                          <a:ea typeface="標楷體" panose="03000509000000000000" pitchFamily="65" charset="-120"/>
+                          <a:cs typeface="Times New Roman" panose="02020603050405020304" pitchFamily="18" charset="0"/>
+                        </a:rPr>
+                        <a:t>100</a:t>
+                      </a:r>
+                      <a:r>
+                        <a:rPr lang="en-US" altLang="zh-TW" dirty="0" smtClean="0">
+                          <a:latin typeface="Times New Roman" panose="02020603050405020304" pitchFamily="18" charset="0"/>
+                          <a:ea typeface="標楷體" panose="03000509000000000000" pitchFamily="65" charset="-120"/>
+                          <a:cs typeface="Times New Roman" panose="02020603050405020304" pitchFamily="18" charset="0"/>
+                        </a:rPr>
+                        <a:t>%</a:t>
+                      </a:r>
+                      <a:r>
+                        <a:rPr lang="en-US" altLang="zh-TW" dirty="0" smtClean="0">
+                          <a:solidFill>
+                            <a:srgbClr val="FF0000"/>
+                          </a:solidFill>
+                          <a:latin typeface="Times New Roman" panose="02020603050405020304" pitchFamily="18" charset="0"/>
+                          <a:cs typeface="Times New Roman" panose="02020603050405020304" pitchFamily="18" charset="0"/>
+                        </a:rPr>
+                        <a:t>(</a:t>
+                      </a:r>
+                      <a:r>
+                        <a:rPr lang="zh-TW" altLang="en-US" dirty="0" smtClean="0">
+                          <a:solidFill>
+                            <a:srgbClr val="FF0000"/>
+                          </a:solidFill>
+                          <a:latin typeface="標楷體" panose="03000509000000000000" pitchFamily="65" charset="-120"/>
+                          <a:ea typeface="標楷體" panose="03000509000000000000" pitchFamily="65" charset="-120"/>
+                          <a:cs typeface="Times New Roman" panose="02020603050405020304" pitchFamily="18" charset="0"/>
+                        </a:rPr>
+                        <a:t>勝</a:t>
+                      </a:r>
+                      <a:r>
+                        <a:rPr lang="en-US" altLang="zh-TW" dirty="0" smtClean="0">
+                          <a:solidFill>
+                            <a:srgbClr val="FF0000"/>
+                          </a:solidFill>
+                          <a:latin typeface="Times New Roman" panose="02020603050405020304" pitchFamily="18" charset="0"/>
+                          <a:cs typeface="Times New Roman" panose="02020603050405020304" pitchFamily="18" charset="0"/>
+                        </a:rPr>
+                        <a:t>)</a:t>
+                      </a:r>
+                      <a:endParaRPr lang="zh-TW" altLang="en-US" dirty="0" smtClean="0">
+                        <a:solidFill>
+                          <a:srgbClr val="FF0000"/>
+                        </a:solidFill>
+                        <a:latin typeface="Times New Roman" panose="02020603050405020304" pitchFamily="18" charset="0"/>
+                        <a:cs typeface="Times New Roman" panose="02020603050405020304" pitchFamily="18" charset="0"/>
+                      </a:endParaRPr>
+                    </a:p>
+                  </a:txBody>
+                  <a:tcPr anchor="ctr"/>
+                </a:tc>
+                <a:extLst>
+                  <a:ext uri="{0D108BD9-81ED-4DB2-BD59-A6C34878D82A}">
+                    <a16:rowId xmlns:a16="http://schemas.microsoft.com/office/drawing/2014/main" val="728329125"/>
+                  </a:ext>
+                </a:extLst>
+              </a:tr>
+              <a:tr h="527199">
+                <a:tc>
+                  <a:txBody>
+                    <a:bodyPr/>
+                    <a:lstStyle/>
+                    <a:p>
+                      <a:pPr algn="ctr"/>
+                      <a:r>
+                        <a:rPr lang="zh-TW" altLang="en-US" dirty="0" smtClean="0">
+                          <a:latin typeface="標楷體" panose="03000509000000000000" pitchFamily="65" charset="-120"/>
+                          <a:ea typeface="標楷體" panose="03000509000000000000" pitchFamily="65" charset="-120"/>
+                        </a:rPr>
+                        <a:t>貨車</a:t>
+                      </a:r>
+                      <a:endParaRPr lang="zh-TW" altLang="en-US" dirty="0">
+                        <a:latin typeface="標楷體" panose="03000509000000000000" pitchFamily="65" charset="-120"/>
+                        <a:ea typeface="標楷體" panose="03000509000000000000" pitchFamily="65" charset="-120"/>
+                      </a:endParaRPr>
+                    </a:p>
+                  </a:txBody>
+                  <a:tcPr anchor="ctr"/>
+                </a:tc>
+                <a:tc>
+                  <a:txBody>
+                    <a:bodyPr/>
+                    <a:lstStyle/>
+                    <a:p>
+                      <a:pPr marL="0" marR="0" indent="0" algn="ctr" defTabSz="914400" rtl="0" eaLnBrk="1" fontAlgn="auto" latinLnBrk="0" hangingPunct="1">
+                        <a:lnSpc>
+                          <a:spcPct val="100000"/>
+                        </a:lnSpc>
+                        <a:spcBef>
+                          <a:spcPts val="0"/>
+                        </a:spcBef>
+                        <a:spcAft>
+                          <a:spcPts val="0"/>
+                        </a:spcAft>
+                        <a:buClrTx/>
+                        <a:buSzTx/>
+                        <a:buFontTx/>
+                        <a:buNone/>
+                        <a:tabLst/>
+                        <a:defRPr/>
+                      </a:pPr>
+                      <a:r>
+                        <a:rPr lang="en-US" altLang="zh-TW" dirty="0" smtClean="0">
+                          <a:latin typeface="Times New Roman" panose="02020603050405020304" pitchFamily="18" charset="0"/>
+                          <a:cs typeface="Times New Roman" panose="02020603050405020304" pitchFamily="18" charset="0"/>
+                        </a:rPr>
+                        <a:t>98%</a:t>
+                      </a:r>
+                      <a:r>
+                        <a:rPr lang="en-US" altLang="zh-TW" dirty="0" smtClean="0">
+                          <a:solidFill>
+                            <a:srgbClr val="FF0000"/>
+                          </a:solidFill>
+                          <a:latin typeface="Times New Roman" panose="02020603050405020304" pitchFamily="18" charset="0"/>
+                          <a:cs typeface="Times New Roman" panose="02020603050405020304" pitchFamily="18" charset="0"/>
+                        </a:rPr>
+                        <a:t>(</a:t>
+                      </a:r>
+                      <a:r>
+                        <a:rPr lang="zh-TW" altLang="en-US" dirty="0" smtClean="0">
+                          <a:solidFill>
+                            <a:srgbClr val="FF0000"/>
+                          </a:solidFill>
+                          <a:latin typeface="標楷體" panose="03000509000000000000" pitchFamily="65" charset="-120"/>
+                          <a:ea typeface="標楷體" panose="03000509000000000000" pitchFamily="65" charset="-120"/>
+                          <a:cs typeface="Times New Roman" panose="02020603050405020304" pitchFamily="18" charset="0"/>
+                        </a:rPr>
+                        <a:t>勝</a:t>
+                      </a:r>
+                      <a:r>
+                        <a:rPr lang="en-US" altLang="zh-TW" dirty="0" smtClean="0">
+                          <a:solidFill>
+                            <a:srgbClr val="FF0000"/>
+                          </a:solidFill>
+                          <a:latin typeface="Times New Roman" panose="02020603050405020304" pitchFamily="18" charset="0"/>
+                          <a:cs typeface="Times New Roman" panose="02020603050405020304" pitchFamily="18" charset="0"/>
+                        </a:rPr>
+                        <a:t>)</a:t>
+                      </a:r>
+                      <a:endParaRPr lang="zh-TW" altLang="en-US" dirty="0" smtClean="0">
+                        <a:solidFill>
+                          <a:srgbClr val="FF0000"/>
+                        </a:solidFill>
+                        <a:latin typeface="Times New Roman" panose="02020603050405020304" pitchFamily="18" charset="0"/>
+                        <a:cs typeface="Times New Roman" panose="02020603050405020304" pitchFamily="18" charset="0"/>
+                      </a:endParaRPr>
+                    </a:p>
+                  </a:txBody>
+                  <a:tcPr anchor="ctr"/>
+                </a:tc>
+                <a:tc>
+                  <a:txBody>
+                    <a:bodyPr/>
+                    <a:lstStyle/>
+                    <a:p>
+                      <a:pPr algn="ctr"/>
+                      <a:r>
+                        <a:rPr lang="en-US" altLang="zh-TW" dirty="0" smtClean="0">
+                          <a:latin typeface="Times New Roman" panose="02020603050405020304" pitchFamily="18" charset="0"/>
+                          <a:ea typeface="標楷體" panose="03000509000000000000" pitchFamily="65" charset="-120"/>
+                          <a:cs typeface="Times New Roman" panose="02020603050405020304" pitchFamily="18" charset="0"/>
+                        </a:rPr>
+                        <a:t>94%</a:t>
+                      </a:r>
+                      <a:endParaRPr lang="zh-TW" altLang="en-US" dirty="0">
+                        <a:latin typeface="Times New Roman" panose="02020603050405020304" pitchFamily="18" charset="0"/>
+                        <a:ea typeface="標楷體" panose="03000509000000000000" pitchFamily="65" charset="-120"/>
+                        <a:cs typeface="Times New Roman" panose="02020603050405020304" pitchFamily="18" charset="0"/>
+                      </a:endParaRPr>
+                    </a:p>
+                  </a:txBody>
+                  <a:tcPr anchor="ctr"/>
+                </a:tc>
+                <a:extLst>
+                  <a:ext uri="{0D108BD9-81ED-4DB2-BD59-A6C34878D82A}">
+                    <a16:rowId xmlns:a16="http://schemas.microsoft.com/office/drawing/2014/main" val="1737716828"/>
+                  </a:ext>
+                </a:extLst>
+              </a:tr>
+              <a:tr h="527199">
+                <a:tc>
+                  <a:txBody>
+                    <a:bodyPr/>
+                    <a:lstStyle/>
+                    <a:p>
+                      <a:pPr algn="ctr"/>
+                      <a:r>
+                        <a:rPr lang="zh-TW" altLang="en-US" dirty="0" smtClean="0">
+                          <a:latin typeface="標楷體" panose="03000509000000000000" pitchFamily="65" charset="-120"/>
+                          <a:ea typeface="標楷體" panose="03000509000000000000" pitchFamily="65" charset="-120"/>
+                        </a:rPr>
+                        <a:t>多物件</a:t>
+                      </a:r>
+                      <a:endParaRPr lang="zh-TW" altLang="en-US" dirty="0">
+                        <a:latin typeface="標楷體" panose="03000509000000000000" pitchFamily="65" charset="-120"/>
+                        <a:ea typeface="標楷體" panose="03000509000000000000" pitchFamily="65" charset="-120"/>
+                      </a:endParaRPr>
+                    </a:p>
+                  </a:txBody>
+                  <a:tcPr anchor="ctr"/>
+                </a:tc>
+                <a:tc>
+                  <a:txBody>
+                    <a:bodyPr/>
+                    <a:lstStyle/>
+                    <a:p>
+                      <a:pPr marL="0" marR="0" indent="0" algn="ctr" defTabSz="914400" rtl="0" eaLnBrk="1" fontAlgn="auto" latinLnBrk="0" hangingPunct="1">
+                        <a:lnSpc>
+                          <a:spcPct val="100000"/>
+                        </a:lnSpc>
+                        <a:spcBef>
+                          <a:spcPts val="0"/>
+                        </a:spcBef>
+                        <a:spcAft>
+                          <a:spcPts val="0"/>
+                        </a:spcAft>
+                        <a:buClrTx/>
+                        <a:buSzTx/>
+                        <a:buFontTx/>
+                        <a:buNone/>
+                        <a:tabLst/>
+                        <a:defRPr/>
+                      </a:pPr>
+                      <a:r>
+                        <a:rPr lang="en-US" altLang="zh-TW" dirty="0" smtClean="0">
+                          <a:latin typeface="Times New Roman" panose="02020603050405020304" pitchFamily="18" charset="0"/>
+                          <a:cs typeface="Times New Roman" panose="02020603050405020304" pitchFamily="18" charset="0"/>
+                        </a:rPr>
+                        <a:t>95%</a:t>
+                      </a:r>
+                      <a:r>
+                        <a:rPr lang="en-US" altLang="zh-TW" dirty="0" smtClean="0">
+                          <a:solidFill>
+                            <a:srgbClr val="FF0000"/>
+                          </a:solidFill>
+                          <a:latin typeface="Times New Roman" panose="02020603050405020304" pitchFamily="18" charset="0"/>
+                          <a:cs typeface="Times New Roman" panose="02020603050405020304" pitchFamily="18" charset="0"/>
+                        </a:rPr>
+                        <a:t>(</a:t>
+                      </a:r>
+                      <a:r>
+                        <a:rPr lang="zh-TW" altLang="en-US" dirty="0" smtClean="0">
+                          <a:solidFill>
+                            <a:srgbClr val="FF0000"/>
+                          </a:solidFill>
+                          <a:latin typeface="標楷體" panose="03000509000000000000" pitchFamily="65" charset="-120"/>
+                          <a:ea typeface="標楷體" panose="03000509000000000000" pitchFamily="65" charset="-120"/>
+                          <a:cs typeface="Times New Roman" panose="02020603050405020304" pitchFamily="18" charset="0"/>
+                        </a:rPr>
+                        <a:t>勝</a:t>
+                      </a:r>
+                      <a:r>
+                        <a:rPr lang="en-US" altLang="zh-TW" dirty="0" smtClean="0">
+                          <a:solidFill>
+                            <a:srgbClr val="FF0000"/>
+                          </a:solidFill>
+                          <a:latin typeface="Times New Roman" panose="02020603050405020304" pitchFamily="18" charset="0"/>
+                          <a:cs typeface="Times New Roman" panose="02020603050405020304" pitchFamily="18" charset="0"/>
+                        </a:rPr>
+                        <a:t>)</a:t>
+                      </a:r>
+                      <a:endParaRPr lang="zh-TW" altLang="en-US" dirty="0" smtClean="0">
+                        <a:solidFill>
+                          <a:srgbClr val="FF0000"/>
+                        </a:solidFill>
+                        <a:latin typeface="Times New Roman" panose="02020603050405020304" pitchFamily="18" charset="0"/>
+                        <a:cs typeface="Times New Roman" panose="02020603050405020304" pitchFamily="18" charset="0"/>
+                      </a:endParaRPr>
+                    </a:p>
+                  </a:txBody>
+                  <a:tcPr anchor="ctr"/>
+                </a:tc>
+                <a:tc>
+                  <a:txBody>
+                    <a:bodyPr/>
+                    <a:lstStyle/>
+                    <a:p>
+                      <a:pPr algn="ctr"/>
+                      <a:r>
+                        <a:rPr lang="en-US" altLang="zh-TW" dirty="0" smtClean="0">
+                          <a:latin typeface="Times New Roman" panose="02020603050405020304" pitchFamily="18" charset="0"/>
+                          <a:ea typeface="標楷體" panose="03000509000000000000" pitchFamily="65" charset="-120"/>
+                          <a:cs typeface="Times New Roman" panose="02020603050405020304" pitchFamily="18" charset="0"/>
+                        </a:rPr>
+                        <a:t>91%</a:t>
+                      </a:r>
+                      <a:endParaRPr lang="zh-TW" altLang="en-US" dirty="0">
+                        <a:latin typeface="Times New Roman" panose="02020603050405020304" pitchFamily="18" charset="0"/>
+                        <a:ea typeface="標楷體" panose="03000509000000000000" pitchFamily="65" charset="-120"/>
+                        <a:cs typeface="Times New Roman" panose="02020603050405020304" pitchFamily="18" charset="0"/>
+                      </a:endParaRPr>
+                    </a:p>
+                  </a:txBody>
+                  <a:tcPr anchor="ctr"/>
+                </a:tc>
+                <a:extLst>
+                  <a:ext uri="{0D108BD9-81ED-4DB2-BD59-A6C34878D82A}">
+                    <a16:rowId xmlns:a16="http://schemas.microsoft.com/office/drawing/2014/main" val="4077049804"/>
+                  </a:ext>
+                </a:extLst>
+              </a:tr>
+              <a:tr h="527199">
+                <a:tc>
+                  <a:txBody>
+                    <a:bodyPr/>
+                    <a:lstStyle/>
+                    <a:p>
+                      <a:pPr algn="ctr"/>
+                      <a:r>
+                        <a:rPr lang="zh-TW" altLang="en-US" dirty="0" smtClean="0">
+                          <a:latin typeface="標楷體" panose="03000509000000000000" pitchFamily="65" charset="-120"/>
+                          <a:ea typeface="標楷體" panose="03000509000000000000" pitchFamily="65" charset="-120"/>
+                        </a:rPr>
+                        <a:t>垃圾物件</a:t>
+                      </a:r>
+                      <a:endParaRPr lang="zh-TW" altLang="en-US" dirty="0">
+                        <a:latin typeface="標楷體" panose="03000509000000000000" pitchFamily="65" charset="-120"/>
+                        <a:ea typeface="標楷體" panose="03000509000000000000" pitchFamily="65" charset="-120"/>
+                      </a:endParaRPr>
+                    </a:p>
+                  </a:txBody>
+                  <a:tcPr anchor="ctr"/>
+                </a:tc>
+                <a:tc>
+                  <a:txBody>
+                    <a:bodyPr/>
+                    <a:lstStyle/>
+                    <a:p>
+                      <a:pPr marL="0" marR="0" indent="0" algn="ctr" defTabSz="914400" rtl="0" eaLnBrk="1" fontAlgn="auto" latinLnBrk="0" hangingPunct="1">
+                        <a:lnSpc>
+                          <a:spcPct val="100000"/>
+                        </a:lnSpc>
+                        <a:spcBef>
+                          <a:spcPts val="0"/>
+                        </a:spcBef>
+                        <a:spcAft>
+                          <a:spcPts val="0"/>
+                        </a:spcAft>
+                        <a:buClrTx/>
+                        <a:buSzTx/>
+                        <a:buFontTx/>
+                        <a:buNone/>
+                        <a:tabLst/>
+                        <a:defRPr/>
+                      </a:pPr>
+                      <a:r>
+                        <a:rPr lang="en-US" altLang="zh-TW" dirty="0" smtClean="0">
+                          <a:latin typeface="Times New Roman" panose="02020603050405020304" pitchFamily="18" charset="0"/>
+                          <a:cs typeface="Times New Roman" panose="02020603050405020304" pitchFamily="18" charset="0"/>
+                        </a:rPr>
+                        <a:t>97%</a:t>
+                      </a:r>
+                      <a:r>
+                        <a:rPr lang="en-US" altLang="zh-TW" dirty="0" smtClean="0">
+                          <a:solidFill>
+                            <a:srgbClr val="FF0000"/>
+                          </a:solidFill>
+                          <a:latin typeface="Times New Roman" panose="02020603050405020304" pitchFamily="18" charset="0"/>
+                          <a:cs typeface="Times New Roman" panose="02020603050405020304" pitchFamily="18" charset="0"/>
+                        </a:rPr>
+                        <a:t>(</a:t>
+                      </a:r>
+                      <a:r>
+                        <a:rPr lang="zh-TW" altLang="en-US" dirty="0" smtClean="0">
+                          <a:solidFill>
+                            <a:srgbClr val="FF0000"/>
+                          </a:solidFill>
+                          <a:latin typeface="標楷體" panose="03000509000000000000" pitchFamily="65" charset="-120"/>
+                          <a:ea typeface="標楷體" panose="03000509000000000000" pitchFamily="65" charset="-120"/>
+                          <a:cs typeface="Times New Roman" panose="02020603050405020304" pitchFamily="18" charset="0"/>
+                        </a:rPr>
+                        <a:t>勝</a:t>
+                      </a:r>
+                      <a:r>
+                        <a:rPr lang="en-US" altLang="zh-TW" dirty="0" smtClean="0">
+                          <a:solidFill>
+                            <a:srgbClr val="FF0000"/>
+                          </a:solidFill>
+                          <a:latin typeface="Times New Roman" panose="02020603050405020304" pitchFamily="18" charset="0"/>
+                          <a:cs typeface="Times New Roman" panose="02020603050405020304" pitchFamily="18" charset="0"/>
+                        </a:rPr>
+                        <a:t>)</a:t>
+                      </a:r>
+                      <a:endParaRPr lang="zh-TW" altLang="en-US" dirty="0" smtClean="0">
+                        <a:solidFill>
+                          <a:srgbClr val="FF0000"/>
+                        </a:solidFill>
+                        <a:latin typeface="Times New Roman" panose="02020603050405020304" pitchFamily="18" charset="0"/>
+                        <a:cs typeface="Times New Roman" panose="02020603050405020304" pitchFamily="18" charset="0"/>
+                      </a:endParaRPr>
+                    </a:p>
+                  </a:txBody>
+                  <a:tcPr anchor="ctr"/>
+                </a:tc>
+                <a:tc>
+                  <a:txBody>
+                    <a:bodyPr/>
+                    <a:lstStyle/>
+                    <a:p>
+                      <a:pPr algn="ctr"/>
+                      <a:r>
+                        <a:rPr lang="en-US" altLang="zh-TW" dirty="0" smtClean="0">
+                          <a:latin typeface="Times New Roman" panose="02020603050405020304" pitchFamily="18" charset="0"/>
+                          <a:ea typeface="標楷體" panose="03000509000000000000" pitchFamily="65" charset="-120"/>
+                          <a:cs typeface="Times New Roman" panose="02020603050405020304" pitchFamily="18" charset="0"/>
+                        </a:rPr>
+                        <a:t>95%</a:t>
+                      </a:r>
+                      <a:endParaRPr lang="zh-TW" altLang="en-US" dirty="0">
+                        <a:latin typeface="Times New Roman" panose="02020603050405020304" pitchFamily="18" charset="0"/>
+                        <a:ea typeface="標楷體" panose="03000509000000000000" pitchFamily="65" charset="-120"/>
+                        <a:cs typeface="Times New Roman" panose="02020603050405020304" pitchFamily="18" charset="0"/>
+                      </a:endParaRPr>
+                    </a:p>
+                  </a:txBody>
+                  <a:tcPr anchor="ctr"/>
+                </a:tc>
+                <a:extLst>
+                  <a:ext uri="{0D108BD9-81ED-4DB2-BD59-A6C34878D82A}">
+                    <a16:rowId xmlns:a16="http://schemas.microsoft.com/office/drawing/2014/main" val="2573747367"/>
+                  </a:ext>
+                </a:extLst>
+              </a:tr>
+            </a:tbl>
+          </a:graphicData>
+        </a:graphic>
+      </p:graphicFrame>
+    </p:spTree>
+    <p:extLst>
+      <p:ext uri="{BB962C8B-B14F-4D97-AF65-F5344CB8AC3E}">
+        <p14:creationId xmlns:p14="http://schemas.microsoft.com/office/powerpoint/2010/main" val="4099647855"/>
+      </p:ext>
+    </p:extLst>
+  </p:cSld>
+  <p:clrMapOvr>
+    <a:masterClrMapping/>
+  </p:clrMapOvr>
+  <p:timing>
+    <p:tnLst>
+      <p:par>
+        <p:cTn id="1" dur="indefinite" restart="never" nodeType="tmRoot"/>
+      </p:par>
+    </p:tnLst>
+  </p:timing>
 </p:sld>
 </file>
 
